--- a/REST.pptx
+++ b/REST.pptx
@@ -13,6 +13,8 @@
     <p:sldId id="261" r:id="rId7"/>
     <p:sldId id="263" r:id="rId8"/>
     <p:sldId id="262" r:id="rId9"/>
+    <p:sldId id="265" r:id="rId10"/>
+    <p:sldId id="266" r:id="rId11"/>
   </p:sldIdLst>
   <p:sldSz cx="12192000" cy="6858000"/>
   <p:notesSz cx="6858000" cy="9144000"/>
@@ -111,6 +113,11 @@
       </a:defRPr>
     </a:lvl9pPr>
   </p:defaultTextStyle>
+  <p:extLst>
+    <p:ext uri="{EFAFB233-063F-42B5-8137-9DF3F51BA10A}">
+      <p15:sldGuideLst xmlns:p15="http://schemas.microsoft.com/office/powerpoint/2012/main"/>
+    </p:ext>
+  </p:extLst>
 </p:presentation>
 </file>
 
@@ -245,7 +252,7 @@
           <a:p>
             <a:fld id="{87B37464-989D-4436-8DD6-4E2D6FEC1EC0}" type="datetimeFigureOut">
               <a:rPr lang="it-IT" smtClean="0"/>
-              <a:t>08/06/2016</a:t>
+              <a:t>14/06/2016</a:t>
             </a:fld>
             <a:endParaRPr lang="it-IT"/>
           </a:p>
@@ -415,7 +422,7 @@
           <a:p>
             <a:fld id="{87B37464-989D-4436-8DD6-4E2D6FEC1EC0}" type="datetimeFigureOut">
               <a:rPr lang="it-IT" smtClean="0"/>
-              <a:t>08/06/2016</a:t>
+              <a:t>14/06/2016</a:t>
             </a:fld>
             <a:endParaRPr lang="it-IT"/>
           </a:p>
@@ -595,7 +602,7 @@
           <a:p>
             <a:fld id="{87B37464-989D-4436-8DD6-4E2D6FEC1EC0}" type="datetimeFigureOut">
               <a:rPr lang="it-IT" smtClean="0"/>
-              <a:t>08/06/2016</a:t>
+              <a:t>14/06/2016</a:t>
             </a:fld>
             <a:endParaRPr lang="it-IT"/>
           </a:p>
@@ -765,7 +772,7 @@
           <a:p>
             <a:fld id="{87B37464-989D-4436-8DD6-4E2D6FEC1EC0}" type="datetimeFigureOut">
               <a:rPr lang="it-IT" smtClean="0"/>
-              <a:t>08/06/2016</a:t>
+              <a:t>14/06/2016</a:t>
             </a:fld>
             <a:endParaRPr lang="it-IT"/>
           </a:p>
@@ -1018,7 +1025,7 @@
           <a:p>
             <a:fld id="{87B37464-989D-4436-8DD6-4E2D6FEC1EC0}" type="datetimeFigureOut">
               <a:rPr lang="it-IT" smtClean="0"/>
-              <a:t>08/06/2016</a:t>
+              <a:t>14/06/2016</a:t>
             </a:fld>
             <a:endParaRPr lang="it-IT"/>
           </a:p>
@@ -1250,7 +1257,7 @@
           <a:p>
             <a:fld id="{87B37464-989D-4436-8DD6-4E2D6FEC1EC0}" type="datetimeFigureOut">
               <a:rPr lang="it-IT" smtClean="0"/>
-              <a:t>08/06/2016</a:t>
+              <a:t>14/06/2016</a:t>
             </a:fld>
             <a:endParaRPr lang="it-IT"/>
           </a:p>
@@ -1617,7 +1624,7 @@
           <a:p>
             <a:fld id="{87B37464-989D-4436-8DD6-4E2D6FEC1EC0}" type="datetimeFigureOut">
               <a:rPr lang="it-IT" smtClean="0"/>
-              <a:t>08/06/2016</a:t>
+              <a:t>14/06/2016</a:t>
             </a:fld>
             <a:endParaRPr lang="it-IT"/>
           </a:p>
@@ -1735,7 +1742,7 @@
           <a:p>
             <a:fld id="{87B37464-989D-4436-8DD6-4E2D6FEC1EC0}" type="datetimeFigureOut">
               <a:rPr lang="it-IT" smtClean="0"/>
-              <a:t>08/06/2016</a:t>
+              <a:t>14/06/2016</a:t>
             </a:fld>
             <a:endParaRPr lang="it-IT"/>
           </a:p>
@@ -1830,7 +1837,7 @@
           <a:p>
             <a:fld id="{87B37464-989D-4436-8DD6-4E2D6FEC1EC0}" type="datetimeFigureOut">
               <a:rPr lang="it-IT" smtClean="0"/>
-              <a:t>08/06/2016</a:t>
+              <a:t>14/06/2016</a:t>
             </a:fld>
             <a:endParaRPr lang="it-IT"/>
           </a:p>
@@ -2107,7 +2114,7 @@
           <a:p>
             <a:fld id="{87B37464-989D-4436-8DD6-4E2D6FEC1EC0}" type="datetimeFigureOut">
               <a:rPr lang="it-IT" smtClean="0"/>
-              <a:t>08/06/2016</a:t>
+              <a:t>14/06/2016</a:t>
             </a:fld>
             <a:endParaRPr lang="it-IT"/>
           </a:p>
@@ -2364,7 +2371,7 @@
           <a:p>
             <a:fld id="{87B37464-989D-4436-8DD6-4E2D6FEC1EC0}" type="datetimeFigureOut">
               <a:rPr lang="it-IT" smtClean="0"/>
-              <a:t>08/06/2016</a:t>
+              <a:t>14/06/2016</a:t>
             </a:fld>
             <a:endParaRPr lang="it-IT"/>
           </a:p>
@@ -2580,7 +2587,7 @@
           <a:p>
             <a:fld id="{87B37464-989D-4436-8DD6-4E2D6FEC1EC0}" type="datetimeFigureOut">
               <a:rPr lang="it-IT" smtClean="0"/>
-              <a:t>08/06/2016</a:t>
+              <a:t>14/06/2016</a:t>
             </a:fld>
             <a:endParaRPr lang="it-IT"/>
           </a:p>
@@ -3069,6 +3076,1128 @@
 </p:sld>
 </file>
 
+<file path=ppt/slides/slide10.xml><?xml version="1.0" encoding="utf-8"?>
+<p:sld xmlns:a="http://schemas.openxmlformats.org/drawingml/2006/main" xmlns:r="http://schemas.openxmlformats.org/officeDocument/2006/relationships" xmlns:p="http://schemas.openxmlformats.org/presentationml/2006/main">
+  <p:cSld>
+    <p:spTree>
+      <p:nvGrpSpPr>
+        <p:cNvPr id="1" name=""/>
+        <p:cNvGrpSpPr/>
+        <p:nvPr/>
+      </p:nvGrpSpPr>
+      <p:grpSpPr>
+        <a:xfrm>
+          <a:off x="0" y="0"/>
+          <a:ext cx="0" cy="0"/>
+          <a:chOff x="0" y="0"/>
+          <a:chExt cx="0" cy="0"/>
+        </a:xfrm>
+      </p:grpSpPr>
+      <p:sp>
+        <p:nvSpPr>
+          <p:cNvPr id="2" name="Titolo 1"/>
+          <p:cNvSpPr>
+            <a:spLocks noGrp="1"/>
+          </p:cNvSpPr>
+          <p:nvPr>
+            <p:ph type="title"/>
+          </p:nvPr>
+        </p:nvSpPr>
+        <p:spPr/>
+        <p:txBody>
+          <a:bodyPr/>
+          <a:lstStyle/>
+          <a:p>
+            <a:r>
+              <a:rPr lang="it-IT" dirty="0" smtClean="0">
+                <a:solidFill>
+                  <a:schemeClr val="bg1"/>
+                </a:solidFill>
+              </a:rPr>
+              <a:t>REST con HTTP</a:t>
+            </a:r>
+            <a:endParaRPr lang="it-IT" dirty="0">
+              <a:solidFill>
+                <a:schemeClr val="bg1"/>
+              </a:solidFill>
+            </a:endParaRPr>
+          </a:p>
+        </p:txBody>
+      </p:sp>
+      <p:sp>
+        <p:nvSpPr>
+          <p:cNvPr id="3" name="Segnaposto contenuto 2"/>
+          <p:cNvSpPr>
+            <a:spLocks noGrp="1"/>
+          </p:cNvSpPr>
+          <p:nvPr>
+            <p:ph idx="1"/>
+          </p:nvPr>
+        </p:nvSpPr>
+        <p:spPr>
+          <a:xfrm>
+            <a:off x="838200" y="1825625"/>
+            <a:ext cx="5195745" cy="4351338"/>
+          </a:xfrm>
+        </p:spPr>
+        <p:txBody>
+          <a:bodyPr>
+            <a:normAutofit/>
+          </a:bodyPr>
+          <a:lstStyle/>
+          <a:p>
+            <a:pPr marL="0" lvl="0" indent="0" eaLnBrk="0" fontAlgn="base" hangingPunct="0">
+              <a:lnSpc>
+                <a:spcPct val="100000"/>
+              </a:lnSpc>
+              <a:spcBef>
+                <a:spcPct val="0"/>
+              </a:spcBef>
+              <a:spcAft>
+                <a:spcPct val="0"/>
+              </a:spcAft>
+              <a:buNone/>
+            </a:pPr>
+            <a:r>
+              <a:rPr lang="it-IT" altLang="it-IT" dirty="0" err="1" smtClean="0">
+                <a:solidFill>
+                  <a:srgbClr val="02523F"/>
+                </a:solidFill>
+                <a:latin typeface="Arial Unicode MS"/>
+              </a:rPr>
+              <a:t>Request</a:t>
+            </a:r>
+            <a:endParaRPr lang="it-IT" altLang="it-IT" dirty="0">
+              <a:solidFill>
+                <a:srgbClr val="02523F"/>
+              </a:solidFill>
+              <a:latin typeface="Arial Unicode MS"/>
+            </a:endParaRPr>
+          </a:p>
+          <a:p>
+            <a:pPr marL="0" lvl="0" indent="0" eaLnBrk="0" fontAlgn="base" hangingPunct="0">
+              <a:lnSpc>
+                <a:spcPct val="100000"/>
+              </a:lnSpc>
+              <a:spcBef>
+                <a:spcPct val="0"/>
+              </a:spcBef>
+              <a:spcAft>
+                <a:spcPct val="0"/>
+              </a:spcAft>
+              <a:buNone/>
+            </a:pPr>
+            <a:endParaRPr lang="it-IT" altLang="it-IT" dirty="0" smtClean="0">
+              <a:solidFill>
+                <a:srgbClr val="02523F"/>
+              </a:solidFill>
+              <a:latin typeface="Arial Unicode MS"/>
+            </a:endParaRPr>
+          </a:p>
+          <a:p>
+            <a:pPr marL="0" lvl="0" indent="0" eaLnBrk="0" fontAlgn="base" hangingPunct="0">
+              <a:lnSpc>
+                <a:spcPct val="100000"/>
+              </a:lnSpc>
+              <a:spcBef>
+                <a:spcPct val="0"/>
+              </a:spcBef>
+              <a:spcAft>
+                <a:spcPct val="0"/>
+              </a:spcAft>
+              <a:buNone/>
+            </a:pPr>
+            <a:r>
+              <a:rPr lang="it-IT" altLang="it-IT" sz="1800" dirty="0" smtClean="0">
+                <a:solidFill>
+                  <a:schemeClr val="bg1"/>
+                </a:solidFill>
+                <a:latin typeface="Arial Unicode MS"/>
+              </a:rPr>
+              <a:t>POST /</a:t>
+            </a:r>
+            <a:r>
+              <a:rPr lang="it-IT" altLang="it-IT" sz="1800" dirty="0" err="1" smtClean="0">
+                <a:solidFill>
+                  <a:schemeClr val="bg1"/>
+                </a:solidFill>
+                <a:latin typeface="Arial Unicode MS"/>
+              </a:rPr>
+              <a:t>contact</a:t>
+            </a:r>
+            <a:r>
+              <a:rPr lang="it-IT" altLang="it-IT" sz="1800" dirty="0" smtClean="0">
+                <a:solidFill>
+                  <a:schemeClr val="bg1"/>
+                </a:solidFill>
+                <a:latin typeface="Arial Unicode MS"/>
+              </a:rPr>
+              <a:t>/carlo HTTP/1.1 </a:t>
+            </a:r>
+          </a:p>
+          <a:p>
+            <a:pPr marL="0" lvl="0" indent="0" eaLnBrk="0" fontAlgn="base" hangingPunct="0">
+              <a:lnSpc>
+                <a:spcPct val="100000"/>
+              </a:lnSpc>
+              <a:spcBef>
+                <a:spcPct val="0"/>
+              </a:spcBef>
+              <a:spcAft>
+                <a:spcPct val="0"/>
+              </a:spcAft>
+              <a:buNone/>
+            </a:pPr>
+            <a:r>
+              <a:rPr lang="it-IT" altLang="it-IT" sz="1800" dirty="0" smtClean="0">
+                <a:solidFill>
+                  <a:schemeClr val="bg1"/>
+                </a:solidFill>
+                <a:latin typeface="Arial Unicode MS"/>
+              </a:rPr>
+              <a:t>HOST: localhost:3000 </a:t>
+            </a:r>
+          </a:p>
+          <a:p>
+            <a:pPr marL="0" lvl="0" indent="0" eaLnBrk="0" fontAlgn="base" hangingPunct="0">
+              <a:lnSpc>
+                <a:spcPct val="100000"/>
+              </a:lnSpc>
+              <a:spcBef>
+                <a:spcPct val="0"/>
+              </a:spcBef>
+              <a:spcAft>
+                <a:spcPct val="0"/>
+              </a:spcAft>
+              <a:buNone/>
+            </a:pPr>
+            <a:r>
+              <a:rPr lang="it-IT" altLang="it-IT" sz="1800" dirty="0" err="1" smtClean="0">
+                <a:solidFill>
+                  <a:schemeClr val="bg1"/>
+                </a:solidFill>
+                <a:latin typeface="Arial Unicode MS"/>
+              </a:rPr>
+              <a:t>authorization</a:t>
+            </a:r>
+            <a:r>
+              <a:rPr lang="it-IT" altLang="it-IT" sz="1800" dirty="0" smtClean="0">
+                <a:solidFill>
+                  <a:schemeClr val="bg1"/>
+                </a:solidFill>
+                <a:latin typeface="Arial Unicode MS"/>
+              </a:rPr>
+              <a:t>: </a:t>
+            </a:r>
+            <a:r>
+              <a:rPr lang="it-IT" altLang="it-IT" sz="1800" dirty="0" err="1" smtClean="0">
+                <a:solidFill>
+                  <a:schemeClr val="bg1"/>
+                </a:solidFill>
+                <a:latin typeface="Arial Unicode MS"/>
+              </a:rPr>
+              <a:t>basic</a:t>
+            </a:r>
+            <a:r>
+              <a:rPr lang="it-IT" altLang="it-IT" sz="1800" dirty="0" smtClean="0">
+                <a:solidFill>
+                  <a:schemeClr val="bg1"/>
+                </a:solidFill>
+                <a:latin typeface="Arial Unicode MS"/>
+              </a:rPr>
+              <a:t> vassallocarlo:1234 </a:t>
+            </a:r>
+          </a:p>
+          <a:p>
+            <a:pPr marL="0" lvl="0" indent="0" eaLnBrk="0" fontAlgn="base" hangingPunct="0">
+              <a:lnSpc>
+                <a:spcPct val="100000"/>
+              </a:lnSpc>
+              <a:spcBef>
+                <a:spcPct val="0"/>
+              </a:spcBef>
+              <a:spcAft>
+                <a:spcPct val="0"/>
+              </a:spcAft>
+              <a:buNone/>
+            </a:pPr>
+            <a:r>
+              <a:rPr lang="it-IT" altLang="it-IT" sz="1800" dirty="0" err="1" smtClean="0">
+                <a:solidFill>
+                  <a:schemeClr val="bg1"/>
+                </a:solidFill>
+                <a:latin typeface="Arial Unicode MS"/>
+              </a:rPr>
+              <a:t>content-length</a:t>
+            </a:r>
+            <a:r>
+              <a:rPr lang="it-IT" altLang="it-IT" sz="1800" dirty="0" smtClean="0">
+                <a:solidFill>
+                  <a:schemeClr val="bg1"/>
+                </a:solidFill>
+                <a:latin typeface="Arial Unicode MS"/>
+              </a:rPr>
+              <a:t>: 70 </a:t>
+            </a:r>
+          </a:p>
+          <a:p>
+            <a:pPr marL="0" lvl="0" indent="0" eaLnBrk="0" fontAlgn="base" hangingPunct="0">
+              <a:lnSpc>
+                <a:spcPct val="100000"/>
+              </a:lnSpc>
+              <a:spcBef>
+                <a:spcPct val="0"/>
+              </a:spcBef>
+              <a:spcAft>
+                <a:spcPct val="0"/>
+              </a:spcAft>
+              <a:buNone/>
+            </a:pPr>
+            <a:endParaRPr lang="it-IT" altLang="it-IT" sz="1800" dirty="0" smtClean="0">
+              <a:solidFill>
+                <a:schemeClr val="bg1"/>
+              </a:solidFill>
+              <a:latin typeface="Arial Unicode MS"/>
+            </a:endParaRPr>
+          </a:p>
+          <a:p>
+            <a:pPr marL="0" lvl="0" indent="0" eaLnBrk="0" fontAlgn="base" hangingPunct="0">
+              <a:lnSpc>
+                <a:spcPct val="100000"/>
+              </a:lnSpc>
+              <a:spcBef>
+                <a:spcPct val="0"/>
+              </a:spcBef>
+              <a:spcAft>
+                <a:spcPct val="0"/>
+              </a:spcAft>
+              <a:buNone/>
+            </a:pPr>
+            <a:r>
+              <a:rPr lang="it-IT" altLang="it-IT" sz="1800" dirty="0" smtClean="0">
+                <a:solidFill>
+                  <a:schemeClr val="bg1"/>
+                </a:solidFill>
+                <a:latin typeface="Arial Unicode MS"/>
+              </a:rPr>
+              <a:t>{ </a:t>
+            </a:r>
+          </a:p>
+          <a:p>
+            <a:pPr marL="0" lvl="0" indent="0" eaLnBrk="0" fontAlgn="base" hangingPunct="0">
+              <a:lnSpc>
+                <a:spcPct val="100000"/>
+              </a:lnSpc>
+              <a:spcBef>
+                <a:spcPct val="0"/>
+              </a:spcBef>
+              <a:spcAft>
+                <a:spcPct val="0"/>
+              </a:spcAft>
+              <a:buNone/>
+            </a:pPr>
+            <a:r>
+              <a:rPr lang="it-IT" altLang="it-IT" sz="1800" dirty="0" smtClean="0">
+                <a:solidFill>
+                  <a:schemeClr val="bg1"/>
+                </a:solidFill>
+                <a:latin typeface="Arial Unicode MS"/>
+              </a:rPr>
+              <a:t>    "</a:t>
+            </a:r>
+            <a:r>
+              <a:rPr lang="it-IT" altLang="it-IT" sz="1800" dirty="0" err="1" smtClean="0">
+                <a:solidFill>
+                  <a:schemeClr val="bg1"/>
+                </a:solidFill>
+                <a:latin typeface="Arial Unicode MS"/>
+              </a:rPr>
+              <a:t>name</a:t>
+            </a:r>
+            <a:r>
+              <a:rPr lang="it-IT" altLang="it-IT" sz="1800" dirty="0" smtClean="0">
+                <a:solidFill>
+                  <a:schemeClr val="bg1"/>
+                </a:solidFill>
+                <a:latin typeface="Arial Unicode MS"/>
+              </a:rPr>
+              <a:t>": "</a:t>
+            </a:r>
+            <a:r>
+              <a:rPr lang="it-IT" altLang="it-IT" sz="1800" dirty="0" err="1" smtClean="0">
+                <a:solidFill>
+                  <a:schemeClr val="bg1"/>
+                </a:solidFill>
+                <a:latin typeface="Arial Unicode MS"/>
+              </a:rPr>
+              <a:t>ciccio</a:t>
+            </a:r>
+            <a:r>
+              <a:rPr lang="it-IT" altLang="it-IT" sz="1800" dirty="0" smtClean="0">
+                <a:solidFill>
+                  <a:schemeClr val="bg1"/>
+                </a:solidFill>
+                <a:latin typeface="Arial Unicode MS"/>
+              </a:rPr>
+              <a:t>", </a:t>
+            </a:r>
+          </a:p>
+          <a:p>
+            <a:pPr marL="0" lvl="0" indent="0" eaLnBrk="0" fontAlgn="base" hangingPunct="0">
+              <a:lnSpc>
+                <a:spcPct val="100000"/>
+              </a:lnSpc>
+              <a:spcBef>
+                <a:spcPct val="0"/>
+              </a:spcBef>
+              <a:spcAft>
+                <a:spcPct val="0"/>
+              </a:spcAft>
+              <a:buNone/>
+            </a:pPr>
+            <a:r>
+              <a:rPr lang="it-IT" altLang="it-IT" sz="1800" dirty="0" smtClean="0">
+                <a:solidFill>
+                  <a:schemeClr val="bg1"/>
+                </a:solidFill>
+                <a:latin typeface="Arial Unicode MS"/>
+              </a:rPr>
+              <a:t>    "</a:t>
+            </a:r>
+            <a:r>
+              <a:rPr lang="it-IT" altLang="it-IT" sz="1800" dirty="0" err="1" smtClean="0">
+                <a:solidFill>
+                  <a:schemeClr val="bg1"/>
+                </a:solidFill>
+                <a:latin typeface="Arial Unicode MS"/>
+              </a:rPr>
+              <a:t>surname</a:t>
+            </a:r>
+            <a:r>
+              <a:rPr lang="it-IT" altLang="it-IT" sz="1800" dirty="0" smtClean="0">
+                <a:solidFill>
+                  <a:schemeClr val="bg1"/>
+                </a:solidFill>
+                <a:latin typeface="Arial Unicode MS"/>
+              </a:rPr>
+              <a:t>": "bello", </a:t>
+            </a:r>
+          </a:p>
+          <a:p>
+            <a:pPr marL="0" lvl="0" indent="0" eaLnBrk="0" fontAlgn="base" hangingPunct="0">
+              <a:lnSpc>
+                <a:spcPct val="100000"/>
+              </a:lnSpc>
+              <a:spcBef>
+                <a:spcPct val="0"/>
+              </a:spcBef>
+              <a:spcAft>
+                <a:spcPct val="0"/>
+              </a:spcAft>
+              <a:buNone/>
+            </a:pPr>
+            <a:r>
+              <a:rPr lang="it-IT" altLang="it-IT" sz="1800" dirty="0" smtClean="0">
+                <a:solidFill>
+                  <a:schemeClr val="bg1"/>
+                </a:solidFill>
+                <a:latin typeface="Arial Unicode MS"/>
+              </a:rPr>
+              <a:t>    "</a:t>
+            </a:r>
+            <a:r>
+              <a:rPr lang="it-IT" altLang="it-IT" sz="1800" dirty="0" err="1" smtClean="0">
+                <a:solidFill>
+                  <a:schemeClr val="bg1"/>
+                </a:solidFill>
+                <a:latin typeface="Arial Unicode MS"/>
+              </a:rPr>
+              <a:t>phone</a:t>
+            </a:r>
+            <a:r>
+              <a:rPr lang="it-IT" altLang="it-IT" sz="1800" dirty="0" smtClean="0">
+                <a:solidFill>
+                  <a:schemeClr val="bg1"/>
+                </a:solidFill>
+                <a:latin typeface="Arial Unicode MS"/>
+              </a:rPr>
+              <a:t>": "1234567891"</a:t>
+            </a:r>
+          </a:p>
+          <a:p>
+            <a:pPr marL="0" lvl="0" indent="0" eaLnBrk="0" fontAlgn="base" hangingPunct="0">
+              <a:lnSpc>
+                <a:spcPct val="100000"/>
+              </a:lnSpc>
+              <a:spcBef>
+                <a:spcPct val="0"/>
+              </a:spcBef>
+              <a:spcAft>
+                <a:spcPct val="0"/>
+              </a:spcAft>
+              <a:buNone/>
+            </a:pPr>
+            <a:r>
+              <a:rPr lang="it-IT" altLang="it-IT" sz="1800" dirty="0" smtClean="0">
+                <a:solidFill>
+                  <a:schemeClr val="bg1"/>
+                </a:solidFill>
+                <a:latin typeface="Arial Unicode MS"/>
+              </a:rPr>
+              <a:t> }</a:t>
+            </a:r>
+            <a:r>
+              <a:rPr lang="it-IT" altLang="it-IT" sz="1800" dirty="0" smtClean="0">
+                <a:solidFill>
+                  <a:schemeClr val="bg1"/>
+                </a:solidFill>
+              </a:rPr>
+              <a:t> </a:t>
+            </a:r>
+            <a:endParaRPr lang="it-IT" altLang="it-IT" sz="1800" dirty="0">
+              <a:solidFill>
+                <a:schemeClr val="bg1"/>
+              </a:solidFill>
+              <a:latin typeface="Arial" panose="020B0604020202020204" pitchFamily="34" charset="0"/>
+            </a:endParaRPr>
+          </a:p>
+        </p:txBody>
+      </p:sp>
+      <p:sp>
+        <p:nvSpPr>
+          <p:cNvPr id="5" name="Segnaposto contenuto 2"/>
+          <p:cNvSpPr txBox="1">
+            <a:spLocks/>
+          </p:cNvSpPr>
+          <p:nvPr/>
+        </p:nvSpPr>
+        <p:spPr>
+          <a:xfrm>
+            <a:off x="6033946" y="1825625"/>
+            <a:ext cx="5319854" cy="4351338"/>
+          </a:xfrm>
+          <a:prstGeom prst="rect">
+            <a:avLst/>
+          </a:prstGeom>
+        </p:spPr>
+        <p:txBody>
+          <a:bodyPr vert="horz" lIns="91440" tIns="45720" rIns="91440" bIns="45720" rtlCol="0">
+            <a:normAutofit/>
+          </a:bodyPr>
+          <a:lstStyle>
+            <a:lvl1pPr marL="228600" indent="-228600" algn="l" defTabSz="914400" rtl="0" eaLnBrk="1" latinLnBrk="0" hangingPunct="1">
+              <a:lnSpc>
+                <a:spcPct val="90000"/>
+              </a:lnSpc>
+              <a:spcBef>
+                <a:spcPts val="1000"/>
+              </a:spcBef>
+              <a:buFont typeface="Arial" panose="020B0604020202020204" pitchFamily="34" charset="0"/>
+              <a:buChar char="•"/>
+              <a:defRPr sz="2800" kern="1200">
+                <a:solidFill>
+                  <a:schemeClr val="tx1"/>
+                </a:solidFill>
+                <a:latin typeface="+mn-lt"/>
+                <a:ea typeface="+mn-ea"/>
+                <a:cs typeface="+mn-cs"/>
+              </a:defRPr>
+            </a:lvl1pPr>
+            <a:lvl2pPr marL="685800" indent="-228600" algn="l" defTabSz="914400" rtl="0" eaLnBrk="1" latinLnBrk="0" hangingPunct="1">
+              <a:lnSpc>
+                <a:spcPct val="90000"/>
+              </a:lnSpc>
+              <a:spcBef>
+                <a:spcPts val="500"/>
+              </a:spcBef>
+              <a:buFont typeface="Arial" panose="020B0604020202020204" pitchFamily="34" charset="0"/>
+              <a:buChar char="•"/>
+              <a:defRPr sz="2400" kern="1200">
+                <a:solidFill>
+                  <a:schemeClr val="tx1"/>
+                </a:solidFill>
+                <a:latin typeface="+mn-lt"/>
+                <a:ea typeface="+mn-ea"/>
+                <a:cs typeface="+mn-cs"/>
+              </a:defRPr>
+            </a:lvl2pPr>
+            <a:lvl3pPr marL="1143000" indent="-228600" algn="l" defTabSz="914400" rtl="0" eaLnBrk="1" latinLnBrk="0" hangingPunct="1">
+              <a:lnSpc>
+                <a:spcPct val="90000"/>
+              </a:lnSpc>
+              <a:spcBef>
+                <a:spcPts val="500"/>
+              </a:spcBef>
+              <a:buFont typeface="Arial" panose="020B0604020202020204" pitchFamily="34" charset="0"/>
+              <a:buChar char="•"/>
+              <a:defRPr sz="2000" kern="1200">
+                <a:solidFill>
+                  <a:schemeClr val="tx1"/>
+                </a:solidFill>
+                <a:latin typeface="+mn-lt"/>
+                <a:ea typeface="+mn-ea"/>
+                <a:cs typeface="+mn-cs"/>
+              </a:defRPr>
+            </a:lvl3pPr>
+            <a:lvl4pPr marL="1600200" indent="-228600" algn="l" defTabSz="914400" rtl="0" eaLnBrk="1" latinLnBrk="0" hangingPunct="1">
+              <a:lnSpc>
+                <a:spcPct val="90000"/>
+              </a:lnSpc>
+              <a:spcBef>
+                <a:spcPts val="500"/>
+              </a:spcBef>
+              <a:buFont typeface="Arial" panose="020B0604020202020204" pitchFamily="34" charset="0"/>
+              <a:buChar char="•"/>
+              <a:defRPr sz="1800" kern="1200">
+                <a:solidFill>
+                  <a:schemeClr val="tx1"/>
+                </a:solidFill>
+                <a:latin typeface="+mn-lt"/>
+                <a:ea typeface="+mn-ea"/>
+                <a:cs typeface="+mn-cs"/>
+              </a:defRPr>
+            </a:lvl4pPr>
+            <a:lvl5pPr marL="2057400" indent="-228600" algn="l" defTabSz="914400" rtl="0" eaLnBrk="1" latinLnBrk="0" hangingPunct="1">
+              <a:lnSpc>
+                <a:spcPct val="90000"/>
+              </a:lnSpc>
+              <a:spcBef>
+                <a:spcPts val="500"/>
+              </a:spcBef>
+              <a:buFont typeface="Arial" panose="020B0604020202020204" pitchFamily="34" charset="0"/>
+              <a:buChar char="•"/>
+              <a:defRPr sz="1800" kern="1200">
+                <a:solidFill>
+                  <a:schemeClr val="tx1"/>
+                </a:solidFill>
+                <a:latin typeface="+mn-lt"/>
+                <a:ea typeface="+mn-ea"/>
+                <a:cs typeface="+mn-cs"/>
+              </a:defRPr>
+            </a:lvl5pPr>
+            <a:lvl6pPr marL="2514600" indent="-228600" algn="l" defTabSz="914400" rtl="0" eaLnBrk="1" latinLnBrk="0" hangingPunct="1">
+              <a:lnSpc>
+                <a:spcPct val="90000"/>
+              </a:lnSpc>
+              <a:spcBef>
+                <a:spcPts val="500"/>
+              </a:spcBef>
+              <a:buFont typeface="Arial" panose="020B0604020202020204" pitchFamily="34" charset="0"/>
+              <a:buChar char="•"/>
+              <a:defRPr sz="1800" kern="1200">
+                <a:solidFill>
+                  <a:schemeClr val="tx1"/>
+                </a:solidFill>
+                <a:latin typeface="+mn-lt"/>
+                <a:ea typeface="+mn-ea"/>
+                <a:cs typeface="+mn-cs"/>
+              </a:defRPr>
+            </a:lvl6pPr>
+            <a:lvl7pPr marL="2971800" indent="-228600" algn="l" defTabSz="914400" rtl="0" eaLnBrk="1" latinLnBrk="0" hangingPunct="1">
+              <a:lnSpc>
+                <a:spcPct val="90000"/>
+              </a:lnSpc>
+              <a:spcBef>
+                <a:spcPts val="500"/>
+              </a:spcBef>
+              <a:buFont typeface="Arial" panose="020B0604020202020204" pitchFamily="34" charset="0"/>
+              <a:buChar char="•"/>
+              <a:defRPr sz="1800" kern="1200">
+                <a:solidFill>
+                  <a:schemeClr val="tx1"/>
+                </a:solidFill>
+                <a:latin typeface="+mn-lt"/>
+                <a:ea typeface="+mn-ea"/>
+                <a:cs typeface="+mn-cs"/>
+              </a:defRPr>
+            </a:lvl7pPr>
+            <a:lvl8pPr marL="3429000" indent="-228600" algn="l" defTabSz="914400" rtl="0" eaLnBrk="1" latinLnBrk="0" hangingPunct="1">
+              <a:lnSpc>
+                <a:spcPct val="90000"/>
+              </a:lnSpc>
+              <a:spcBef>
+                <a:spcPts val="500"/>
+              </a:spcBef>
+              <a:buFont typeface="Arial" panose="020B0604020202020204" pitchFamily="34" charset="0"/>
+              <a:buChar char="•"/>
+              <a:defRPr sz="1800" kern="1200">
+                <a:solidFill>
+                  <a:schemeClr val="tx1"/>
+                </a:solidFill>
+                <a:latin typeface="+mn-lt"/>
+                <a:ea typeface="+mn-ea"/>
+                <a:cs typeface="+mn-cs"/>
+              </a:defRPr>
+            </a:lvl8pPr>
+            <a:lvl9pPr marL="3886200" indent="-228600" algn="l" defTabSz="914400" rtl="0" eaLnBrk="1" latinLnBrk="0" hangingPunct="1">
+              <a:lnSpc>
+                <a:spcPct val="90000"/>
+              </a:lnSpc>
+              <a:spcBef>
+                <a:spcPts val="500"/>
+              </a:spcBef>
+              <a:buFont typeface="Arial" panose="020B0604020202020204" pitchFamily="34" charset="0"/>
+              <a:buChar char="•"/>
+              <a:defRPr sz="1800" kern="1200">
+                <a:solidFill>
+                  <a:schemeClr val="tx1"/>
+                </a:solidFill>
+                <a:latin typeface="+mn-lt"/>
+                <a:ea typeface="+mn-ea"/>
+                <a:cs typeface="+mn-cs"/>
+              </a:defRPr>
+            </a:lvl9pPr>
+          </a:lstStyle>
+          <a:p>
+            <a:pPr marL="0" indent="0" eaLnBrk="0" fontAlgn="base" hangingPunct="0">
+              <a:lnSpc>
+                <a:spcPct val="100000"/>
+              </a:lnSpc>
+              <a:spcBef>
+                <a:spcPct val="0"/>
+              </a:spcBef>
+              <a:spcAft>
+                <a:spcPct val="0"/>
+              </a:spcAft>
+              <a:buFont typeface="Arial" panose="020B0604020202020204" pitchFamily="34" charset="0"/>
+              <a:buNone/>
+            </a:pPr>
+            <a:r>
+              <a:rPr lang="it-IT" altLang="it-IT" dirty="0" err="1" smtClean="0">
+                <a:solidFill>
+                  <a:srgbClr val="02523F"/>
+                </a:solidFill>
+                <a:latin typeface="Arial Unicode MS"/>
+              </a:rPr>
+              <a:t>Response</a:t>
+            </a:r>
+            <a:endParaRPr lang="it-IT" altLang="it-IT" dirty="0" smtClean="0">
+              <a:solidFill>
+                <a:srgbClr val="02523F"/>
+              </a:solidFill>
+              <a:latin typeface="Arial Unicode MS"/>
+            </a:endParaRPr>
+          </a:p>
+          <a:p>
+            <a:pPr marL="0" indent="0" eaLnBrk="0" fontAlgn="base" hangingPunct="0">
+              <a:lnSpc>
+                <a:spcPct val="100000"/>
+              </a:lnSpc>
+              <a:spcBef>
+                <a:spcPct val="0"/>
+              </a:spcBef>
+              <a:spcAft>
+                <a:spcPct val="0"/>
+              </a:spcAft>
+              <a:buFont typeface="Arial" panose="020B0604020202020204" pitchFamily="34" charset="0"/>
+              <a:buNone/>
+            </a:pPr>
+            <a:endParaRPr lang="it-IT" altLang="it-IT" dirty="0" smtClean="0">
+              <a:solidFill>
+                <a:srgbClr val="02523F"/>
+              </a:solidFill>
+              <a:latin typeface="Arial Unicode MS"/>
+            </a:endParaRPr>
+          </a:p>
+          <a:p>
+            <a:pPr marL="0" indent="0" eaLnBrk="0" fontAlgn="base" hangingPunct="0">
+              <a:lnSpc>
+                <a:spcPct val="100000"/>
+              </a:lnSpc>
+              <a:spcBef>
+                <a:spcPct val="0"/>
+              </a:spcBef>
+              <a:spcAft>
+                <a:spcPct val="0"/>
+              </a:spcAft>
+              <a:buFont typeface="Arial" panose="020B0604020202020204" pitchFamily="34" charset="0"/>
+              <a:buNone/>
+            </a:pPr>
+            <a:r>
+              <a:rPr lang="it-IT" altLang="it-IT" sz="1800" dirty="0" smtClean="0">
+                <a:solidFill>
+                  <a:schemeClr val="bg1"/>
+                </a:solidFill>
+                <a:latin typeface="Arial Unicode MS"/>
+              </a:rPr>
+              <a:t>POST /</a:t>
+            </a:r>
+            <a:r>
+              <a:rPr lang="it-IT" altLang="it-IT" sz="1800" dirty="0" err="1" smtClean="0">
+                <a:solidFill>
+                  <a:schemeClr val="bg1"/>
+                </a:solidFill>
+                <a:latin typeface="Arial Unicode MS"/>
+              </a:rPr>
+              <a:t>contact</a:t>
+            </a:r>
+            <a:r>
+              <a:rPr lang="it-IT" altLang="it-IT" sz="1800" dirty="0" smtClean="0">
+                <a:solidFill>
+                  <a:schemeClr val="bg1"/>
+                </a:solidFill>
+                <a:latin typeface="Arial Unicode MS"/>
+              </a:rPr>
+              <a:t>/carlo HTTP/1.1 </a:t>
+            </a:r>
+          </a:p>
+          <a:p>
+            <a:pPr marL="0" indent="0" eaLnBrk="0" fontAlgn="base" hangingPunct="0">
+              <a:lnSpc>
+                <a:spcPct val="100000"/>
+              </a:lnSpc>
+              <a:spcBef>
+                <a:spcPct val="0"/>
+              </a:spcBef>
+              <a:spcAft>
+                <a:spcPct val="0"/>
+              </a:spcAft>
+              <a:buFont typeface="Arial" panose="020B0604020202020204" pitchFamily="34" charset="0"/>
+              <a:buNone/>
+            </a:pPr>
+            <a:r>
+              <a:rPr lang="it-IT" altLang="it-IT" sz="1800" dirty="0" smtClean="0">
+                <a:solidFill>
+                  <a:schemeClr val="bg1"/>
+                </a:solidFill>
+                <a:latin typeface="Arial Unicode MS"/>
+              </a:rPr>
+              <a:t>HOST: localhost:3000 </a:t>
+            </a:r>
+          </a:p>
+          <a:p>
+            <a:pPr marL="0" indent="0" eaLnBrk="0" fontAlgn="base" hangingPunct="0">
+              <a:lnSpc>
+                <a:spcPct val="100000"/>
+              </a:lnSpc>
+              <a:spcBef>
+                <a:spcPct val="0"/>
+              </a:spcBef>
+              <a:spcAft>
+                <a:spcPct val="0"/>
+              </a:spcAft>
+              <a:buFont typeface="Arial" panose="020B0604020202020204" pitchFamily="34" charset="0"/>
+              <a:buNone/>
+            </a:pPr>
+            <a:r>
+              <a:rPr lang="it-IT" altLang="it-IT" sz="1800" dirty="0" err="1" smtClean="0">
+                <a:solidFill>
+                  <a:schemeClr val="bg1"/>
+                </a:solidFill>
+                <a:latin typeface="Arial Unicode MS"/>
+              </a:rPr>
+              <a:t>authorization</a:t>
+            </a:r>
+            <a:r>
+              <a:rPr lang="it-IT" altLang="it-IT" sz="1800" dirty="0" smtClean="0">
+                <a:solidFill>
+                  <a:schemeClr val="bg1"/>
+                </a:solidFill>
+                <a:latin typeface="Arial Unicode MS"/>
+              </a:rPr>
+              <a:t>: </a:t>
+            </a:r>
+            <a:r>
+              <a:rPr lang="it-IT" altLang="it-IT" sz="1800" dirty="0" err="1" smtClean="0">
+                <a:solidFill>
+                  <a:schemeClr val="bg1"/>
+                </a:solidFill>
+                <a:latin typeface="Arial Unicode MS"/>
+              </a:rPr>
+              <a:t>basic</a:t>
+            </a:r>
+            <a:r>
+              <a:rPr lang="it-IT" altLang="it-IT" sz="1800" dirty="0" smtClean="0">
+                <a:solidFill>
+                  <a:schemeClr val="bg1"/>
+                </a:solidFill>
+                <a:latin typeface="Arial Unicode MS"/>
+              </a:rPr>
+              <a:t> vassallocarlo:1234 </a:t>
+            </a:r>
+          </a:p>
+          <a:p>
+            <a:pPr marL="0" indent="0" eaLnBrk="0" fontAlgn="base" hangingPunct="0">
+              <a:lnSpc>
+                <a:spcPct val="100000"/>
+              </a:lnSpc>
+              <a:spcBef>
+                <a:spcPct val="0"/>
+              </a:spcBef>
+              <a:spcAft>
+                <a:spcPct val="0"/>
+              </a:spcAft>
+              <a:buFont typeface="Arial" panose="020B0604020202020204" pitchFamily="34" charset="0"/>
+              <a:buNone/>
+            </a:pPr>
+            <a:r>
+              <a:rPr lang="it-IT" altLang="it-IT" sz="1800" dirty="0" err="1" smtClean="0">
+                <a:solidFill>
+                  <a:schemeClr val="bg1"/>
+                </a:solidFill>
+                <a:latin typeface="Arial Unicode MS"/>
+              </a:rPr>
+              <a:t>content-length</a:t>
+            </a:r>
+            <a:r>
+              <a:rPr lang="it-IT" altLang="it-IT" sz="1800" dirty="0" smtClean="0">
+                <a:solidFill>
+                  <a:schemeClr val="bg1"/>
+                </a:solidFill>
+                <a:latin typeface="Arial Unicode MS"/>
+              </a:rPr>
+              <a:t>: 70 </a:t>
+            </a:r>
+          </a:p>
+          <a:p>
+            <a:pPr marL="0" indent="0" eaLnBrk="0" fontAlgn="base" hangingPunct="0">
+              <a:lnSpc>
+                <a:spcPct val="100000"/>
+              </a:lnSpc>
+              <a:spcBef>
+                <a:spcPct val="0"/>
+              </a:spcBef>
+              <a:spcAft>
+                <a:spcPct val="0"/>
+              </a:spcAft>
+              <a:buFont typeface="Arial" panose="020B0604020202020204" pitchFamily="34" charset="0"/>
+              <a:buNone/>
+            </a:pPr>
+            <a:endParaRPr lang="it-IT" altLang="it-IT" sz="1800" dirty="0" smtClean="0">
+              <a:solidFill>
+                <a:schemeClr val="bg1"/>
+              </a:solidFill>
+              <a:latin typeface="Arial Unicode MS"/>
+            </a:endParaRPr>
+          </a:p>
+          <a:p>
+            <a:pPr marL="0" indent="0" eaLnBrk="0" fontAlgn="base" hangingPunct="0">
+              <a:lnSpc>
+                <a:spcPct val="100000"/>
+              </a:lnSpc>
+              <a:spcBef>
+                <a:spcPct val="0"/>
+              </a:spcBef>
+              <a:spcAft>
+                <a:spcPct val="0"/>
+              </a:spcAft>
+              <a:buFont typeface="Arial" panose="020B0604020202020204" pitchFamily="34" charset="0"/>
+              <a:buNone/>
+            </a:pPr>
+            <a:r>
+              <a:rPr lang="it-IT" altLang="it-IT" sz="1800" dirty="0" smtClean="0">
+                <a:solidFill>
+                  <a:schemeClr val="bg1"/>
+                </a:solidFill>
+                <a:latin typeface="Arial Unicode MS"/>
+              </a:rPr>
+              <a:t>{ </a:t>
+            </a:r>
+          </a:p>
+          <a:p>
+            <a:pPr marL="0" indent="0" eaLnBrk="0" fontAlgn="base" hangingPunct="0">
+              <a:lnSpc>
+                <a:spcPct val="100000"/>
+              </a:lnSpc>
+              <a:spcBef>
+                <a:spcPct val="0"/>
+              </a:spcBef>
+              <a:spcAft>
+                <a:spcPct val="0"/>
+              </a:spcAft>
+              <a:buFont typeface="Arial" panose="020B0604020202020204" pitchFamily="34" charset="0"/>
+              <a:buNone/>
+            </a:pPr>
+            <a:r>
+              <a:rPr lang="it-IT" altLang="it-IT" sz="1800" dirty="0" smtClean="0">
+                <a:solidFill>
+                  <a:schemeClr val="bg1"/>
+                </a:solidFill>
+                <a:latin typeface="Arial Unicode MS"/>
+              </a:rPr>
+              <a:t>    "</a:t>
+            </a:r>
+            <a:r>
+              <a:rPr lang="it-IT" altLang="it-IT" sz="1800" dirty="0" err="1" smtClean="0">
+                <a:solidFill>
+                  <a:schemeClr val="bg1"/>
+                </a:solidFill>
+                <a:latin typeface="Arial Unicode MS"/>
+              </a:rPr>
+              <a:t>name</a:t>
+            </a:r>
+            <a:r>
+              <a:rPr lang="it-IT" altLang="it-IT" sz="1800" dirty="0" smtClean="0">
+                <a:solidFill>
+                  <a:schemeClr val="bg1"/>
+                </a:solidFill>
+                <a:latin typeface="Arial Unicode MS"/>
+              </a:rPr>
+              <a:t>": "</a:t>
+            </a:r>
+            <a:r>
+              <a:rPr lang="it-IT" altLang="it-IT" sz="1800" dirty="0" err="1" smtClean="0">
+                <a:solidFill>
+                  <a:schemeClr val="bg1"/>
+                </a:solidFill>
+                <a:latin typeface="Arial Unicode MS"/>
+              </a:rPr>
+              <a:t>ciccio</a:t>
+            </a:r>
+            <a:r>
+              <a:rPr lang="it-IT" altLang="it-IT" sz="1800" dirty="0" smtClean="0">
+                <a:solidFill>
+                  <a:schemeClr val="bg1"/>
+                </a:solidFill>
+                <a:latin typeface="Arial Unicode MS"/>
+              </a:rPr>
+              <a:t>", </a:t>
+            </a:r>
+          </a:p>
+          <a:p>
+            <a:pPr marL="0" indent="0" eaLnBrk="0" fontAlgn="base" hangingPunct="0">
+              <a:lnSpc>
+                <a:spcPct val="100000"/>
+              </a:lnSpc>
+              <a:spcBef>
+                <a:spcPct val="0"/>
+              </a:spcBef>
+              <a:spcAft>
+                <a:spcPct val="0"/>
+              </a:spcAft>
+              <a:buFont typeface="Arial" panose="020B0604020202020204" pitchFamily="34" charset="0"/>
+              <a:buNone/>
+            </a:pPr>
+            <a:r>
+              <a:rPr lang="it-IT" altLang="it-IT" sz="1800" dirty="0" smtClean="0">
+                <a:solidFill>
+                  <a:schemeClr val="bg1"/>
+                </a:solidFill>
+                <a:latin typeface="Arial Unicode MS"/>
+              </a:rPr>
+              <a:t>    "</a:t>
+            </a:r>
+            <a:r>
+              <a:rPr lang="it-IT" altLang="it-IT" sz="1800" dirty="0" err="1" smtClean="0">
+                <a:solidFill>
+                  <a:schemeClr val="bg1"/>
+                </a:solidFill>
+                <a:latin typeface="Arial Unicode MS"/>
+              </a:rPr>
+              <a:t>surname</a:t>
+            </a:r>
+            <a:r>
+              <a:rPr lang="it-IT" altLang="it-IT" sz="1800" dirty="0" smtClean="0">
+                <a:solidFill>
+                  <a:schemeClr val="bg1"/>
+                </a:solidFill>
+                <a:latin typeface="Arial Unicode MS"/>
+              </a:rPr>
+              <a:t>": "bello", </a:t>
+            </a:r>
+          </a:p>
+          <a:p>
+            <a:pPr marL="0" indent="0" eaLnBrk="0" fontAlgn="base" hangingPunct="0">
+              <a:lnSpc>
+                <a:spcPct val="100000"/>
+              </a:lnSpc>
+              <a:spcBef>
+                <a:spcPct val="0"/>
+              </a:spcBef>
+              <a:spcAft>
+                <a:spcPct val="0"/>
+              </a:spcAft>
+              <a:buFont typeface="Arial" panose="020B0604020202020204" pitchFamily="34" charset="0"/>
+              <a:buNone/>
+            </a:pPr>
+            <a:r>
+              <a:rPr lang="it-IT" altLang="it-IT" sz="1800" dirty="0" smtClean="0">
+                <a:solidFill>
+                  <a:schemeClr val="bg1"/>
+                </a:solidFill>
+                <a:latin typeface="Arial Unicode MS"/>
+              </a:rPr>
+              <a:t>    "</a:t>
+            </a:r>
+            <a:r>
+              <a:rPr lang="it-IT" altLang="it-IT" sz="1800" dirty="0" err="1" smtClean="0">
+                <a:solidFill>
+                  <a:schemeClr val="bg1"/>
+                </a:solidFill>
+                <a:latin typeface="Arial Unicode MS"/>
+              </a:rPr>
+              <a:t>phone</a:t>
+            </a:r>
+            <a:r>
+              <a:rPr lang="it-IT" altLang="it-IT" sz="1800" dirty="0" smtClean="0">
+                <a:solidFill>
+                  <a:schemeClr val="bg1"/>
+                </a:solidFill>
+                <a:latin typeface="Arial Unicode MS"/>
+              </a:rPr>
+              <a:t>": "1234567891"</a:t>
+            </a:r>
+          </a:p>
+          <a:p>
+            <a:pPr marL="0" indent="0" eaLnBrk="0" fontAlgn="base" hangingPunct="0">
+              <a:lnSpc>
+                <a:spcPct val="100000"/>
+              </a:lnSpc>
+              <a:spcBef>
+                <a:spcPct val="0"/>
+              </a:spcBef>
+              <a:spcAft>
+                <a:spcPct val="0"/>
+              </a:spcAft>
+              <a:buFont typeface="Arial" panose="020B0604020202020204" pitchFamily="34" charset="0"/>
+              <a:buNone/>
+            </a:pPr>
+            <a:r>
+              <a:rPr lang="it-IT" altLang="it-IT" sz="1800" dirty="0" smtClean="0">
+                <a:solidFill>
+                  <a:schemeClr val="bg1"/>
+                </a:solidFill>
+                <a:latin typeface="Arial Unicode MS"/>
+              </a:rPr>
+              <a:t> }</a:t>
+            </a:r>
+            <a:r>
+              <a:rPr lang="it-IT" altLang="it-IT" sz="1800" dirty="0" smtClean="0">
+                <a:solidFill>
+                  <a:schemeClr val="bg1"/>
+                </a:solidFill>
+              </a:rPr>
+              <a:t> </a:t>
+            </a:r>
+            <a:endParaRPr lang="it-IT" altLang="it-IT" sz="1800" dirty="0">
+              <a:solidFill>
+                <a:schemeClr val="bg1"/>
+              </a:solidFill>
+              <a:latin typeface="Arial" panose="020B0604020202020204" pitchFamily="34" charset="0"/>
+            </a:endParaRPr>
+          </a:p>
+        </p:txBody>
+      </p:sp>
+    </p:spTree>
+    <p:extLst>
+      <p:ext uri="{BB962C8B-B14F-4D97-AF65-F5344CB8AC3E}">
+        <p14:creationId xmlns:p14="http://schemas.microsoft.com/office/powerpoint/2010/main" val="1972396317"/>
+      </p:ext>
+    </p:extLst>
+  </p:cSld>
+  <p:clrMapOvr>
+    <a:masterClrMapping/>
+  </p:clrMapOvr>
+  <p:timing>
+    <p:tnLst>
+      <p:par>
+        <p:cTn id="1" dur="indefinite" restart="never" nodeType="tmRoot"/>
+      </p:par>
+    </p:tnLst>
+  </p:timing>
+</p:sld>
+</file>
+
 <file path=ppt/slides/slide2.xml><?xml version="1.0" encoding="utf-8"?>
 <p:sld xmlns:a="http://schemas.openxmlformats.org/drawingml/2006/main" xmlns:r="http://schemas.openxmlformats.org/officeDocument/2006/relationships" xmlns:p="http://schemas.openxmlformats.org/presentationml/2006/main">
   <p:cSld>
@@ -4402,36 +5531,20 @@
           <a:p>
             <a:pPr lvl="1"/>
             <a:r>
-              <a:rPr lang="it-IT" dirty="0" smtClean="0">
-                <a:solidFill>
-                  <a:schemeClr val="bg1"/>
-                </a:solidFill>
-              </a:rPr>
-              <a:t>un’immagine </a:t>
-            </a:r>
-            <a:r>
               <a:rPr lang="it-IT" dirty="0">
                 <a:solidFill>
                   <a:schemeClr val="bg1"/>
                 </a:solidFill>
               </a:rPr>
-              <a:t>in una web </a:t>
-            </a:r>
-            <a:r>
-              <a:rPr lang="it-IT" dirty="0" err="1">
-                <a:solidFill>
-                  <a:schemeClr val="bg1"/>
-                </a:solidFill>
-              </a:rPr>
-              <a:t>gallery</a:t>
-            </a:r>
-            <a:r>
-              <a:rPr lang="it-IT" dirty="0">
-                <a:solidFill>
-                  <a:schemeClr val="bg1"/>
-                </a:solidFill>
-              </a:rPr>
-              <a:t> </a:t>
+              <a:t>u</a:t>
+            </a:r>
+            <a:r>
+              <a:rPr lang="it-IT" dirty="0" smtClean="0">
+                <a:solidFill>
+                  <a:schemeClr val="bg1"/>
+                </a:solidFill>
+              </a:rPr>
+              <a:t>n contatto di una rubrica</a:t>
             </a:r>
             <a:endParaRPr lang="it-IT" dirty="0" smtClean="0">
               <a:solidFill>
@@ -4767,8 +5880,21 @@
                   <a:schemeClr val="bg1"/>
                 </a:solidFill>
               </a:rPr>
-              <a:t> nel contesto del protocollo HTTP che ne rispetta a pieno i principi.</a:t>
-            </a:r>
+              <a:t> nel contesto del protocollo HTTP che ne rispetta a pieno i </a:t>
+            </a:r>
+            <a:r>
+              <a:rPr lang="it-IT" dirty="0" smtClean="0">
+                <a:solidFill>
+                  <a:schemeClr val="bg1"/>
+                </a:solidFill>
+              </a:rPr>
+              <a:t>principi ed è il protocollo su cui sono realizzati la maggior parte dei servizi di questo genere.</a:t>
+            </a:r>
+            <a:endParaRPr lang="it-IT" dirty="0" smtClean="0">
+              <a:solidFill>
+                <a:schemeClr val="bg1"/>
+              </a:solidFill>
+            </a:endParaRPr>
           </a:p>
           <a:p>
             <a:pPr marL="0" indent="0">
@@ -4803,6 +5929,380 @@
     <p:extLst>
       <p:ext uri="{BB962C8B-B14F-4D97-AF65-F5344CB8AC3E}">
         <p14:creationId xmlns:p14="http://schemas.microsoft.com/office/powerpoint/2010/main" val="3971602256"/>
+      </p:ext>
+    </p:extLst>
+  </p:cSld>
+  <p:clrMapOvr>
+    <a:masterClrMapping/>
+  </p:clrMapOvr>
+  <p:timing>
+    <p:tnLst>
+      <p:par>
+        <p:cTn id="1" dur="indefinite" restart="never" nodeType="tmRoot"/>
+      </p:par>
+    </p:tnLst>
+  </p:timing>
+</p:sld>
+</file>
+
+<file path=ppt/slides/slide9.xml><?xml version="1.0" encoding="utf-8"?>
+<p:sld xmlns:a="http://schemas.openxmlformats.org/drawingml/2006/main" xmlns:r="http://schemas.openxmlformats.org/officeDocument/2006/relationships" xmlns:p="http://schemas.openxmlformats.org/presentationml/2006/main">
+  <p:cSld>
+    <p:spTree>
+      <p:nvGrpSpPr>
+        <p:cNvPr id="1" name=""/>
+        <p:cNvGrpSpPr/>
+        <p:nvPr/>
+      </p:nvGrpSpPr>
+      <p:grpSpPr>
+        <a:xfrm>
+          <a:off x="0" y="0"/>
+          <a:ext cx="0" cy="0"/>
+          <a:chOff x="0" y="0"/>
+          <a:chExt cx="0" cy="0"/>
+        </a:xfrm>
+      </p:grpSpPr>
+      <p:sp>
+        <p:nvSpPr>
+          <p:cNvPr id="2" name="Titolo 1"/>
+          <p:cNvSpPr>
+            <a:spLocks noGrp="1"/>
+          </p:cNvSpPr>
+          <p:nvPr>
+            <p:ph type="title"/>
+          </p:nvPr>
+        </p:nvSpPr>
+        <p:spPr/>
+        <p:txBody>
+          <a:bodyPr/>
+          <a:lstStyle/>
+          <a:p>
+            <a:r>
+              <a:rPr lang="it-IT" dirty="0" smtClean="0">
+                <a:solidFill>
+                  <a:schemeClr val="bg1"/>
+                </a:solidFill>
+              </a:rPr>
+              <a:t>REST con HTTP</a:t>
+            </a:r>
+            <a:endParaRPr lang="it-IT" dirty="0">
+              <a:solidFill>
+                <a:schemeClr val="bg1"/>
+              </a:solidFill>
+            </a:endParaRPr>
+          </a:p>
+        </p:txBody>
+      </p:sp>
+      <p:sp>
+        <p:nvSpPr>
+          <p:cNvPr id="3" name="Segnaposto contenuto 2"/>
+          <p:cNvSpPr>
+            <a:spLocks noGrp="1"/>
+          </p:cNvSpPr>
+          <p:nvPr>
+            <p:ph idx="1"/>
+          </p:nvPr>
+        </p:nvSpPr>
+        <p:spPr>
+          <a:xfrm>
+            <a:off x="838201" y="1825625"/>
+            <a:ext cx="10391946" cy="4351338"/>
+          </a:xfrm>
+        </p:spPr>
+        <p:txBody>
+          <a:bodyPr/>
+          <a:lstStyle/>
+          <a:p>
+            <a:pPr marL="0" indent="0">
+              <a:buNone/>
+            </a:pPr>
+            <a:r>
+              <a:rPr lang="it-IT" dirty="0" smtClean="0">
+                <a:solidFill>
+                  <a:srgbClr val="02523F"/>
+                </a:solidFill>
+              </a:rPr>
+              <a:t>GET</a:t>
+            </a:r>
+            <a:r>
+              <a:rPr lang="it-IT" dirty="0" smtClean="0">
+                <a:solidFill>
+                  <a:schemeClr val="bg1"/>
+                </a:solidFill>
+              </a:rPr>
+              <a:t>	    /</a:t>
+            </a:r>
+            <a:r>
+              <a:rPr lang="it-IT" dirty="0" err="1" smtClean="0">
+                <a:solidFill>
+                  <a:schemeClr val="bg1"/>
+                </a:solidFill>
+              </a:rPr>
+              <a:t>contact</a:t>
+            </a:r>
+            <a:endParaRPr lang="it-IT" dirty="0" smtClean="0">
+              <a:solidFill>
+                <a:schemeClr val="bg1"/>
+              </a:solidFill>
+            </a:endParaRPr>
+          </a:p>
+          <a:p>
+            <a:pPr marL="0" indent="0">
+              <a:buNone/>
+            </a:pPr>
+            <a:r>
+              <a:rPr lang="it-IT" dirty="0" smtClean="0">
+                <a:solidFill>
+                  <a:srgbClr val="02523F"/>
+                </a:solidFill>
+              </a:rPr>
+              <a:t>POST</a:t>
+            </a:r>
+            <a:r>
+              <a:rPr lang="it-IT" dirty="0" smtClean="0">
+                <a:solidFill>
+                  <a:schemeClr val="bg1"/>
+                </a:solidFill>
+              </a:rPr>
+              <a:t>	    /</a:t>
+            </a:r>
+            <a:r>
+              <a:rPr lang="it-IT" dirty="0" err="1" smtClean="0">
+                <a:solidFill>
+                  <a:schemeClr val="bg1"/>
+                </a:solidFill>
+              </a:rPr>
+              <a:t>contact</a:t>
+            </a:r>
+            <a:endParaRPr lang="it-IT" dirty="0" smtClean="0">
+              <a:solidFill>
+                <a:schemeClr val="bg1"/>
+              </a:solidFill>
+            </a:endParaRPr>
+          </a:p>
+          <a:p>
+            <a:pPr marL="0" indent="0">
+              <a:buNone/>
+            </a:pPr>
+            <a:r>
+              <a:rPr lang="it-IT" dirty="0" smtClean="0">
+                <a:solidFill>
+                  <a:srgbClr val="02523F"/>
+                </a:solidFill>
+              </a:rPr>
+              <a:t>GET</a:t>
+            </a:r>
+            <a:r>
+              <a:rPr lang="it-IT" dirty="0" smtClean="0">
+                <a:solidFill>
+                  <a:schemeClr val="bg1"/>
+                </a:solidFill>
+              </a:rPr>
+              <a:t>	    /</a:t>
+            </a:r>
+            <a:r>
+              <a:rPr lang="it-IT" dirty="0" err="1" smtClean="0">
+                <a:solidFill>
+                  <a:schemeClr val="bg1"/>
+                </a:solidFill>
+              </a:rPr>
+              <a:t>contact</a:t>
+            </a:r>
+            <a:r>
+              <a:rPr lang="it-IT" dirty="0" smtClean="0">
+                <a:solidFill>
+                  <a:schemeClr val="bg1"/>
+                </a:solidFill>
+              </a:rPr>
+              <a:t>/</a:t>
+            </a:r>
+            <a:r>
+              <a:rPr lang="it-IT" dirty="0" smtClean="0">
+                <a:solidFill>
+                  <a:schemeClr val="accent6">
+                    <a:lumMod val="60000"/>
+                    <a:lumOff val="40000"/>
+                  </a:schemeClr>
+                </a:solidFill>
+              </a:rPr>
+              <a:t>:</a:t>
+            </a:r>
+            <a:r>
+              <a:rPr lang="it-IT" dirty="0" err="1" smtClean="0">
+                <a:solidFill>
+                  <a:schemeClr val="accent6">
+                    <a:lumMod val="60000"/>
+                    <a:lumOff val="40000"/>
+                  </a:schemeClr>
+                </a:solidFill>
+              </a:rPr>
+              <a:t>name</a:t>
+            </a:r>
+            <a:endParaRPr lang="it-IT" dirty="0" smtClean="0">
+              <a:solidFill>
+                <a:schemeClr val="accent6">
+                  <a:lumMod val="60000"/>
+                  <a:lumOff val="40000"/>
+                </a:schemeClr>
+              </a:solidFill>
+            </a:endParaRPr>
+          </a:p>
+          <a:p>
+            <a:pPr marL="0" indent="0">
+              <a:buNone/>
+            </a:pPr>
+            <a:r>
+              <a:rPr lang="it-IT" dirty="0" smtClean="0">
+                <a:solidFill>
+                  <a:srgbClr val="02523F"/>
+                </a:solidFill>
+              </a:rPr>
+              <a:t>PUT</a:t>
+            </a:r>
+            <a:r>
+              <a:rPr lang="it-IT" dirty="0" smtClean="0">
+                <a:solidFill>
+                  <a:schemeClr val="bg1"/>
+                </a:solidFill>
+              </a:rPr>
+              <a:t> 	</a:t>
+            </a:r>
+            <a:r>
+              <a:rPr lang="it-IT" dirty="0">
+                <a:solidFill>
+                  <a:schemeClr val="bg1"/>
+                </a:solidFill>
+              </a:rPr>
+              <a:t> </a:t>
+            </a:r>
+            <a:r>
+              <a:rPr lang="it-IT" dirty="0" smtClean="0">
+                <a:solidFill>
+                  <a:schemeClr val="bg1"/>
+                </a:solidFill>
+              </a:rPr>
+              <a:t>   /</a:t>
+            </a:r>
+            <a:r>
+              <a:rPr lang="it-IT" dirty="0" err="1" smtClean="0">
+                <a:solidFill>
+                  <a:schemeClr val="bg1"/>
+                </a:solidFill>
+              </a:rPr>
+              <a:t>contact</a:t>
+            </a:r>
+            <a:r>
+              <a:rPr lang="it-IT" dirty="0" smtClean="0">
+                <a:solidFill>
+                  <a:schemeClr val="bg1"/>
+                </a:solidFill>
+              </a:rPr>
+              <a:t>/</a:t>
+            </a:r>
+            <a:r>
+              <a:rPr lang="it-IT" dirty="0" smtClean="0">
+                <a:solidFill>
+                  <a:schemeClr val="accent6">
+                    <a:lumMod val="60000"/>
+                    <a:lumOff val="40000"/>
+                  </a:schemeClr>
+                </a:solidFill>
+              </a:rPr>
+              <a:t>:</a:t>
+            </a:r>
+            <a:r>
+              <a:rPr lang="it-IT" dirty="0" err="1" smtClean="0">
+                <a:solidFill>
+                  <a:schemeClr val="accent6">
+                    <a:lumMod val="60000"/>
+                    <a:lumOff val="40000"/>
+                  </a:schemeClr>
+                </a:solidFill>
+              </a:rPr>
+              <a:t>name</a:t>
+            </a:r>
+            <a:endParaRPr lang="it-IT" dirty="0" smtClean="0">
+              <a:solidFill>
+                <a:schemeClr val="accent6">
+                  <a:lumMod val="60000"/>
+                  <a:lumOff val="40000"/>
+                </a:schemeClr>
+              </a:solidFill>
+            </a:endParaRPr>
+          </a:p>
+          <a:p>
+            <a:pPr marL="0" indent="0">
+              <a:buNone/>
+            </a:pPr>
+            <a:r>
+              <a:rPr lang="it-IT" dirty="0" smtClean="0">
+                <a:solidFill>
+                  <a:srgbClr val="02523F"/>
+                </a:solidFill>
+              </a:rPr>
+              <a:t>DELETE</a:t>
+            </a:r>
+            <a:r>
+              <a:rPr lang="it-IT" dirty="0" smtClean="0">
+                <a:solidFill>
+                  <a:schemeClr val="bg1"/>
+                </a:solidFill>
+              </a:rPr>
+              <a:t>  /</a:t>
+            </a:r>
+            <a:r>
+              <a:rPr lang="it-IT" dirty="0" err="1" smtClean="0">
+                <a:solidFill>
+                  <a:schemeClr val="bg1"/>
+                </a:solidFill>
+              </a:rPr>
+              <a:t>contact</a:t>
+            </a:r>
+            <a:r>
+              <a:rPr lang="it-IT" dirty="0" smtClean="0">
+                <a:solidFill>
+                  <a:schemeClr val="bg1"/>
+                </a:solidFill>
+              </a:rPr>
+              <a:t>/</a:t>
+            </a:r>
+            <a:r>
+              <a:rPr lang="it-IT" dirty="0" smtClean="0">
+                <a:solidFill>
+                  <a:schemeClr val="accent6">
+                    <a:lumMod val="60000"/>
+                    <a:lumOff val="40000"/>
+                  </a:schemeClr>
+                </a:solidFill>
+              </a:rPr>
+              <a:t>:</a:t>
+            </a:r>
+            <a:r>
+              <a:rPr lang="it-IT" dirty="0" err="1" smtClean="0">
+                <a:solidFill>
+                  <a:schemeClr val="accent6">
+                    <a:lumMod val="60000"/>
+                    <a:lumOff val="40000"/>
+                  </a:schemeClr>
+                </a:solidFill>
+              </a:rPr>
+              <a:t>name</a:t>
+            </a:r>
+            <a:endParaRPr lang="it-IT" dirty="0">
+              <a:solidFill>
+                <a:schemeClr val="accent6">
+                  <a:lumMod val="60000"/>
+                  <a:lumOff val="40000"/>
+                </a:schemeClr>
+              </a:solidFill>
+            </a:endParaRPr>
+          </a:p>
+        </p:txBody>
+      </p:sp>
+    </p:spTree>
+    <p:extLst>
+      <p:ext uri="{BB962C8B-B14F-4D97-AF65-F5344CB8AC3E}">
+        <p14:creationId xmlns:p14="http://schemas.microsoft.com/office/powerpoint/2010/main" val="1680264088"/>
       </p:ext>
     </p:extLst>
   </p:cSld>

--- a/REST.pptx
+++ b/REST.pptx
@@ -15,6 +15,13 @@
     <p:sldId id="262" r:id="rId9"/>
     <p:sldId id="265" r:id="rId10"/>
     <p:sldId id="266" r:id="rId11"/>
+    <p:sldId id="268" r:id="rId12"/>
+    <p:sldId id="267" r:id="rId13"/>
+    <p:sldId id="269" r:id="rId14"/>
+    <p:sldId id="270" r:id="rId15"/>
+    <p:sldId id="271" r:id="rId16"/>
+    <p:sldId id="272" r:id="rId17"/>
+    <p:sldId id="273" r:id="rId18"/>
   </p:sldIdLst>
   <p:sldSz cx="12192000" cy="6858000"/>
   <p:notesSz cx="6858000" cy="9144000"/>
@@ -252,7 +259,7 @@
           <a:p>
             <a:fld id="{87B37464-989D-4436-8DD6-4E2D6FEC1EC0}" type="datetimeFigureOut">
               <a:rPr lang="it-IT" smtClean="0"/>
-              <a:t>14/06/2016</a:t>
+              <a:t>15/06/2016</a:t>
             </a:fld>
             <a:endParaRPr lang="it-IT"/>
           </a:p>
@@ -422,7 +429,7 @@
           <a:p>
             <a:fld id="{87B37464-989D-4436-8DD6-4E2D6FEC1EC0}" type="datetimeFigureOut">
               <a:rPr lang="it-IT" smtClean="0"/>
-              <a:t>14/06/2016</a:t>
+              <a:t>15/06/2016</a:t>
             </a:fld>
             <a:endParaRPr lang="it-IT"/>
           </a:p>
@@ -602,7 +609,7 @@
           <a:p>
             <a:fld id="{87B37464-989D-4436-8DD6-4E2D6FEC1EC0}" type="datetimeFigureOut">
               <a:rPr lang="it-IT" smtClean="0"/>
-              <a:t>14/06/2016</a:t>
+              <a:t>15/06/2016</a:t>
             </a:fld>
             <a:endParaRPr lang="it-IT"/>
           </a:p>
@@ -772,7 +779,7 @@
           <a:p>
             <a:fld id="{87B37464-989D-4436-8DD6-4E2D6FEC1EC0}" type="datetimeFigureOut">
               <a:rPr lang="it-IT" smtClean="0"/>
-              <a:t>14/06/2016</a:t>
+              <a:t>15/06/2016</a:t>
             </a:fld>
             <a:endParaRPr lang="it-IT"/>
           </a:p>
@@ -1025,7 +1032,7 @@
           <a:p>
             <a:fld id="{87B37464-989D-4436-8DD6-4E2D6FEC1EC0}" type="datetimeFigureOut">
               <a:rPr lang="it-IT" smtClean="0"/>
-              <a:t>14/06/2016</a:t>
+              <a:t>15/06/2016</a:t>
             </a:fld>
             <a:endParaRPr lang="it-IT"/>
           </a:p>
@@ -1257,7 +1264,7 @@
           <a:p>
             <a:fld id="{87B37464-989D-4436-8DD6-4E2D6FEC1EC0}" type="datetimeFigureOut">
               <a:rPr lang="it-IT" smtClean="0"/>
-              <a:t>14/06/2016</a:t>
+              <a:t>15/06/2016</a:t>
             </a:fld>
             <a:endParaRPr lang="it-IT"/>
           </a:p>
@@ -1624,7 +1631,7 @@
           <a:p>
             <a:fld id="{87B37464-989D-4436-8DD6-4E2D6FEC1EC0}" type="datetimeFigureOut">
               <a:rPr lang="it-IT" smtClean="0"/>
-              <a:t>14/06/2016</a:t>
+              <a:t>15/06/2016</a:t>
             </a:fld>
             <a:endParaRPr lang="it-IT"/>
           </a:p>
@@ -1742,7 +1749,7 @@
           <a:p>
             <a:fld id="{87B37464-989D-4436-8DD6-4E2D6FEC1EC0}" type="datetimeFigureOut">
               <a:rPr lang="it-IT" smtClean="0"/>
-              <a:t>14/06/2016</a:t>
+              <a:t>15/06/2016</a:t>
             </a:fld>
             <a:endParaRPr lang="it-IT"/>
           </a:p>
@@ -1837,7 +1844,7 @@
           <a:p>
             <a:fld id="{87B37464-989D-4436-8DD6-4E2D6FEC1EC0}" type="datetimeFigureOut">
               <a:rPr lang="it-IT" smtClean="0"/>
-              <a:t>14/06/2016</a:t>
+              <a:t>15/06/2016</a:t>
             </a:fld>
             <a:endParaRPr lang="it-IT"/>
           </a:p>
@@ -2114,7 +2121,7 @@
           <a:p>
             <a:fld id="{87B37464-989D-4436-8DD6-4E2D6FEC1EC0}" type="datetimeFigureOut">
               <a:rPr lang="it-IT" smtClean="0"/>
-              <a:t>14/06/2016</a:t>
+              <a:t>15/06/2016</a:t>
             </a:fld>
             <a:endParaRPr lang="it-IT"/>
           </a:p>
@@ -2371,7 +2378,7 @@
           <a:p>
             <a:fld id="{87B37464-989D-4436-8DD6-4E2D6FEC1EC0}" type="datetimeFigureOut">
               <a:rPr lang="it-IT" smtClean="0"/>
-              <a:t>14/06/2016</a:t>
+              <a:t>15/06/2016</a:t>
             </a:fld>
             <a:endParaRPr lang="it-IT"/>
           </a:p>
@@ -2587,7 +2594,7 @@
           <a:p>
             <a:fld id="{87B37464-989D-4436-8DD6-4E2D6FEC1EC0}" type="datetimeFigureOut">
               <a:rPr lang="it-IT" smtClean="0"/>
-              <a:t>14/06/2016</a:t>
+              <a:t>15/06/2016</a:t>
             </a:fld>
             <a:endParaRPr lang="it-IT"/>
           </a:p>
@@ -3136,8 +3143,8 @@
         </p:nvSpPr>
         <p:spPr>
           <a:xfrm>
-            <a:off x="838200" y="1825625"/>
-            <a:ext cx="5195745" cy="4351338"/>
+            <a:off x="613250" y="1825625"/>
+            <a:ext cx="5584958" cy="4351338"/>
           </a:xfrm>
         </p:spPr>
         <p:txBody>
@@ -3212,16 +3219,16 @@
                 <a:solidFill>
                   <a:schemeClr val="bg1"/>
                 </a:solidFill>
-                <a:latin typeface="Arial Unicode MS"/>
-              </a:rPr>
-              <a:t>POST /</a:t>
+                <a:latin typeface="Consolas" panose="020B0609020204030204" pitchFamily="49" charset="0"/>
+              </a:rPr>
+              <a:t>GET /</a:t>
             </a:r>
             <a:r>
               <a:rPr lang="it-IT" altLang="it-IT" sz="1800" dirty="0" err="1" smtClean="0">
                 <a:solidFill>
                   <a:schemeClr val="bg1"/>
                 </a:solidFill>
-                <a:latin typeface="Arial Unicode MS"/>
+                <a:latin typeface="Consolas" panose="020B0609020204030204" pitchFamily="49" charset="0"/>
               </a:rPr>
               <a:t>contact</a:t>
             </a:r>
@@ -3230,7 +3237,7 @@
                 <a:solidFill>
                   <a:schemeClr val="bg1"/>
                 </a:solidFill>
-                <a:latin typeface="Arial Unicode MS"/>
+                <a:latin typeface="Consolas" panose="020B0609020204030204" pitchFamily="49" charset="0"/>
               </a:rPr>
               <a:t>/carlo HTTP/1.1 </a:t>
             </a:r>
@@ -3253,13 +3260,13 @@
                 <a:solidFill>
                   <a:schemeClr val="bg1"/>
                 </a:solidFill>
-                <a:latin typeface="Arial Unicode MS"/>
+                <a:latin typeface="Consolas" panose="020B0609020204030204" pitchFamily="49" charset="0"/>
               </a:rPr>
               <a:t>HOST: localhost:3000 </a:t>
             </a:r>
           </a:p>
           <a:p>
-            <a:pPr marL="0" lvl="0" indent="0" eaLnBrk="0" fontAlgn="base" hangingPunct="0">
+            <a:pPr marL="0" indent="0" eaLnBrk="0" fontAlgn="base" hangingPunct="0">
               <a:lnSpc>
                 <a:spcPct val="100000"/>
               </a:lnSpc>
@@ -3276,7 +3283,7 @@
                 <a:solidFill>
                   <a:schemeClr val="bg1"/>
                 </a:solidFill>
-                <a:latin typeface="Arial Unicode MS"/>
+                <a:latin typeface="Consolas" panose="020B0609020204030204" pitchFamily="49" charset="0"/>
               </a:rPr>
               <a:t>authorization</a:t>
             </a:r>
@@ -3285,7 +3292,7 @@
                 <a:solidFill>
                   <a:schemeClr val="bg1"/>
                 </a:solidFill>
-                <a:latin typeface="Arial Unicode MS"/>
+                <a:latin typeface="Consolas" panose="020B0609020204030204" pitchFamily="49" charset="0"/>
               </a:rPr>
               <a:t>: </a:t>
             </a:r>
@@ -3294,271 +3301,33 @@
                 <a:solidFill>
                   <a:schemeClr val="bg1"/>
                 </a:solidFill>
-                <a:latin typeface="Arial Unicode MS"/>
+                <a:latin typeface="Consolas" panose="020B0609020204030204" pitchFamily="49" charset="0"/>
               </a:rPr>
               <a:t>basic</a:t>
             </a:r>
             <a:r>
-              <a:rPr lang="it-IT" altLang="it-IT" sz="1800" dirty="0" smtClean="0">
-                <a:solidFill>
-                  <a:schemeClr val="bg1"/>
-                </a:solidFill>
-                <a:latin typeface="Arial Unicode MS"/>
-              </a:rPr>
-              <a:t> vassallocarlo:1234 </a:t>
-            </a:r>
-          </a:p>
-          <a:p>
-            <a:pPr marL="0" lvl="0" indent="0" eaLnBrk="0" fontAlgn="base" hangingPunct="0">
-              <a:lnSpc>
-                <a:spcPct val="100000"/>
-              </a:lnSpc>
-              <a:spcBef>
-                <a:spcPct val="0"/>
-              </a:spcBef>
-              <a:spcAft>
-                <a:spcPct val="0"/>
-              </a:spcAft>
-              <a:buNone/>
-            </a:pPr>
-            <a:r>
-              <a:rPr lang="it-IT" altLang="it-IT" sz="1800" dirty="0" err="1" smtClean="0">
-                <a:solidFill>
-                  <a:schemeClr val="bg1"/>
-                </a:solidFill>
-                <a:latin typeface="Arial Unicode MS"/>
-              </a:rPr>
-              <a:t>content-length</a:t>
-            </a:r>
-            <a:r>
-              <a:rPr lang="it-IT" altLang="it-IT" sz="1800" dirty="0" smtClean="0">
-                <a:solidFill>
-                  <a:schemeClr val="bg1"/>
-                </a:solidFill>
-                <a:latin typeface="Arial Unicode MS"/>
-              </a:rPr>
-              <a:t>: 70 </a:t>
-            </a:r>
-          </a:p>
-          <a:p>
-            <a:pPr marL="0" lvl="0" indent="0" eaLnBrk="0" fontAlgn="base" hangingPunct="0">
-              <a:lnSpc>
-                <a:spcPct val="100000"/>
-              </a:lnSpc>
-              <a:spcBef>
-                <a:spcPct val="0"/>
-              </a:spcBef>
-              <a:spcAft>
-                <a:spcPct val="0"/>
-              </a:spcAft>
-              <a:buNone/>
-            </a:pPr>
-            <a:endParaRPr lang="it-IT" altLang="it-IT" sz="1800" dirty="0" smtClean="0">
+              <a:rPr lang="it-IT" altLang="it-IT" sz="1800" dirty="0">
+                <a:solidFill>
+                  <a:schemeClr val="bg1"/>
+                </a:solidFill>
+                <a:latin typeface="Consolas" panose="020B0609020204030204" pitchFamily="49" charset="0"/>
+              </a:rPr>
+              <a:t> </a:t>
+            </a:r>
+            <a:r>
+              <a:rPr lang="it-IT" altLang="it-IT" sz="1500" dirty="0" smtClean="0">
+                <a:solidFill>
+                  <a:schemeClr val="bg1"/>
+                </a:solidFill>
+                <a:latin typeface="Consolas" panose="020B0609020204030204" pitchFamily="49" charset="0"/>
+              </a:rPr>
+              <a:t>dmFzc2FsbG9jYXJsbzoxMjM0</a:t>
+            </a:r>
+            <a:endParaRPr lang="it-IT" altLang="it-IT" sz="1500" dirty="0" smtClean="0">
               <a:solidFill>
                 <a:schemeClr val="bg1"/>
               </a:solidFill>
-              <a:latin typeface="Arial Unicode MS"/>
-            </a:endParaRPr>
-          </a:p>
-          <a:p>
-            <a:pPr marL="0" lvl="0" indent="0" eaLnBrk="0" fontAlgn="base" hangingPunct="0">
-              <a:lnSpc>
-                <a:spcPct val="100000"/>
-              </a:lnSpc>
-              <a:spcBef>
-                <a:spcPct val="0"/>
-              </a:spcBef>
-              <a:spcAft>
-                <a:spcPct val="0"/>
-              </a:spcAft>
-              <a:buNone/>
-            </a:pPr>
-            <a:r>
-              <a:rPr lang="it-IT" altLang="it-IT" sz="1800" dirty="0" smtClean="0">
-                <a:solidFill>
-                  <a:schemeClr val="bg1"/>
-                </a:solidFill>
-                <a:latin typeface="Arial Unicode MS"/>
-              </a:rPr>
-              <a:t>{ </a:t>
-            </a:r>
-          </a:p>
-          <a:p>
-            <a:pPr marL="0" lvl="0" indent="0" eaLnBrk="0" fontAlgn="base" hangingPunct="0">
-              <a:lnSpc>
-                <a:spcPct val="100000"/>
-              </a:lnSpc>
-              <a:spcBef>
-                <a:spcPct val="0"/>
-              </a:spcBef>
-              <a:spcAft>
-                <a:spcPct val="0"/>
-              </a:spcAft>
-              <a:buNone/>
-            </a:pPr>
-            <a:r>
-              <a:rPr lang="it-IT" altLang="it-IT" sz="1800" dirty="0" smtClean="0">
-                <a:solidFill>
-                  <a:schemeClr val="bg1"/>
-                </a:solidFill>
-                <a:latin typeface="Arial Unicode MS"/>
-              </a:rPr>
-              <a:t>    "</a:t>
-            </a:r>
-            <a:r>
-              <a:rPr lang="it-IT" altLang="it-IT" sz="1800" dirty="0" err="1" smtClean="0">
-                <a:solidFill>
-                  <a:schemeClr val="bg1"/>
-                </a:solidFill>
-                <a:latin typeface="Arial Unicode MS"/>
-              </a:rPr>
-              <a:t>name</a:t>
-            </a:r>
-            <a:r>
-              <a:rPr lang="it-IT" altLang="it-IT" sz="1800" dirty="0" smtClean="0">
-                <a:solidFill>
-                  <a:schemeClr val="bg1"/>
-                </a:solidFill>
-                <a:latin typeface="Arial Unicode MS"/>
-              </a:rPr>
-              <a:t>": "</a:t>
-            </a:r>
-            <a:r>
-              <a:rPr lang="it-IT" altLang="it-IT" sz="1800" dirty="0" err="1" smtClean="0">
-                <a:solidFill>
-                  <a:schemeClr val="bg1"/>
-                </a:solidFill>
-                <a:latin typeface="Arial Unicode MS"/>
-              </a:rPr>
-              <a:t>ciccio</a:t>
-            </a:r>
-            <a:r>
-              <a:rPr lang="it-IT" altLang="it-IT" sz="1800" dirty="0" smtClean="0">
-                <a:solidFill>
-                  <a:schemeClr val="bg1"/>
-                </a:solidFill>
-                <a:latin typeface="Arial Unicode MS"/>
-              </a:rPr>
-              <a:t>", </a:t>
-            </a:r>
-          </a:p>
-          <a:p>
-            <a:pPr marL="0" lvl="0" indent="0" eaLnBrk="0" fontAlgn="base" hangingPunct="0">
-              <a:lnSpc>
-                <a:spcPct val="100000"/>
-              </a:lnSpc>
-              <a:spcBef>
-                <a:spcPct val="0"/>
-              </a:spcBef>
-              <a:spcAft>
-                <a:spcPct val="0"/>
-              </a:spcAft>
-              <a:buNone/>
-            </a:pPr>
-            <a:r>
-              <a:rPr lang="it-IT" altLang="it-IT" sz="1800" dirty="0" smtClean="0">
-                <a:solidFill>
-                  <a:schemeClr val="bg1"/>
-                </a:solidFill>
-                <a:latin typeface="Arial Unicode MS"/>
-              </a:rPr>
-              <a:t>    "</a:t>
-            </a:r>
-            <a:r>
-              <a:rPr lang="it-IT" altLang="it-IT" sz="1800" dirty="0" err="1" smtClean="0">
-                <a:solidFill>
-                  <a:schemeClr val="bg1"/>
-                </a:solidFill>
-                <a:latin typeface="Arial Unicode MS"/>
-              </a:rPr>
-              <a:t>surname</a:t>
-            </a:r>
-            <a:r>
-              <a:rPr lang="it-IT" altLang="it-IT" sz="1800" dirty="0" smtClean="0">
-                <a:solidFill>
-                  <a:schemeClr val="bg1"/>
-                </a:solidFill>
-                <a:latin typeface="Arial Unicode MS"/>
-              </a:rPr>
-              <a:t>": "bello", </a:t>
-            </a:r>
-          </a:p>
-          <a:p>
-            <a:pPr marL="0" lvl="0" indent="0" eaLnBrk="0" fontAlgn="base" hangingPunct="0">
-              <a:lnSpc>
-                <a:spcPct val="100000"/>
-              </a:lnSpc>
-              <a:spcBef>
-                <a:spcPct val="0"/>
-              </a:spcBef>
-              <a:spcAft>
-                <a:spcPct val="0"/>
-              </a:spcAft>
-              <a:buNone/>
-            </a:pPr>
-            <a:r>
-              <a:rPr lang="it-IT" altLang="it-IT" sz="1800" dirty="0" smtClean="0">
-                <a:solidFill>
-                  <a:schemeClr val="bg1"/>
-                </a:solidFill>
-                <a:latin typeface="Arial Unicode MS"/>
-              </a:rPr>
-              <a:t>    "</a:t>
-            </a:r>
-            <a:r>
-              <a:rPr lang="it-IT" altLang="it-IT" sz="1800" dirty="0" err="1" smtClean="0">
-                <a:solidFill>
-                  <a:schemeClr val="bg1"/>
-                </a:solidFill>
-                <a:latin typeface="Arial Unicode MS"/>
-              </a:rPr>
-              <a:t>phone</a:t>
-            </a:r>
-            <a:r>
-              <a:rPr lang="it-IT" altLang="it-IT" sz="1800" dirty="0" smtClean="0">
-                <a:solidFill>
-                  <a:schemeClr val="bg1"/>
-                </a:solidFill>
-                <a:latin typeface="Arial Unicode MS"/>
-              </a:rPr>
-              <a:t>": "1234567891"</a:t>
-            </a:r>
-          </a:p>
-          <a:p>
-            <a:pPr marL="0" lvl="0" indent="0" eaLnBrk="0" fontAlgn="base" hangingPunct="0">
-              <a:lnSpc>
-                <a:spcPct val="100000"/>
-              </a:lnSpc>
-              <a:spcBef>
-                <a:spcPct val="0"/>
-              </a:spcBef>
-              <a:spcAft>
-                <a:spcPct val="0"/>
-              </a:spcAft>
-              <a:buNone/>
-            </a:pPr>
-            <a:r>
-              <a:rPr lang="it-IT" altLang="it-IT" sz="1800" dirty="0" smtClean="0">
-                <a:solidFill>
-                  <a:schemeClr val="bg1"/>
-                </a:solidFill>
-                <a:latin typeface="Arial Unicode MS"/>
-              </a:rPr>
-              <a:t> }</a:t>
-            </a:r>
-            <a:r>
-              <a:rPr lang="it-IT" altLang="it-IT" sz="1800" dirty="0" smtClean="0">
-                <a:solidFill>
-                  <a:schemeClr val="bg1"/>
-                </a:solidFill>
-              </a:rPr>
-              <a:t> </a:t>
-            </a:r>
-            <a:endParaRPr lang="it-IT" altLang="it-IT" sz="1800" dirty="0">
-              <a:solidFill>
-                <a:schemeClr val="bg1"/>
-              </a:solidFill>
-              <a:latin typeface="Arial" panose="020B0604020202020204" pitchFamily="34" charset="0"/>
+              <a:latin typeface="Consolas" panose="020B0609020204030204" pitchFamily="49" charset="0"/>
             </a:endParaRPr>
           </a:p>
         </p:txBody>
@@ -3573,8 +3342,8 @@
         </p:nvSpPr>
         <p:spPr>
           <a:xfrm>
-            <a:off x="6033946" y="1825625"/>
-            <a:ext cx="5319854" cy="4351338"/>
+            <a:off x="6242011" y="1825624"/>
+            <a:ext cx="5491876" cy="4717537"/>
           </a:xfrm>
           <a:prstGeom prst="rect">
             <a:avLst/>
@@ -3582,7 +3351,7 @@
         </p:spPr>
         <p:txBody>
           <a:bodyPr vert="horz" lIns="91440" tIns="45720" rIns="91440" bIns="45720" rtlCol="0">
-            <a:normAutofit/>
+            <a:noAutofit/>
           </a:bodyPr>
           <a:lstStyle>
             <a:lvl1pPr marL="228600" indent="-228600" algn="l" defTabSz="914400" rtl="0" eaLnBrk="1" latinLnBrk="0" hangingPunct="1">
@@ -3763,15 +3532,24 @@
               <a:buNone/>
             </a:pPr>
             <a:r>
-              <a:rPr lang="it-IT" altLang="it-IT" dirty="0" err="1" smtClean="0">
+              <a:rPr lang="it-IT" altLang="it-IT" sz="2600" dirty="0" smtClean="0">
                 <a:solidFill>
                   <a:srgbClr val="02523F"/>
                 </a:solidFill>
                 <a:latin typeface="Arial Unicode MS"/>
               </a:rPr>
+              <a:t>Success </a:t>
+            </a:r>
+            <a:r>
+              <a:rPr lang="it-IT" altLang="it-IT" sz="2600" dirty="0" err="1" smtClean="0">
+                <a:solidFill>
+                  <a:srgbClr val="02523F"/>
+                </a:solidFill>
+                <a:latin typeface="Arial Unicode MS"/>
+              </a:rPr>
               <a:t>Response</a:t>
             </a:r>
-            <a:endParaRPr lang="it-IT" altLang="it-IT" dirty="0" smtClean="0">
+            <a:endParaRPr lang="it-IT" altLang="it-IT" sz="2600" dirty="0" smtClean="0">
               <a:solidFill>
                 <a:srgbClr val="02523F"/>
               </a:solidFill>
@@ -3792,11 +3570,11 @@
               <a:buFont typeface="Arial" panose="020B0604020202020204" pitchFamily="34" charset="0"/>
               <a:buNone/>
             </a:pPr>
-            <a:endParaRPr lang="it-IT" altLang="it-IT" dirty="0" smtClean="0">
+            <a:endParaRPr lang="it-IT" altLang="it-IT" sz="1800" dirty="0" smtClean="0">
               <a:solidFill>
                 <a:srgbClr val="02523F"/>
               </a:solidFill>
-              <a:latin typeface="Arial Unicode MS"/>
+              <a:latin typeface="Consolas" panose="020B0609020204030204" pitchFamily="49" charset="0"/>
             </a:endParaRPr>
           </a:p>
           <a:p>
@@ -3810,35 +3588,25 @@
               <a:spcAft>
                 <a:spcPct val="0"/>
               </a:spcAft>
-              <a:buFont typeface="Arial" panose="020B0604020202020204" pitchFamily="34" charset="0"/>
               <a:buNone/>
             </a:pPr>
             <a:r>
-              <a:rPr lang="it-IT" altLang="it-IT" sz="1800" dirty="0" smtClean="0">
-                <a:solidFill>
-                  <a:schemeClr val="bg1"/>
-                </a:solidFill>
-                <a:latin typeface="Arial Unicode MS"/>
-              </a:rPr>
-              <a:t>POST /</a:t>
-            </a:r>
-            <a:r>
-              <a:rPr lang="it-IT" altLang="it-IT" sz="1800" dirty="0" err="1" smtClean="0">
-                <a:solidFill>
-                  <a:schemeClr val="bg1"/>
-                </a:solidFill>
-                <a:latin typeface="Arial Unicode MS"/>
-              </a:rPr>
-              <a:t>contact</a:t>
-            </a:r>
-            <a:r>
-              <a:rPr lang="it-IT" altLang="it-IT" sz="1800" dirty="0" smtClean="0">
-                <a:solidFill>
-                  <a:schemeClr val="bg1"/>
-                </a:solidFill>
-                <a:latin typeface="Arial Unicode MS"/>
-              </a:rPr>
-              <a:t>/carlo HTTP/1.1 </a:t>
+              <a:rPr lang="it-IT" sz="1500" dirty="0">
+                <a:solidFill>
+                  <a:schemeClr val="bg1"/>
+                </a:solidFill>
+                <a:latin typeface="Consolas" panose="020B0609020204030204" pitchFamily="49" charset="0"/>
+              </a:rPr>
+              <a:t>HTTP/1.0 200 </a:t>
+            </a:r>
+            <a:r>
+              <a:rPr lang="it-IT" sz="1500" dirty="0" smtClean="0">
+                <a:solidFill>
+                  <a:schemeClr val="bg1"/>
+                </a:solidFill>
+                <a:latin typeface="Consolas" panose="020B0609020204030204" pitchFamily="49" charset="0"/>
+              </a:rPr>
+              <a:t>OK</a:t>
             </a:r>
           </a:p>
           <a:p>
@@ -3852,17 +3620,25 @@
               <a:spcAft>
                 <a:spcPct val="0"/>
               </a:spcAft>
-              <a:buFont typeface="Arial" panose="020B0604020202020204" pitchFamily="34" charset="0"/>
               <a:buNone/>
             </a:pPr>
             <a:r>
-              <a:rPr lang="it-IT" altLang="it-IT" sz="1800" dirty="0" smtClean="0">
-                <a:solidFill>
-                  <a:schemeClr val="bg1"/>
-                </a:solidFill>
-                <a:latin typeface="Arial Unicode MS"/>
-              </a:rPr>
-              <a:t>HOST: localhost:3000 </a:t>
+              <a:rPr lang="it-IT" sz="1500" dirty="0">
+                <a:solidFill>
+                  <a:schemeClr val="bg1"/>
+                </a:solidFill>
+                <a:latin typeface="Consolas" panose="020B0609020204030204" pitchFamily="49" charset="0"/>
+              </a:rPr>
+              <a:t>X-Powered-By: </a:t>
+            </a:r>
+            <a:r>
+              <a:rPr lang="it-IT" sz="1500" dirty="0" smtClean="0">
+                <a:solidFill>
+                  <a:schemeClr val="bg1"/>
+                </a:solidFill>
+                <a:latin typeface="Consolas" panose="020B0609020204030204" pitchFamily="49" charset="0"/>
+              </a:rPr>
+              <a:t>Express</a:t>
             </a:r>
           </a:p>
           <a:p>
@@ -3876,44 +3652,79 @@
               <a:spcAft>
                 <a:spcPct val="0"/>
               </a:spcAft>
-              <a:buFont typeface="Arial" panose="020B0604020202020204" pitchFamily="34" charset="0"/>
               <a:buNone/>
             </a:pPr>
             <a:r>
-              <a:rPr lang="it-IT" altLang="it-IT" sz="1800" dirty="0" err="1" smtClean="0">
-                <a:solidFill>
-                  <a:schemeClr val="bg1"/>
-                </a:solidFill>
-                <a:latin typeface="Arial Unicode MS"/>
-              </a:rPr>
-              <a:t>authorization</a:t>
-            </a:r>
-            <a:r>
-              <a:rPr lang="it-IT" altLang="it-IT" sz="1800" dirty="0" smtClean="0">
-                <a:solidFill>
-                  <a:schemeClr val="bg1"/>
-                </a:solidFill>
-                <a:latin typeface="Arial Unicode MS"/>
-              </a:rPr>
-              <a:t>: </a:t>
-            </a:r>
-            <a:r>
-              <a:rPr lang="it-IT" altLang="it-IT" sz="1800" dirty="0" err="1" smtClean="0">
-                <a:solidFill>
-                  <a:schemeClr val="bg1"/>
-                </a:solidFill>
-                <a:latin typeface="Arial Unicode MS"/>
-              </a:rPr>
-              <a:t>basic</a:t>
-            </a:r>
-            <a:r>
-              <a:rPr lang="it-IT" altLang="it-IT" sz="1800" dirty="0" smtClean="0">
-                <a:solidFill>
-                  <a:schemeClr val="bg1"/>
-                </a:solidFill>
-                <a:latin typeface="Arial Unicode MS"/>
-              </a:rPr>
-              <a:t> vassallocarlo:1234 </a:t>
+              <a:rPr lang="it-IT" sz="1500" dirty="0" err="1" smtClean="0">
+                <a:solidFill>
+                  <a:schemeClr val="bg1"/>
+                </a:solidFill>
+                <a:latin typeface="Consolas" panose="020B0609020204030204" pitchFamily="49" charset="0"/>
+              </a:rPr>
+              <a:t>content-type</a:t>
+            </a:r>
+            <a:r>
+              <a:rPr lang="it-IT" sz="1500" dirty="0">
+                <a:solidFill>
+                  <a:schemeClr val="bg1"/>
+                </a:solidFill>
+                <a:latin typeface="Consolas" panose="020B0609020204030204" pitchFamily="49" charset="0"/>
+              </a:rPr>
+              <a:t>: </a:t>
+            </a:r>
+            <a:r>
+              <a:rPr lang="it-IT" sz="1500" dirty="0" err="1" smtClean="0">
+                <a:solidFill>
+                  <a:schemeClr val="bg1"/>
+                </a:solidFill>
+                <a:latin typeface="Consolas" panose="020B0609020204030204" pitchFamily="49" charset="0"/>
+              </a:rPr>
+              <a:t>application</a:t>
+            </a:r>
+            <a:r>
+              <a:rPr lang="it-IT" sz="1500" dirty="0" smtClean="0">
+                <a:solidFill>
+                  <a:schemeClr val="bg1"/>
+                </a:solidFill>
+                <a:latin typeface="Consolas" panose="020B0609020204030204" pitchFamily="49" charset="0"/>
+              </a:rPr>
+              <a:t>/</a:t>
+            </a:r>
+            <a:r>
+              <a:rPr lang="it-IT" sz="1500" dirty="0" err="1" smtClean="0">
+                <a:solidFill>
+                  <a:schemeClr val="bg1"/>
+                </a:solidFill>
+                <a:latin typeface="Consolas" panose="020B0609020204030204" pitchFamily="49" charset="0"/>
+              </a:rPr>
+              <a:t>json</a:t>
+            </a:r>
+            <a:r>
+              <a:rPr lang="it-IT" sz="1500" dirty="0" smtClean="0">
+                <a:solidFill>
+                  <a:schemeClr val="bg1"/>
+                </a:solidFill>
+                <a:latin typeface="Consolas" panose="020B0609020204030204" pitchFamily="49" charset="0"/>
+              </a:rPr>
+              <a:t>; </a:t>
+            </a:r>
+            <a:r>
+              <a:rPr lang="it-IT" sz="1500" dirty="0" err="1" smtClean="0">
+                <a:solidFill>
+                  <a:schemeClr val="bg1"/>
+                </a:solidFill>
+                <a:latin typeface="Consolas" panose="020B0609020204030204" pitchFamily="49" charset="0"/>
+              </a:rPr>
+              <a:t>charset</a:t>
+            </a:r>
+            <a:r>
+              <a:rPr lang="it-IT" sz="1500" dirty="0" smtClean="0">
+                <a:solidFill>
+                  <a:schemeClr val="bg1"/>
+                </a:solidFill>
+                <a:latin typeface="Consolas" panose="020B0609020204030204" pitchFamily="49" charset="0"/>
+              </a:rPr>
+              <a:t>=utf-8</a:t>
             </a:r>
           </a:p>
           <a:p>
@@ -3927,26 +3738,34 @@
               <a:spcAft>
                 <a:spcPct val="0"/>
               </a:spcAft>
-              <a:buFont typeface="Arial" panose="020B0604020202020204" pitchFamily="34" charset="0"/>
               <a:buNone/>
             </a:pPr>
             <a:r>
-              <a:rPr lang="it-IT" altLang="it-IT" sz="1800" dirty="0" err="1" smtClean="0">
-                <a:solidFill>
-                  <a:schemeClr val="bg1"/>
-                </a:solidFill>
-                <a:latin typeface="Arial Unicode MS"/>
-              </a:rPr>
-              <a:t>content-length</a:t>
-            </a:r>
-            <a:r>
-              <a:rPr lang="it-IT" altLang="it-IT" sz="1800" dirty="0" smtClean="0">
-                <a:solidFill>
-                  <a:schemeClr val="bg1"/>
-                </a:solidFill>
-                <a:latin typeface="Arial Unicode MS"/>
-              </a:rPr>
-              <a:t>: 70 </a:t>
+              <a:rPr lang="it-IT" sz="1500" dirty="0" err="1" smtClean="0">
+                <a:solidFill>
+                  <a:schemeClr val="bg1"/>
+                </a:solidFill>
+                <a:latin typeface="Consolas" panose="020B0609020204030204" pitchFamily="49" charset="0"/>
+              </a:rPr>
+              <a:t>content-Length</a:t>
+            </a:r>
+            <a:r>
+              <a:rPr lang="it-IT" sz="1500" dirty="0">
+                <a:solidFill>
+                  <a:schemeClr val="bg1"/>
+                </a:solidFill>
+                <a:latin typeface="Consolas" panose="020B0609020204030204" pitchFamily="49" charset="0"/>
+              </a:rPr>
+              <a:t>: </a:t>
+            </a:r>
+            <a:r>
+              <a:rPr lang="it-IT" sz="1500" dirty="0" smtClean="0">
+                <a:solidFill>
+                  <a:schemeClr val="bg1"/>
+                </a:solidFill>
+                <a:latin typeface="Consolas" panose="020B0609020204030204" pitchFamily="49" charset="0"/>
+              </a:rPr>
+              <a:t>107</a:t>
             </a:r>
           </a:p>
           <a:p>
@@ -3960,14 +3779,91 @@
               <a:spcAft>
                 <a:spcPct val="0"/>
               </a:spcAft>
-              <a:buFont typeface="Arial" panose="020B0604020202020204" pitchFamily="34" charset="0"/>
               <a:buNone/>
             </a:pPr>
-            <a:endParaRPr lang="it-IT" altLang="it-IT" sz="1800" dirty="0" smtClean="0">
+            <a:r>
+              <a:rPr lang="it-IT" sz="1500" dirty="0">
+                <a:solidFill>
+                  <a:schemeClr val="bg1"/>
+                </a:solidFill>
+                <a:latin typeface="Consolas" panose="020B0609020204030204" pitchFamily="49" charset="0"/>
+              </a:rPr>
+              <a:t>d</a:t>
+            </a:r>
+            <a:r>
+              <a:rPr lang="it-IT" sz="1500" dirty="0" smtClean="0">
+                <a:solidFill>
+                  <a:schemeClr val="bg1"/>
+                </a:solidFill>
+                <a:latin typeface="Consolas" panose="020B0609020204030204" pitchFamily="49" charset="0"/>
+              </a:rPr>
+              <a:t>ate</a:t>
+            </a:r>
+            <a:r>
+              <a:rPr lang="it-IT" sz="1500" dirty="0">
+                <a:solidFill>
+                  <a:schemeClr val="bg1"/>
+                </a:solidFill>
+                <a:latin typeface="Consolas" panose="020B0609020204030204" pitchFamily="49" charset="0"/>
+              </a:rPr>
+              <a:t>: </a:t>
+            </a:r>
+            <a:r>
+              <a:rPr lang="en-US" sz="1500" dirty="0">
+                <a:latin typeface="Consolas" panose="020B0609020204030204" pitchFamily="49" charset="0"/>
+              </a:rPr>
+              <a:t> </a:t>
+            </a:r>
+            <a:r>
+              <a:rPr lang="en-US" sz="1500" dirty="0">
+                <a:solidFill>
+                  <a:schemeClr val="bg1"/>
+                </a:solidFill>
+                <a:latin typeface="Consolas" panose="020B0609020204030204" pitchFamily="49" charset="0"/>
+              </a:rPr>
+              <a:t>Wed, 15 Jun 2016 07:47:55 </a:t>
+            </a:r>
+            <a:r>
+              <a:rPr lang="en-US" sz="1500" dirty="0" smtClean="0">
+                <a:solidFill>
+                  <a:schemeClr val="bg1"/>
+                </a:solidFill>
+                <a:latin typeface="Consolas" panose="020B0609020204030204" pitchFamily="49" charset="0"/>
+              </a:rPr>
+              <a:t>GMT </a:t>
+            </a:r>
+            <a:r>
+              <a:rPr lang="it-IT" sz="1500" dirty="0" smtClean="0">
+                <a:solidFill>
+                  <a:schemeClr val="bg1"/>
+                </a:solidFill>
+                <a:latin typeface="Consolas" panose="020B0609020204030204" pitchFamily="49" charset="0"/>
+              </a:rPr>
+              <a:t>connection</a:t>
+            </a:r>
+            <a:r>
+              <a:rPr lang="it-IT" sz="1500" dirty="0">
+                <a:solidFill>
+                  <a:schemeClr val="bg1"/>
+                </a:solidFill>
+                <a:latin typeface="Consolas" panose="020B0609020204030204" pitchFamily="49" charset="0"/>
+              </a:rPr>
+              <a:t>: </a:t>
+            </a:r>
+            <a:r>
+              <a:rPr lang="it-IT" sz="1500" dirty="0" err="1" smtClean="0">
+                <a:solidFill>
+                  <a:schemeClr val="bg1"/>
+                </a:solidFill>
+                <a:latin typeface="Consolas" panose="020B0609020204030204" pitchFamily="49" charset="0"/>
+              </a:rPr>
+              <a:t>keep-alive</a:t>
+            </a:r>
+            <a:endParaRPr lang="it-IT" sz="1500" dirty="0" smtClean="0">
               <a:solidFill>
                 <a:schemeClr val="bg1"/>
               </a:solidFill>
-              <a:latin typeface="Arial Unicode MS"/>
+              <a:latin typeface="Consolas" panose="020B0609020204030204" pitchFamily="49" charset="0"/>
             </a:endParaRPr>
           </a:p>
           <a:p>
@@ -3981,18 +3877,14 @@
               <a:spcAft>
                 <a:spcPct val="0"/>
               </a:spcAft>
-              <a:buFont typeface="Arial" panose="020B0604020202020204" pitchFamily="34" charset="0"/>
               <a:buNone/>
             </a:pPr>
-            <a:r>
-              <a:rPr lang="it-IT" altLang="it-IT" sz="1800" dirty="0" smtClean="0">
-                <a:solidFill>
-                  <a:schemeClr val="bg1"/>
-                </a:solidFill>
-                <a:latin typeface="Arial Unicode MS"/>
-              </a:rPr>
-              <a:t>{ </a:t>
-            </a:r>
+            <a:endParaRPr lang="it-IT" altLang="it-IT" sz="1500" dirty="0">
+              <a:solidFill>
+                <a:schemeClr val="bg1"/>
+              </a:solidFill>
+              <a:latin typeface="Consolas" panose="020B0609020204030204" pitchFamily="49" charset="0"/>
+            </a:endParaRPr>
           </a:p>
           <a:p>
             <a:pPr marL="0" indent="0" eaLnBrk="0" fontAlgn="base" hangingPunct="0">
@@ -4005,53 +3897,16 @@
               <a:spcAft>
                 <a:spcPct val="0"/>
               </a:spcAft>
-              <a:buFont typeface="Arial" panose="020B0604020202020204" pitchFamily="34" charset="0"/>
               <a:buNone/>
             </a:pPr>
             <a:r>
-              <a:rPr lang="it-IT" altLang="it-IT" sz="1800" dirty="0" smtClean="0">
-                <a:solidFill>
-                  <a:schemeClr val="bg1"/>
-                </a:solidFill>
-                <a:latin typeface="Arial Unicode MS"/>
-              </a:rPr>
-              <a:t>    "</a:t>
-            </a:r>
-            <a:r>
-              <a:rPr lang="it-IT" altLang="it-IT" sz="1800" dirty="0" err="1" smtClean="0">
-                <a:solidFill>
-                  <a:schemeClr val="bg1"/>
-                </a:solidFill>
-                <a:latin typeface="Arial Unicode MS"/>
-              </a:rPr>
-              <a:t>name</a:t>
-            </a:r>
-            <a:r>
-              <a:rPr lang="it-IT" altLang="it-IT" sz="1800" dirty="0" smtClean="0">
-                <a:solidFill>
-                  <a:schemeClr val="bg1"/>
-                </a:solidFill>
-                <a:latin typeface="Arial Unicode MS"/>
-              </a:rPr>
-              <a:t>": "</a:t>
-            </a:r>
-            <a:r>
-              <a:rPr lang="it-IT" altLang="it-IT" sz="1800" dirty="0" err="1" smtClean="0">
-                <a:solidFill>
-                  <a:schemeClr val="bg1"/>
-                </a:solidFill>
-                <a:latin typeface="Arial Unicode MS"/>
-              </a:rPr>
-              <a:t>ciccio</a:t>
-            </a:r>
-            <a:r>
-              <a:rPr lang="it-IT" altLang="it-IT" sz="1800" dirty="0" smtClean="0">
-                <a:solidFill>
-                  <a:schemeClr val="bg1"/>
-                </a:solidFill>
-                <a:latin typeface="Arial Unicode MS"/>
-              </a:rPr>
-              <a:t>", </a:t>
+              <a:rPr lang="it-IT" altLang="it-IT" sz="1500" dirty="0" smtClean="0">
+                <a:solidFill>
+                  <a:schemeClr val="bg1"/>
+                </a:solidFill>
+                <a:latin typeface="Consolas" panose="020B0609020204030204" pitchFamily="49" charset="0"/>
+              </a:rPr>
+              <a:t>{</a:t>
             </a:r>
           </a:p>
           <a:p>
@@ -4065,35 +3920,43 @@
               <a:spcAft>
                 <a:spcPct val="0"/>
               </a:spcAft>
-              <a:buFont typeface="Arial" panose="020B0604020202020204" pitchFamily="34" charset="0"/>
               <a:buNone/>
             </a:pPr>
             <a:r>
-              <a:rPr lang="it-IT" altLang="it-IT" sz="1800" dirty="0" smtClean="0">
-                <a:solidFill>
-                  <a:schemeClr val="bg1"/>
-                </a:solidFill>
-                <a:latin typeface="Arial Unicode MS"/>
-              </a:rPr>
-              <a:t>    "</a:t>
-            </a:r>
-            <a:r>
-              <a:rPr lang="it-IT" altLang="it-IT" sz="1800" dirty="0" err="1" smtClean="0">
-                <a:solidFill>
-                  <a:schemeClr val="bg1"/>
-                </a:solidFill>
-                <a:latin typeface="Arial Unicode MS"/>
-              </a:rPr>
-              <a:t>surname</a:t>
-            </a:r>
-            <a:r>
-              <a:rPr lang="it-IT" altLang="it-IT" sz="1800" dirty="0" smtClean="0">
-                <a:solidFill>
-                  <a:schemeClr val="bg1"/>
-                </a:solidFill>
-                <a:latin typeface="Arial Unicode MS"/>
-              </a:rPr>
-              <a:t>": "bello", </a:t>
+              <a:rPr lang="it-IT" altLang="it-IT" sz="1500" dirty="0">
+                <a:solidFill>
+                  <a:schemeClr val="bg1"/>
+                </a:solidFill>
+                <a:latin typeface="Consolas" panose="020B0609020204030204" pitchFamily="49" charset="0"/>
+              </a:rPr>
+              <a:t> </a:t>
+            </a:r>
+            <a:r>
+              <a:rPr lang="it-IT" altLang="it-IT" sz="1500" dirty="0" smtClean="0">
+                <a:solidFill>
+                  <a:schemeClr val="bg1"/>
+                </a:solidFill>
+                <a:latin typeface="Consolas" panose="020B0609020204030204" pitchFamily="49" charset="0"/>
+              </a:rPr>
+              <a:t>   "</a:t>
+            </a:r>
+            <a:r>
+              <a:rPr lang="it-IT" altLang="it-IT" sz="1500" dirty="0" err="1" smtClean="0">
+                <a:solidFill>
+                  <a:schemeClr val="bg1"/>
+                </a:solidFill>
+                <a:latin typeface="Consolas" panose="020B0609020204030204" pitchFamily="49" charset="0"/>
+              </a:rPr>
+              <a:t>error</a:t>
+            </a:r>
+            <a:r>
+              <a:rPr lang="it-IT" altLang="it-IT" sz="1500" dirty="0" smtClean="0">
+                <a:solidFill>
+                  <a:schemeClr val="bg1"/>
+                </a:solidFill>
+                <a:latin typeface="Consolas" panose="020B0609020204030204" pitchFamily="49" charset="0"/>
+              </a:rPr>
+              <a:t>": false,</a:t>
             </a:r>
           </a:p>
           <a:p>
@@ -4107,35 +3970,34 @@
               <a:spcAft>
                 <a:spcPct val="0"/>
               </a:spcAft>
-              <a:buFont typeface="Arial" panose="020B0604020202020204" pitchFamily="34" charset="0"/>
               <a:buNone/>
             </a:pPr>
             <a:r>
-              <a:rPr lang="it-IT" altLang="it-IT" sz="1800" dirty="0" smtClean="0">
-                <a:solidFill>
-                  <a:schemeClr val="bg1"/>
-                </a:solidFill>
-                <a:latin typeface="Arial Unicode MS"/>
+              <a:rPr lang="it-IT" altLang="it-IT" sz="1500" dirty="0" smtClean="0">
+                <a:solidFill>
+                  <a:schemeClr val="bg1"/>
+                </a:solidFill>
+                <a:latin typeface="Consolas" panose="020B0609020204030204" pitchFamily="49" charset="0"/>
               </a:rPr>
               <a:t>    "</a:t>
             </a:r>
             <a:r>
-              <a:rPr lang="it-IT" altLang="it-IT" sz="1800" dirty="0" err="1" smtClean="0">
-                <a:solidFill>
-                  <a:schemeClr val="bg1"/>
-                </a:solidFill>
-                <a:latin typeface="Arial Unicode MS"/>
-              </a:rPr>
-              <a:t>phone</a:t>
-            </a:r>
-            <a:r>
-              <a:rPr lang="it-IT" altLang="it-IT" sz="1800" dirty="0" smtClean="0">
-                <a:solidFill>
-                  <a:schemeClr val="bg1"/>
-                </a:solidFill>
-                <a:latin typeface="Arial Unicode MS"/>
-              </a:rPr>
-              <a:t>": "1234567891"</a:t>
+              <a:rPr lang="it-IT" altLang="it-IT" sz="1500" dirty="0">
+                <a:solidFill>
+                  <a:schemeClr val="bg1"/>
+                </a:solidFill>
+                <a:latin typeface="Consolas" panose="020B0609020204030204" pitchFamily="49" charset="0"/>
+              </a:rPr>
+              <a:t>code</a:t>
+            </a:r>
+            <a:r>
+              <a:rPr lang="it-IT" altLang="it-IT" sz="1500" dirty="0" smtClean="0">
+                <a:solidFill>
+                  <a:schemeClr val="bg1"/>
+                </a:solidFill>
+                <a:latin typeface="Consolas" panose="020B0609020204030204" pitchFamily="49" charset="0"/>
+              </a:rPr>
+              <a:t>": 200,</a:t>
             </a:r>
           </a:p>
           <a:p>
@@ -4149,31 +4011,319 @@
               <a:spcAft>
                 <a:spcPct val="0"/>
               </a:spcAft>
-              <a:buFont typeface="Arial" panose="020B0604020202020204" pitchFamily="34" charset="0"/>
               <a:buNone/>
             </a:pPr>
             <a:r>
-              <a:rPr lang="it-IT" altLang="it-IT" sz="1800" dirty="0" smtClean="0">
-                <a:solidFill>
-                  <a:schemeClr val="bg1"/>
-                </a:solidFill>
-                <a:latin typeface="Arial Unicode MS"/>
-              </a:rPr>
-              <a:t> }</a:t>
-            </a:r>
-            <a:r>
-              <a:rPr lang="it-IT" altLang="it-IT" sz="1800" dirty="0" smtClean="0">
-                <a:solidFill>
-                  <a:schemeClr val="bg1"/>
-                </a:solidFill>
-              </a:rPr>
-              <a:t> </a:t>
-            </a:r>
-            <a:endParaRPr lang="it-IT" altLang="it-IT" sz="1800" dirty="0">
+              <a:rPr lang="it-IT" altLang="it-IT" sz="1500" dirty="0" smtClean="0">
+                <a:solidFill>
+                  <a:schemeClr val="bg1"/>
+                </a:solidFill>
+                <a:latin typeface="Consolas" panose="020B0609020204030204" pitchFamily="49" charset="0"/>
+              </a:rPr>
+              <a:t>    "</a:t>
+            </a:r>
+            <a:r>
+              <a:rPr lang="it-IT" altLang="it-IT" sz="1500" dirty="0" err="1">
+                <a:solidFill>
+                  <a:schemeClr val="bg1"/>
+                </a:solidFill>
+                <a:latin typeface="Consolas" panose="020B0609020204030204" pitchFamily="49" charset="0"/>
+              </a:rPr>
+              <a:t>message</a:t>
+            </a:r>
+            <a:r>
+              <a:rPr lang="it-IT" altLang="it-IT" sz="1500" dirty="0" smtClean="0">
+                <a:solidFill>
+                  <a:schemeClr val="bg1"/>
+                </a:solidFill>
+                <a:latin typeface="Consolas" panose="020B0609020204030204" pitchFamily="49" charset="0"/>
+              </a:rPr>
+              <a:t>": "</a:t>
+            </a:r>
+            <a:r>
+              <a:rPr lang="it-IT" altLang="it-IT" sz="1500" dirty="0">
+                <a:solidFill>
+                  <a:schemeClr val="bg1"/>
+                </a:solidFill>
+                <a:latin typeface="Consolas" panose="020B0609020204030204" pitchFamily="49" charset="0"/>
+              </a:rPr>
+              <a:t>OK</a:t>
+            </a:r>
+            <a:r>
+              <a:rPr lang="it-IT" altLang="it-IT" sz="1500" dirty="0" smtClean="0">
+                <a:solidFill>
+                  <a:schemeClr val="bg1"/>
+                </a:solidFill>
+                <a:latin typeface="Consolas" panose="020B0609020204030204" pitchFamily="49" charset="0"/>
+              </a:rPr>
+              <a:t>",</a:t>
+            </a:r>
+          </a:p>
+          <a:p>
+            <a:pPr marL="0" indent="0" eaLnBrk="0" fontAlgn="base" hangingPunct="0">
+              <a:lnSpc>
+                <a:spcPct val="100000"/>
+              </a:lnSpc>
+              <a:spcBef>
+                <a:spcPct val="0"/>
+              </a:spcBef>
+              <a:spcAft>
+                <a:spcPct val="0"/>
+              </a:spcAft>
+              <a:buNone/>
+            </a:pPr>
+            <a:r>
+              <a:rPr lang="it-IT" altLang="it-IT" sz="1500" dirty="0" smtClean="0">
+                <a:solidFill>
+                  <a:schemeClr val="bg1"/>
+                </a:solidFill>
+                <a:latin typeface="Consolas" panose="020B0609020204030204" pitchFamily="49" charset="0"/>
+              </a:rPr>
+              <a:t>    "</a:t>
+            </a:r>
+            <a:r>
+              <a:rPr lang="it-IT" altLang="it-IT" sz="1500" dirty="0">
+                <a:solidFill>
+                  <a:schemeClr val="bg1"/>
+                </a:solidFill>
+                <a:latin typeface="Consolas" panose="020B0609020204030204" pitchFamily="49" charset="0"/>
+              </a:rPr>
+              <a:t>data</a:t>
+            </a:r>
+            <a:r>
+              <a:rPr lang="it-IT" altLang="it-IT" sz="1500" dirty="0" smtClean="0">
+                <a:solidFill>
+                  <a:schemeClr val="bg1"/>
+                </a:solidFill>
+                <a:latin typeface="Consolas" panose="020B0609020204030204" pitchFamily="49" charset="0"/>
+              </a:rPr>
+              <a:t>": {</a:t>
+            </a:r>
+          </a:p>
+          <a:p>
+            <a:pPr marL="0" indent="0" eaLnBrk="0" fontAlgn="base" hangingPunct="0">
+              <a:lnSpc>
+                <a:spcPct val="100000"/>
+              </a:lnSpc>
+              <a:spcBef>
+                <a:spcPct val="0"/>
+              </a:spcBef>
+              <a:spcAft>
+                <a:spcPct val="0"/>
+              </a:spcAft>
+              <a:buNone/>
+            </a:pPr>
+            <a:r>
+              <a:rPr lang="it-IT" altLang="it-IT" sz="1500" dirty="0" smtClean="0">
+                <a:solidFill>
+                  <a:schemeClr val="bg1"/>
+                </a:solidFill>
+                <a:latin typeface="Consolas" panose="020B0609020204030204" pitchFamily="49" charset="0"/>
+              </a:rPr>
+              <a:t>        "</a:t>
+            </a:r>
+            <a:r>
+              <a:rPr lang="it-IT" altLang="it-IT" sz="1500" dirty="0" err="1">
+                <a:solidFill>
+                  <a:schemeClr val="bg1"/>
+                </a:solidFill>
+                <a:latin typeface="Consolas" panose="020B0609020204030204" pitchFamily="49" charset="0"/>
+              </a:rPr>
+              <a:t>name</a:t>
+            </a:r>
+            <a:r>
+              <a:rPr lang="it-IT" altLang="it-IT" sz="1500" dirty="0" smtClean="0">
+                <a:solidFill>
+                  <a:schemeClr val="bg1"/>
+                </a:solidFill>
+                <a:latin typeface="Consolas" panose="020B0609020204030204" pitchFamily="49" charset="0"/>
+              </a:rPr>
+              <a:t>": "</a:t>
+            </a:r>
+            <a:r>
+              <a:rPr lang="it-IT" altLang="it-IT" sz="1500" dirty="0">
+                <a:solidFill>
+                  <a:schemeClr val="bg1"/>
+                </a:solidFill>
+                <a:latin typeface="Consolas" panose="020B0609020204030204" pitchFamily="49" charset="0"/>
+              </a:rPr>
+              <a:t>carlo</a:t>
+            </a:r>
+            <a:r>
+              <a:rPr lang="it-IT" altLang="it-IT" sz="1500" dirty="0" smtClean="0">
+                <a:solidFill>
+                  <a:schemeClr val="bg1"/>
+                </a:solidFill>
+                <a:latin typeface="Consolas" panose="020B0609020204030204" pitchFamily="49" charset="0"/>
+              </a:rPr>
+              <a:t>",</a:t>
+            </a:r>
+          </a:p>
+          <a:p>
+            <a:pPr marL="0" indent="0" eaLnBrk="0" fontAlgn="base" hangingPunct="0">
+              <a:lnSpc>
+                <a:spcPct val="100000"/>
+              </a:lnSpc>
+              <a:spcBef>
+                <a:spcPct val="0"/>
+              </a:spcBef>
+              <a:spcAft>
+                <a:spcPct val="0"/>
+              </a:spcAft>
+              <a:buNone/>
+            </a:pPr>
+            <a:r>
+              <a:rPr lang="it-IT" altLang="it-IT" sz="1500" dirty="0" smtClean="0">
+                <a:solidFill>
+                  <a:schemeClr val="bg1"/>
+                </a:solidFill>
+                <a:latin typeface="Consolas" panose="020B0609020204030204" pitchFamily="49" charset="0"/>
+              </a:rPr>
+              <a:t>        "</a:t>
+            </a:r>
+            <a:r>
+              <a:rPr lang="it-IT" altLang="it-IT" sz="1500" dirty="0" err="1">
+                <a:solidFill>
+                  <a:schemeClr val="bg1"/>
+                </a:solidFill>
+                <a:latin typeface="Consolas" panose="020B0609020204030204" pitchFamily="49" charset="0"/>
+              </a:rPr>
+              <a:t>surname</a:t>
+            </a:r>
+            <a:r>
+              <a:rPr lang="it-IT" altLang="it-IT" sz="1500" dirty="0" smtClean="0">
+                <a:solidFill>
+                  <a:schemeClr val="bg1"/>
+                </a:solidFill>
+                <a:latin typeface="Consolas" panose="020B0609020204030204" pitchFamily="49" charset="0"/>
+              </a:rPr>
+              <a:t>": "</a:t>
+            </a:r>
+            <a:r>
+              <a:rPr lang="it-IT" altLang="it-IT" sz="1500" dirty="0">
+                <a:solidFill>
+                  <a:schemeClr val="bg1"/>
+                </a:solidFill>
+                <a:latin typeface="Consolas" panose="020B0609020204030204" pitchFamily="49" charset="0"/>
+              </a:rPr>
+              <a:t>vassallo</a:t>
+            </a:r>
+            <a:r>
+              <a:rPr lang="it-IT" altLang="it-IT" sz="1500" dirty="0" smtClean="0">
+                <a:solidFill>
+                  <a:schemeClr val="bg1"/>
+                </a:solidFill>
+                <a:latin typeface="Consolas" panose="020B0609020204030204" pitchFamily="49" charset="0"/>
+              </a:rPr>
+              <a:t>",</a:t>
+            </a:r>
+          </a:p>
+          <a:p>
+            <a:pPr marL="0" indent="0" eaLnBrk="0" fontAlgn="base" hangingPunct="0">
+              <a:lnSpc>
+                <a:spcPct val="100000"/>
+              </a:lnSpc>
+              <a:spcBef>
+                <a:spcPct val="0"/>
+              </a:spcBef>
+              <a:spcAft>
+                <a:spcPct val="0"/>
+              </a:spcAft>
+              <a:buNone/>
+            </a:pPr>
+            <a:r>
+              <a:rPr lang="it-IT" altLang="it-IT" sz="1500" dirty="0" smtClean="0">
+                <a:solidFill>
+                  <a:schemeClr val="bg1"/>
+                </a:solidFill>
+                <a:latin typeface="Consolas" panose="020B0609020204030204" pitchFamily="49" charset="0"/>
+              </a:rPr>
+              <a:t>        "</a:t>
+            </a:r>
+            <a:r>
+              <a:rPr lang="it-IT" altLang="it-IT" sz="1500" dirty="0" err="1">
+                <a:solidFill>
+                  <a:schemeClr val="bg1"/>
+                </a:solidFill>
+                <a:latin typeface="Consolas" panose="020B0609020204030204" pitchFamily="49" charset="0"/>
+              </a:rPr>
+              <a:t>phone</a:t>
+            </a:r>
+            <a:r>
+              <a:rPr lang="it-IT" altLang="it-IT" sz="1500" dirty="0" smtClean="0">
+                <a:solidFill>
+                  <a:schemeClr val="bg1"/>
+                </a:solidFill>
+                <a:latin typeface="Consolas" panose="020B0609020204030204" pitchFamily="49" charset="0"/>
+              </a:rPr>
+              <a:t>": "3935961404</a:t>
+            </a:r>
+            <a:r>
+              <a:rPr lang="it-IT" altLang="it-IT" sz="1500" dirty="0">
+                <a:solidFill>
+                  <a:schemeClr val="bg1"/>
+                </a:solidFill>
+                <a:latin typeface="Consolas" panose="020B0609020204030204" pitchFamily="49" charset="0"/>
+              </a:rPr>
+              <a:t>"</a:t>
+            </a:r>
+            <a:endParaRPr lang="it-IT" altLang="it-IT" sz="1500" dirty="0" smtClean="0">
               <a:solidFill>
                 <a:schemeClr val="bg1"/>
               </a:solidFill>
-              <a:latin typeface="Arial" panose="020B0604020202020204" pitchFamily="34" charset="0"/>
+              <a:latin typeface="Consolas" panose="020B0609020204030204" pitchFamily="49" charset="0"/>
+            </a:endParaRPr>
+          </a:p>
+          <a:p>
+            <a:pPr marL="0" indent="0" eaLnBrk="0" fontAlgn="base" hangingPunct="0">
+              <a:lnSpc>
+                <a:spcPct val="100000"/>
+              </a:lnSpc>
+              <a:spcBef>
+                <a:spcPct val="0"/>
+              </a:spcBef>
+              <a:spcAft>
+                <a:spcPct val="0"/>
+              </a:spcAft>
+              <a:buNone/>
+            </a:pPr>
+            <a:r>
+              <a:rPr lang="it-IT" altLang="it-IT" sz="1500" dirty="0" smtClean="0">
+                <a:solidFill>
+                  <a:schemeClr val="bg1"/>
+                </a:solidFill>
+                <a:latin typeface="Consolas" panose="020B0609020204030204" pitchFamily="49" charset="0"/>
+              </a:rPr>
+              <a:t>    }</a:t>
+            </a:r>
+          </a:p>
+          <a:p>
+            <a:pPr marL="0" indent="0" eaLnBrk="0" fontAlgn="base" hangingPunct="0">
+              <a:lnSpc>
+                <a:spcPct val="100000"/>
+              </a:lnSpc>
+              <a:spcBef>
+                <a:spcPct val="0"/>
+              </a:spcBef>
+              <a:spcAft>
+                <a:spcPct val="0"/>
+              </a:spcAft>
+              <a:buNone/>
+            </a:pPr>
+            <a:r>
+              <a:rPr lang="it-IT" altLang="it-IT" sz="1500" dirty="0" smtClean="0">
+                <a:solidFill>
+                  <a:schemeClr val="bg1"/>
+                </a:solidFill>
+                <a:latin typeface="Consolas" panose="020B0609020204030204" pitchFamily="49" charset="0"/>
+              </a:rPr>
+              <a:t>}</a:t>
+            </a:r>
+            <a:endParaRPr lang="it-IT" altLang="it-IT" sz="1500" dirty="0">
+              <a:solidFill>
+                <a:schemeClr val="bg1"/>
+              </a:solidFill>
+              <a:latin typeface="Consolas" panose="020B0609020204030204" pitchFamily="49" charset="0"/>
             </a:endParaRPr>
           </a:p>
         </p:txBody>
@@ -4195,6 +4345,3854 @@
       </p:par>
     </p:tnLst>
   </p:timing>
+</p:sld>
+</file>
+
+<file path=ppt/slides/slide11.xml><?xml version="1.0" encoding="utf-8"?>
+<p:sld xmlns:a="http://schemas.openxmlformats.org/drawingml/2006/main" xmlns:r="http://schemas.openxmlformats.org/officeDocument/2006/relationships" xmlns:p="http://schemas.openxmlformats.org/presentationml/2006/main">
+  <p:cSld>
+    <p:spTree>
+      <p:nvGrpSpPr>
+        <p:cNvPr id="1" name=""/>
+        <p:cNvGrpSpPr/>
+        <p:nvPr/>
+      </p:nvGrpSpPr>
+      <p:grpSpPr>
+        <a:xfrm>
+          <a:off x="0" y="0"/>
+          <a:ext cx="0" cy="0"/>
+          <a:chOff x="0" y="0"/>
+          <a:chExt cx="0" cy="0"/>
+        </a:xfrm>
+      </p:grpSpPr>
+      <p:sp>
+        <p:nvSpPr>
+          <p:cNvPr id="2" name="Titolo 1"/>
+          <p:cNvSpPr>
+            <a:spLocks noGrp="1"/>
+          </p:cNvSpPr>
+          <p:nvPr>
+            <p:ph type="title"/>
+          </p:nvPr>
+        </p:nvSpPr>
+        <p:spPr/>
+        <p:txBody>
+          <a:bodyPr/>
+          <a:lstStyle/>
+          <a:p>
+            <a:r>
+              <a:rPr lang="it-IT" dirty="0" smtClean="0">
+                <a:solidFill>
+                  <a:schemeClr val="bg1"/>
+                </a:solidFill>
+              </a:rPr>
+              <a:t>REST con HTTP</a:t>
+            </a:r>
+            <a:endParaRPr lang="it-IT" dirty="0">
+              <a:solidFill>
+                <a:schemeClr val="bg1"/>
+              </a:solidFill>
+            </a:endParaRPr>
+          </a:p>
+        </p:txBody>
+      </p:sp>
+      <p:sp>
+        <p:nvSpPr>
+          <p:cNvPr id="3" name="Segnaposto contenuto 2"/>
+          <p:cNvSpPr>
+            <a:spLocks noGrp="1"/>
+          </p:cNvSpPr>
+          <p:nvPr>
+            <p:ph idx="1"/>
+          </p:nvPr>
+        </p:nvSpPr>
+        <p:spPr>
+          <a:xfrm>
+            <a:off x="668006" y="1825625"/>
+            <a:ext cx="5365940" cy="4351338"/>
+          </a:xfrm>
+        </p:spPr>
+        <p:txBody>
+          <a:bodyPr>
+            <a:normAutofit/>
+          </a:bodyPr>
+          <a:lstStyle/>
+          <a:p>
+            <a:pPr marL="0" lvl="0" indent="0" eaLnBrk="0" fontAlgn="base" hangingPunct="0">
+              <a:lnSpc>
+                <a:spcPct val="100000"/>
+              </a:lnSpc>
+              <a:spcBef>
+                <a:spcPct val="0"/>
+              </a:spcBef>
+              <a:spcAft>
+                <a:spcPct val="0"/>
+              </a:spcAft>
+              <a:buNone/>
+            </a:pPr>
+            <a:r>
+              <a:rPr lang="it-IT" altLang="it-IT" dirty="0" err="1" smtClean="0">
+                <a:solidFill>
+                  <a:srgbClr val="02523F"/>
+                </a:solidFill>
+                <a:latin typeface="Arial Unicode MS"/>
+              </a:rPr>
+              <a:t>Request</a:t>
+            </a:r>
+            <a:endParaRPr lang="it-IT" altLang="it-IT" dirty="0">
+              <a:solidFill>
+                <a:srgbClr val="02523F"/>
+              </a:solidFill>
+              <a:latin typeface="Arial Unicode MS"/>
+            </a:endParaRPr>
+          </a:p>
+          <a:p>
+            <a:pPr marL="0" lvl="0" indent="0" eaLnBrk="0" fontAlgn="base" hangingPunct="0">
+              <a:lnSpc>
+                <a:spcPct val="100000"/>
+              </a:lnSpc>
+              <a:spcBef>
+                <a:spcPct val="0"/>
+              </a:spcBef>
+              <a:spcAft>
+                <a:spcPct val="0"/>
+              </a:spcAft>
+              <a:buNone/>
+            </a:pPr>
+            <a:endParaRPr lang="it-IT" altLang="it-IT" dirty="0" smtClean="0">
+              <a:solidFill>
+                <a:srgbClr val="02523F"/>
+              </a:solidFill>
+              <a:latin typeface="Arial Unicode MS"/>
+            </a:endParaRPr>
+          </a:p>
+          <a:p>
+            <a:pPr marL="0" lvl="0" indent="0" eaLnBrk="0" fontAlgn="base" hangingPunct="0">
+              <a:lnSpc>
+                <a:spcPct val="100000"/>
+              </a:lnSpc>
+              <a:spcBef>
+                <a:spcPct val="0"/>
+              </a:spcBef>
+              <a:spcAft>
+                <a:spcPct val="0"/>
+              </a:spcAft>
+              <a:buNone/>
+            </a:pPr>
+            <a:r>
+              <a:rPr lang="it-IT" altLang="it-IT" sz="1800" dirty="0" smtClean="0">
+                <a:solidFill>
+                  <a:schemeClr val="bg1"/>
+                </a:solidFill>
+                <a:latin typeface="Consolas" panose="020B0609020204030204" pitchFamily="49" charset="0"/>
+              </a:rPr>
+              <a:t>POST /</a:t>
+            </a:r>
+            <a:r>
+              <a:rPr lang="it-IT" altLang="it-IT" sz="1800" dirty="0" err="1" smtClean="0">
+                <a:solidFill>
+                  <a:schemeClr val="bg1"/>
+                </a:solidFill>
+                <a:latin typeface="Consolas" panose="020B0609020204030204" pitchFamily="49" charset="0"/>
+              </a:rPr>
+              <a:t>contact</a:t>
+            </a:r>
+            <a:r>
+              <a:rPr lang="it-IT" altLang="it-IT" sz="1800" dirty="0" smtClean="0">
+                <a:solidFill>
+                  <a:schemeClr val="bg1"/>
+                </a:solidFill>
+                <a:latin typeface="Consolas" panose="020B0609020204030204" pitchFamily="49" charset="0"/>
+              </a:rPr>
+              <a:t>/carlo HTTP/1.1 </a:t>
+            </a:r>
+          </a:p>
+          <a:p>
+            <a:pPr marL="0" lvl="0" indent="0" eaLnBrk="0" fontAlgn="base" hangingPunct="0">
+              <a:lnSpc>
+                <a:spcPct val="100000"/>
+              </a:lnSpc>
+              <a:spcBef>
+                <a:spcPct val="0"/>
+              </a:spcBef>
+              <a:spcAft>
+                <a:spcPct val="0"/>
+              </a:spcAft>
+              <a:buNone/>
+            </a:pPr>
+            <a:r>
+              <a:rPr lang="it-IT" altLang="it-IT" sz="1800" dirty="0" smtClean="0">
+                <a:solidFill>
+                  <a:schemeClr val="bg1"/>
+                </a:solidFill>
+                <a:latin typeface="Consolas" panose="020B0609020204030204" pitchFamily="49" charset="0"/>
+              </a:rPr>
+              <a:t>HOST: localhost:3000 </a:t>
+            </a:r>
+          </a:p>
+          <a:p>
+            <a:pPr marL="0" indent="0" eaLnBrk="0" fontAlgn="base" hangingPunct="0">
+              <a:lnSpc>
+                <a:spcPct val="100000"/>
+              </a:lnSpc>
+              <a:spcBef>
+                <a:spcPct val="0"/>
+              </a:spcBef>
+              <a:spcAft>
+                <a:spcPct val="0"/>
+              </a:spcAft>
+              <a:buNone/>
+            </a:pPr>
+            <a:r>
+              <a:rPr lang="it-IT" altLang="it-IT" sz="1800" dirty="0" err="1" smtClean="0">
+                <a:solidFill>
+                  <a:schemeClr val="bg1"/>
+                </a:solidFill>
+                <a:latin typeface="Consolas" panose="020B0609020204030204" pitchFamily="49" charset="0"/>
+              </a:rPr>
+              <a:t>authorization</a:t>
+            </a:r>
+            <a:r>
+              <a:rPr lang="it-IT" altLang="it-IT" sz="1800" dirty="0" smtClean="0">
+                <a:solidFill>
+                  <a:schemeClr val="bg1"/>
+                </a:solidFill>
+                <a:latin typeface="Consolas" panose="020B0609020204030204" pitchFamily="49" charset="0"/>
+              </a:rPr>
+              <a:t>: </a:t>
+            </a:r>
+            <a:r>
+              <a:rPr lang="it-IT" altLang="it-IT" sz="1800" dirty="0" err="1" smtClean="0">
+                <a:solidFill>
+                  <a:schemeClr val="bg1"/>
+                </a:solidFill>
+                <a:latin typeface="Consolas" panose="020B0609020204030204" pitchFamily="49" charset="0"/>
+              </a:rPr>
+              <a:t>basic</a:t>
+            </a:r>
+            <a:r>
+              <a:rPr lang="it-IT" altLang="it-IT" sz="1800" dirty="0" smtClean="0">
+                <a:solidFill>
+                  <a:schemeClr val="bg1"/>
+                </a:solidFill>
+                <a:latin typeface="Consolas" panose="020B0609020204030204" pitchFamily="49" charset="0"/>
+              </a:rPr>
+              <a:t> </a:t>
+            </a:r>
+            <a:r>
+              <a:rPr lang="it-IT" altLang="it-IT" sz="1500" dirty="0">
+                <a:solidFill>
+                  <a:schemeClr val="bg1"/>
+                </a:solidFill>
+                <a:latin typeface="Consolas" panose="020B0609020204030204" pitchFamily="49" charset="0"/>
+              </a:rPr>
+              <a:t>dmFzc2FsbG9jYXJsbzoxMjM0</a:t>
+            </a:r>
+            <a:r>
+              <a:rPr lang="it-IT" altLang="it-IT" sz="1800" dirty="0">
+                <a:solidFill>
+                  <a:schemeClr val="bg1"/>
+                </a:solidFill>
+                <a:latin typeface="Consolas" panose="020B0609020204030204" pitchFamily="49" charset="0"/>
+              </a:rPr>
+              <a:t> </a:t>
+            </a:r>
+            <a:endParaRPr lang="it-IT" sz="1800" dirty="0">
+              <a:solidFill>
+                <a:schemeClr val="bg1"/>
+              </a:solidFill>
+              <a:latin typeface="Consolas" panose="020B0609020204030204" pitchFamily="49" charset="0"/>
+            </a:endParaRPr>
+          </a:p>
+          <a:p>
+            <a:pPr marL="0" indent="0" eaLnBrk="0" fontAlgn="base" hangingPunct="0">
+              <a:lnSpc>
+                <a:spcPct val="100000"/>
+              </a:lnSpc>
+              <a:spcBef>
+                <a:spcPct val="0"/>
+              </a:spcBef>
+              <a:spcAft>
+                <a:spcPct val="0"/>
+              </a:spcAft>
+              <a:buNone/>
+            </a:pPr>
+            <a:r>
+              <a:rPr lang="it-IT" sz="1800" dirty="0" err="1">
+                <a:solidFill>
+                  <a:schemeClr val="bg1"/>
+                </a:solidFill>
+                <a:latin typeface="Consolas" panose="020B0609020204030204" pitchFamily="49" charset="0"/>
+              </a:rPr>
+              <a:t>content-type</a:t>
+            </a:r>
+            <a:r>
+              <a:rPr lang="it-IT" sz="1800" dirty="0">
+                <a:solidFill>
+                  <a:schemeClr val="bg1"/>
+                </a:solidFill>
+                <a:latin typeface="Consolas" panose="020B0609020204030204" pitchFamily="49" charset="0"/>
+              </a:rPr>
+              <a:t>: </a:t>
+            </a:r>
+            <a:r>
+              <a:rPr lang="it-IT" sz="1800" dirty="0" err="1" smtClean="0">
+                <a:solidFill>
+                  <a:schemeClr val="bg1"/>
+                </a:solidFill>
+                <a:latin typeface="Consolas" panose="020B0609020204030204" pitchFamily="49" charset="0"/>
+              </a:rPr>
+              <a:t>application</a:t>
+            </a:r>
+            <a:r>
+              <a:rPr lang="it-IT" sz="1800" dirty="0" smtClean="0">
+                <a:solidFill>
+                  <a:schemeClr val="bg1"/>
+                </a:solidFill>
+                <a:latin typeface="Consolas" panose="020B0609020204030204" pitchFamily="49" charset="0"/>
+              </a:rPr>
+              <a:t>/</a:t>
+            </a:r>
+            <a:r>
+              <a:rPr lang="it-IT" sz="1800" dirty="0" err="1" smtClean="0">
+                <a:solidFill>
+                  <a:schemeClr val="bg1"/>
+                </a:solidFill>
+                <a:latin typeface="Consolas" panose="020B0609020204030204" pitchFamily="49" charset="0"/>
+              </a:rPr>
+              <a:t>json</a:t>
+            </a:r>
+            <a:r>
+              <a:rPr lang="it-IT" sz="1800" dirty="0">
+                <a:solidFill>
+                  <a:schemeClr val="bg1"/>
+                </a:solidFill>
+                <a:latin typeface="Consolas" panose="020B0609020204030204" pitchFamily="49" charset="0"/>
+              </a:rPr>
+              <a:t>; </a:t>
+            </a:r>
+            <a:r>
+              <a:rPr lang="it-IT" sz="1800" dirty="0" err="1" smtClean="0">
+                <a:solidFill>
+                  <a:schemeClr val="bg1"/>
+                </a:solidFill>
+                <a:latin typeface="Consolas" panose="020B0609020204030204" pitchFamily="49" charset="0"/>
+              </a:rPr>
+              <a:t>charset</a:t>
+            </a:r>
+            <a:r>
+              <a:rPr lang="it-IT" sz="1800" dirty="0" smtClean="0">
+                <a:solidFill>
+                  <a:schemeClr val="bg1"/>
+                </a:solidFill>
+                <a:latin typeface="Consolas" panose="020B0609020204030204" pitchFamily="49" charset="0"/>
+              </a:rPr>
+              <a:t>=utf-8</a:t>
+            </a:r>
+            <a:endParaRPr lang="it-IT" altLang="it-IT" sz="1800" dirty="0" smtClean="0">
+              <a:solidFill>
+                <a:schemeClr val="bg1"/>
+              </a:solidFill>
+              <a:latin typeface="Consolas" panose="020B0609020204030204" pitchFamily="49" charset="0"/>
+            </a:endParaRPr>
+          </a:p>
+          <a:p>
+            <a:pPr marL="0" lvl="0" indent="0" eaLnBrk="0" fontAlgn="base" hangingPunct="0">
+              <a:lnSpc>
+                <a:spcPct val="100000"/>
+              </a:lnSpc>
+              <a:spcBef>
+                <a:spcPct val="0"/>
+              </a:spcBef>
+              <a:spcAft>
+                <a:spcPct val="0"/>
+              </a:spcAft>
+              <a:buNone/>
+            </a:pPr>
+            <a:r>
+              <a:rPr lang="it-IT" altLang="it-IT" sz="1800" dirty="0" err="1" smtClean="0">
+                <a:solidFill>
+                  <a:schemeClr val="bg1"/>
+                </a:solidFill>
+                <a:latin typeface="Consolas" panose="020B0609020204030204" pitchFamily="49" charset="0"/>
+              </a:rPr>
+              <a:t>content-length</a:t>
+            </a:r>
+            <a:r>
+              <a:rPr lang="it-IT" altLang="it-IT" sz="1800" dirty="0" smtClean="0">
+                <a:solidFill>
+                  <a:schemeClr val="bg1"/>
+                </a:solidFill>
+                <a:latin typeface="Consolas" panose="020B0609020204030204" pitchFamily="49" charset="0"/>
+              </a:rPr>
+              <a:t>: 70 </a:t>
+            </a:r>
+          </a:p>
+          <a:p>
+            <a:pPr marL="0" lvl="0" indent="0" eaLnBrk="0" fontAlgn="base" hangingPunct="0">
+              <a:lnSpc>
+                <a:spcPct val="100000"/>
+              </a:lnSpc>
+              <a:spcBef>
+                <a:spcPct val="0"/>
+              </a:spcBef>
+              <a:spcAft>
+                <a:spcPct val="0"/>
+              </a:spcAft>
+              <a:buNone/>
+            </a:pPr>
+            <a:endParaRPr lang="it-IT" altLang="it-IT" sz="1800" dirty="0" smtClean="0">
+              <a:solidFill>
+                <a:schemeClr val="bg1"/>
+              </a:solidFill>
+              <a:latin typeface="Consolas" panose="020B0609020204030204" pitchFamily="49" charset="0"/>
+            </a:endParaRPr>
+          </a:p>
+          <a:p>
+            <a:pPr marL="0" lvl="0" indent="0" eaLnBrk="0" fontAlgn="base" hangingPunct="0">
+              <a:lnSpc>
+                <a:spcPct val="100000"/>
+              </a:lnSpc>
+              <a:spcBef>
+                <a:spcPct val="0"/>
+              </a:spcBef>
+              <a:spcAft>
+                <a:spcPct val="0"/>
+              </a:spcAft>
+              <a:buNone/>
+            </a:pPr>
+            <a:r>
+              <a:rPr lang="it-IT" altLang="it-IT" sz="1800" dirty="0" smtClean="0">
+                <a:solidFill>
+                  <a:schemeClr val="bg1"/>
+                </a:solidFill>
+                <a:latin typeface="Consolas" panose="020B0609020204030204" pitchFamily="49" charset="0"/>
+              </a:rPr>
+              <a:t>{ </a:t>
+            </a:r>
+          </a:p>
+          <a:p>
+            <a:pPr marL="0" lvl="0" indent="0" eaLnBrk="0" fontAlgn="base" hangingPunct="0">
+              <a:lnSpc>
+                <a:spcPct val="100000"/>
+              </a:lnSpc>
+              <a:spcBef>
+                <a:spcPct val="0"/>
+              </a:spcBef>
+              <a:spcAft>
+                <a:spcPct val="0"/>
+              </a:spcAft>
+              <a:buNone/>
+            </a:pPr>
+            <a:r>
+              <a:rPr lang="it-IT" altLang="it-IT" sz="1800" dirty="0" smtClean="0">
+                <a:solidFill>
+                  <a:schemeClr val="bg1"/>
+                </a:solidFill>
+                <a:latin typeface="Consolas" panose="020B0609020204030204" pitchFamily="49" charset="0"/>
+              </a:rPr>
+              <a:t>    "</a:t>
+            </a:r>
+            <a:r>
+              <a:rPr lang="it-IT" altLang="it-IT" sz="1800" dirty="0" err="1" smtClean="0">
+                <a:solidFill>
+                  <a:schemeClr val="bg1"/>
+                </a:solidFill>
+                <a:latin typeface="Consolas" panose="020B0609020204030204" pitchFamily="49" charset="0"/>
+              </a:rPr>
+              <a:t>name</a:t>
+            </a:r>
+            <a:r>
+              <a:rPr lang="it-IT" altLang="it-IT" sz="1800" dirty="0" smtClean="0">
+                <a:solidFill>
+                  <a:schemeClr val="bg1"/>
+                </a:solidFill>
+                <a:latin typeface="Consolas" panose="020B0609020204030204" pitchFamily="49" charset="0"/>
+              </a:rPr>
+              <a:t>": "</a:t>
+            </a:r>
+            <a:r>
+              <a:rPr lang="it-IT" altLang="it-IT" sz="1800" dirty="0" err="1" smtClean="0">
+                <a:solidFill>
+                  <a:schemeClr val="bg1"/>
+                </a:solidFill>
+                <a:latin typeface="Consolas" panose="020B0609020204030204" pitchFamily="49" charset="0"/>
+              </a:rPr>
+              <a:t>ciccio</a:t>
+            </a:r>
+            <a:r>
+              <a:rPr lang="it-IT" altLang="it-IT" sz="1800" dirty="0" smtClean="0">
+                <a:solidFill>
+                  <a:schemeClr val="bg1"/>
+                </a:solidFill>
+                <a:latin typeface="Consolas" panose="020B0609020204030204" pitchFamily="49" charset="0"/>
+              </a:rPr>
+              <a:t>", </a:t>
+            </a:r>
+          </a:p>
+          <a:p>
+            <a:pPr marL="0" lvl="0" indent="0" eaLnBrk="0" fontAlgn="base" hangingPunct="0">
+              <a:lnSpc>
+                <a:spcPct val="100000"/>
+              </a:lnSpc>
+              <a:spcBef>
+                <a:spcPct val="0"/>
+              </a:spcBef>
+              <a:spcAft>
+                <a:spcPct val="0"/>
+              </a:spcAft>
+              <a:buNone/>
+            </a:pPr>
+            <a:r>
+              <a:rPr lang="it-IT" altLang="it-IT" sz="1800" dirty="0" smtClean="0">
+                <a:solidFill>
+                  <a:schemeClr val="bg1"/>
+                </a:solidFill>
+                <a:latin typeface="Consolas" panose="020B0609020204030204" pitchFamily="49" charset="0"/>
+              </a:rPr>
+              <a:t>    "</a:t>
+            </a:r>
+            <a:r>
+              <a:rPr lang="it-IT" altLang="it-IT" sz="1800" dirty="0" err="1" smtClean="0">
+                <a:solidFill>
+                  <a:schemeClr val="bg1"/>
+                </a:solidFill>
+                <a:latin typeface="Consolas" panose="020B0609020204030204" pitchFamily="49" charset="0"/>
+              </a:rPr>
+              <a:t>surname</a:t>
+            </a:r>
+            <a:r>
+              <a:rPr lang="it-IT" altLang="it-IT" sz="1800" dirty="0" smtClean="0">
+                <a:solidFill>
+                  <a:schemeClr val="bg1"/>
+                </a:solidFill>
+                <a:latin typeface="Consolas" panose="020B0609020204030204" pitchFamily="49" charset="0"/>
+              </a:rPr>
+              <a:t>": "bello", </a:t>
+            </a:r>
+          </a:p>
+          <a:p>
+            <a:pPr marL="0" lvl="0" indent="0" eaLnBrk="0" fontAlgn="base" hangingPunct="0">
+              <a:lnSpc>
+                <a:spcPct val="100000"/>
+              </a:lnSpc>
+              <a:spcBef>
+                <a:spcPct val="0"/>
+              </a:spcBef>
+              <a:spcAft>
+                <a:spcPct val="0"/>
+              </a:spcAft>
+              <a:buNone/>
+            </a:pPr>
+            <a:r>
+              <a:rPr lang="it-IT" altLang="it-IT" sz="1800" dirty="0" smtClean="0">
+                <a:solidFill>
+                  <a:schemeClr val="bg1"/>
+                </a:solidFill>
+                <a:latin typeface="Consolas" panose="020B0609020204030204" pitchFamily="49" charset="0"/>
+              </a:rPr>
+              <a:t>    "</a:t>
+            </a:r>
+            <a:r>
+              <a:rPr lang="it-IT" altLang="it-IT" sz="1800" dirty="0" err="1" smtClean="0">
+                <a:solidFill>
+                  <a:schemeClr val="bg1"/>
+                </a:solidFill>
+                <a:latin typeface="Consolas" panose="020B0609020204030204" pitchFamily="49" charset="0"/>
+              </a:rPr>
+              <a:t>phone</a:t>
+            </a:r>
+            <a:r>
+              <a:rPr lang="it-IT" altLang="it-IT" sz="1800" dirty="0" smtClean="0">
+                <a:solidFill>
+                  <a:schemeClr val="bg1"/>
+                </a:solidFill>
+                <a:latin typeface="Consolas" panose="020B0609020204030204" pitchFamily="49" charset="0"/>
+              </a:rPr>
+              <a:t>": "1234567891"</a:t>
+            </a:r>
+          </a:p>
+          <a:p>
+            <a:pPr marL="0" lvl="0" indent="0" eaLnBrk="0" fontAlgn="base" hangingPunct="0">
+              <a:lnSpc>
+                <a:spcPct val="100000"/>
+              </a:lnSpc>
+              <a:spcBef>
+                <a:spcPct val="0"/>
+              </a:spcBef>
+              <a:spcAft>
+                <a:spcPct val="0"/>
+              </a:spcAft>
+              <a:buNone/>
+            </a:pPr>
+            <a:r>
+              <a:rPr lang="it-IT" altLang="it-IT" sz="1800" dirty="0" smtClean="0">
+                <a:solidFill>
+                  <a:schemeClr val="bg1"/>
+                </a:solidFill>
+                <a:latin typeface="Consolas" panose="020B0609020204030204" pitchFamily="49" charset="0"/>
+              </a:rPr>
+              <a:t> } </a:t>
+            </a:r>
+            <a:endParaRPr lang="it-IT" altLang="it-IT" sz="1800" dirty="0">
+              <a:solidFill>
+                <a:schemeClr val="bg1"/>
+              </a:solidFill>
+              <a:latin typeface="Consolas" panose="020B0609020204030204" pitchFamily="49" charset="0"/>
+            </a:endParaRPr>
+          </a:p>
+        </p:txBody>
+      </p:sp>
+      <p:sp>
+        <p:nvSpPr>
+          <p:cNvPr id="5" name="Segnaposto contenuto 2"/>
+          <p:cNvSpPr txBox="1">
+            <a:spLocks/>
+          </p:cNvSpPr>
+          <p:nvPr/>
+        </p:nvSpPr>
+        <p:spPr>
+          <a:xfrm>
+            <a:off x="6242012" y="1825625"/>
+            <a:ext cx="5111788" cy="4351338"/>
+          </a:xfrm>
+          <a:prstGeom prst="rect">
+            <a:avLst/>
+          </a:prstGeom>
+        </p:spPr>
+        <p:txBody>
+          <a:bodyPr vert="horz" lIns="91440" tIns="45720" rIns="91440" bIns="45720" rtlCol="0">
+            <a:normAutofit lnSpcReduction="10000"/>
+          </a:bodyPr>
+          <a:lstStyle>
+            <a:lvl1pPr marL="228600" indent="-228600" algn="l" defTabSz="914400" rtl="0" eaLnBrk="1" latinLnBrk="0" hangingPunct="1">
+              <a:lnSpc>
+                <a:spcPct val="90000"/>
+              </a:lnSpc>
+              <a:spcBef>
+                <a:spcPts val="1000"/>
+              </a:spcBef>
+              <a:buFont typeface="Arial" panose="020B0604020202020204" pitchFamily="34" charset="0"/>
+              <a:buChar char="•"/>
+              <a:defRPr sz="2800" kern="1200">
+                <a:solidFill>
+                  <a:schemeClr val="tx1"/>
+                </a:solidFill>
+                <a:latin typeface="+mn-lt"/>
+                <a:ea typeface="+mn-ea"/>
+                <a:cs typeface="+mn-cs"/>
+              </a:defRPr>
+            </a:lvl1pPr>
+            <a:lvl2pPr marL="685800" indent="-228600" algn="l" defTabSz="914400" rtl="0" eaLnBrk="1" latinLnBrk="0" hangingPunct="1">
+              <a:lnSpc>
+                <a:spcPct val="90000"/>
+              </a:lnSpc>
+              <a:spcBef>
+                <a:spcPts val="500"/>
+              </a:spcBef>
+              <a:buFont typeface="Arial" panose="020B0604020202020204" pitchFamily="34" charset="0"/>
+              <a:buChar char="•"/>
+              <a:defRPr sz="2400" kern="1200">
+                <a:solidFill>
+                  <a:schemeClr val="tx1"/>
+                </a:solidFill>
+                <a:latin typeface="+mn-lt"/>
+                <a:ea typeface="+mn-ea"/>
+                <a:cs typeface="+mn-cs"/>
+              </a:defRPr>
+            </a:lvl2pPr>
+            <a:lvl3pPr marL="1143000" indent="-228600" algn="l" defTabSz="914400" rtl="0" eaLnBrk="1" latinLnBrk="0" hangingPunct="1">
+              <a:lnSpc>
+                <a:spcPct val="90000"/>
+              </a:lnSpc>
+              <a:spcBef>
+                <a:spcPts val="500"/>
+              </a:spcBef>
+              <a:buFont typeface="Arial" panose="020B0604020202020204" pitchFamily="34" charset="0"/>
+              <a:buChar char="•"/>
+              <a:defRPr sz="2000" kern="1200">
+                <a:solidFill>
+                  <a:schemeClr val="tx1"/>
+                </a:solidFill>
+                <a:latin typeface="+mn-lt"/>
+                <a:ea typeface="+mn-ea"/>
+                <a:cs typeface="+mn-cs"/>
+              </a:defRPr>
+            </a:lvl3pPr>
+            <a:lvl4pPr marL="1600200" indent="-228600" algn="l" defTabSz="914400" rtl="0" eaLnBrk="1" latinLnBrk="0" hangingPunct="1">
+              <a:lnSpc>
+                <a:spcPct val="90000"/>
+              </a:lnSpc>
+              <a:spcBef>
+                <a:spcPts val="500"/>
+              </a:spcBef>
+              <a:buFont typeface="Arial" panose="020B0604020202020204" pitchFamily="34" charset="0"/>
+              <a:buChar char="•"/>
+              <a:defRPr sz="1800" kern="1200">
+                <a:solidFill>
+                  <a:schemeClr val="tx1"/>
+                </a:solidFill>
+                <a:latin typeface="+mn-lt"/>
+                <a:ea typeface="+mn-ea"/>
+                <a:cs typeface="+mn-cs"/>
+              </a:defRPr>
+            </a:lvl4pPr>
+            <a:lvl5pPr marL="2057400" indent="-228600" algn="l" defTabSz="914400" rtl="0" eaLnBrk="1" latinLnBrk="0" hangingPunct="1">
+              <a:lnSpc>
+                <a:spcPct val="90000"/>
+              </a:lnSpc>
+              <a:spcBef>
+                <a:spcPts val="500"/>
+              </a:spcBef>
+              <a:buFont typeface="Arial" panose="020B0604020202020204" pitchFamily="34" charset="0"/>
+              <a:buChar char="•"/>
+              <a:defRPr sz="1800" kern="1200">
+                <a:solidFill>
+                  <a:schemeClr val="tx1"/>
+                </a:solidFill>
+                <a:latin typeface="+mn-lt"/>
+                <a:ea typeface="+mn-ea"/>
+                <a:cs typeface="+mn-cs"/>
+              </a:defRPr>
+            </a:lvl5pPr>
+            <a:lvl6pPr marL="2514600" indent="-228600" algn="l" defTabSz="914400" rtl="0" eaLnBrk="1" latinLnBrk="0" hangingPunct="1">
+              <a:lnSpc>
+                <a:spcPct val="90000"/>
+              </a:lnSpc>
+              <a:spcBef>
+                <a:spcPts val="500"/>
+              </a:spcBef>
+              <a:buFont typeface="Arial" panose="020B0604020202020204" pitchFamily="34" charset="0"/>
+              <a:buChar char="•"/>
+              <a:defRPr sz="1800" kern="1200">
+                <a:solidFill>
+                  <a:schemeClr val="tx1"/>
+                </a:solidFill>
+                <a:latin typeface="+mn-lt"/>
+                <a:ea typeface="+mn-ea"/>
+                <a:cs typeface="+mn-cs"/>
+              </a:defRPr>
+            </a:lvl6pPr>
+            <a:lvl7pPr marL="2971800" indent="-228600" algn="l" defTabSz="914400" rtl="0" eaLnBrk="1" latinLnBrk="0" hangingPunct="1">
+              <a:lnSpc>
+                <a:spcPct val="90000"/>
+              </a:lnSpc>
+              <a:spcBef>
+                <a:spcPts val="500"/>
+              </a:spcBef>
+              <a:buFont typeface="Arial" panose="020B0604020202020204" pitchFamily="34" charset="0"/>
+              <a:buChar char="•"/>
+              <a:defRPr sz="1800" kern="1200">
+                <a:solidFill>
+                  <a:schemeClr val="tx1"/>
+                </a:solidFill>
+                <a:latin typeface="+mn-lt"/>
+                <a:ea typeface="+mn-ea"/>
+                <a:cs typeface="+mn-cs"/>
+              </a:defRPr>
+            </a:lvl7pPr>
+            <a:lvl8pPr marL="3429000" indent="-228600" algn="l" defTabSz="914400" rtl="0" eaLnBrk="1" latinLnBrk="0" hangingPunct="1">
+              <a:lnSpc>
+                <a:spcPct val="90000"/>
+              </a:lnSpc>
+              <a:spcBef>
+                <a:spcPts val="500"/>
+              </a:spcBef>
+              <a:buFont typeface="Arial" panose="020B0604020202020204" pitchFamily="34" charset="0"/>
+              <a:buChar char="•"/>
+              <a:defRPr sz="1800" kern="1200">
+                <a:solidFill>
+                  <a:schemeClr val="tx1"/>
+                </a:solidFill>
+                <a:latin typeface="+mn-lt"/>
+                <a:ea typeface="+mn-ea"/>
+                <a:cs typeface="+mn-cs"/>
+              </a:defRPr>
+            </a:lvl8pPr>
+            <a:lvl9pPr marL="3886200" indent="-228600" algn="l" defTabSz="914400" rtl="0" eaLnBrk="1" latinLnBrk="0" hangingPunct="1">
+              <a:lnSpc>
+                <a:spcPct val="90000"/>
+              </a:lnSpc>
+              <a:spcBef>
+                <a:spcPts val="500"/>
+              </a:spcBef>
+              <a:buFont typeface="Arial" panose="020B0604020202020204" pitchFamily="34" charset="0"/>
+              <a:buChar char="•"/>
+              <a:defRPr sz="1800" kern="1200">
+                <a:solidFill>
+                  <a:schemeClr val="tx1"/>
+                </a:solidFill>
+                <a:latin typeface="+mn-lt"/>
+                <a:ea typeface="+mn-ea"/>
+                <a:cs typeface="+mn-cs"/>
+              </a:defRPr>
+            </a:lvl9pPr>
+          </a:lstStyle>
+          <a:p>
+            <a:pPr marL="0" indent="0" eaLnBrk="0" fontAlgn="base" hangingPunct="0">
+              <a:lnSpc>
+                <a:spcPct val="100000"/>
+              </a:lnSpc>
+              <a:spcBef>
+                <a:spcPct val="0"/>
+              </a:spcBef>
+              <a:spcAft>
+                <a:spcPct val="0"/>
+              </a:spcAft>
+              <a:buFont typeface="Arial" panose="020B0604020202020204" pitchFamily="34" charset="0"/>
+              <a:buNone/>
+            </a:pPr>
+            <a:r>
+              <a:rPr lang="it-IT" altLang="it-IT" dirty="0" smtClean="0">
+                <a:solidFill>
+                  <a:srgbClr val="02523F"/>
+                </a:solidFill>
+                <a:latin typeface="Arial Unicode MS"/>
+              </a:rPr>
+              <a:t>Success </a:t>
+            </a:r>
+            <a:r>
+              <a:rPr lang="it-IT" altLang="it-IT" dirty="0" err="1" smtClean="0">
+                <a:solidFill>
+                  <a:srgbClr val="02523F"/>
+                </a:solidFill>
+                <a:latin typeface="Arial Unicode MS"/>
+              </a:rPr>
+              <a:t>Response</a:t>
+            </a:r>
+            <a:endParaRPr lang="it-IT" altLang="it-IT" dirty="0" smtClean="0">
+              <a:solidFill>
+                <a:srgbClr val="02523F"/>
+              </a:solidFill>
+              <a:latin typeface="Arial Unicode MS"/>
+            </a:endParaRPr>
+          </a:p>
+          <a:p>
+            <a:pPr marL="0" indent="0" eaLnBrk="0" fontAlgn="base" hangingPunct="0">
+              <a:lnSpc>
+                <a:spcPct val="100000"/>
+              </a:lnSpc>
+              <a:spcBef>
+                <a:spcPct val="0"/>
+              </a:spcBef>
+              <a:spcAft>
+                <a:spcPct val="0"/>
+              </a:spcAft>
+              <a:buFont typeface="Arial" panose="020B0604020202020204" pitchFamily="34" charset="0"/>
+              <a:buNone/>
+            </a:pPr>
+            <a:endParaRPr lang="it-IT" altLang="it-IT" dirty="0" smtClean="0">
+              <a:solidFill>
+                <a:srgbClr val="02523F"/>
+              </a:solidFill>
+              <a:latin typeface="Arial Unicode MS"/>
+            </a:endParaRPr>
+          </a:p>
+          <a:p>
+            <a:pPr marL="0" indent="0" eaLnBrk="0" fontAlgn="base" hangingPunct="0">
+              <a:lnSpc>
+                <a:spcPct val="100000"/>
+              </a:lnSpc>
+              <a:spcBef>
+                <a:spcPct val="0"/>
+              </a:spcBef>
+              <a:spcAft>
+                <a:spcPct val="0"/>
+              </a:spcAft>
+              <a:buNone/>
+            </a:pPr>
+            <a:r>
+              <a:rPr lang="it-IT" sz="1800" dirty="0">
+                <a:solidFill>
+                  <a:schemeClr val="bg1"/>
+                </a:solidFill>
+                <a:latin typeface="Consolas" panose="020B0609020204030204" pitchFamily="49" charset="0"/>
+              </a:rPr>
+              <a:t>HTTP/1.0 200 </a:t>
+            </a:r>
+            <a:r>
+              <a:rPr lang="it-IT" sz="1800" dirty="0" smtClean="0">
+                <a:solidFill>
+                  <a:schemeClr val="bg1"/>
+                </a:solidFill>
+                <a:latin typeface="Consolas" panose="020B0609020204030204" pitchFamily="49" charset="0"/>
+              </a:rPr>
+              <a:t>OK</a:t>
+            </a:r>
+          </a:p>
+          <a:p>
+            <a:pPr marL="0" indent="0" eaLnBrk="0" fontAlgn="base" hangingPunct="0">
+              <a:lnSpc>
+                <a:spcPct val="100000"/>
+              </a:lnSpc>
+              <a:spcBef>
+                <a:spcPct val="0"/>
+              </a:spcBef>
+              <a:spcAft>
+                <a:spcPct val="0"/>
+              </a:spcAft>
+              <a:buNone/>
+            </a:pPr>
+            <a:r>
+              <a:rPr lang="it-IT" sz="1800" dirty="0">
+                <a:solidFill>
+                  <a:schemeClr val="bg1"/>
+                </a:solidFill>
+                <a:latin typeface="Consolas" panose="020B0609020204030204" pitchFamily="49" charset="0"/>
+              </a:rPr>
+              <a:t>X-Powered-By: </a:t>
+            </a:r>
+            <a:r>
+              <a:rPr lang="it-IT" sz="1800" dirty="0" smtClean="0">
+                <a:solidFill>
+                  <a:schemeClr val="bg1"/>
+                </a:solidFill>
+                <a:latin typeface="Consolas" panose="020B0609020204030204" pitchFamily="49" charset="0"/>
+              </a:rPr>
+              <a:t>Express</a:t>
+            </a:r>
+          </a:p>
+          <a:p>
+            <a:pPr marL="0" indent="0" eaLnBrk="0" fontAlgn="base" hangingPunct="0">
+              <a:lnSpc>
+                <a:spcPct val="100000"/>
+              </a:lnSpc>
+              <a:spcBef>
+                <a:spcPct val="0"/>
+              </a:spcBef>
+              <a:spcAft>
+                <a:spcPct val="0"/>
+              </a:spcAft>
+              <a:buNone/>
+            </a:pPr>
+            <a:r>
+              <a:rPr lang="it-IT" sz="1800" dirty="0" err="1" smtClean="0">
+                <a:solidFill>
+                  <a:schemeClr val="bg1"/>
+                </a:solidFill>
+                <a:latin typeface="Consolas" panose="020B0609020204030204" pitchFamily="49" charset="0"/>
+              </a:rPr>
+              <a:t>content-type</a:t>
+            </a:r>
+            <a:r>
+              <a:rPr lang="it-IT" sz="1800" dirty="0">
+                <a:solidFill>
+                  <a:schemeClr val="bg1"/>
+                </a:solidFill>
+                <a:latin typeface="Consolas" panose="020B0609020204030204" pitchFamily="49" charset="0"/>
+              </a:rPr>
+              <a:t>: </a:t>
+            </a:r>
+            <a:r>
+              <a:rPr lang="it-IT" sz="1800" dirty="0" err="1" smtClean="0">
+                <a:solidFill>
+                  <a:schemeClr val="bg1"/>
+                </a:solidFill>
+                <a:latin typeface="Consolas" panose="020B0609020204030204" pitchFamily="49" charset="0"/>
+              </a:rPr>
+              <a:t>application</a:t>
+            </a:r>
+            <a:r>
+              <a:rPr lang="it-IT" sz="1800" dirty="0" smtClean="0">
+                <a:solidFill>
+                  <a:schemeClr val="bg1"/>
+                </a:solidFill>
+                <a:latin typeface="Consolas" panose="020B0609020204030204" pitchFamily="49" charset="0"/>
+              </a:rPr>
+              <a:t>/</a:t>
+            </a:r>
+            <a:r>
+              <a:rPr lang="it-IT" sz="1800" dirty="0" err="1" smtClean="0">
+                <a:solidFill>
+                  <a:schemeClr val="bg1"/>
+                </a:solidFill>
+                <a:latin typeface="Consolas" panose="020B0609020204030204" pitchFamily="49" charset="0"/>
+              </a:rPr>
+              <a:t>json</a:t>
+            </a:r>
+            <a:r>
+              <a:rPr lang="it-IT" sz="1800" dirty="0" smtClean="0">
+                <a:solidFill>
+                  <a:schemeClr val="bg1"/>
+                </a:solidFill>
+                <a:latin typeface="Consolas" panose="020B0609020204030204" pitchFamily="49" charset="0"/>
+              </a:rPr>
+              <a:t>; </a:t>
+            </a:r>
+            <a:r>
+              <a:rPr lang="it-IT" sz="1800" dirty="0" err="1" smtClean="0">
+                <a:solidFill>
+                  <a:schemeClr val="bg1"/>
+                </a:solidFill>
+                <a:latin typeface="Consolas" panose="020B0609020204030204" pitchFamily="49" charset="0"/>
+              </a:rPr>
+              <a:t>charset</a:t>
+            </a:r>
+            <a:r>
+              <a:rPr lang="it-IT" sz="1800" dirty="0" smtClean="0">
+                <a:solidFill>
+                  <a:schemeClr val="bg1"/>
+                </a:solidFill>
+                <a:latin typeface="Consolas" panose="020B0609020204030204" pitchFamily="49" charset="0"/>
+              </a:rPr>
+              <a:t>=utf-8</a:t>
+            </a:r>
+          </a:p>
+          <a:p>
+            <a:pPr marL="0" indent="0" eaLnBrk="0" fontAlgn="base" hangingPunct="0">
+              <a:lnSpc>
+                <a:spcPct val="100000"/>
+              </a:lnSpc>
+              <a:spcBef>
+                <a:spcPct val="0"/>
+              </a:spcBef>
+              <a:spcAft>
+                <a:spcPct val="0"/>
+              </a:spcAft>
+              <a:buNone/>
+            </a:pPr>
+            <a:r>
+              <a:rPr lang="it-IT" sz="1800" dirty="0" err="1" smtClean="0">
+                <a:solidFill>
+                  <a:schemeClr val="bg1"/>
+                </a:solidFill>
+                <a:latin typeface="Consolas" panose="020B0609020204030204" pitchFamily="49" charset="0"/>
+              </a:rPr>
+              <a:t>content-Length</a:t>
+            </a:r>
+            <a:r>
+              <a:rPr lang="it-IT" sz="1800" dirty="0">
+                <a:solidFill>
+                  <a:schemeClr val="bg1"/>
+                </a:solidFill>
+                <a:latin typeface="Consolas" panose="020B0609020204030204" pitchFamily="49" charset="0"/>
+              </a:rPr>
+              <a:t>: </a:t>
+            </a:r>
+            <a:r>
+              <a:rPr lang="it-IT" sz="1800" dirty="0" smtClean="0">
+                <a:solidFill>
+                  <a:schemeClr val="bg1"/>
+                </a:solidFill>
+                <a:latin typeface="Consolas" panose="020B0609020204030204" pitchFamily="49" charset="0"/>
+              </a:rPr>
+              <a:t>41</a:t>
+            </a:r>
+          </a:p>
+          <a:p>
+            <a:pPr marL="0" indent="0" eaLnBrk="0" fontAlgn="base" hangingPunct="0">
+              <a:lnSpc>
+                <a:spcPct val="100000"/>
+              </a:lnSpc>
+              <a:spcBef>
+                <a:spcPct val="0"/>
+              </a:spcBef>
+              <a:spcAft>
+                <a:spcPct val="0"/>
+              </a:spcAft>
+              <a:buNone/>
+            </a:pPr>
+            <a:r>
+              <a:rPr lang="it-IT" sz="1800" dirty="0">
+                <a:solidFill>
+                  <a:schemeClr val="bg1"/>
+                </a:solidFill>
+                <a:latin typeface="Consolas" panose="020B0609020204030204" pitchFamily="49" charset="0"/>
+              </a:rPr>
+              <a:t>d</a:t>
+            </a:r>
+            <a:r>
+              <a:rPr lang="it-IT" sz="1800" dirty="0" smtClean="0">
+                <a:solidFill>
+                  <a:schemeClr val="bg1"/>
+                </a:solidFill>
+                <a:latin typeface="Consolas" panose="020B0609020204030204" pitchFamily="49" charset="0"/>
+              </a:rPr>
+              <a:t>ate</a:t>
+            </a:r>
+            <a:r>
+              <a:rPr lang="it-IT" sz="1800" dirty="0">
+                <a:solidFill>
+                  <a:schemeClr val="bg1"/>
+                </a:solidFill>
+                <a:latin typeface="Consolas" panose="020B0609020204030204" pitchFamily="49" charset="0"/>
+              </a:rPr>
+              <a:t>: </a:t>
+            </a:r>
+            <a:r>
+              <a:rPr lang="it-IT" sz="1800" dirty="0" err="1">
+                <a:solidFill>
+                  <a:schemeClr val="bg1"/>
+                </a:solidFill>
+                <a:latin typeface="Consolas" panose="020B0609020204030204" pitchFamily="49" charset="0"/>
+              </a:rPr>
+              <a:t>Wed</a:t>
+            </a:r>
+            <a:r>
+              <a:rPr lang="it-IT" sz="1800" dirty="0">
+                <a:solidFill>
+                  <a:schemeClr val="bg1"/>
+                </a:solidFill>
+                <a:latin typeface="Consolas" panose="020B0609020204030204" pitchFamily="49" charset="0"/>
+              </a:rPr>
+              <a:t>, 15 </a:t>
+            </a:r>
+            <a:r>
+              <a:rPr lang="it-IT" sz="1800" dirty="0" err="1">
+                <a:solidFill>
+                  <a:schemeClr val="bg1"/>
+                </a:solidFill>
+                <a:latin typeface="Consolas" panose="020B0609020204030204" pitchFamily="49" charset="0"/>
+              </a:rPr>
+              <a:t>Jun</a:t>
+            </a:r>
+            <a:r>
+              <a:rPr lang="it-IT" sz="1800" dirty="0">
+                <a:solidFill>
+                  <a:schemeClr val="bg1"/>
+                </a:solidFill>
+                <a:latin typeface="Consolas" panose="020B0609020204030204" pitchFamily="49" charset="0"/>
+              </a:rPr>
+              <a:t> 2016 </a:t>
+            </a:r>
+            <a:r>
+              <a:rPr lang="it-IT" sz="1800" dirty="0" smtClean="0">
+                <a:solidFill>
+                  <a:schemeClr val="bg1"/>
+                </a:solidFill>
+                <a:latin typeface="Consolas" panose="020B0609020204030204" pitchFamily="49" charset="0"/>
+              </a:rPr>
+              <a:t>07:28:39 GMT</a:t>
+            </a:r>
+          </a:p>
+          <a:p>
+            <a:pPr marL="0" indent="0" eaLnBrk="0" fontAlgn="base" hangingPunct="0">
+              <a:lnSpc>
+                <a:spcPct val="100000"/>
+              </a:lnSpc>
+              <a:spcBef>
+                <a:spcPct val="0"/>
+              </a:spcBef>
+              <a:spcAft>
+                <a:spcPct val="0"/>
+              </a:spcAft>
+              <a:buNone/>
+            </a:pPr>
+            <a:r>
+              <a:rPr lang="it-IT" sz="1800" dirty="0">
+                <a:solidFill>
+                  <a:schemeClr val="bg1"/>
+                </a:solidFill>
+                <a:latin typeface="Consolas" panose="020B0609020204030204" pitchFamily="49" charset="0"/>
+              </a:rPr>
+              <a:t>c</a:t>
+            </a:r>
+            <a:r>
+              <a:rPr lang="it-IT" sz="1800" dirty="0" smtClean="0">
+                <a:solidFill>
+                  <a:schemeClr val="bg1"/>
+                </a:solidFill>
+                <a:latin typeface="Consolas" panose="020B0609020204030204" pitchFamily="49" charset="0"/>
+              </a:rPr>
+              <a:t>onnection</a:t>
+            </a:r>
+            <a:r>
+              <a:rPr lang="it-IT" sz="1800" dirty="0">
+                <a:solidFill>
+                  <a:schemeClr val="bg1"/>
+                </a:solidFill>
+                <a:latin typeface="Consolas" panose="020B0609020204030204" pitchFamily="49" charset="0"/>
+              </a:rPr>
+              <a:t>: </a:t>
+            </a:r>
+            <a:r>
+              <a:rPr lang="it-IT" sz="1800" dirty="0" err="1" smtClean="0">
+                <a:solidFill>
+                  <a:schemeClr val="bg1"/>
+                </a:solidFill>
+                <a:latin typeface="Consolas" panose="020B0609020204030204" pitchFamily="49" charset="0"/>
+              </a:rPr>
+              <a:t>keep-alive</a:t>
+            </a:r>
+            <a:endParaRPr lang="it-IT" sz="1800" dirty="0" smtClean="0">
+              <a:solidFill>
+                <a:schemeClr val="bg1"/>
+              </a:solidFill>
+              <a:latin typeface="Consolas" panose="020B0609020204030204" pitchFamily="49" charset="0"/>
+            </a:endParaRPr>
+          </a:p>
+          <a:p>
+            <a:pPr marL="0" indent="0" eaLnBrk="0" fontAlgn="base" hangingPunct="0">
+              <a:lnSpc>
+                <a:spcPct val="100000"/>
+              </a:lnSpc>
+              <a:spcBef>
+                <a:spcPct val="0"/>
+              </a:spcBef>
+              <a:spcAft>
+                <a:spcPct val="0"/>
+              </a:spcAft>
+              <a:buNone/>
+            </a:pPr>
+            <a:endParaRPr lang="it-IT" altLang="it-IT" sz="1800" dirty="0">
+              <a:solidFill>
+                <a:schemeClr val="bg1"/>
+              </a:solidFill>
+              <a:latin typeface="Consolas" panose="020B0609020204030204" pitchFamily="49" charset="0"/>
+            </a:endParaRPr>
+          </a:p>
+          <a:p>
+            <a:pPr marL="0" indent="0" eaLnBrk="0" fontAlgn="base" hangingPunct="0">
+              <a:lnSpc>
+                <a:spcPct val="100000"/>
+              </a:lnSpc>
+              <a:spcBef>
+                <a:spcPct val="0"/>
+              </a:spcBef>
+              <a:spcAft>
+                <a:spcPct val="0"/>
+              </a:spcAft>
+              <a:buNone/>
+            </a:pPr>
+            <a:r>
+              <a:rPr lang="it-IT" altLang="it-IT" sz="1800" dirty="0" smtClean="0">
+                <a:solidFill>
+                  <a:schemeClr val="bg1"/>
+                </a:solidFill>
+                <a:latin typeface="Consolas" panose="020B0609020204030204" pitchFamily="49" charset="0"/>
+              </a:rPr>
+              <a:t>{</a:t>
+            </a:r>
+          </a:p>
+          <a:p>
+            <a:pPr marL="0" indent="0" eaLnBrk="0" fontAlgn="base" hangingPunct="0">
+              <a:lnSpc>
+                <a:spcPct val="100000"/>
+              </a:lnSpc>
+              <a:spcBef>
+                <a:spcPct val="0"/>
+              </a:spcBef>
+              <a:spcAft>
+                <a:spcPct val="0"/>
+              </a:spcAft>
+              <a:buNone/>
+            </a:pPr>
+            <a:r>
+              <a:rPr lang="it-IT" altLang="it-IT" sz="1800" dirty="0">
+                <a:solidFill>
+                  <a:schemeClr val="bg1"/>
+                </a:solidFill>
+                <a:latin typeface="Consolas" panose="020B0609020204030204" pitchFamily="49" charset="0"/>
+              </a:rPr>
+              <a:t> </a:t>
+            </a:r>
+            <a:r>
+              <a:rPr lang="it-IT" altLang="it-IT" sz="1800" dirty="0" smtClean="0">
+                <a:solidFill>
+                  <a:schemeClr val="bg1"/>
+                </a:solidFill>
+                <a:latin typeface="Consolas" panose="020B0609020204030204" pitchFamily="49" charset="0"/>
+              </a:rPr>
+              <a:t>   "</a:t>
+            </a:r>
+            <a:r>
+              <a:rPr lang="it-IT" altLang="it-IT" sz="1800" dirty="0" err="1">
+                <a:solidFill>
+                  <a:schemeClr val="bg1"/>
+                </a:solidFill>
+                <a:latin typeface="Consolas" panose="020B0609020204030204" pitchFamily="49" charset="0"/>
+              </a:rPr>
+              <a:t>error</a:t>
+            </a:r>
+            <a:r>
+              <a:rPr lang="it-IT" altLang="it-IT" sz="1800" dirty="0" smtClean="0">
+                <a:solidFill>
+                  <a:schemeClr val="bg1"/>
+                </a:solidFill>
+                <a:latin typeface="Consolas" panose="020B0609020204030204" pitchFamily="49" charset="0"/>
+              </a:rPr>
+              <a:t>": false,</a:t>
+            </a:r>
+          </a:p>
+          <a:p>
+            <a:pPr marL="0" indent="0" eaLnBrk="0" fontAlgn="base" hangingPunct="0">
+              <a:lnSpc>
+                <a:spcPct val="100000"/>
+              </a:lnSpc>
+              <a:spcBef>
+                <a:spcPct val="0"/>
+              </a:spcBef>
+              <a:spcAft>
+                <a:spcPct val="0"/>
+              </a:spcAft>
+              <a:buNone/>
+            </a:pPr>
+            <a:r>
+              <a:rPr lang="it-IT" altLang="it-IT" sz="1800" dirty="0">
+                <a:solidFill>
+                  <a:schemeClr val="bg1"/>
+                </a:solidFill>
+                <a:latin typeface="Consolas" panose="020B0609020204030204" pitchFamily="49" charset="0"/>
+              </a:rPr>
+              <a:t> </a:t>
+            </a:r>
+            <a:r>
+              <a:rPr lang="it-IT" altLang="it-IT" sz="1800" dirty="0" smtClean="0">
+                <a:solidFill>
+                  <a:schemeClr val="bg1"/>
+                </a:solidFill>
+                <a:latin typeface="Consolas" panose="020B0609020204030204" pitchFamily="49" charset="0"/>
+              </a:rPr>
+              <a:t>   "</a:t>
+            </a:r>
+            <a:r>
+              <a:rPr lang="it-IT" altLang="it-IT" sz="1800" dirty="0">
+                <a:solidFill>
+                  <a:schemeClr val="bg1"/>
+                </a:solidFill>
+                <a:latin typeface="Consolas" panose="020B0609020204030204" pitchFamily="49" charset="0"/>
+              </a:rPr>
+              <a:t>code</a:t>
+            </a:r>
+            <a:r>
+              <a:rPr lang="it-IT" altLang="it-IT" sz="1800" dirty="0" smtClean="0">
+                <a:solidFill>
+                  <a:schemeClr val="bg1"/>
+                </a:solidFill>
+                <a:latin typeface="Consolas" panose="020B0609020204030204" pitchFamily="49" charset="0"/>
+              </a:rPr>
+              <a:t>": 200,</a:t>
+            </a:r>
+          </a:p>
+          <a:p>
+            <a:pPr marL="0" indent="0" eaLnBrk="0" fontAlgn="base" hangingPunct="0">
+              <a:lnSpc>
+                <a:spcPct val="100000"/>
+              </a:lnSpc>
+              <a:spcBef>
+                <a:spcPct val="0"/>
+              </a:spcBef>
+              <a:spcAft>
+                <a:spcPct val="0"/>
+              </a:spcAft>
+              <a:buNone/>
+            </a:pPr>
+            <a:r>
+              <a:rPr lang="it-IT" altLang="it-IT" sz="1800" dirty="0">
+                <a:solidFill>
+                  <a:schemeClr val="bg1"/>
+                </a:solidFill>
+                <a:latin typeface="Consolas" panose="020B0609020204030204" pitchFamily="49" charset="0"/>
+              </a:rPr>
+              <a:t> </a:t>
+            </a:r>
+            <a:r>
+              <a:rPr lang="it-IT" altLang="it-IT" sz="1800" dirty="0" smtClean="0">
+                <a:solidFill>
+                  <a:schemeClr val="bg1"/>
+                </a:solidFill>
+                <a:latin typeface="Consolas" panose="020B0609020204030204" pitchFamily="49" charset="0"/>
+              </a:rPr>
+              <a:t>   "</a:t>
+            </a:r>
+            <a:r>
+              <a:rPr lang="it-IT" altLang="it-IT" sz="1800" dirty="0" err="1">
+                <a:solidFill>
+                  <a:schemeClr val="bg1"/>
+                </a:solidFill>
+                <a:latin typeface="Consolas" panose="020B0609020204030204" pitchFamily="49" charset="0"/>
+              </a:rPr>
+              <a:t>message</a:t>
+            </a:r>
+            <a:r>
+              <a:rPr lang="it-IT" altLang="it-IT" sz="1800" dirty="0" smtClean="0">
+                <a:solidFill>
+                  <a:schemeClr val="bg1"/>
+                </a:solidFill>
+                <a:latin typeface="Consolas" panose="020B0609020204030204" pitchFamily="49" charset="0"/>
+              </a:rPr>
+              <a:t>": "OK</a:t>
+            </a:r>
+            <a:r>
+              <a:rPr lang="it-IT" altLang="it-IT" sz="1800" dirty="0">
+                <a:solidFill>
+                  <a:schemeClr val="bg1"/>
+                </a:solidFill>
+                <a:latin typeface="Consolas" panose="020B0609020204030204" pitchFamily="49" charset="0"/>
+              </a:rPr>
+              <a:t>"</a:t>
+            </a:r>
+            <a:endParaRPr lang="it-IT" altLang="it-IT" sz="1800" dirty="0" smtClean="0">
+              <a:solidFill>
+                <a:schemeClr val="bg1"/>
+              </a:solidFill>
+              <a:latin typeface="Consolas" panose="020B0609020204030204" pitchFamily="49" charset="0"/>
+            </a:endParaRPr>
+          </a:p>
+          <a:p>
+            <a:pPr marL="0" indent="0" eaLnBrk="0" fontAlgn="base" hangingPunct="0">
+              <a:lnSpc>
+                <a:spcPct val="100000"/>
+              </a:lnSpc>
+              <a:spcBef>
+                <a:spcPct val="0"/>
+              </a:spcBef>
+              <a:spcAft>
+                <a:spcPct val="0"/>
+              </a:spcAft>
+              <a:buNone/>
+            </a:pPr>
+            <a:r>
+              <a:rPr lang="it-IT" altLang="it-IT" sz="1800" dirty="0" smtClean="0">
+                <a:solidFill>
+                  <a:schemeClr val="bg1"/>
+                </a:solidFill>
+                <a:latin typeface="Consolas" panose="020B0609020204030204" pitchFamily="49" charset="0"/>
+              </a:rPr>
+              <a:t>}</a:t>
+            </a:r>
+            <a:endParaRPr lang="it-IT" altLang="it-IT" sz="1800" dirty="0">
+              <a:solidFill>
+                <a:schemeClr val="bg1"/>
+              </a:solidFill>
+              <a:latin typeface="Consolas" panose="020B0609020204030204" pitchFamily="49" charset="0"/>
+            </a:endParaRPr>
+          </a:p>
+        </p:txBody>
+      </p:sp>
+    </p:spTree>
+    <p:extLst>
+      <p:ext uri="{BB962C8B-B14F-4D97-AF65-F5344CB8AC3E}">
+        <p14:creationId xmlns:p14="http://schemas.microsoft.com/office/powerpoint/2010/main" val="1431831346"/>
+      </p:ext>
+    </p:extLst>
+  </p:cSld>
+  <p:clrMapOvr>
+    <a:masterClrMapping/>
+  </p:clrMapOvr>
+  <p:timing>
+    <p:tnLst>
+      <p:par>
+        <p:cTn id="1" dur="indefinite" restart="never" nodeType="tmRoot"/>
+      </p:par>
+    </p:tnLst>
+  </p:timing>
+</p:sld>
+</file>
+
+<file path=ppt/slides/slide12.xml><?xml version="1.0" encoding="utf-8"?>
+<p:sld xmlns:a="http://schemas.openxmlformats.org/drawingml/2006/main" xmlns:r="http://schemas.openxmlformats.org/officeDocument/2006/relationships" xmlns:p="http://schemas.openxmlformats.org/presentationml/2006/main">
+  <p:cSld>
+    <p:spTree>
+      <p:nvGrpSpPr>
+        <p:cNvPr id="1" name=""/>
+        <p:cNvGrpSpPr/>
+        <p:nvPr/>
+      </p:nvGrpSpPr>
+      <p:grpSpPr>
+        <a:xfrm>
+          <a:off x="0" y="0"/>
+          <a:ext cx="0" cy="0"/>
+          <a:chOff x="0" y="0"/>
+          <a:chExt cx="0" cy="0"/>
+        </a:xfrm>
+      </p:grpSpPr>
+      <p:sp>
+        <p:nvSpPr>
+          <p:cNvPr id="2" name="Titolo 1"/>
+          <p:cNvSpPr>
+            <a:spLocks noGrp="1"/>
+          </p:cNvSpPr>
+          <p:nvPr>
+            <p:ph type="title"/>
+          </p:nvPr>
+        </p:nvSpPr>
+        <p:spPr/>
+        <p:txBody>
+          <a:bodyPr/>
+          <a:lstStyle/>
+          <a:p>
+            <a:r>
+              <a:rPr lang="it-IT" dirty="0" smtClean="0">
+                <a:solidFill>
+                  <a:schemeClr val="bg1"/>
+                </a:solidFill>
+              </a:rPr>
+              <a:t>REST con HTTP</a:t>
+            </a:r>
+            <a:endParaRPr lang="it-IT" dirty="0">
+              <a:solidFill>
+                <a:schemeClr val="bg1"/>
+              </a:solidFill>
+            </a:endParaRPr>
+          </a:p>
+        </p:txBody>
+      </p:sp>
+      <p:sp>
+        <p:nvSpPr>
+          <p:cNvPr id="3" name="Segnaposto contenuto 2"/>
+          <p:cNvSpPr>
+            <a:spLocks noGrp="1"/>
+          </p:cNvSpPr>
+          <p:nvPr>
+            <p:ph idx="1"/>
+          </p:nvPr>
+        </p:nvSpPr>
+        <p:spPr>
+          <a:xfrm>
+            <a:off x="684432" y="1825625"/>
+            <a:ext cx="5349514" cy="4351338"/>
+          </a:xfrm>
+        </p:spPr>
+        <p:txBody>
+          <a:bodyPr>
+            <a:normAutofit/>
+          </a:bodyPr>
+          <a:lstStyle/>
+          <a:p>
+            <a:pPr marL="0" indent="0" eaLnBrk="0" fontAlgn="base" hangingPunct="0">
+              <a:lnSpc>
+                <a:spcPct val="100000"/>
+              </a:lnSpc>
+              <a:spcBef>
+                <a:spcPct val="0"/>
+              </a:spcBef>
+              <a:spcAft>
+                <a:spcPct val="0"/>
+              </a:spcAft>
+              <a:buNone/>
+            </a:pPr>
+            <a:r>
+              <a:rPr lang="it-IT" altLang="it-IT" dirty="0" err="1" smtClean="0">
+                <a:solidFill>
+                  <a:srgbClr val="02523F"/>
+                </a:solidFill>
+                <a:latin typeface="Arial Unicode MS"/>
+              </a:rPr>
+              <a:t>Request</a:t>
+            </a:r>
+            <a:endParaRPr lang="it-IT" altLang="it-IT" dirty="0">
+              <a:solidFill>
+                <a:srgbClr val="02523F"/>
+              </a:solidFill>
+              <a:latin typeface="Arial Unicode MS"/>
+            </a:endParaRPr>
+          </a:p>
+          <a:p>
+            <a:pPr marL="0" lvl="0" indent="0" eaLnBrk="0" fontAlgn="base" hangingPunct="0">
+              <a:lnSpc>
+                <a:spcPct val="100000"/>
+              </a:lnSpc>
+              <a:spcBef>
+                <a:spcPct val="0"/>
+              </a:spcBef>
+              <a:spcAft>
+                <a:spcPct val="0"/>
+              </a:spcAft>
+              <a:buNone/>
+            </a:pPr>
+            <a:endParaRPr lang="it-IT" altLang="it-IT" dirty="0" smtClean="0">
+              <a:solidFill>
+                <a:srgbClr val="02523F"/>
+              </a:solidFill>
+              <a:latin typeface="Arial Unicode MS"/>
+            </a:endParaRPr>
+          </a:p>
+          <a:p>
+            <a:pPr marL="0" lvl="0" indent="0" eaLnBrk="0" fontAlgn="base" hangingPunct="0">
+              <a:lnSpc>
+                <a:spcPct val="100000"/>
+              </a:lnSpc>
+              <a:spcBef>
+                <a:spcPct val="0"/>
+              </a:spcBef>
+              <a:spcAft>
+                <a:spcPct val="0"/>
+              </a:spcAft>
+              <a:buNone/>
+            </a:pPr>
+            <a:r>
+              <a:rPr lang="it-IT" altLang="it-IT" sz="1800" dirty="0" smtClean="0">
+                <a:solidFill>
+                  <a:schemeClr val="bg1"/>
+                </a:solidFill>
+                <a:latin typeface="Consolas" panose="020B0609020204030204" pitchFamily="49" charset="0"/>
+              </a:rPr>
+              <a:t>POST /</a:t>
+            </a:r>
+            <a:r>
+              <a:rPr lang="it-IT" altLang="it-IT" sz="1800" dirty="0" err="1" smtClean="0">
+                <a:solidFill>
+                  <a:schemeClr val="bg1"/>
+                </a:solidFill>
+                <a:latin typeface="Consolas" panose="020B0609020204030204" pitchFamily="49" charset="0"/>
+              </a:rPr>
+              <a:t>contact</a:t>
+            </a:r>
+            <a:r>
+              <a:rPr lang="it-IT" altLang="it-IT" sz="1800" dirty="0" smtClean="0">
+                <a:solidFill>
+                  <a:schemeClr val="bg1"/>
+                </a:solidFill>
+                <a:latin typeface="Consolas" panose="020B0609020204030204" pitchFamily="49" charset="0"/>
+              </a:rPr>
+              <a:t>/carlo HTTP/1.1 </a:t>
+            </a:r>
+          </a:p>
+          <a:p>
+            <a:pPr marL="0" lvl="0" indent="0" eaLnBrk="0" fontAlgn="base" hangingPunct="0">
+              <a:lnSpc>
+                <a:spcPct val="100000"/>
+              </a:lnSpc>
+              <a:spcBef>
+                <a:spcPct val="0"/>
+              </a:spcBef>
+              <a:spcAft>
+                <a:spcPct val="0"/>
+              </a:spcAft>
+              <a:buNone/>
+            </a:pPr>
+            <a:r>
+              <a:rPr lang="it-IT" altLang="it-IT" sz="1800" dirty="0" smtClean="0">
+                <a:solidFill>
+                  <a:schemeClr val="bg1"/>
+                </a:solidFill>
+                <a:latin typeface="Consolas" panose="020B0609020204030204" pitchFamily="49" charset="0"/>
+              </a:rPr>
+              <a:t>HOST: localhost:3000 </a:t>
+            </a:r>
+          </a:p>
+          <a:p>
+            <a:pPr marL="0" indent="0" eaLnBrk="0" fontAlgn="base" hangingPunct="0">
+              <a:lnSpc>
+                <a:spcPct val="100000"/>
+              </a:lnSpc>
+              <a:spcBef>
+                <a:spcPct val="0"/>
+              </a:spcBef>
+              <a:spcAft>
+                <a:spcPct val="0"/>
+              </a:spcAft>
+              <a:buNone/>
+            </a:pPr>
+            <a:r>
+              <a:rPr lang="it-IT" altLang="it-IT" sz="1800" dirty="0" err="1" smtClean="0">
+                <a:solidFill>
+                  <a:schemeClr val="bg1"/>
+                </a:solidFill>
+                <a:latin typeface="Consolas" panose="020B0609020204030204" pitchFamily="49" charset="0"/>
+              </a:rPr>
+              <a:t>authorization</a:t>
+            </a:r>
+            <a:r>
+              <a:rPr lang="it-IT" altLang="it-IT" sz="1800" dirty="0" smtClean="0">
+                <a:solidFill>
+                  <a:schemeClr val="bg1"/>
+                </a:solidFill>
+                <a:latin typeface="Consolas" panose="020B0609020204030204" pitchFamily="49" charset="0"/>
+              </a:rPr>
+              <a:t>: </a:t>
+            </a:r>
+            <a:r>
+              <a:rPr lang="it-IT" altLang="it-IT" sz="1800" dirty="0" err="1" smtClean="0">
+                <a:solidFill>
+                  <a:schemeClr val="bg1"/>
+                </a:solidFill>
+                <a:latin typeface="Consolas" panose="020B0609020204030204" pitchFamily="49" charset="0"/>
+              </a:rPr>
+              <a:t>basic</a:t>
+            </a:r>
+            <a:r>
+              <a:rPr lang="it-IT" altLang="it-IT" sz="1800" dirty="0" smtClean="0">
+                <a:solidFill>
+                  <a:schemeClr val="bg1"/>
+                </a:solidFill>
+                <a:latin typeface="Consolas" panose="020B0609020204030204" pitchFamily="49" charset="0"/>
+              </a:rPr>
+              <a:t> </a:t>
+            </a:r>
+            <a:r>
+              <a:rPr lang="it-IT" altLang="it-IT" sz="1500" dirty="0">
+                <a:solidFill>
+                  <a:schemeClr val="bg1"/>
+                </a:solidFill>
+                <a:latin typeface="Consolas" panose="020B0609020204030204" pitchFamily="49" charset="0"/>
+              </a:rPr>
+              <a:t>dmFzc2FsbG9jYXJsbzoxMjM0</a:t>
+            </a:r>
+            <a:r>
+              <a:rPr lang="it-IT" altLang="it-IT" sz="1800" dirty="0">
+                <a:solidFill>
+                  <a:schemeClr val="bg1"/>
+                </a:solidFill>
+                <a:latin typeface="Consolas" panose="020B0609020204030204" pitchFamily="49" charset="0"/>
+              </a:rPr>
+              <a:t> </a:t>
+            </a:r>
+            <a:endParaRPr lang="it-IT" sz="1800" dirty="0">
+              <a:solidFill>
+                <a:schemeClr val="bg1"/>
+              </a:solidFill>
+              <a:latin typeface="Consolas" panose="020B0609020204030204" pitchFamily="49" charset="0"/>
+            </a:endParaRPr>
+          </a:p>
+          <a:p>
+            <a:pPr marL="0" indent="0" eaLnBrk="0" fontAlgn="base" hangingPunct="0">
+              <a:lnSpc>
+                <a:spcPct val="100000"/>
+              </a:lnSpc>
+              <a:spcBef>
+                <a:spcPct val="0"/>
+              </a:spcBef>
+              <a:spcAft>
+                <a:spcPct val="0"/>
+              </a:spcAft>
+              <a:buNone/>
+            </a:pPr>
+            <a:r>
+              <a:rPr lang="it-IT" sz="1800" dirty="0" err="1">
+                <a:solidFill>
+                  <a:schemeClr val="bg1"/>
+                </a:solidFill>
+                <a:latin typeface="Consolas" panose="020B0609020204030204" pitchFamily="49" charset="0"/>
+              </a:rPr>
+              <a:t>content-type</a:t>
+            </a:r>
+            <a:r>
+              <a:rPr lang="it-IT" sz="1800" dirty="0">
+                <a:solidFill>
+                  <a:schemeClr val="bg1"/>
+                </a:solidFill>
+                <a:latin typeface="Consolas" panose="020B0609020204030204" pitchFamily="49" charset="0"/>
+              </a:rPr>
+              <a:t>: </a:t>
+            </a:r>
+            <a:r>
+              <a:rPr lang="it-IT" sz="1800" dirty="0" err="1" smtClean="0">
+                <a:solidFill>
+                  <a:schemeClr val="bg1"/>
+                </a:solidFill>
+                <a:latin typeface="Consolas" panose="020B0609020204030204" pitchFamily="49" charset="0"/>
+              </a:rPr>
+              <a:t>application</a:t>
+            </a:r>
+            <a:r>
+              <a:rPr lang="it-IT" sz="1800" dirty="0" smtClean="0">
+                <a:solidFill>
+                  <a:schemeClr val="bg1"/>
+                </a:solidFill>
+                <a:latin typeface="Consolas" panose="020B0609020204030204" pitchFamily="49" charset="0"/>
+              </a:rPr>
+              <a:t>/</a:t>
+            </a:r>
+            <a:r>
+              <a:rPr lang="it-IT" sz="1800" dirty="0" err="1" smtClean="0">
+                <a:solidFill>
+                  <a:schemeClr val="bg1"/>
+                </a:solidFill>
+                <a:latin typeface="Consolas" panose="020B0609020204030204" pitchFamily="49" charset="0"/>
+              </a:rPr>
+              <a:t>json</a:t>
+            </a:r>
+            <a:r>
+              <a:rPr lang="it-IT" sz="1800" dirty="0">
+                <a:solidFill>
+                  <a:schemeClr val="bg1"/>
+                </a:solidFill>
+                <a:latin typeface="Consolas" panose="020B0609020204030204" pitchFamily="49" charset="0"/>
+              </a:rPr>
+              <a:t>; </a:t>
+            </a:r>
+            <a:r>
+              <a:rPr lang="it-IT" sz="1800" dirty="0" err="1">
+                <a:solidFill>
+                  <a:schemeClr val="bg1"/>
+                </a:solidFill>
+                <a:latin typeface="Consolas" panose="020B0609020204030204" pitchFamily="49" charset="0"/>
+              </a:rPr>
+              <a:t>charset</a:t>
+            </a:r>
+            <a:r>
+              <a:rPr lang="it-IT" sz="1800" dirty="0">
+                <a:solidFill>
+                  <a:schemeClr val="bg1"/>
+                </a:solidFill>
+                <a:latin typeface="Consolas" panose="020B0609020204030204" pitchFamily="49" charset="0"/>
+              </a:rPr>
+              <a:t>=utf-8</a:t>
+            </a:r>
+          </a:p>
+          <a:p>
+            <a:pPr marL="0" lvl="0" indent="0" eaLnBrk="0" fontAlgn="base" hangingPunct="0">
+              <a:lnSpc>
+                <a:spcPct val="100000"/>
+              </a:lnSpc>
+              <a:spcBef>
+                <a:spcPct val="0"/>
+              </a:spcBef>
+              <a:spcAft>
+                <a:spcPct val="0"/>
+              </a:spcAft>
+              <a:buNone/>
+            </a:pPr>
+            <a:r>
+              <a:rPr lang="it-IT" altLang="it-IT" sz="1800" dirty="0" err="1" smtClean="0">
+                <a:solidFill>
+                  <a:schemeClr val="bg1"/>
+                </a:solidFill>
+                <a:latin typeface="Consolas" panose="020B0609020204030204" pitchFamily="49" charset="0"/>
+              </a:rPr>
+              <a:t>content-length</a:t>
+            </a:r>
+            <a:r>
+              <a:rPr lang="it-IT" altLang="it-IT" sz="1800" dirty="0" smtClean="0">
+                <a:solidFill>
+                  <a:schemeClr val="bg1"/>
+                </a:solidFill>
+                <a:latin typeface="Consolas" panose="020B0609020204030204" pitchFamily="49" charset="0"/>
+              </a:rPr>
+              <a:t>: 70 </a:t>
+            </a:r>
+          </a:p>
+          <a:p>
+            <a:pPr marL="0" lvl="0" indent="0" eaLnBrk="0" fontAlgn="base" hangingPunct="0">
+              <a:lnSpc>
+                <a:spcPct val="100000"/>
+              </a:lnSpc>
+              <a:spcBef>
+                <a:spcPct val="0"/>
+              </a:spcBef>
+              <a:spcAft>
+                <a:spcPct val="0"/>
+              </a:spcAft>
+              <a:buNone/>
+            </a:pPr>
+            <a:endParaRPr lang="it-IT" altLang="it-IT" sz="1800" dirty="0" smtClean="0">
+              <a:solidFill>
+                <a:schemeClr val="bg1"/>
+              </a:solidFill>
+              <a:latin typeface="Consolas" panose="020B0609020204030204" pitchFamily="49" charset="0"/>
+            </a:endParaRPr>
+          </a:p>
+          <a:p>
+            <a:pPr marL="0" lvl="0" indent="0" eaLnBrk="0" fontAlgn="base" hangingPunct="0">
+              <a:lnSpc>
+                <a:spcPct val="100000"/>
+              </a:lnSpc>
+              <a:spcBef>
+                <a:spcPct val="0"/>
+              </a:spcBef>
+              <a:spcAft>
+                <a:spcPct val="0"/>
+              </a:spcAft>
+              <a:buNone/>
+            </a:pPr>
+            <a:r>
+              <a:rPr lang="it-IT" altLang="it-IT" sz="1800" dirty="0" smtClean="0">
+                <a:solidFill>
+                  <a:schemeClr val="bg1"/>
+                </a:solidFill>
+                <a:latin typeface="Consolas" panose="020B0609020204030204" pitchFamily="49" charset="0"/>
+              </a:rPr>
+              <a:t>{ </a:t>
+            </a:r>
+          </a:p>
+          <a:p>
+            <a:pPr marL="0" lvl="0" indent="0" eaLnBrk="0" fontAlgn="base" hangingPunct="0">
+              <a:lnSpc>
+                <a:spcPct val="100000"/>
+              </a:lnSpc>
+              <a:spcBef>
+                <a:spcPct val="0"/>
+              </a:spcBef>
+              <a:spcAft>
+                <a:spcPct val="0"/>
+              </a:spcAft>
+              <a:buNone/>
+            </a:pPr>
+            <a:r>
+              <a:rPr lang="it-IT" altLang="it-IT" sz="1800" dirty="0" smtClean="0">
+                <a:solidFill>
+                  <a:schemeClr val="bg1"/>
+                </a:solidFill>
+                <a:latin typeface="Consolas" panose="020B0609020204030204" pitchFamily="49" charset="0"/>
+              </a:rPr>
+              <a:t>    "</a:t>
+            </a:r>
+            <a:r>
+              <a:rPr lang="it-IT" altLang="it-IT" sz="1800" dirty="0" err="1" smtClean="0">
+                <a:solidFill>
+                  <a:schemeClr val="bg1"/>
+                </a:solidFill>
+                <a:latin typeface="Consolas" panose="020B0609020204030204" pitchFamily="49" charset="0"/>
+              </a:rPr>
+              <a:t>name</a:t>
+            </a:r>
+            <a:r>
+              <a:rPr lang="it-IT" altLang="it-IT" sz="1800" dirty="0" smtClean="0">
+                <a:solidFill>
+                  <a:schemeClr val="bg1"/>
+                </a:solidFill>
+                <a:latin typeface="Consolas" panose="020B0609020204030204" pitchFamily="49" charset="0"/>
+              </a:rPr>
+              <a:t>": "</a:t>
+            </a:r>
+            <a:r>
+              <a:rPr lang="it-IT" altLang="it-IT" sz="1800" dirty="0" err="1" smtClean="0">
+                <a:solidFill>
+                  <a:schemeClr val="bg1"/>
+                </a:solidFill>
+                <a:latin typeface="Consolas" panose="020B0609020204030204" pitchFamily="49" charset="0"/>
+              </a:rPr>
+              <a:t>ciccio</a:t>
+            </a:r>
+            <a:r>
+              <a:rPr lang="it-IT" altLang="it-IT" sz="1800" dirty="0" smtClean="0">
+                <a:solidFill>
+                  <a:schemeClr val="bg1"/>
+                </a:solidFill>
+                <a:latin typeface="Consolas" panose="020B0609020204030204" pitchFamily="49" charset="0"/>
+              </a:rPr>
+              <a:t>", </a:t>
+            </a:r>
+          </a:p>
+          <a:p>
+            <a:pPr marL="0" lvl="0" indent="0" eaLnBrk="0" fontAlgn="base" hangingPunct="0">
+              <a:lnSpc>
+                <a:spcPct val="100000"/>
+              </a:lnSpc>
+              <a:spcBef>
+                <a:spcPct val="0"/>
+              </a:spcBef>
+              <a:spcAft>
+                <a:spcPct val="0"/>
+              </a:spcAft>
+              <a:buNone/>
+            </a:pPr>
+            <a:r>
+              <a:rPr lang="it-IT" altLang="it-IT" sz="1800" dirty="0" smtClean="0">
+                <a:solidFill>
+                  <a:schemeClr val="bg1"/>
+                </a:solidFill>
+                <a:latin typeface="Consolas" panose="020B0609020204030204" pitchFamily="49" charset="0"/>
+              </a:rPr>
+              <a:t>    "</a:t>
+            </a:r>
+            <a:r>
+              <a:rPr lang="it-IT" altLang="it-IT" sz="1800" dirty="0" err="1" smtClean="0">
+                <a:solidFill>
+                  <a:schemeClr val="bg1"/>
+                </a:solidFill>
+                <a:latin typeface="Consolas" panose="020B0609020204030204" pitchFamily="49" charset="0"/>
+              </a:rPr>
+              <a:t>surname</a:t>
+            </a:r>
+            <a:r>
+              <a:rPr lang="it-IT" altLang="it-IT" sz="1800" dirty="0" smtClean="0">
+                <a:solidFill>
+                  <a:schemeClr val="bg1"/>
+                </a:solidFill>
+                <a:latin typeface="Consolas" panose="020B0609020204030204" pitchFamily="49" charset="0"/>
+              </a:rPr>
+              <a:t>": "bello"  </a:t>
+            </a:r>
+          </a:p>
+          <a:p>
+            <a:pPr marL="0" lvl="0" indent="0" eaLnBrk="0" fontAlgn="base" hangingPunct="0">
+              <a:lnSpc>
+                <a:spcPct val="100000"/>
+              </a:lnSpc>
+              <a:spcBef>
+                <a:spcPct val="0"/>
+              </a:spcBef>
+              <a:spcAft>
+                <a:spcPct val="0"/>
+              </a:spcAft>
+              <a:buNone/>
+            </a:pPr>
+            <a:r>
+              <a:rPr lang="it-IT" altLang="it-IT" sz="1800" dirty="0" smtClean="0">
+                <a:solidFill>
+                  <a:schemeClr val="bg1"/>
+                </a:solidFill>
+                <a:latin typeface="Consolas" panose="020B0609020204030204" pitchFamily="49" charset="0"/>
+              </a:rPr>
+              <a:t>} </a:t>
+            </a:r>
+            <a:endParaRPr lang="it-IT" altLang="it-IT" sz="1800" dirty="0">
+              <a:solidFill>
+                <a:schemeClr val="bg1"/>
+              </a:solidFill>
+              <a:latin typeface="Consolas" panose="020B0609020204030204" pitchFamily="49" charset="0"/>
+            </a:endParaRPr>
+          </a:p>
+        </p:txBody>
+      </p:sp>
+      <p:sp>
+        <p:nvSpPr>
+          <p:cNvPr id="5" name="Segnaposto contenuto 2"/>
+          <p:cNvSpPr txBox="1">
+            <a:spLocks/>
+          </p:cNvSpPr>
+          <p:nvPr/>
+        </p:nvSpPr>
+        <p:spPr>
+          <a:xfrm>
+            <a:off x="6242012" y="1825625"/>
+            <a:ext cx="5111788" cy="4351338"/>
+          </a:xfrm>
+          <a:prstGeom prst="rect">
+            <a:avLst/>
+          </a:prstGeom>
+        </p:spPr>
+        <p:txBody>
+          <a:bodyPr vert="horz" lIns="91440" tIns="45720" rIns="91440" bIns="45720" rtlCol="0">
+            <a:normAutofit fontScale="92500" lnSpcReduction="20000"/>
+          </a:bodyPr>
+          <a:lstStyle>
+            <a:lvl1pPr marL="228600" indent="-228600" algn="l" defTabSz="914400" rtl="0" eaLnBrk="1" latinLnBrk="0" hangingPunct="1">
+              <a:lnSpc>
+                <a:spcPct val="90000"/>
+              </a:lnSpc>
+              <a:spcBef>
+                <a:spcPts val="1000"/>
+              </a:spcBef>
+              <a:buFont typeface="Arial" panose="020B0604020202020204" pitchFamily="34" charset="0"/>
+              <a:buChar char="•"/>
+              <a:defRPr sz="2800" kern="1200">
+                <a:solidFill>
+                  <a:schemeClr val="tx1"/>
+                </a:solidFill>
+                <a:latin typeface="+mn-lt"/>
+                <a:ea typeface="+mn-ea"/>
+                <a:cs typeface="+mn-cs"/>
+              </a:defRPr>
+            </a:lvl1pPr>
+            <a:lvl2pPr marL="685800" indent="-228600" algn="l" defTabSz="914400" rtl="0" eaLnBrk="1" latinLnBrk="0" hangingPunct="1">
+              <a:lnSpc>
+                <a:spcPct val="90000"/>
+              </a:lnSpc>
+              <a:spcBef>
+                <a:spcPts val="500"/>
+              </a:spcBef>
+              <a:buFont typeface="Arial" panose="020B0604020202020204" pitchFamily="34" charset="0"/>
+              <a:buChar char="•"/>
+              <a:defRPr sz="2400" kern="1200">
+                <a:solidFill>
+                  <a:schemeClr val="tx1"/>
+                </a:solidFill>
+                <a:latin typeface="+mn-lt"/>
+                <a:ea typeface="+mn-ea"/>
+                <a:cs typeface="+mn-cs"/>
+              </a:defRPr>
+            </a:lvl2pPr>
+            <a:lvl3pPr marL="1143000" indent="-228600" algn="l" defTabSz="914400" rtl="0" eaLnBrk="1" latinLnBrk="0" hangingPunct="1">
+              <a:lnSpc>
+                <a:spcPct val="90000"/>
+              </a:lnSpc>
+              <a:spcBef>
+                <a:spcPts val="500"/>
+              </a:spcBef>
+              <a:buFont typeface="Arial" panose="020B0604020202020204" pitchFamily="34" charset="0"/>
+              <a:buChar char="•"/>
+              <a:defRPr sz="2000" kern="1200">
+                <a:solidFill>
+                  <a:schemeClr val="tx1"/>
+                </a:solidFill>
+                <a:latin typeface="+mn-lt"/>
+                <a:ea typeface="+mn-ea"/>
+                <a:cs typeface="+mn-cs"/>
+              </a:defRPr>
+            </a:lvl3pPr>
+            <a:lvl4pPr marL="1600200" indent="-228600" algn="l" defTabSz="914400" rtl="0" eaLnBrk="1" latinLnBrk="0" hangingPunct="1">
+              <a:lnSpc>
+                <a:spcPct val="90000"/>
+              </a:lnSpc>
+              <a:spcBef>
+                <a:spcPts val="500"/>
+              </a:spcBef>
+              <a:buFont typeface="Arial" panose="020B0604020202020204" pitchFamily="34" charset="0"/>
+              <a:buChar char="•"/>
+              <a:defRPr sz="1800" kern="1200">
+                <a:solidFill>
+                  <a:schemeClr val="tx1"/>
+                </a:solidFill>
+                <a:latin typeface="+mn-lt"/>
+                <a:ea typeface="+mn-ea"/>
+                <a:cs typeface="+mn-cs"/>
+              </a:defRPr>
+            </a:lvl4pPr>
+            <a:lvl5pPr marL="2057400" indent="-228600" algn="l" defTabSz="914400" rtl="0" eaLnBrk="1" latinLnBrk="0" hangingPunct="1">
+              <a:lnSpc>
+                <a:spcPct val="90000"/>
+              </a:lnSpc>
+              <a:spcBef>
+                <a:spcPts val="500"/>
+              </a:spcBef>
+              <a:buFont typeface="Arial" panose="020B0604020202020204" pitchFamily="34" charset="0"/>
+              <a:buChar char="•"/>
+              <a:defRPr sz="1800" kern="1200">
+                <a:solidFill>
+                  <a:schemeClr val="tx1"/>
+                </a:solidFill>
+                <a:latin typeface="+mn-lt"/>
+                <a:ea typeface="+mn-ea"/>
+                <a:cs typeface="+mn-cs"/>
+              </a:defRPr>
+            </a:lvl5pPr>
+            <a:lvl6pPr marL="2514600" indent="-228600" algn="l" defTabSz="914400" rtl="0" eaLnBrk="1" latinLnBrk="0" hangingPunct="1">
+              <a:lnSpc>
+                <a:spcPct val="90000"/>
+              </a:lnSpc>
+              <a:spcBef>
+                <a:spcPts val="500"/>
+              </a:spcBef>
+              <a:buFont typeface="Arial" panose="020B0604020202020204" pitchFamily="34" charset="0"/>
+              <a:buChar char="•"/>
+              <a:defRPr sz="1800" kern="1200">
+                <a:solidFill>
+                  <a:schemeClr val="tx1"/>
+                </a:solidFill>
+                <a:latin typeface="+mn-lt"/>
+                <a:ea typeface="+mn-ea"/>
+                <a:cs typeface="+mn-cs"/>
+              </a:defRPr>
+            </a:lvl6pPr>
+            <a:lvl7pPr marL="2971800" indent="-228600" algn="l" defTabSz="914400" rtl="0" eaLnBrk="1" latinLnBrk="0" hangingPunct="1">
+              <a:lnSpc>
+                <a:spcPct val="90000"/>
+              </a:lnSpc>
+              <a:spcBef>
+                <a:spcPts val="500"/>
+              </a:spcBef>
+              <a:buFont typeface="Arial" panose="020B0604020202020204" pitchFamily="34" charset="0"/>
+              <a:buChar char="•"/>
+              <a:defRPr sz="1800" kern="1200">
+                <a:solidFill>
+                  <a:schemeClr val="tx1"/>
+                </a:solidFill>
+                <a:latin typeface="+mn-lt"/>
+                <a:ea typeface="+mn-ea"/>
+                <a:cs typeface="+mn-cs"/>
+              </a:defRPr>
+            </a:lvl7pPr>
+            <a:lvl8pPr marL="3429000" indent="-228600" algn="l" defTabSz="914400" rtl="0" eaLnBrk="1" latinLnBrk="0" hangingPunct="1">
+              <a:lnSpc>
+                <a:spcPct val="90000"/>
+              </a:lnSpc>
+              <a:spcBef>
+                <a:spcPts val="500"/>
+              </a:spcBef>
+              <a:buFont typeface="Arial" panose="020B0604020202020204" pitchFamily="34" charset="0"/>
+              <a:buChar char="•"/>
+              <a:defRPr sz="1800" kern="1200">
+                <a:solidFill>
+                  <a:schemeClr val="tx1"/>
+                </a:solidFill>
+                <a:latin typeface="+mn-lt"/>
+                <a:ea typeface="+mn-ea"/>
+                <a:cs typeface="+mn-cs"/>
+              </a:defRPr>
+            </a:lvl8pPr>
+            <a:lvl9pPr marL="3886200" indent="-228600" algn="l" defTabSz="914400" rtl="0" eaLnBrk="1" latinLnBrk="0" hangingPunct="1">
+              <a:lnSpc>
+                <a:spcPct val="90000"/>
+              </a:lnSpc>
+              <a:spcBef>
+                <a:spcPts val="500"/>
+              </a:spcBef>
+              <a:buFont typeface="Arial" panose="020B0604020202020204" pitchFamily="34" charset="0"/>
+              <a:buChar char="•"/>
+              <a:defRPr sz="1800" kern="1200">
+                <a:solidFill>
+                  <a:schemeClr val="tx1"/>
+                </a:solidFill>
+                <a:latin typeface="+mn-lt"/>
+                <a:ea typeface="+mn-ea"/>
+                <a:cs typeface="+mn-cs"/>
+              </a:defRPr>
+            </a:lvl9pPr>
+          </a:lstStyle>
+          <a:p>
+            <a:pPr marL="0" indent="0" eaLnBrk="0" fontAlgn="base" hangingPunct="0">
+              <a:lnSpc>
+                <a:spcPct val="100000"/>
+              </a:lnSpc>
+              <a:spcBef>
+                <a:spcPct val="0"/>
+              </a:spcBef>
+              <a:spcAft>
+                <a:spcPct val="0"/>
+              </a:spcAft>
+              <a:buFont typeface="Arial" panose="020B0604020202020204" pitchFamily="34" charset="0"/>
+              <a:buNone/>
+            </a:pPr>
+            <a:r>
+              <a:rPr lang="it-IT" altLang="it-IT" dirty="0" err="1" smtClean="0">
+                <a:solidFill>
+                  <a:srgbClr val="02523F"/>
+                </a:solidFill>
+                <a:latin typeface="Arial Unicode MS"/>
+              </a:rPr>
+              <a:t>Bad</a:t>
+            </a:r>
+            <a:r>
+              <a:rPr lang="it-IT" altLang="it-IT" dirty="0" smtClean="0">
+                <a:solidFill>
+                  <a:srgbClr val="02523F"/>
+                </a:solidFill>
+                <a:latin typeface="Arial Unicode MS"/>
+              </a:rPr>
+              <a:t> </a:t>
+            </a:r>
+            <a:r>
+              <a:rPr lang="it-IT" altLang="it-IT" dirty="0" err="1" smtClean="0">
+                <a:solidFill>
+                  <a:srgbClr val="02523F"/>
+                </a:solidFill>
+                <a:latin typeface="Arial Unicode MS"/>
+              </a:rPr>
+              <a:t>Request</a:t>
+            </a:r>
+            <a:r>
+              <a:rPr lang="it-IT" altLang="it-IT" dirty="0" smtClean="0">
+                <a:solidFill>
+                  <a:srgbClr val="02523F"/>
+                </a:solidFill>
+                <a:latin typeface="Arial Unicode MS"/>
+              </a:rPr>
+              <a:t> </a:t>
+            </a:r>
+            <a:r>
+              <a:rPr lang="it-IT" altLang="it-IT" dirty="0" err="1" smtClean="0">
+                <a:solidFill>
+                  <a:srgbClr val="02523F"/>
+                </a:solidFill>
+                <a:latin typeface="Arial Unicode MS"/>
+              </a:rPr>
+              <a:t>Response</a:t>
+            </a:r>
+            <a:endParaRPr lang="it-IT" altLang="it-IT" dirty="0" smtClean="0">
+              <a:solidFill>
+                <a:srgbClr val="02523F"/>
+              </a:solidFill>
+              <a:latin typeface="Arial Unicode MS"/>
+            </a:endParaRPr>
+          </a:p>
+          <a:p>
+            <a:pPr marL="0" indent="0" eaLnBrk="0" fontAlgn="base" hangingPunct="0">
+              <a:lnSpc>
+                <a:spcPct val="100000"/>
+              </a:lnSpc>
+              <a:spcBef>
+                <a:spcPct val="0"/>
+              </a:spcBef>
+              <a:spcAft>
+                <a:spcPct val="0"/>
+              </a:spcAft>
+              <a:buFont typeface="Arial" panose="020B0604020202020204" pitchFamily="34" charset="0"/>
+              <a:buNone/>
+            </a:pPr>
+            <a:endParaRPr lang="it-IT" altLang="it-IT" dirty="0" smtClean="0">
+              <a:solidFill>
+                <a:srgbClr val="02523F"/>
+              </a:solidFill>
+              <a:latin typeface="Arial Unicode MS"/>
+            </a:endParaRPr>
+          </a:p>
+          <a:p>
+            <a:pPr marL="0" indent="0" eaLnBrk="0" fontAlgn="base" hangingPunct="0">
+              <a:lnSpc>
+                <a:spcPct val="100000"/>
+              </a:lnSpc>
+              <a:spcBef>
+                <a:spcPct val="0"/>
+              </a:spcBef>
+              <a:spcAft>
+                <a:spcPct val="0"/>
+              </a:spcAft>
+              <a:buNone/>
+            </a:pPr>
+            <a:r>
+              <a:rPr lang="it-IT" sz="1800" dirty="0">
+                <a:solidFill>
+                  <a:schemeClr val="bg1"/>
+                </a:solidFill>
+                <a:latin typeface="Consolas" panose="020B0609020204030204" pitchFamily="49" charset="0"/>
+              </a:rPr>
+              <a:t>HTTP/1.0 </a:t>
+            </a:r>
+            <a:r>
+              <a:rPr lang="it-IT" sz="1800" dirty="0" smtClean="0">
+                <a:solidFill>
+                  <a:schemeClr val="bg1"/>
+                </a:solidFill>
+                <a:latin typeface="Consolas" panose="020B0609020204030204" pitchFamily="49" charset="0"/>
+              </a:rPr>
+              <a:t>400 BAD REQUEST</a:t>
+            </a:r>
+          </a:p>
+          <a:p>
+            <a:pPr marL="0" indent="0" eaLnBrk="0" fontAlgn="base" hangingPunct="0">
+              <a:lnSpc>
+                <a:spcPct val="100000"/>
+              </a:lnSpc>
+              <a:spcBef>
+                <a:spcPct val="0"/>
+              </a:spcBef>
+              <a:spcAft>
+                <a:spcPct val="0"/>
+              </a:spcAft>
+              <a:buNone/>
+            </a:pPr>
+            <a:r>
+              <a:rPr lang="it-IT" sz="1800" dirty="0">
+                <a:solidFill>
+                  <a:schemeClr val="bg1"/>
+                </a:solidFill>
+                <a:latin typeface="Consolas" panose="020B0609020204030204" pitchFamily="49" charset="0"/>
+              </a:rPr>
+              <a:t>X-Powered-By: </a:t>
+            </a:r>
+            <a:r>
+              <a:rPr lang="it-IT" sz="1800" dirty="0" smtClean="0">
+                <a:solidFill>
+                  <a:schemeClr val="bg1"/>
+                </a:solidFill>
+                <a:latin typeface="Consolas" panose="020B0609020204030204" pitchFamily="49" charset="0"/>
+              </a:rPr>
+              <a:t>Express</a:t>
+            </a:r>
+          </a:p>
+          <a:p>
+            <a:pPr marL="0" indent="0" eaLnBrk="0" fontAlgn="base" hangingPunct="0">
+              <a:lnSpc>
+                <a:spcPct val="100000"/>
+              </a:lnSpc>
+              <a:spcBef>
+                <a:spcPct val="0"/>
+              </a:spcBef>
+              <a:spcAft>
+                <a:spcPct val="0"/>
+              </a:spcAft>
+              <a:buNone/>
+            </a:pPr>
+            <a:r>
+              <a:rPr lang="it-IT" sz="1800" dirty="0" err="1" smtClean="0">
+                <a:solidFill>
+                  <a:schemeClr val="bg1"/>
+                </a:solidFill>
+                <a:latin typeface="Consolas" panose="020B0609020204030204" pitchFamily="49" charset="0"/>
+              </a:rPr>
+              <a:t>content-type</a:t>
+            </a:r>
+            <a:r>
+              <a:rPr lang="it-IT" sz="1800" dirty="0">
+                <a:solidFill>
+                  <a:schemeClr val="bg1"/>
+                </a:solidFill>
+                <a:latin typeface="Consolas" panose="020B0609020204030204" pitchFamily="49" charset="0"/>
+              </a:rPr>
+              <a:t>: </a:t>
+            </a:r>
+            <a:r>
+              <a:rPr lang="it-IT" sz="1800" dirty="0" err="1" smtClean="0">
+                <a:solidFill>
+                  <a:schemeClr val="bg1"/>
+                </a:solidFill>
+                <a:latin typeface="Consolas" panose="020B0609020204030204" pitchFamily="49" charset="0"/>
+              </a:rPr>
+              <a:t>application</a:t>
+            </a:r>
+            <a:r>
+              <a:rPr lang="it-IT" sz="1800" dirty="0" smtClean="0">
+                <a:solidFill>
+                  <a:schemeClr val="bg1"/>
+                </a:solidFill>
+                <a:latin typeface="Consolas" panose="020B0609020204030204" pitchFamily="49" charset="0"/>
+              </a:rPr>
+              <a:t>/</a:t>
+            </a:r>
+            <a:r>
+              <a:rPr lang="it-IT" sz="1800" dirty="0" err="1" smtClean="0">
+                <a:solidFill>
+                  <a:schemeClr val="bg1"/>
+                </a:solidFill>
+                <a:latin typeface="Consolas" panose="020B0609020204030204" pitchFamily="49" charset="0"/>
+              </a:rPr>
+              <a:t>json</a:t>
+            </a:r>
+            <a:r>
+              <a:rPr lang="it-IT" sz="1800" dirty="0" smtClean="0">
+                <a:solidFill>
+                  <a:schemeClr val="bg1"/>
+                </a:solidFill>
+                <a:latin typeface="Consolas" panose="020B0609020204030204" pitchFamily="49" charset="0"/>
+              </a:rPr>
+              <a:t>; </a:t>
+            </a:r>
+            <a:r>
+              <a:rPr lang="it-IT" sz="1800" dirty="0" err="1" smtClean="0">
+                <a:solidFill>
+                  <a:schemeClr val="bg1"/>
+                </a:solidFill>
+                <a:latin typeface="Consolas" panose="020B0609020204030204" pitchFamily="49" charset="0"/>
+              </a:rPr>
+              <a:t>charset</a:t>
+            </a:r>
+            <a:r>
+              <a:rPr lang="it-IT" sz="1800" dirty="0" smtClean="0">
+                <a:solidFill>
+                  <a:schemeClr val="bg1"/>
+                </a:solidFill>
+                <a:latin typeface="Consolas" panose="020B0609020204030204" pitchFamily="49" charset="0"/>
+              </a:rPr>
+              <a:t>=utf-8</a:t>
+            </a:r>
+          </a:p>
+          <a:p>
+            <a:pPr marL="0" indent="0" eaLnBrk="0" fontAlgn="base" hangingPunct="0">
+              <a:lnSpc>
+                <a:spcPct val="100000"/>
+              </a:lnSpc>
+              <a:spcBef>
+                <a:spcPct val="0"/>
+              </a:spcBef>
+              <a:spcAft>
+                <a:spcPct val="0"/>
+              </a:spcAft>
+              <a:buNone/>
+            </a:pPr>
+            <a:r>
+              <a:rPr lang="it-IT" sz="1800" dirty="0" err="1" smtClean="0">
+                <a:solidFill>
+                  <a:schemeClr val="bg1"/>
+                </a:solidFill>
+                <a:latin typeface="Consolas" panose="020B0609020204030204" pitchFamily="49" charset="0"/>
+              </a:rPr>
+              <a:t>content-Length</a:t>
+            </a:r>
+            <a:r>
+              <a:rPr lang="it-IT" sz="1800" dirty="0">
+                <a:solidFill>
+                  <a:schemeClr val="bg1"/>
+                </a:solidFill>
+                <a:latin typeface="Consolas" panose="020B0609020204030204" pitchFamily="49" charset="0"/>
+              </a:rPr>
+              <a:t>: </a:t>
+            </a:r>
+            <a:r>
+              <a:rPr lang="it-IT" sz="1800" dirty="0" smtClean="0">
+                <a:solidFill>
+                  <a:schemeClr val="bg1"/>
+                </a:solidFill>
+                <a:latin typeface="Consolas" panose="020B0609020204030204" pitchFamily="49" charset="0"/>
+              </a:rPr>
+              <a:t>41</a:t>
+            </a:r>
+          </a:p>
+          <a:p>
+            <a:pPr marL="0" indent="0" eaLnBrk="0" fontAlgn="base" hangingPunct="0">
+              <a:lnSpc>
+                <a:spcPct val="100000"/>
+              </a:lnSpc>
+              <a:spcBef>
+                <a:spcPct val="0"/>
+              </a:spcBef>
+              <a:spcAft>
+                <a:spcPct val="0"/>
+              </a:spcAft>
+              <a:buNone/>
+            </a:pPr>
+            <a:r>
+              <a:rPr lang="it-IT" sz="1800" dirty="0">
+                <a:solidFill>
+                  <a:schemeClr val="bg1"/>
+                </a:solidFill>
+                <a:latin typeface="Consolas" panose="020B0609020204030204" pitchFamily="49" charset="0"/>
+              </a:rPr>
+              <a:t>d</a:t>
+            </a:r>
+            <a:r>
+              <a:rPr lang="it-IT" sz="1800" dirty="0" smtClean="0">
+                <a:solidFill>
+                  <a:schemeClr val="bg1"/>
+                </a:solidFill>
+                <a:latin typeface="Consolas" panose="020B0609020204030204" pitchFamily="49" charset="0"/>
+              </a:rPr>
+              <a:t>ate</a:t>
+            </a:r>
+            <a:r>
+              <a:rPr lang="it-IT" sz="1800" dirty="0">
+                <a:solidFill>
+                  <a:schemeClr val="bg1"/>
+                </a:solidFill>
+                <a:latin typeface="Consolas" panose="020B0609020204030204" pitchFamily="49" charset="0"/>
+              </a:rPr>
+              <a:t>: </a:t>
+            </a:r>
+            <a:r>
+              <a:rPr lang="en-US" sz="1900" dirty="0">
+                <a:solidFill>
+                  <a:schemeClr val="bg1"/>
+                </a:solidFill>
+                <a:latin typeface="Consolas" panose="020B0609020204030204" pitchFamily="49" charset="0"/>
+              </a:rPr>
+              <a:t>Wed, 15 Jun 2016 07:42:51 </a:t>
+            </a:r>
+            <a:r>
+              <a:rPr lang="en-US" sz="1900" dirty="0" smtClean="0">
+                <a:solidFill>
+                  <a:schemeClr val="bg1"/>
+                </a:solidFill>
+                <a:latin typeface="Consolas" panose="020B0609020204030204" pitchFamily="49" charset="0"/>
+              </a:rPr>
+              <a:t>GMT</a:t>
+            </a:r>
+          </a:p>
+          <a:p>
+            <a:pPr marL="0" indent="0" eaLnBrk="0" fontAlgn="base" hangingPunct="0">
+              <a:lnSpc>
+                <a:spcPct val="100000"/>
+              </a:lnSpc>
+              <a:spcBef>
+                <a:spcPct val="0"/>
+              </a:spcBef>
+              <a:spcAft>
+                <a:spcPct val="0"/>
+              </a:spcAft>
+              <a:buNone/>
+            </a:pPr>
+            <a:r>
+              <a:rPr lang="it-IT" sz="1800" dirty="0" smtClean="0">
+                <a:solidFill>
+                  <a:schemeClr val="bg1"/>
+                </a:solidFill>
+                <a:latin typeface="Consolas" panose="020B0609020204030204" pitchFamily="49" charset="0"/>
+              </a:rPr>
+              <a:t>connection</a:t>
+            </a:r>
+            <a:r>
+              <a:rPr lang="it-IT" sz="1800" dirty="0">
+                <a:solidFill>
+                  <a:schemeClr val="bg1"/>
+                </a:solidFill>
+                <a:latin typeface="Consolas" panose="020B0609020204030204" pitchFamily="49" charset="0"/>
+              </a:rPr>
+              <a:t>: </a:t>
+            </a:r>
+            <a:r>
+              <a:rPr lang="it-IT" sz="1800" dirty="0" err="1" smtClean="0">
+                <a:solidFill>
+                  <a:schemeClr val="bg1"/>
+                </a:solidFill>
+                <a:latin typeface="Consolas" panose="020B0609020204030204" pitchFamily="49" charset="0"/>
+              </a:rPr>
+              <a:t>keep-alive</a:t>
+            </a:r>
+            <a:endParaRPr lang="it-IT" sz="1800" dirty="0" smtClean="0">
+              <a:solidFill>
+                <a:schemeClr val="bg1"/>
+              </a:solidFill>
+              <a:latin typeface="Consolas" panose="020B0609020204030204" pitchFamily="49" charset="0"/>
+            </a:endParaRPr>
+          </a:p>
+          <a:p>
+            <a:pPr marL="0" indent="0" eaLnBrk="0" fontAlgn="base" hangingPunct="0">
+              <a:lnSpc>
+                <a:spcPct val="100000"/>
+              </a:lnSpc>
+              <a:spcBef>
+                <a:spcPct val="0"/>
+              </a:spcBef>
+              <a:spcAft>
+                <a:spcPct val="0"/>
+              </a:spcAft>
+              <a:buNone/>
+            </a:pPr>
+            <a:endParaRPr lang="it-IT" altLang="it-IT" sz="1800" dirty="0">
+              <a:solidFill>
+                <a:schemeClr val="bg1"/>
+              </a:solidFill>
+              <a:latin typeface="Consolas" panose="020B0609020204030204" pitchFamily="49" charset="0"/>
+            </a:endParaRPr>
+          </a:p>
+          <a:p>
+            <a:pPr marL="0" indent="0">
+              <a:buNone/>
+            </a:pPr>
+            <a:r>
+              <a:rPr lang="da-DK" sz="1800" dirty="0" smtClean="0">
+                <a:solidFill>
+                  <a:schemeClr val="bg1"/>
+                </a:solidFill>
+                <a:latin typeface="Consolas" panose="020B0609020204030204" pitchFamily="49" charset="0"/>
+              </a:rPr>
+              <a:t>{</a:t>
+            </a:r>
+          </a:p>
+          <a:p>
+            <a:pPr marL="0" indent="0">
+              <a:buNone/>
+            </a:pPr>
+            <a:r>
+              <a:rPr lang="da-DK" sz="1800" dirty="0">
+                <a:solidFill>
+                  <a:schemeClr val="bg1"/>
+                </a:solidFill>
+                <a:latin typeface="Consolas" panose="020B0609020204030204" pitchFamily="49" charset="0"/>
+              </a:rPr>
+              <a:t> </a:t>
+            </a:r>
+            <a:r>
+              <a:rPr lang="da-DK" sz="1800" dirty="0" smtClean="0">
+                <a:solidFill>
+                  <a:schemeClr val="bg1"/>
+                </a:solidFill>
+                <a:latin typeface="Consolas" panose="020B0609020204030204" pitchFamily="49" charset="0"/>
+              </a:rPr>
+              <a:t>   "</a:t>
+            </a:r>
+            <a:r>
+              <a:rPr lang="da-DK" sz="1800" dirty="0">
+                <a:solidFill>
+                  <a:schemeClr val="bg1"/>
+                </a:solidFill>
+                <a:latin typeface="Consolas" panose="020B0609020204030204" pitchFamily="49" charset="0"/>
+              </a:rPr>
+              <a:t>error</a:t>
+            </a:r>
+            <a:r>
+              <a:rPr lang="da-DK" sz="1800" dirty="0" smtClean="0">
+                <a:solidFill>
+                  <a:schemeClr val="bg1"/>
+                </a:solidFill>
+                <a:latin typeface="Consolas" panose="020B0609020204030204" pitchFamily="49" charset="0"/>
+              </a:rPr>
+              <a:t>": true,</a:t>
+            </a:r>
+          </a:p>
+          <a:p>
+            <a:pPr marL="0" indent="0">
+              <a:buNone/>
+            </a:pPr>
+            <a:r>
+              <a:rPr lang="da-DK" sz="1800" dirty="0" smtClean="0">
+                <a:solidFill>
+                  <a:schemeClr val="bg1"/>
+                </a:solidFill>
+                <a:latin typeface="Consolas" panose="020B0609020204030204" pitchFamily="49" charset="0"/>
+              </a:rPr>
+              <a:t>    "</a:t>
+            </a:r>
+            <a:r>
+              <a:rPr lang="da-DK" sz="1800" dirty="0">
+                <a:solidFill>
+                  <a:schemeClr val="bg1"/>
+                </a:solidFill>
+                <a:latin typeface="Consolas" panose="020B0609020204030204" pitchFamily="49" charset="0"/>
+              </a:rPr>
+              <a:t>code</a:t>
+            </a:r>
+            <a:r>
+              <a:rPr lang="da-DK" sz="1800" dirty="0" smtClean="0">
+                <a:solidFill>
+                  <a:schemeClr val="bg1"/>
+                </a:solidFill>
+                <a:latin typeface="Consolas" panose="020B0609020204030204" pitchFamily="49" charset="0"/>
+              </a:rPr>
+              <a:t>": 400,</a:t>
+            </a:r>
+          </a:p>
+          <a:p>
+            <a:pPr marL="0" indent="0">
+              <a:buNone/>
+            </a:pPr>
+            <a:r>
+              <a:rPr lang="da-DK" sz="1800" dirty="0">
+                <a:solidFill>
+                  <a:schemeClr val="bg1"/>
+                </a:solidFill>
+                <a:latin typeface="Consolas" panose="020B0609020204030204" pitchFamily="49" charset="0"/>
+              </a:rPr>
+              <a:t> </a:t>
+            </a:r>
+            <a:r>
+              <a:rPr lang="da-DK" sz="1800" dirty="0" smtClean="0">
+                <a:solidFill>
+                  <a:schemeClr val="bg1"/>
+                </a:solidFill>
+                <a:latin typeface="Consolas" panose="020B0609020204030204" pitchFamily="49" charset="0"/>
+              </a:rPr>
+              <a:t>   "</a:t>
+            </a:r>
+            <a:r>
+              <a:rPr lang="da-DK" sz="1800" dirty="0">
+                <a:solidFill>
+                  <a:schemeClr val="bg1"/>
+                </a:solidFill>
+                <a:latin typeface="Consolas" panose="020B0609020204030204" pitchFamily="49" charset="0"/>
+              </a:rPr>
+              <a:t>message</a:t>
+            </a:r>
+            <a:r>
+              <a:rPr lang="da-DK" sz="1800" dirty="0" smtClean="0">
+                <a:solidFill>
+                  <a:schemeClr val="bg1"/>
+                </a:solidFill>
+                <a:latin typeface="Consolas" panose="020B0609020204030204" pitchFamily="49" charset="0"/>
+              </a:rPr>
+              <a:t>": "</a:t>
+            </a:r>
+            <a:r>
+              <a:rPr lang="da-DK" sz="1800" dirty="0">
+                <a:solidFill>
+                  <a:schemeClr val="bg1"/>
+                </a:solidFill>
+                <a:latin typeface="Consolas" panose="020B0609020204030204" pitchFamily="49" charset="0"/>
+              </a:rPr>
+              <a:t>MISSING </a:t>
+            </a:r>
+            <a:r>
+              <a:rPr lang="da-DK" sz="1800" dirty="0" smtClean="0">
+                <a:solidFill>
+                  <a:schemeClr val="bg1"/>
+                </a:solidFill>
+                <a:latin typeface="Consolas" panose="020B0609020204030204" pitchFamily="49" charset="0"/>
+              </a:rPr>
+              <a:t>PARAMETERS”</a:t>
+            </a:r>
+          </a:p>
+          <a:p>
+            <a:pPr marL="0" indent="0">
+              <a:buNone/>
+            </a:pPr>
+            <a:r>
+              <a:rPr lang="da-DK" sz="1800" dirty="0" smtClean="0">
+                <a:solidFill>
+                  <a:schemeClr val="bg1"/>
+                </a:solidFill>
+                <a:latin typeface="Consolas" panose="020B0609020204030204" pitchFamily="49" charset="0"/>
+              </a:rPr>
+              <a:t>}</a:t>
+            </a:r>
+            <a:endParaRPr lang="da-DK" sz="1800" dirty="0">
+              <a:solidFill>
+                <a:schemeClr val="bg1"/>
+              </a:solidFill>
+              <a:latin typeface="Consolas" panose="020B0609020204030204" pitchFamily="49" charset="0"/>
+            </a:endParaRPr>
+          </a:p>
+        </p:txBody>
+      </p:sp>
+    </p:spTree>
+    <p:extLst>
+      <p:ext uri="{BB962C8B-B14F-4D97-AF65-F5344CB8AC3E}">
+        <p14:creationId xmlns:p14="http://schemas.microsoft.com/office/powerpoint/2010/main" val="3052427569"/>
+      </p:ext>
+    </p:extLst>
+  </p:cSld>
+  <p:clrMapOvr>
+    <a:masterClrMapping/>
+  </p:clrMapOvr>
+  <p:timing>
+    <p:tnLst>
+      <p:par>
+        <p:cTn id="1" dur="indefinite" restart="never" nodeType="tmRoot"/>
+      </p:par>
+    </p:tnLst>
+  </p:timing>
+</p:sld>
+</file>
+
+<file path=ppt/slides/slide13.xml><?xml version="1.0" encoding="utf-8"?>
+<p:sld xmlns:a="http://schemas.openxmlformats.org/drawingml/2006/main" xmlns:r="http://schemas.openxmlformats.org/officeDocument/2006/relationships" xmlns:p="http://schemas.openxmlformats.org/presentationml/2006/main">
+  <p:cSld>
+    <p:spTree>
+      <p:nvGrpSpPr>
+        <p:cNvPr id="1" name=""/>
+        <p:cNvGrpSpPr/>
+        <p:nvPr/>
+      </p:nvGrpSpPr>
+      <p:grpSpPr>
+        <a:xfrm>
+          <a:off x="0" y="0"/>
+          <a:ext cx="0" cy="0"/>
+          <a:chOff x="0" y="0"/>
+          <a:chExt cx="0" cy="0"/>
+        </a:xfrm>
+      </p:grpSpPr>
+      <p:sp>
+        <p:nvSpPr>
+          <p:cNvPr id="2" name="Titolo 1"/>
+          <p:cNvSpPr>
+            <a:spLocks noGrp="1"/>
+          </p:cNvSpPr>
+          <p:nvPr>
+            <p:ph type="title"/>
+          </p:nvPr>
+        </p:nvSpPr>
+        <p:spPr/>
+        <p:txBody>
+          <a:bodyPr/>
+          <a:lstStyle/>
+          <a:p>
+            <a:r>
+              <a:rPr lang="it-IT" dirty="0" smtClean="0">
+                <a:solidFill>
+                  <a:schemeClr val="bg1"/>
+                </a:solidFill>
+              </a:rPr>
+              <a:t>REST con HTTP</a:t>
+            </a:r>
+            <a:endParaRPr lang="it-IT" dirty="0">
+              <a:solidFill>
+                <a:schemeClr val="bg1"/>
+              </a:solidFill>
+            </a:endParaRPr>
+          </a:p>
+        </p:txBody>
+      </p:sp>
+      <p:pic>
+        <p:nvPicPr>
+          <p:cNvPr id="4" name="Immagine 3"/>
+          <p:cNvPicPr>
+            <a:picLocks noChangeAspect="1"/>
+          </p:cNvPicPr>
+          <p:nvPr/>
+        </p:nvPicPr>
+        <p:blipFill>
+          <a:blip r:embed="rId2" cstate="print">
+            <a:extLst>
+              <a:ext uri="{28A0092B-C50C-407E-A947-70E740481C1C}">
+                <a14:useLocalDpi xmlns:a14="http://schemas.microsoft.com/office/drawing/2010/main" val="0"/>
+              </a:ext>
+            </a:extLst>
+          </a:blip>
+          <a:stretch>
+            <a:fillRect/>
+          </a:stretch>
+        </p:blipFill>
+        <p:spPr>
+          <a:xfrm>
+            <a:off x="3997535" y="1496884"/>
+            <a:ext cx="2990487" cy="4982084"/>
+          </a:xfrm>
+          <a:prstGeom prst="rect">
+            <a:avLst/>
+          </a:prstGeom>
+        </p:spPr>
+      </p:pic>
+      <p:pic>
+        <p:nvPicPr>
+          <p:cNvPr id="5" name="Immagine 4"/>
+          <p:cNvPicPr>
+            <a:picLocks noChangeAspect="1"/>
+          </p:cNvPicPr>
+          <p:nvPr/>
+        </p:nvPicPr>
+        <p:blipFill>
+          <a:blip r:embed="rId3" cstate="print">
+            <a:extLst>
+              <a:ext uri="{28A0092B-C50C-407E-A947-70E740481C1C}">
+                <a14:useLocalDpi xmlns:a14="http://schemas.microsoft.com/office/drawing/2010/main" val="0"/>
+              </a:ext>
+            </a:extLst>
+          </a:blip>
+          <a:stretch>
+            <a:fillRect/>
+          </a:stretch>
+        </p:blipFill>
+        <p:spPr>
+          <a:xfrm>
+            <a:off x="838200" y="1496884"/>
+            <a:ext cx="2705973" cy="4982084"/>
+          </a:xfrm>
+          <a:prstGeom prst="rect">
+            <a:avLst/>
+          </a:prstGeom>
+        </p:spPr>
+      </p:pic>
+      <p:pic>
+        <p:nvPicPr>
+          <p:cNvPr id="6" name="Immagine 5"/>
+          <p:cNvPicPr>
+            <a:picLocks noChangeAspect="1"/>
+          </p:cNvPicPr>
+          <p:nvPr/>
+        </p:nvPicPr>
+        <p:blipFill>
+          <a:blip r:embed="rId4" cstate="print">
+            <a:extLst>
+              <a:ext uri="{28A0092B-C50C-407E-A947-70E740481C1C}">
+                <a14:useLocalDpi xmlns:a14="http://schemas.microsoft.com/office/drawing/2010/main" val="0"/>
+              </a:ext>
+            </a:extLst>
+          </a:blip>
+          <a:stretch>
+            <a:fillRect/>
+          </a:stretch>
+        </p:blipFill>
+        <p:spPr>
+          <a:xfrm>
+            <a:off x="7441384" y="1500294"/>
+            <a:ext cx="3861962" cy="4978674"/>
+          </a:xfrm>
+          <a:prstGeom prst="rect">
+            <a:avLst/>
+          </a:prstGeom>
+        </p:spPr>
+      </p:pic>
+    </p:spTree>
+    <p:extLst>
+      <p:ext uri="{BB962C8B-B14F-4D97-AF65-F5344CB8AC3E}">
+        <p14:creationId xmlns:p14="http://schemas.microsoft.com/office/powerpoint/2010/main" val="742803725"/>
+      </p:ext>
+    </p:extLst>
+  </p:cSld>
+  <p:clrMapOvr>
+    <a:masterClrMapping/>
+  </p:clrMapOvr>
+</p:sld>
+</file>
+
+<file path=ppt/slides/slide14.xml><?xml version="1.0" encoding="utf-8"?>
+<p:sld xmlns:a="http://schemas.openxmlformats.org/drawingml/2006/main" xmlns:r="http://schemas.openxmlformats.org/officeDocument/2006/relationships" xmlns:p="http://schemas.openxmlformats.org/presentationml/2006/main">
+  <p:cSld>
+    <p:spTree>
+      <p:nvGrpSpPr>
+        <p:cNvPr id="1" name=""/>
+        <p:cNvGrpSpPr/>
+        <p:nvPr/>
+      </p:nvGrpSpPr>
+      <p:grpSpPr>
+        <a:xfrm>
+          <a:off x="0" y="0"/>
+          <a:ext cx="0" cy="0"/>
+          <a:chOff x="0" y="0"/>
+          <a:chExt cx="0" cy="0"/>
+        </a:xfrm>
+      </p:grpSpPr>
+      <p:sp>
+        <p:nvSpPr>
+          <p:cNvPr id="2" name="Titolo 1"/>
+          <p:cNvSpPr>
+            <a:spLocks noGrp="1"/>
+          </p:cNvSpPr>
+          <p:nvPr>
+            <p:ph type="title"/>
+          </p:nvPr>
+        </p:nvSpPr>
+        <p:spPr/>
+        <p:txBody>
+          <a:bodyPr/>
+          <a:lstStyle/>
+          <a:p>
+            <a:r>
+              <a:rPr lang="it-IT" dirty="0" smtClean="0">
+                <a:solidFill>
+                  <a:schemeClr val="bg1"/>
+                </a:solidFill>
+              </a:rPr>
+              <a:t>Autenticazione REST con HTTP</a:t>
+            </a:r>
+            <a:endParaRPr lang="it-IT" dirty="0">
+              <a:solidFill>
+                <a:schemeClr val="bg1"/>
+              </a:solidFill>
+            </a:endParaRPr>
+          </a:p>
+        </p:txBody>
+      </p:sp>
+      <p:sp>
+        <p:nvSpPr>
+          <p:cNvPr id="3" name="Segnaposto contenuto 2"/>
+          <p:cNvSpPr>
+            <a:spLocks noGrp="1"/>
+          </p:cNvSpPr>
+          <p:nvPr>
+            <p:ph idx="1"/>
+          </p:nvPr>
+        </p:nvSpPr>
+        <p:spPr/>
+        <p:txBody>
+          <a:bodyPr/>
+          <a:lstStyle/>
+          <a:p>
+            <a:r>
+              <a:rPr lang="it-IT" dirty="0" smtClean="0">
+                <a:solidFill>
+                  <a:schemeClr val="bg1"/>
+                </a:solidFill>
+              </a:rPr>
+              <a:t>Basic</a:t>
+            </a:r>
+          </a:p>
+          <a:p>
+            <a:r>
+              <a:rPr lang="it-IT" dirty="0" smtClean="0">
+                <a:solidFill>
+                  <a:schemeClr val="bg1"/>
+                </a:solidFill>
+              </a:rPr>
+              <a:t>HMAC</a:t>
+            </a:r>
+          </a:p>
+          <a:p>
+            <a:r>
+              <a:rPr lang="it-IT" dirty="0" smtClean="0">
+                <a:solidFill>
+                  <a:schemeClr val="bg1"/>
+                </a:solidFill>
+              </a:rPr>
+              <a:t>API </a:t>
+            </a:r>
+            <a:r>
+              <a:rPr lang="it-IT" dirty="0" err="1" smtClean="0">
+                <a:solidFill>
+                  <a:schemeClr val="bg1"/>
+                </a:solidFill>
+              </a:rPr>
+              <a:t>Key</a:t>
+            </a:r>
+            <a:endParaRPr lang="it-IT" dirty="0">
+              <a:solidFill>
+                <a:schemeClr val="bg1"/>
+              </a:solidFill>
+            </a:endParaRPr>
+          </a:p>
+        </p:txBody>
+      </p:sp>
+    </p:spTree>
+    <p:extLst>
+      <p:ext uri="{BB962C8B-B14F-4D97-AF65-F5344CB8AC3E}">
+        <p14:creationId xmlns:p14="http://schemas.microsoft.com/office/powerpoint/2010/main" val="4064640369"/>
+      </p:ext>
+    </p:extLst>
+  </p:cSld>
+  <p:clrMapOvr>
+    <a:masterClrMapping/>
+  </p:clrMapOvr>
+</p:sld>
+</file>
+
+<file path=ppt/slides/slide15.xml><?xml version="1.0" encoding="utf-8"?>
+<p:sld xmlns:a="http://schemas.openxmlformats.org/drawingml/2006/main" xmlns:r="http://schemas.openxmlformats.org/officeDocument/2006/relationships" xmlns:p="http://schemas.openxmlformats.org/presentationml/2006/main">
+  <p:cSld>
+    <p:spTree>
+      <p:nvGrpSpPr>
+        <p:cNvPr id="1" name=""/>
+        <p:cNvGrpSpPr/>
+        <p:nvPr/>
+      </p:nvGrpSpPr>
+      <p:grpSpPr>
+        <a:xfrm>
+          <a:off x="0" y="0"/>
+          <a:ext cx="0" cy="0"/>
+          <a:chOff x="0" y="0"/>
+          <a:chExt cx="0" cy="0"/>
+        </a:xfrm>
+      </p:grpSpPr>
+      <p:sp>
+        <p:nvSpPr>
+          <p:cNvPr id="2" name="Titolo 1"/>
+          <p:cNvSpPr>
+            <a:spLocks noGrp="1"/>
+          </p:cNvSpPr>
+          <p:nvPr>
+            <p:ph type="title"/>
+          </p:nvPr>
+        </p:nvSpPr>
+        <p:spPr/>
+        <p:txBody>
+          <a:bodyPr/>
+          <a:lstStyle/>
+          <a:p>
+            <a:r>
+              <a:rPr lang="it-IT" dirty="0" err="1" smtClean="0">
+                <a:solidFill>
+                  <a:schemeClr val="bg1"/>
+                </a:solidFill>
+              </a:rPr>
+              <a:t>Auth</a:t>
+            </a:r>
+            <a:r>
+              <a:rPr lang="it-IT" dirty="0" smtClean="0">
+                <a:solidFill>
+                  <a:schemeClr val="bg1"/>
+                </a:solidFill>
+              </a:rPr>
+              <a:t> REST con HTTP: </a:t>
+            </a:r>
+            <a:r>
+              <a:rPr lang="it-IT" dirty="0" smtClean="0">
+                <a:solidFill>
+                  <a:srgbClr val="02523F"/>
+                </a:solidFill>
+              </a:rPr>
+              <a:t>Basic</a:t>
+            </a:r>
+            <a:endParaRPr lang="it-IT" dirty="0">
+              <a:solidFill>
+                <a:srgbClr val="02523F"/>
+              </a:solidFill>
+            </a:endParaRPr>
+          </a:p>
+        </p:txBody>
+      </p:sp>
+      <p:sp>
+        <p:nvSpPr>
+          <p:cNvPr id="3" name="Segnaposto contenuto 2"/>
+          <p:cNvSpPr>
+            <a:spLocks noGrp="1"/>
+          </p:cNvSpPr>
+          <p:nvPr>
+            <p:ph idx="1"/>
+          </p:nvPr>
+        </p:nvSpPr>
+        <p:spPr/>
+        <p:txBody>
+          <a:bodyPr/>
+          <a:lstStyle/>
+          <a:p>
+            <a:pPr marL="0" indent="0">
+              <a:buNone/>
+            </a:pPr>
+            <a:r>
+              <a:rPr lang="it-IT" dirty="0" smtClean="0">
+                <a:solidFill>
+                  <a:schemeClr val="bg1"/>
+                </a:solidFill>
+              </a:rPr>
+              <a:t>Viene inserito nell’intestazione HTTP </a:t>
+            </a:r>
+            <a:r>
+              <a:rPr lang="it-IT" dirty="0" err="1" smtClean="0">
+                <a:solidFill>
+                  <a:schemeClr val="bg1"/>
+                </a:solidFill>
+              </a:rPr>
+              <a:t>Authorization</a:t>
+            </a:r>
+            <a:r>
+              <a:rPr lang="it-IT" dirty="0" smtClean="0">
+                <a:solidFill>
+                  <a:schemeClr val="bg1"/>
+                </a:solidFill>
+              </a:rPr>
+              <a:t> una stringa contente username e password separati da ‘ : ’ e codificati in base64.</a:t>
+            </a:r>
+          </a:p>
+          <a:p>
+            <a:pPr marL="0" indent="0">
+              <a:buNone/>
+            </a:pPr>
+            <a:r>
+              <a:rPr lang="it-IT" dirty="0" smtClean="0">
+                <a:solidFill>
+                  <a:schemeClr val="bg1"/>
+                </a:solidFill>
+              </a:rPr>
+              <a:t>base64(</a:t>
+            </a:r>
+            <a:r>
+              <a:rPr lang="it-IT" dirty="0" err="1" smtClean="0">
+                <a:solidFill>
+                  <a:schemeClr val="bg1"/>
+                </a:solidFill>
+              </a:rPr>
+              <a:t>username:password</a:t>
+            </a:r>
+            <a:r>
+              <a:rPr lang="it-IT" dirty="0" smtClean="0">
+                <a:solidFill>
+                  <a:schemeClr val="bg1"/>
+                </a:solidFill>
+              </a:rPr>
+              <a:t>)</a:t>
+            </a:r>
+          </a:p>
+          <a:p>
+            <a:pPr marL="0" indent="0">
+              <a:buNone/>
+            </a:pPr>
+            <a:endParaRPr lang="it-IT" dirty="0">
+              <a:solidFill>
+                <a:schemeClr val="bg1"/>
+              </a:solidFill>
+            </a:endParaRPr>
+          </a:p>
+          <a:p>
+            <a:pPr marL="0" lvl="0" indent="0" eaLnBrk="0" fontAlgn="base" hangingPunct="0">
+              <a:lnSpc>
+                <a:spcPct val="100000"/>
+              </a:lnSpc>
+              <a:spcBef>
+                <a:spcPct val="0"/>
+              </a:spcBef>
+              <a:spcAft>
+                <a:spcPct val="0"/>
+              </a:spcAft>
+              <a:buNone/>
+            </a:pPr>
+            <a:r>
+              <a:rPr lang="it-IT" altLang="it-IT" dirty="0" smtClean="0">
+                <a:solidFill>
+                  <a:schemeClr val="bg1"/>
+                </a:solidFill>
+                <a:latin typeface="Consolas" panose="020B0609020204030204" pitchFamily="49" charset="0"/>
+              </a:rPr>
+              <a:t>GET </a:t>
+            </a:r>
+            <a:r>
+              <a:rPr lang="it-IT" altLang="it-IT" dirty="0">
+                <a:solidFill>
+                  <a:schemeClr val="bg1"/>
+                </a:solidFill>
+                <a:latin typeface="Consolas" panose="020B0609020204030204" pitchFamily="49" charset="0"/>
+              </a:rPr>
+              <a:t>/</a:t>
+            </a:r>
+            <a:r>
+              <a:rPr lang="it-IT" altLang="it-IT" dirty="0" err="1">
+                <a:solidFill>
+                  <a:schemeClr val="bg1"/>
+                </a:solidFill>
+                <a:latin typeface="Consolas" panose="020B0609020204030204" pitchFamily="49" charset="0"/>
+              </a:rPr>
+              <a:t>contact</a:t>
+            </a:r>
+            <a:r>
+              <a:rPr lang="it-IT" altLang="it-IT" dirty="0">
+                <a:solidFill>
+                  <a:schemeClr val="bg1"/>
+                </a:solidFill>
+                <a:latin typeface="Consolas" panose="020B0609020204030204" pitchFamily="49" charset="0"/>
+              </a:rPr>
+              <a:t>/carlo HTTP/1.1 </a:t>
+            </a:r>
+          </a:p>
+          <a:p>
+            <a:pPr marL="0" lvl="0" indent="0" eaLnBrk="0" fontAlgn="base" hangingPunct="0">
+              <a:lnSpc>
+                <a:spcPct val="100000"/>
+              </a:lnSpc>
+              <a:spcBef>
+                <a:spcPct val="0"/>
+              </a:spcBef>
+              <a:spcAft>
+                <a:spcPct val="0"/>
+              </a:spcAft>
+              <a:buNone/>
+            </a:pPr>
+            <a:r>
+              <a:rPr lang="it-IT" altLang="it-IT" dirty="0">
+                <a:solidFill>
+                  <a:schemeClr val="bg1"/>
+                </a:solidFill>
+                <a:latin typeface="Consolas" panose="020B0609020204030204" pitchFamily="49" charset="0"/>
+              </a:rPr>
+              <a:t>HOST: localhost:3000 </a:t>
+            </a:r>
+          </a:p>
+          <a:p>
+            <a:pPr marL="0" indent="0" eaLnBrk="0" fontAlgn="base" hangingPunct="0">
+              <a:lnSpc>
+                <a:spcPct val="100000"/>
+              </a:lnSpc>
+              <a:spcBef>
+                <a:spcPct val="0"/>
+              </a:spcBef>
+              <a:spcAft>
+                <a:spcPct val="0"/>
+              </a:spcAft>
+              <a:buNone/>
+            </a:pPr>
+            <a:r>
+              <a:rPr lang="it-IT" altLang="it-IT" dirty="0" err="1">
+                <a:solidFill>
+                  <a:srgbClr val="02523F"/>
+                </a:solidFill>
+                <a:latin typeface="Consolas" panose="020B0609020204030204" pitchFamily="49" charset="0"/>
+              </a:rPr>
+              <a:t>authorization</a:t>
+            </a:r>
+            <a:r>
+              <a:rPr lang="it-IT" altLang="it-IT" dirty="0">
+                <a:solidFill>
+                  <a:srgbClr val="02523F"/>
+                </a:solidFill>
+                <a:latin typeface="Consolas" panose="020B0609020204030204" pitchFamily="49" charset="0"/>
+              </a:rPr>
+              <a:t>: </a:t>
+            </a:r>
+            <a:r>
+              <a:rPr lang="it-IT" altLang="it-IT" dirty="0" err="1">
+                <a:solidFill>
+                  <a:srgbClr val="02523F"/>
+                </a:solidFill>
+                <a:latin typeface="Consolas" panose="020B0609020204030204" pitchFamily="49" charset="0"/>
+              </a:rPr>
+              <a:t>basic</a:t>
+            </a:r>
+            <a:r>
+              <a:rPr lang="it-IT" altLang="it-IT" dirty="0">
+                <a:solidFill>
+                  <a:srgbClr val="02523F"/>
+                </a:solidFill>
+                <a:latin typeface="Consolas" panose="020B0609020204030204" pitchFamily="49" charset="0"/>
+              </a:rPr>
+              <a:t> dmFzc2FsbG9jYXJsbzoxMjM0</a:t>
+            </a:r>
+            <a:endParaRPr lang="it-IT" dirty="0">
+              <a:solidFill>
+                <a:srgbClr val="02523F"/>
+              </a:solidFill>
+              <a:latin typeface="Consolas" panose="020B0609020204030204" pitchFamily="49" charset="0"/>
+            </a:endParaRPr>
+          </a:p>
+        </p:txBody>
+      </p:sp>
+    </p:spTree>
+    <p:extLst>
+      <p:ext uri="{BB962C8B-B14F-4D97-AF65-F5344CB8AC3E}">
+        <p14:creationId xmlns:p14="http://schemas.microsoft.com/office/powerpoint/2010/main" val="398429192"/>
+      </p:ext>
+    </p:extLst>
+  </p:cSld>
+  <p:clrMapOvr>
+    <a:masterClrMapping/>
+  </p:clrMapOvr>
+</p:sld>
+</file>
+
+<file path=ppt/slides/slide16.xml><?xml version="1.0" encoding="utf-8"?>
+<p:sld xmlns:a="http://schemas.openxmlformats.org/drawingml/2006/main" xmlns:r="http://schemas.openxmlformats.org/officeDocument/2006/relationships" xmlns:p="http://schemas.openxmlformats.org/presentationml/2006/main">
+  <p:cSld>
+    <p:spTree>
+      <p:nvGrpSpPr>
+        <p:cNvPr id="1" name=""/>
+        <p:cNvGrpSpPr/>
+        <p:nvPr/>
+      </p:nvGrpSpPr>
+      <p:grpSpPr>
+        <a:xfrm>
+          <a:off x="0" y="0"/>
+          <a:ext cx="0" cy="0"/>
+          <a:chOff x="0" y="0"/>
+          <a:chExt cx="0" cy="0"/>
+        </a:xfrm>
+      </p:grpSpPr>
+      <p:sp>
+        <p:nvSpPr>
+          <p:cNvPr id="2" name="Titolo 1"/>
+          <p:cNvSpPr>
+            <a:spLocks noGrp="1"/>
+          </p:cNvSpPr>
+          <p:nvPr>
+            <p:ph type="title"/>
+          </p:nvPr>
+        </p:nvSpPr>
+        <p:spPr/>
+        <p:txBody>
+          <a:bodyPr/>
+          <a:lstStyle/>
+          <a:p>
+            <a:r>
+              <a:rPr lang="it-IT" dirty="0" err="1" smtClean="0">
+                <a:solidFill>
+                  <a:schemeClr val="bg1"/>
+                </a:solidFill>
+              </a:rPr>
+              <a:t>Auth</a:t>
+            </a:r>
+            <a:r>
+              <a:rPr lang="it-IT" dirty="0" smtClean="0">
+                <a:solidFill>
+                  <a:schemeClr val="bg1"/>
+                </a:solidFill>
+              </a:rPr>
+              <a:t> REST con HTTP: </a:t>
+            </a:r>
+            <a:r>
+              <a:rPr lang="it-IT" dirty="0" smtClean="0">
+                <a:solidFill>
+                  <a:srgbClr val="02523F"/>
+                </a:solidFill>
+              </a:rPr>
+              <a:t>HMAC</a:t>
+            </a:r>
+            <a:endParaRPr lang="it-IT" dirty="0">
+              <a:solidFill>
+                <a:srgbClr val="02523F"/>
+              </a:solidFill>
+            </a:endParaRPr>
+          </a:p>
+        </p:txBody>
+      </p:sp>
+      <p:sp>
+        <p:nvSpPr>
+          <p:cNvPr id="3" name="Segnaposto contenuto 2"/>
+          <p:cNvSpPr>
+            <a:spLocks noGrp="1"/>
+          </p:cNvSpPr>
+          <p:nvPr>
+            <p:ph idx="1"/>
+          </p:nvPr>
+        </p:nvSpPr>
+        <p:spPr>
+          <a:xfrm>
+            <a:off x="838199" y="1825625"/>
+            <a:ext cx="11284445" cy="4351338"/>
+          </a:xfrm>
+        </p:spPr>
+        <p:txBody>
+          <a:bodyPr>
+            <a:normAutofit/>
+          </a:bodyPr>
+          <a:lstStyle/>
+          <a:p>
+            <a:pPr marL="0" indent="0">
+              <a:buNone/>
+            </a:pPr>
+            <a:r>
+              <a:rPr lang="it-IT" dirty="0" smtClean="0">
+                <a:solidFill>
+                  <a:schemeClr val="bg1"/>
+                </a:solidFill>
+              </a:rPr>
+              <a:t>Viene inserito nell’intestazione HTTP </a:t>
+            </a:r>
+            <a:r>
+              <a:rPr lang="it-IT" dirty="0" err="1" smtClean="0">
+                <a:solidFill>
+                  <a:schemeClr val="bg1"/>
+                </a:solidFill>
+              </a:rPr>
+              <a:t>Authorization</a:t>
+            </a:r>
+            <a:r>
+              <a:rPr lang="it-IT" dirty="0" smtClean="0">
+                <a:solidFill>
+                  <a:schemeClr val="bg1"/>
+                </a:solidFill>
+              </a:rPr>
+              <a:t> una stringa contente username e una versione </a:t>
+            </a:r>
+            <a:r>
+              <a:rPr lang="it-IT" dirty="0" err="1" smtClean="0">
+                <a:solidFill>
+                  <a:schemeClr val="bg1"/>
+                </a:solidFill>
+              </a:rPr>
+              <a:t>hashed</a:t>
+            </a:r>
+            <a:r>
+              <a:rPr lang="it-IT" dirty="0" smtClean="0">
+                <a:solidFill>
+                  <a:schemeClr val="bg1"/>
+                </a:solidFill>
+              </a:rPr>
+              <a:t> della password separati da ‘ : ’.</a:t>
+            </a:r>
+          </a:p>
+          <a:p>
+            <a:pPr marL="0" lvl="0" indent="0">
+              <a:buNone/>
+            </a:pPr>
+            <a:r>
+              <a:rPr lang="it-IT" sz="2600" dirty="0" smtClean="0">
+                <a:solidFill>
+                  <a:schemeClr val="bg1"/>
+                </a:solidFill>
+                <a:latin typeface="Calibri (Corpo)"/>
+              </a:rPr>
+              <a:t>base64(</a:t>
+            </a:r>
+            <a:r>
+              <a:rPr lang="it-IT" altLang="it-IT" sz="2600" dirty="0" err="1">
+                <a:solidFill>
+                  <a:srgbClr val="FFFFFF"/>
+                </a:solidFill>
+                <a:latin typeface="Calibri (Corpo)"/>
+              </a:rPr>
+              <a:t>hmac</a:t>
+            </a:r>
+            <a:r>
+              <a:rPr lang="it-IT" altLang="it-IT" sz="2600" dirty="0">
+                <a:solidFill>
+                  <a:srgbClr val="FFFFFF"/>
+                </a:solidFill>
+                <a:latin typeface="Calibri (Corpo)"/>
+              </a:rPr>
+              <a:t>("sha256", </a:t>
+            </a:r>
+            <a:r>
+              <a:rPr lang="it-IT" altLang="it-IT" sz="2600" dirty="0" smtClean="0">
+                <a:solidFill>
+                  <a:srgbClr val="FFFFFF"/>
+                </a:solidFill>
+                <a:latin typeface="Calibri (Corpo)"/>
+              </a:rPr>
+              <a:t>"password", </a:t>
+            </a:r>
+            <a:r>
+              <a:rPr lang="it-IT" altLang="it-IT" sz="2600" dirty="0">
+                <a:solidFill>
+                  <a:srgbClr val="FFFFFF"/>
+                </a:solidFill>
+                <a:latin typeface="Calibri (Corpo)"/>
+              </a:rPr>
+              <a:t>"</a:t>
+            </a:r>
+            <a:r>
+              <a:rPr lang="it-IT" altLang="it-IT" sz="2600" dirty="0" smtClean="0">
+                <a:solidFill>
+                  <a:srgbClr val="FFFFFF"/>
+                </a:solidFill>
+                <a:latin typeface="Calibri (Corpo)"/>
+              </a:rPr>
+              <a:t>GET</a:t>
+            </a:r>
+            <a:r>
+              <a:rPr lang="it-IT" altLang="it-IT" sz="2600" dirty="0" smtClean="0">
+                <a:solidFill>
+                  <a:schemeClr val="bg1"/>
+                </a:solidFill>
+                <a:latin typeface="Arial Unicode MS"/>
+              </a:rPr>
+              <a:t>/</a:t>
+            </a:r>
+            <a:r>
+              <a:rPr lang="it-IT" altLang="it-IT" sz="2600" dirty="0" err="1" smtClean="0">
+                <a:solidFill>
+                  <a:schemeClr val="bg1"/>
+                </a:solidFill>
+                <a:latin typeface="Arial Unicode MS"/>
+              </a:rPr>
+              <a:t>contact</a:t>
+            </a:r>
+            <a:r>
+              <a:rPr lang="it-IT" altLang="it-IT" sz="2600" dirty="0" smtClean="0">
+                <a:solidFill>
+                  <a:schemeClr val="bg1"/>
+                </a:solidFill>
+                <a:latin typeface="Arial Unicode MS"/>
+              </a:rPr>
+              <a:t>/carlo</a:t>
+            </a:r>
+            <a:r>
+              <a:rPr lang="it-IT" altLang="it-IT" sz="2600" dirty="0" smtClean="0">
+                <a:solidFill>
+                  <a:srgbClr val="FFFFFF"/>
+                </a:solidFill>
+                <a:latin typeface="Calibri (Corpo)"/>
+              </a:rPr>
+              <a:t>"))</a:t>
+            </a:r>
+            <a:r>
+              <a:rPr lang="it-IT" altLang="it-IT" sz="2600" dirty="0" smtClean="0">
+                <a:latin typeface="Calibri (Corpo)"/>
+              </a:rPr>
+              <a:t> </a:t>
+            </a:r>
+            <a:endParaRPr lang="it-IT" altLang="it-IT" sz="2600" dirty="0">
+              <a:latin typeface="Calibri (Corpo)"/>
+            </a:endParaRPr>
+          </a:p>
+          <a:p>
+            <a:pPr marL="0" indent="0">
+              <a:buNone/>
+            </a:pPr>
+            <a:endParaRPr lang="it-IT" dirty="0">
+              <a:solidFill>
+                <a:schemeClr val="bg1"/>
+              </a:solidFill>
+            </a:endParaRPr>
+          </a:p>
+          <a:p>
+            <a:pPr marL="0" lvl="0" indent="0" eaLnBrk="0" fontAlgn="base" hangingPunct="0">
+              <a:lnSpc>
+                <a:spcPct val="100000"/>
+              </a:lnSpc>
+              <a:spcBef>
+                <a:spcPct val="0"/>
+              </a:spcBef>
+              <a:spcAft>
+                <a:spcPct val="0"/>
+              </a:spcAft>
+              <a:buNone/>
+            </a:pPr>
+            <a:r>
+              <a:rPr lang="it-IT" altLang="it-IT" dirty="0" smtClean="0">
+                <a:solidFill>
+                  <a:schemeClr val="bg1"/>
+                </a:solidFill>
+                <a:latin typeface="Consolas" panose="020B0609020204030204" pitchFamily="49" charset="0"/>
+              </a:rPr>
+              <a:t>GET </a:t>
+            </a:r>
+            <a:r>
+              <a:rPr lang="it-IT" altLang="it-IT" dirty="0">
+                <a:solidFill>
+                  <a:schemeClr val="bg1"/>
+                </a:solidFill>
+                <a:latin typeface="Consolas" panose="020B0609020204030204" pitchFamily="49" charset="0"/>
+              </a:rPr>
+              <a:t>/</a:t>
+            </a:r>
+            <a:r>
+              <a:rPr lang="it-IT" altLang="it-IT" dirty="0" err="1">
+                <a:solidFill>
+                  <a:schemeClr val="bg1"/>
+                </a:solidFill>
+                <a:latin typeface="Consolas" panose="020B0609020204030204" pitchFamily="49" charset="0"/>
+              </a:rPr>
+              <a:t>contact</a:t>
+            </a:r>
+            <a:r>
+              <a:rPr lang="it-IT" altLang="it-IT" dirty="0">
+                <a:solidFill>
+                  <a:schemeClr val="bg1"/>
+                </a:solidFill>
+                <a:latin typeface="Consolas" panose="020B0609020204030204" pitchFamily="49" charset="0"/>
+              </a:rPr>
+              <a:t>/carlo HTTP/1.1 </a:t>
+            </a:r>
+          </a:p>
+          <a:p>
+            <a:pPr marL="0" lvl="0" indent="0" eaLnBrk="0" fontAlgn="base" hangingPunct="0">
+              <a:lnSpc>
+                <a:spcPct val="100000"/>
+              </a:lnSpc>
+              <a:spcBef>
+                <a:spcPct val="0"/>
+              </a:spcBef>
+              <a:spcAft>
+                <a:spcPct val="0"/>
+              </a:spcAft>
+              <a:buNone/>
+            </a:pPr>
+            <a:r>
+              <a:rPr lang="it-IT" altLang="it-IT" dirty="0">
+                <a:solidFill>
+                  <a:schemeClr val="bg1"/>
+                </a:solidFill>
+                <a:latin typeface="Consolas" panose="020B0609020204030204" pitchFamily="49" charset="0"/>
+              </a:rPr>
+              <a:t>HOST: localhost:3000 </a:t>
+            </a:r>
+          </a:p>
+          <a:p>
+            <a:pPr marL="0" indent="0" eaLnBrk="0" fontAlgn="base" hangingPunct="0">
+              <a:lnSpc>
+                <a:spcPct val="100000"/>
+              </a:lnSpc>
+              <a:spcBef>
+                <a:spcPct val="0"/>
+              </a:spcBef>
+              <a:spcAft>
+                <a:spcPct val="0"/>
+              </a:spcAft>
+              <a:buNone/>
+            </a:pPr>
+            <a:r>
+              <a:rPr lang="it-IT" altLang="it-IT" sz="1800" dirty="0" err="1">
+                <a:solidFill>
+                  <a:srgbClr val="02523F"/>
+                </a:solidFill>
+                <a:latin typeface="Consolas" panose="020B0609020204030204" pitchFamily="49" charset="0"/>
+              </a:rPr>
+              <a:t>authorization</a:t>
+            </a:r>
+            <a:r>
+              <a:rPr lang="it-IT" altLang="it-IT" sz="1800" dirty="0">
+                <a:solidFill>
+                  <a:srgbClr val="02523F"/>
+                </a:solidFill>
+                <a:latin typeface="Consolas" panose="020B0609020204030204" pitchFamily="49" charset="0"/>
+              </a:rPr>
+              <a:t>: </a:t>
+            </a:r>
+            <a:r>
+              <a:rPr lang="it-IT" altLang="it-IT" sz="1800" dirty="0" err="1" smtClean="0">
+                <a:solidFill>
+                  <a:srgbClr val="02523F"/>
+                </a:solidFill>
+                <a:latin typeface="Consolas" panose="020B0609020204030204" pitchFamily="49" charset="0"/>
+              </a:rPr>
+              <a:t>hmac</a:t>
+            </a:r>
+            <a:r>
+              <a:rPr lang="it-IT" altLang="it-IT" sz="1800" dirty="0">
+                <a:solidFill>
+                  <a:srgbClr val="02523F"/>
+                </a:solidFill>
+                <a:latin typeface="Consolas" panose="020B0609020204030204" pitchFamily="49" charset="0"/>
+              </a:rPr>
+              <a:t> </a:t>
+            </a:r>
+            <a:r>
+              <a:rPr lang="it-IT" altLang="it-IT" sz="1800" dirty="0" smtClean="0">
+                <a:solidFill>
+                  <a:srgbClr val="02523F"/>
+                </a:solidFill>
+                <a:latin typeface="Consolas" panose="020B0609020204030204" pitchFamily="49" charset="0"/>
+              </a:rPr>
+              <a:t>username:</a:t>
+            </a:r>
+            <a:r>
+              <a:rPr lang="it-IT" altLang="it-IT" sz="1600" dirty="0" smtClean="0">
+                <a:solidFill>
+                  <a:srgbClr val="02523F"/>
+                </a:solidFill>
+                <a:latin typeface="Consolas" panose="020B0609020204030204" pitchFamily="49" charset="0"/>
+              </a:rPr>
+              <a:t>14b6a8983cd86afea2fdf19d121fce8e7235bb11ed774d7816ba0bc0cbfe093d</a:t>
+            </a:r>
+            <a:endParaRPr lang="it-IT" sz="1600" dirty="0">
+              <a:solidFill>
+                <a:srgbClr val="02523F"/>
+              </a:solidFill>
+              <a:latin typeface="Consolas" panose="020B0609020204030204" pitchFamily="49" charset="0"/>
+            </a:endParaRPr>
+          </a:p>
+        </p:txBody>
+      </p:sp>
+    </p:spTree>
+    <p:extLst>
+      <p:ext uri="{BB962C8B-B14F-4D97-AF65-F5344CB8AC3E}">
+        <p14:creationId xmlns:p14="http://schemas.microsoft.com/office/powerpoint/2010/main" val="3138769354"/>
+      </p:ext>
+    </p:extLst>
+  </p:cSld>
+  <p:clrMapOvr>
+    <a:masterClrMapping/>
+  </p:clrMapOvr>
+</p:sld>
+</file>
+
+<file path=ppt/slides/slide17.xml><?xml version="1.0" encoding="utf-8"?>
+<p:sld xmlns:a="http://schemas.openxmlformats.org/drawingml/2006/main" xmlns:r="http://schemas.openxmlformats.org/officeDocument/2006/relationships" xmlns:p="http://schemas.openxmlformats.org/presentationml/2006/main">
+  <p:cSld>
+    <p:spTree>
+      <p:nvGrpSpPr>
+        <p:cNvPr id="1" name=""/>
+        <p:cNvGrpSpPr/>
+        <p:nvPr/>
+      </p:nvGrpSpPr>
+      <p:grpSpPr>
+        <a:xfrm>
+          <a:off x="0" y="0"/>
+          <a:ext cx="0" cy="0"/>
+          <a:chOff x="0" y="0"/>
+          <a:chExt cx="0" cy="0"/>
+        </a:xfrm>
+      </p:grpSpPr>
+      <p:sp>
+        <p:nvSpPr>
+          <p:cNvPr id="2" name="Titolo 1"/>
+          <p:cNvSpPr>
+            <a:spLocks noGrp="1"/>
+          </p:cNvSpPr>
+          <p:nvPr>
+            <p:ph type="title"/>
+          </p:nvPr>
+        </p:nvSpPr>
+        <p:spPr/>
+        <p:txBody>
+          <a:bodyPr/>
+          <a:lstStyle/>
+          <a:p>
+            <a:r>
+              <a:rPr lang="it-IT" dirty="0" err="1" smtClean="0">
+                <a:solidFill>
+                  <a:schemeClr val="bg1"/>
+                </a:solidFill>
+              </a:rPr>
+              <a:t>Auth</a:t>
+            </a:r>
+            <a:r>
+              <a:rPr lang="it-IT" dirty="0" smtClean="0">
+                <a:solidFill>
+                  <a:schemeClr val="bg1"/>
+                </a:solidFill>
+              </a:rPr>
+              <a:t> REST con HTTP: </a:t>
+            </a:r>
+            <a:r>
+              <a:rPr lang="it-IT" dirty="0" smtClean="0">
+                <a:solidFill>
+                  <a:srgbClr val="02523F"/>
+                </a:solidFill>
+              </a:rPr>
+              <a:t>API </a:t>
+            </a:r>
+            <a:r>
+              <a:rPr lang="it-IT" dirty="0" err="1" smtClean="0">
+                <a:solidFill>
+                  <a:srgbClr val="02523F"/>
+                </a:solidFill>
+              </a:rPr>
+              <a:t>key</a:t>
+            </a:r>
+            <a:endParaRPr lang="it-IT" dirty="0">
+              <a:solidFill>
+                <a:srgbClr val="02523F"/>
+              </a:solidFill>
+            </a:endParaRPr>
+          </a:p>
+        </p:txBody>
+      </p:sp>
+      <p:pic>
+        <p:nvPicPr>
+          <p:cNvPr id="2050" name="Picture 2" descr="Abstract Protocol Flow"/>
+          <p:cNvPicPr>
+            <a:picLocks noChangeAspect="1" noChangeArrowheads="1"/>
+          </p:cNvPicPr>
+          <p:nvPr/>
+        </p:nvPicPr>
+        <p:blipFill rotWithShape="1">
+          <a:blip r:embed="rId2">
+            <a:extLst>
+              <a:ext uri="{28A0092B-C50C-407E-A947-70E740481C1C}">
+                <a14:useLocalDpi xmlns:a14="http://schemas.microsoft.com/office/drawing/2010/main" val="0"/>
+              </a:ext>
+            </a:extLst>
+          </a:blip>
+          <a:srcRect t="8994"/>
+          <a:stretch/>
+        </p:blipFill>
+        <p:spPr bwMode="auto">
+          <a:xfrm>
+            <a:off x="838200" y="1795946"/>
+            <a:ext cx="7090250" cy="4278711"/>
+          </a:xfrm>
+          <a:prstGeom prst="rect">
+            <a:avLst/>
+          </a:prstGeom>
+          <a:noFill/>
+          <a:extLst>
+            <a:ext uri="{909E8E84-426E-40DD-AFC4-6F175D3DCCD1}">
+              <a14:hiddenFill xmlns:a14="http://schemas.microsoft.com/office/drawing/2010/main">
+                <a:solidFill>
+                  <a:srgbClr val="FFFFFF"/>
+                </a:solidFill>
+              </a14:hiddenFill>
+            </a:ext>
+          </a:extLst>
+        </p:spPr>
+      </p:pic>
+    </p:spTree>
+    <p:extLst>
+      <p:ext uri="{BB962C8B-B14F-4D97-AF65-F5344CB8AC3E}">
+        <p14:creationId xmlns:p14="http://schemas.microsoft.com/office/powerpoint/2010/main" val="2423882807"/>
+      </p:ext>
+    </p:extLst>
+  </p:cSld>
+  <p:clrMapOvr>
+    <a:masterClrMapping/>
+  </p:clrMapOvr>
 </p:sld>
 </file>
 
@@ -5546,11 +9544,6 @@
               </a:rPr>
               <a:t>n contatto di una rubrica</a:t>
             </a:r>
-            <a:endParaRPr lang="it-IT" dirty="0" smtClean="0">
-              <a:solidFill>
-                <a:schemeClr val="bg1"/>
-              </a:solidFill>
-            </a:endParaRPr>
           </a:p>
           <a:p>
             <a:pPr lvl="1"/>
@@ -5880,7 +9873,7 @@
                   <a:schemeClr val="bg1"/>
                 </a:solidFill>
               </a:rPr>
-              <a:t> nel contesto del protocollo HTTP che ne rispetta a pieno i </a:t>
+              <a:t> nel contesto del protocollo HTTP che ne rispetta a pieno i principi ed è il protocollo su cui sono realizzati la maggior parte dei servizi di questo genere</a:t>
             </a:r>
             <a:r>
               <a:rPr lang="it-IT" dirty="0" smtClean="0">
@@ -5888,8 +9881,104 @@
                   <a:schemeClr val="bg1"/>
                 </a:solidFill>
               </a:rPr>
-              <a:t>principi ed è il protocollo su cui sono realizzati la maggior parte dei servizi di questo genere.</a:t>
-            </a:r>
+              <a:t>. Es:</a:t>
+            </a:r>
+          </a:p>
+          <a:p>
+            <a:r>
+              <a:rPr lang="it-IT" dirty="0" err="1" smtClean="0">
+                <a:solidFill>
+                  <a:schemeClr val="bg1"/>
+                </a:solidFill>
+              </a:rPr>
+              <a:t>Facebook</a:t>
+            </a:r>
+            <a:r>
+              <a:rPr lang="it-IT" dirty="0" smtClean="0">
+                <a:solidFill>
+                  <a:schemeClr val="bg1"/>
+                </a:solidFill>
+              </a:rPr>
+              <a:t> </a:t>
+            </a:r>
+            <a:r>
+              <a:rPr lang="it-IT" dirty="0" err="1" smtClean="0">
+                <a:solidFill>
+                  <a:schemeClr val="bg1"/>
+                </a:solidFill>
+              </a:rPr>
+              <a:t>Graph</a:t>
+            </a:r>
+            <a:r>
+              <a:rPr lang="it-IT" dirty="0" smtClean="0">
+                <a:solidFill>
+                  <a:schemeClr val="bg1"/>
+                </a:solidFill>
+              </a:rPr>
+              <a:t> API</a:t>
+            </a:r>
+          </a:p>
+          <a:p>
+            <a:r>
+              <a:rPr lang="it-IT" dirty="0" smtClean="0">
+                <a:solidFill>
+                  <a:schemeClr val="bg1"/>
+                </a:solidFill>
+              </a:rPr>
+              <a:t>Google </a:t>
+            </a:r>
+            <a:r>
+              <a:rPr lang="it-IT" dirty="0" err="1" smtClean="0">
+                <a:solidFill>
+                  <a:schemeClr val="bg1"/>
+                </a:solidFill>
+              </a:rPr>
+              <a:t>places</a:t>
+            </a:r>
+            <a:r>
+              <a:rPr lang="it-IT" dirty="0" smtClean="0">
+                <a:solidFill>
+                  <a:schemeClr val="bg1"/>
+                </a:solidFill>
+              </a:rPr>
+              <a:t> </a:t>
+            </a:r>
+            <a:r>
+              <a:rPr lang="it-IT" dirty="0" err="1" smtClean="0">
+                <a:solidFill>
+                  <a:schemeClr val="bg1"/>
+                </a:solidFill>
+              </a:rPr>
+              <a:t>RESTful</a:t>
+            </a:r>
+            <a:r>
+              <a:rPr lang="it-IT" dirty="0" smtClean="0">
+                <a:solidFill>
+                  <a:schemeClr val="bg1"/>
+                </a:solidFill>
+              </a:rPr>
+              <a:t> API</a:t>
+            </a:r>
+          </a:p>
+          <a:p>
+            <a:r>
+              <a:rPr lang="it-IT" dirty="0" err="1" smtClean="0">
+                <a:solidFill>
+                  <a:schemeClr val="bg1"/>
+                </a:solidFill>
+              </a:rPr>
+              <a:t>Telegram</a:t>
+            </a:r>
+            <a:r>
+              <a:rPr lang="it-IT" dirty="0" smtClean="0">
+                <a:solidFill>
+                  <a:schemeClr val="bg1"/>
+                </a:solidFill>
+              </a:rPr>
+              <a:t> Bot API</a:t>
+            </a:r>
+          </a:p>
+          <a:p>
             <a:endParaRPr lang="it-IT" dirty="0" smtClean="0">
               <a:solidFill>
                 <a:schemeClr val="bg1"/>
@@ -6012,6 +10101,90 @@
         <p:txBody>
           <a:bodyPr/>
           <a:lstStyle/>
+          <a:p>
+            <a:pPr marL="0" indent="0">
+              <a:buNone/>
+            </a:pPr>
+            <a:r>
+              <a:rPr lang="it-IT" dirty="0" smtClean="0">
+                <a:solidFill>
+                  <a:schemeClr val="bg1"/>
+                </a:solidFill>
+              </a:rPr>
+              <a:t>Esempio: servizio </a:t>
+            </a:r>
+            <a:r>
+              <a:rPr lang="it-IT" dirty="0">
+                <a:solidFill>
+                  <a:schemeClr val="bg1"/>
+                </a:solidFill>
+              </a:rPr>
+              <a:t>web </a:t>
+            </a:r>
+            <a:r>
+              <a:rPr lang="it-IT" dirty="0" err="1">
+                <a:solidFill>
+                  <a:schemeClr val="bg1"/>
+                </a:solidFill>
+              </a:rPr>
+              <a:t>RESTful</a:t>
+            </a:r>
+            <a:r>
+              <a:rPr lang="it-IT" dirty="0">
+                <a:solidFill>
+                  <a:schemeClr val="bg1"/>
+                </a:solidFill>
+              </a:rPr>
+              <a:t> </a:t>
+            </a:r>
+            <a:r>
+              <a:rPr lang="it-IT" dirty="0" smtClean="0">
+                <a:solidFill>
+                  <a:schemeClr val="bg1"/>
+                </a:solidFill>
+              </a:rPr>
+              <a:t>per la memorizzazione dei contatti di una rubrica, realizzato con </a:t>
+            </a:r>
+            <a:r>
+              <a:rPr lang="it-IT" dirty="0" err="1" smtClean="0">
+                <a:solidFill>
+                  <a:schemeClr val="bg1"/>
+                </a:solidFill>
+              </a:rPr>
+              <a:t>NodeJs</a:t>
+            </a:r>
+            <a:r>
+              <a:rPr lang="it-IT" dirty="0" smtClean="0">
+                <a:solidFill>
+                  <a:schemeClr val="bg1"/>
+                </a:solidFill>
+              </a:rPr>
+              <a:t> &amp; </a:t>
+            </a:r>
+            <a:r>
+              <a:rPr lang="it-IT" dirty="0" err="1" smtClean="0">
+                <a:solidFill>
+                  <a:schemeClr val="bg1"/>
+                </a:solidFill>
+              </a:rPr>
+              <a:t>ExpressJs</a:t>
+            </a:r>
+            <a:endParaRPr lang="it-IT" dirty="0" smtClean="0">
+              <a:solidFill>
+                <a:schemeClr val="bg1"/>
+              </a:solidFill>
+            </a:endParaRPr>
+          </a:p>
+          <a:p>
+            <a:pPr marL="0" indent="0">
+              <a:buNone/>
+            </a:pPr>
+            <a:endParaRPr lang="it-IT" dirty="0" smtClean="0">
+              <a:solidFill>
+                <a:schemeClr val="bg1"/>
+              </a:solidFill>
+            </a:endParaRPr>
+          </a:p>
           <a:p>
             <a:pPr marL="0" indent="0">
               <a:buNone/>

--- a/REST.pptx
+++ b/REST.pptx
@@ -19,9 +19,12 @@
     <p:sldId id="267" r:id="rId13"/>
     <p:sldId id="269" r:id="rId14"/>
     <p:sldId id="270" r:id="rId15"/>
-    <p:sldId id="271" r:id="rId16"/>
-    <p:sldId id="272" r:id="rId17"/>
-    <p:sldId id="273" r:id="rId18"/>
+    <p:sldId id="276" r:id="rId16"/>
+    <p:sldId id="271" r:id="rId17"/>
+    <p:sldId id="272" r:id="rId18"/>
+    <p:sldId id="273" r:id="rId19"/>
+    <p:sldId id="274" r:id="rId20"/>
+    <p:sldId id="275" r:id="rId21"/>
   </p:sldIdLst>
   <p:sldSz cx="12192000" cy="6858000"/>
   <p:notesSz cx="6858000" cy="9144000"/>
@@ -128,6 +131,32 @@
 </p:presentation>
 </file>
 
+<file path=ppt/commentAuthors.xml><?xml version="1.0" encoding="utf-8"?>
+<p:cmAuthorLst xmlns:a="http://schemas.openxmlformats.org/drawingml/2006/main" xmlns:r="http://schemas.openxmlformats.org/officeDocument/2006/relationships" xmlns:p="http://schemas.openxmlformats.org/presentationml/2006/main">
+  <p:cmAuthor id="1" name="carlo vassallo" initials="cv" lastIdx="2" clrIdx="0">
+    <p:extLst>
+      <p:ext uri="{19B8F6BF-5375-455C-9EA6-DF929625EA0E}">
+        <p15:presenceInfo xmlns:p15="http://schemas.microsoft.com/office/powerpoint/2012/main" userId="aa4cacd0957548b1" providerId="Windows Live"/>
+      </p:ext>
+    </p:extLst>
+  </p:cmAuthor>
+</p:cmAuthorLst>
+</file>
+
+<file path=ppt/comments/comment1.xml><?xml version="1.0" encoding="utf-8"?>
+<p:cmLst xmlns:a="http://schemas.openxmlformats.org/drawingml/2006/main" xmlns:r="http://schemas.openxmlformats.org/officeDocument/2006/relationships" xmlns:p="http://schemas.openxmlformats.org/presentationml/2006/main">
+  <p:cm authorId="1" dt="2016-06-20T12:52:56.473" idx="2">
+    <p:pos x="10" y="10"/>
+    <p:text>notajnfivivbr</p:text>
+    <p:extLst>
+      <p:ext uri="{C676402C-5697-4E1C-873F-D02D1690AC5C}">
+        <p15:threadingInfo xmlns:p15="http://schemas.microsoft.com/office/powerpoint/2012/main" timeZoneBias="-120"/>
+      </p:ext>
+    </p:extLst>
+  </p:cm>
+</p:cmLst>
+</file>
+
 <file path=ppt/slideLayouts/slideLayout1.xml><?xml version="1.0" encoding="utf-8"?>
 <p:sldLayout xmlns:a="http://schemas.openxmlformats.org/drawingml/2006/main" xmlns:r="http://schemas.openxmlformats.org/officeDocument/2006/relationships" xmlns:p="http://schemas.openxmlformats.org/presentationml/2006/main" type="title" preserve="1">
   <p:cSld name="Diapositiva titolo">
@@ -259,7 +288,7 @@
           <a:p>
             <a:fld id="{87B37464-989D-4436-8DD6-4E2D6FEC1EC0}" type="datetimeFigureOut">
               <a:rPr lang="it-IT" smtClean="0"/>
-              <a:t>15/06/2016</a:t>
+              <a:t>20/06/2016</a:t>
             </a:fld>
             <a:endParaRPr lang="it-IT"/>
           </a:p>
@@ -429,7 +458,7 @@
           <a:p>
             <a:fld id="{87B37464-989D-4436-8DD6-4E2D6FEC1EC0}" type="datetimeFigureOut">
               <a:rPr lang="it-IT" smtClean="0"/>
-              <a:t>15/06/2016</a:t>
+              <a:t>20/06/2016</a:t>
             </a:fld>
             <a:endParaRPr lang="it-IT"/>
           </a:p>
@@ -609,7 +638,7 @@
           <a:p>
             <a:fld id="{87B37464-989D-4436-8DD6-4E2D6FEC1EC0}" type="datetimeFigureOut">
               <a:rPr lang="it-IT" smtClean="0"/>
-              <a:t>15/06/2016</a:t>
+              <a:t>20/06/2016</a:t>
             </a:fld>
             <a:endParaRPr lang="it-IT"/>
           </a:p>
@@ -779,7 +808,7 @@
           <a:p>
             <a:fld id="{87B37464-989D-4436-8DD6-4E2D6FEC1EC0}" type="datetimeFigureOut">
               <a:rPr lang="it-IT" smtClean="0"/>
-              <a:t>15/06/2016</a:t>
+              <a:t>20/06/2016</a:t>
             </a:fld>
             <a:endParaRPr lang="it-IT"/>
           </a:p>
@@ -1032,7 +1061,7 @@
           <a:p>
             <a:fld id="{87B37464-989D-4436-8DD6-4E2D6FEC1EC0}" type="datetimeFigureOut">
               <a:rPr lang="it-IT" smtClean="0"/>
-              <a:t>15/06/2016</a:t>
+              <a:t>20/06/2016</a:t>
             </a:fld>
             <a:endParaRPr lang="it-IT"/>
           </a:p>
@@ -1264,7 +1293,7 @@
           <a:p>
             <a:fld id="{87B37464-989D-4436-8DD6-4E2D6FEC1EC0}" type="datetimeFigureOut">
               <a:rPr lang="it-IT" smtClean="0"/>
-              <a:t>15/06/2016</a:t>
+              <a:t>20/06/2016</a:t>
             </a:fld>
             <a:endParaRPr lang="it-IT"/>
           </a:p>
@@ -1631,7 +1660,7 @@
           <a:p>
             <a:fld id="{87B37464-989D-4436-8DD6-4E2D6FEC1EC0}" type="datetimeFigureOut">
               <a:rPr lang="it-IT" smtClean="0"/>
-              <a:t>15/06/2016</a:t>
+              <a:t>20/06/2016</a:t>
             </a:fld>
             <a:endParaRPr lang="it-IT"/>
           </a:p>
@@ -1749,7 +1778,7 @@
           <a:p>
             <a:fld id="{87B37464-989D-4436-8DD6-4E2D6FEC1EC0}" type="datetimeFigureOut">
               <a:rPr lang="it-IT" smtClean="0"/>
-              <a:t>15/06/2016</a:t>
+              <a:t>20/06/2016</a:t>
             </a:fld>
             <a:endParaRPr lang="it-IT"/>
           </a:p>
@@ -1844,7 +1873,7 @@
           <a:p>
             <a:fld id="{87B37464-989D-4436-8DD6-4E2D6FEC1EC0}" type="datetimeFigureOut">
               <a:rPr lang="it-IT" smtClean="0"/>
-              <a:t>15/06/2016</a:t>
+              <a:t>20/06/2016</a:t>
             </a:fld>
             <a:endParaRPr lang="it-IT"/>
           </a:p>
@@ -2121,7 +2150,7 @@
           <a:p>
             <a:fld id="{87B37464-989D-4436-8DD6-4E2D6FEC1EC0}" type="datetimeFigureOut">
               <a:rPr lang="it-IT" smtClean="0"/>
-              <a:t>15/06/2016</a:t>
+              <a:t>20/06/2016</a:t>
             </a:fld>
             <a:endParaRPr lang="it-IT"/>
           </a:p>
@@ -2378,7 +2407,7 @@
           <a:p>
             <a:fld id="{87B37464-989D-4436-8DD6-4E2D6FEC1EC0}" type="datetimeFigureOut">
               <a:rPr lang="it-IT" smtClean="0"/>
-              <a:t>15/06/2016</a:t>
+              <a:t>20/06/2016</a:t>
             </a:fld>
             <a:endParaRPr lang="it-IT"/>
           </a:p>
@@ -2594,7 +2623,7 @@
           <a:p>
             <a:fld id="{87B37464-989D-4436-8DD6-4E2D6FEC1EC0}" type="datetimeFigureOut">
               <a:rPr lang="it-IT" smtClean="0"/>
-              <a:t>15/06/2016</a:t>
+              <a:t>20/06/2016</a:t>
             </a:fld>
             <a:endParaRPr lang="it-IT"/>
           </a:p>
@@ -3323,12 +3352,6 @@
               </a:rPr>
               <a:t>dmFzc2FsbG9jYXJsbzoxMjM0</a:t>
             </a:r>
-            <a:endParaRPr lang="it-IT" altLang="it-IT" sz="1500" dirty="0" smtClean="0">
-              <a:solidFill>
-                <a:schemeClr val="bg1"/>
-              </a:solidFill>
-              <a:latin typeface="Consolas" panose="020B0609020204030204" pitchFamily="49" charset="0"/>
-            </a:endParaRPr>
           </a:p>
         </p:txBody>
       </p:sp>
@@ -7175,7 +7198,7 @@
         </p:blipFill>
         <p:spPr>
           <a:xfrm>
-            <a:off x="3997535" y="1496884"/>
+            <a:off x="8363313" y="1493474"/>
             <a:ext cx="2990487" cy="4982084"/>
           </a:xfrm>
           <a:prstGeom prst="rect">
@@ -7235,7 +7258,7 @@
         </p:blipFill>
         <p:spPr>
           <a:xfrm>
-            <a:off x="7441384" y="1500294"/>
+            <a:off x="4022762" y="1496884"/>
             <a:ext cx="3861962" cy="4978674"/>
           </a:xfrm>
           <a:prstGeom prst="rect">
@@ -7253,6 +7276,13 @@
   <p:clrMapOvr>
     <a:masterClrMapping/>
   </p:clrMapOvr>
+  <p:timing>
+    <p:tnLst>
+      <p:par>
+        <p:cTn id="1" dur="indefinite" restart="never" nodeType="tmRoot"/>
+      </p:par>
+    </p:tnLst>
+  </p:timing>
 </p:sld>
 </file>
 
@@ -7294,7 +7324,7 @@
                   <a:schemeClr val="bg1"/>
                 </a:solidFill>
               </a:rPr>
-              <a:t>Autenticazione REST con HTTP</a:t>
+              <a:t>Sicurezza dei sistemi REST</a:t>
             </a:r>
             <a:endParaRPr lang="it-IT" dirty="0">
               <a:solidFill>
@@ -7306,18 +7336,189 @@
       </p:sp>
       <p:sp>
         <p:nvSpPr>
-          <p:cNvPr id="3" name="Segnaposto contenuto 2"/>
-          <p:cNvSpPr>
-            <a:spLocks noGrp="1"/>
+          <p:cNvPr id="4" name="Segnaposto contenuto 2"/>
+          <p:cNvSpPr txBox="1">
+            <a:spLocks/>
           </p:cNvSpPr>
-          <p:nvPr>
-            <p:ph idx="1"/>
-          </p:nvPr>
+          <p:nvPr/>
         </p:nvSpPr>
-        <p:spPr/>
+        <p:spPr>
+          <a:xfrm>
+            <a:off x="990600" y="1690687"/>
+            <a:ext cx="10515600" cy="4381585"/>
+          </a:xfrm>
+          <a:prstGeom prst="rect">
+            <a:avLst/>
+          </a:prstGeom>
+        </p:spPr>
         <p:txBody>
-          <a:bodyPr/>
-          <a:lstStyle/>
+          <a:bodyPr vert="horz" lIns="91440" tIns="45720" rIns="91440" bIns="45720" rtlCol="0">
+            <a:normAutofit/>
+          </a:bodyPr>
+          <a:lstStyle>
+            <a:lvl1pPr marL="228600" indent="-228600" algn="l" defTabSz="914400" rtl="0" eaLnBrk="1" latinLnBrk="0" hangingPunct="1">
+              <a:lnSpc>
+                <a:spcPct val="90000"/>
+              </a:lnSpc>
+              <a:spcBef>
+                <a:spcPts val="1000"/>
+              </a:spcBef>
+              <a:buFont typeface="Arial" panose="020B0604020202020204" pitchFamily="34" charset="0"/>
+              <a:buChar char="•"/>
+              <a:defRPr sz="2800" kern="1200">
+                <a:solidFill>
+                  <a:schemeClr val="tx1"/>
+                </a:solidFill>
+                <a:latin typeface="+mn-lt"/>
+                <a:ea typeface="+mn-ea"/>
+                <a:cs typeface="+mn-cs"/>
+              </a:defRPr>
+            </a:lvl1pPr>
+            <a:lvl2pPr marL="685800" indent="-228600" algn="l" defTabSz="914400" rtl="0" eaLnBrk="1" latinLnBrk="0" hangingPunct="1">
+              <a:lnSpc>
+                <a:spcPct val="90000"/>
+              </a:lnSpc>
+              <a:spcBef>
+                <a:spcPts val="500"/>
+              </a:spcBef>
+              <a:buFont typeface="Arial" panose="020B0604020202020204" pitchFamily="34" charset="0"/>
+              <a:buChar char="•"/>
+              <a:defRPr sz="2400" kern="1200">
+                <a:solidFill>
+                  <a:schemeClr val="tx1"/>
+                </a:solidFill>
+                <a:latin typeface="+mn-lt"/>
+                <a:ea typeface="+mn-ea"/>
+                <a:cs typeface="+mn-cs"/>
+              </a:defRPr>
+            </a:lvl2pPr>
+            <a:lvl3pPr marL="1143000" indent="-228600" algn="l" defTabSz="914400" rtl="0" eaLnBrk="1" latinLnBrk="0" hangingPunct="1">
+              <a:lnSpc>
+                <a:spcPct val="90000"/>
+              </a:lnSpc>
+              <a:spcBef>
+                <a:spcPts val="500"/>
+              </a:spcBef>
+              <a:buFont typeface="Arial" panose="020B0604020202020204" pitchFamily="34" charset="0"/>
+              <a:buChar char="•"/>
+              <a:defRPr sz="2000" kern="1200">
+                <a:solidFill>
+                  <a:schemeClr val="tx1"/>
+                </a:solidFill>
+                <a:latin typeface="+mn-lt"/>
+                <a:ea typeface="+mn-ea"/>
+                <a:cs typeface="+mn-cs"/>
+              </a:defRPr>
+            </a:lvl3pPr>
+            <a:lvl4pPr marL="1600200" indent="-228600" algn="l" defTabSz="914400" rtl="0" eaLnBrk="1" latinLnBrk="0" hangingPunct="1">
+              <a:lnSpc>
+                <a:spcPct val="90000"/>
+              </a:lnSpc>
+              <a:spcBef>
+                <a:spcPts val="500"/>
+              </a:spcBef>
+              <a:buFont typeface="Arial" panose="020B0604020202020204" pitchFamily="34" charset="0"/>
+              <a:buChar char="•"/>
+              <a:defRPr sz="1800" kern="1200">
+                <a:solidFill>
+                  <a:schemeClr val="tx1"/>
+                </a:solidFill>
+                <a:latin typeface="+mn-lt"/>
+                <a:ea typeface="+mn-ea"/>
+                <a:cs typeface="+mn-cs"/>
+              </a:defRPr>
+            </a:lvl4pPr>
+            <a:lvl5pPr marL="2057400" indent="-228600" algn="l" defTabSz="914400" rtl="0" eaLnBrk="1" latinLnBrk="0" hangingPunct="1">
+              <a:lnSpc>
+                <a:spcPct val="90000"/>
+              </a:lnSpc>
+              <a:spcBef>
+                <a:spcPts val="500"/>
+              </a:spcBef>
+              <a:buFont typeface="Arial" panose="020B0604020202020204" pitchFamily="34" charset="0"/>
+              <a:buChar char="•"/>
+              <a:defRPr sz="1800" kern="1200">
+                <a:solidFill>
+                  <a:schemeClr val="tx1"/>
+                </a:solidFill>
+                <a:latin typeface="+mn-lt"/>
+                <a:ea typeface="+mn-ea"/>
+                <a:cs typeface="+mn-cs"/>
+              </a:defRPr>
+            </a:lvl5pPr>
+            <a:lvl6pPr marL="2514600" indent="-228600" algn="l" defTabSz="914400" rtl="0" eaLnBrk="1" latinLnBrk="0" hangingPunct="1">
+              <a:lnSpc>
+                <a:spcPct val="90000"/>
+              </a:lnSpc>
+              <a:spcBef>
+                <a:spcPts val="500"/>
+              </a:spcBef>
+              <a:buFont typeface="Arial" panose="020B0604020202020204" pitchFamily="34" charset="0"/>
+              <a:buChar char="•"/>
+              <a:defRPr sz="1800" kern="1200">
+                <a:solidFill>
+                  <a:schemeClr val="tx1"/>
+                </a:solidFill>
+                <a:latin typeface="+mn-lt"/>
+                <a:ea typeface="+mn-ea"/>
+                <a:cs typeface="+mn-cs"/>
+              </a:defRPr>
+            </a:lvl6pPr>
+            <a:lvl7pPr marL="2971800" indent="-228600" algn="l" defTabSz="914400" rtl="0" eaLnBrk="1" latinLnBrk="0" hangingPunct="1">
+              <a:lnSpc>
+                <a:spcPct val="90000"/>
+              </a:lnSpc>
+              <a:spcBef>
+                <a:spcPts val="500"/>
+              </a:spcBef>
+              <a:buFont typeface="Arial" panose="020B0604020202020204" pitchFamily="34" charset="0"/>
+              <a:buChar char="•"/>
+              <a:defRPr sz="1800" kern="1200">
+                <a:solidFill>
+                  <a:schemeClr val="tx1"/>
+                </a:solidFill>
+                <a:latin typeface="+mn-lt"/>
+                <a:ea typeface="+mn-ea"/>
+                <a:cs typeface="+mn-cs"/>
+              </a:defRPr>
+            </a:lvl7pPr>
+            <a:lvl8pPr marL="3429000" indent="-228600" algn="l" defTabSz="914400" rtl="0" eaLnBrk="1" latinLnBrk="0" hangingPunct="1">
+              <a:lnSpc>
+                <a:spcPct val="90000"/>
+              </a:lnSpc>
+              <a:spcBef>
+                <a:spcPts val="500"/>
+              </a:spcBef>
+              <a:buFont typeface="Arial" panose="020B0604020202020204" pitchFamily="34" charset="0"/>
+              <a:buChar char="•"/>
+              <a:defRPr sz="1800" kern="1200">
+                <a:solidFill>
+                  <a:schemeClr val="tx1"/>
+                </a:solidFill>
+                <a:latin typeface="+mn-lt"/>
+                <a:ea typeface="+mn-ea"/>
+                <a:cs typeface="+mn-cs"/>
+              </a:defRPr>
+            </a:lvl8pPr>
+            <a:lvl9pPr marL="3886200" indent="-228600" algn="l" defTabSz="914400" rtl="0" eaLnBrk="1" latinLnBrk="0" hangingPunct="1">
+              <a:lnSpc>
+                <a:spcPct val="90000"/>
+              </a:lnSpc>
+              <a:spcBef>
+                <a:spcPts val="500"/>
+              </a:spcBef>
+              <a:buFont typeface="Arial" panose="020B0604020202020204" pitchFamily="34" charset="0"/>
+              <a:buChar char="•"/>
+              <a:defRPr sz="1800" kern="1200">
+                <a:solidFill>
+                  <a:schemeClr val="tx1"/>
+                </a:solidFill>
+                <a:latin typeface="+mn-lt"/>
+                <a:ea typeface="+mn-ea"/>
+                <a:cs typeface="+mn-cs"/>
+              </a:defRPr>
+            </a:lvl9pPr>
+          </a:lstStyle>
           <a:p>
             <a:r>
               <a:rPr lang="it-IT" dirty="0" smtClean="0">
@@ -7325,10 +7526,32 @@
                   <a:schemeClr val="bg1"/>
                 </a:solidFill>
               </a:rPr>
+              <a:t>HTTPS: HTTP over SSL/TLS</a:t>
+            </a:r>
+          </a:p>
+          <a:p>
+            <a:r>
+              <a:rPr lang="it-IT" dirty="0" smtClean="0">
+                <a:solidFill>
+                  <a:schemeClr val="bg1"/>
+                </a:solidFill>
+              </a:rPr>
+              <a:t>Autenticazione:</a:t>
+            </a:r>
+          </a:p>
+          <a:p>
+            <a:pPr lvl="1"/>
+            <a:r>
+              <a:rPr lang="it-IT" dirty="0" smtClean="0">
+                <a:solidFill>
+                  <a:schemeClr val="bg1"/>
+                </a:solidFill>
+              </a:rPr>
               <a:t>Basic</a:t>
             </a:r>
           </a:p>
           <a:p>
+            <a:pPr lvl="1"/>
             <a:r>
               <a:rPr lang="it-IT" dirty="0" smtClean="0">
                 <a:solidFill>
@@ -7339,6 +7562,7 @@
             </a:r>
           </a:p>
           <a:p>
+            <a:pPr lvl="1"/>
             <a:r>
               <a:rPr lang="it-IT" dirty="0" smtClean="0">
                 <a:solidFill>
@@ -7373,6 +7597,13 @@
   <p:clrMapOvr>
     <a:masterClrMapping/>
   </p:clrMapOvr>
+  <p:timing>
+    <p:tnLst>
+      <p:par>
+        <p:cTn id="1" dur="indefinite" restart="never" nodeType="tmRoot"/>
+      </p:par>
+    </p:tnLst>
+  </p:timing>
 </p:sld>
 </file>
 
@@ -7409,34 +7640,13 @@
           <a:lstStyle/>
           <a:p>
             <a:r>
-              <a:rPr lang="it-IT" dirty="0" err="1" smtClean="0">
-                <a:solidFill>
-                  <a:schemeClr val="bg1"/>
-                </a:solidFill>
-              </a:rPr>
-              <a:t>Auth</a:t>
-            </a:r>
-            <a:r>
-              <a:rPr lang="it-IT" dirty="0" smtClean="0">
-                <a:solidFill>
-                  <a:schemeClr val="bg1"/>
-                </a:solidFill>
-              </a:rPr>
-              <a:t> REST con HTTP: </a:t>
-            </a:r>
-            <a:r>
-              <a:rPr lang="it-IT" dirty="0" smtClean="0">
-                <a:solidFill>
-                  <a:srgbClr val="02523F"/>
-                </a:solidFill>
-              </a:rPr>
-              <a:t>Basic</a:t>
-            </a:r>
-            <a:endParaRPr lang="it-IT" dirty="0">
-              <a:solidFill>
-                <a:srgbClr val="02523F"/>
-              </a:solidFill>
-            </a:endParaRPr>
+              <a:rPr lang="it-IT" dirty="0">
+                <a:solidFill>
+                  <a:schemeClr val="bg1"/>
+                </a:solidFill>
+              </a:rPr>
+              <a:t>HTTPS: HTTP over SSL/TLS</a:t>
+            </a:r>
           </a:p>
         </p:txBody>
       </p:sp>
@@ -7464,52 +7674,7 @@
                   <a:schemeClr val="bg1"/>
                 </a:solidFill>
               </a:rPr>
-              <a:t>Viene inserito nell’intestazione HTTP </a:t>
-            </a:r>
-            <a:r>
-              <a:rPr lang="it-IT" dirty="0" err="1" smtClean="0">
-                <a:solidFill>
-                  <a:schemeClr val="bg1"/>
-                </a:solidFill>
-              </a:rPr>
-              <a:t>Authorization</a:t>
-            </a:r>
-            <a:r>
-              <a:rPr lang="it-IT" dirty="0" smtClean="0">
-                <a:solidFill>
-                  <a:schemeClr val="bg1"/>
-                </a:solidFill>
-              </a:rPr>
-              <a:t> una stringa contente username e password separati da ‘ : ’ e codificati in base64.</a:t>
-            </a:r>
-          </a:p>
-          <a:p>
-            <a:pPr marL="0" indent="0">
-              <a:buNone/>
-            </a:pPr>
-            <a:r>
-              <a:rPr lang="it-IT" dirty="0" smtClean="0">
-                <a:solidFill>
-                  <a:schemeClr val="bg1"/>
-                </a:solidFill>
-              </a:rPr>
-              <a:t>base64(</a:t>
-            </a:r>
-            <a:r>
-              <a:rPr lang="it-IT" dirty="0" err="1" smtClean="0">
-                <a:solidFill>
-                  <a:schemeClr val="bg1"/>
-                </a:solidFill>
-              </a:rPr>
-              <a:t>username:password</a:t>
-            </a:r>
-            <a:r>
-              <a:rPr lang="it-IT" dirty="0" smtClean="0">
-                <a:solidFill>
-                  <a:schemeClr val="bg1"/>
-                </a:solidFill>
-              </a:rPr>
-              <a:t>)</a:t>
+              <a:t>HTTPS consiste nella comunicazione attraverso il protocollo HTTP mediante una connessione sicura, garantita dal protocollo SSL o TLS.</a:t>
             </a:r>
           </a:p>
           <a:p>
@@ -7522,147 +7687,25 @@
               </a:solidFill>
             </a:endParaRPr>
           </a:p>
-          <a:p>
-            <a:pPr marL="0" lvl="0" indent="0" eaLnBrk="0" fontAlgn="base" hangingPunct="0">
-              <a:lnSpc>
-                <a:spcPct val="100000"/>
-              </a:lnSpc>
-              <a:spcBef>
-                <a:spcPct val="0"/>
-              </a:spcBef>
-              <a:spcAft>
-                <a:spcPct val="0"/>
-              </a:spcAft>
-              <a:buNone/>
-            </a:pPr>
-            <a:r>
-              <a:rPr lang="it-IT" altLang="it-IT" dirty="0" smtClean="0">
-                <a:solidFill>
-                  <a:schemeClr val="bg1"/>
-                </a:solidFill>
-                <a:latin typeface="Consolas" panose="020B0609020204030204" pitchFamily="49" charset="0"/>
-              </a:rPr>
-              <a:t>GET </a:t>
-            </a:r>
-            <a:r>
-              <a:rPr lang="it-IT" altLang="it-IT" dirty="0">
-                <a:solidFill>
-                  <a:schemeClr val="bg1"/>
-                </a:solidFill>
-                <a:latin typeface="Consolas" panose="020B0609020204030204" pitchFamily="49" charset="0"/>
-              </a:rPr>
-              <a:t>/</a:t>
-            </a:r>
-            <a:r>
-              <a:rPr lang="it-IT" altLang="it-IT" dirty="0" err="1">
-                <a:solidFill>
-                  <a:schemeClr val="bg1"/>
-                </a:solidFill>
-                <a:latin typeface="Consolas" panose="020B0609020204030204" pitchFamily="49" charset="0"/>
-              </a:rPr>
-              <a:t>contact</a:t>
-            </a:r>
-            <a:r>
-              <a:rPr lang="it-IT" altLang="it-IT" dirty="0">
-                <a:solidFill>
-                  <a:schemeClr val="bg1"/>
-                </a:solidFill>
-                <a:latin typeface="Consolas" panose="020B0609020204030204" pitchFamily="49" charset="0"/>
-              </a:rPr>
-              <a:t>/carlo HTTP/1.1 </a:t>
-            </a:r>
-          </a:p>
-          <a:p>
-            <a:pPr marL="0" lvl="0" indent="0" eaLnBrk="0" fontAlgn="base" hangingPunct="0">
-              <a:lnSpc>
-                <a:spcPct val="100000"/>
-              </a:lnSpc>
-              <a:spcBef>
-                <a:spcPct val="0"/>
-              </a:spcBef>
-              <a:spcAft>
-                <a:spcPct val="0"/>
-              </a:spcAft>
-              <a:buNone/>
-            </a:pPr>
-            <a:r>
-              <a:rPr lang="it-IT" altLang="it-IT" dirty="0">
-                <a:solidFill>
-                  <a:schemeClr val="bg1"/>
-                </a:solidFill>
-                <a:latin typeface="Consolas" panose="020B0609020204030204" pitchFamily="49" charset="0"/>
-              </a:rPr>
-              <a:t>HOST: localhost:3000 </a:t>
-            </a:r>
-          </a:p>
-          <a:p>
-            <a:pPr marL="0" indent="0" eaLnBrk="0" fontAlgn="base" hangingPunct="0">
-              <a:lnSpc>
-                <a:spcPct val="100000"/>
-              </a:lnSpc>
-              <a:spcBef>
-                <a:spcPct val="0"/>
-              </a:spcBef>
-              <a:spcAft>
-                <a:spcPct val="0"/>
-              </a:spcAft>
-              <a:buNone/>
-            </a:pPr>
-            <a:r>
-              <a:rPr lang="it-IT" altLang="it-IT" dirty="0" err="1">
-                <a:solidFill>
-                  <a:srgbClr val="02523F"/>
-                </a:solidFill>
-                <a:latin typeface="Consolas" panose="020B0609020204030204" pitchFamily="49" charset="0"/>
-              </a:rPr>
-              <a:t>authorization</a:t>
-            </a:r>
-            <a:r>
-              <a:rPr lang="it-IT" altLang="it-IT" dirty="0">
-                <a:solidFill>
-                  <a:srgbClr val="02523F"/>
-                </a:solidFill>
-                <a:latin typeface="Consolas" panose="020B0609020204030204" pitchFamily="49" charset="0"/>
-              </a:rPr>
-              <a:t>: </a:t>
-            </a:r>
-            <a:r>
-              <a:rPr lang="it-IT" altLang="it-IT" dirty="0" err="1">
-                <a:solidFill>
-                  <a:srgbClr val="02523F"/>
-                </a:solidFill>
-                <a:latin typeface="Consolas" panose="020B0609020204030204" pitchFamily="49" charset="0"/>
-              </a:rPr>
-              <a:t>basic</a:t>
-            </a:r>
-            <a:r>
-              <a:rPr lang="it-IT" altLang="it-IT" dirty="0">
-                <a:solidFill>
-                  <a:srgbClr val="02523F"/>
-                </a:solidFill>
-                <a:latin typeface="Consolas" panose="020B0609020204030204" pitchFamily="49" charset="0"/>
-              </a:rPr>
-              <a:t> dmFzc2FsbG9jYXJsbzoxMjM0</a:t>
-            </a:r>
-            <a:endParaRPr lang="it-IT" dirty="0">
-              <a:solidFill>
-                <a:srgbClr val="02523F"/>
-              </a:solidFill>
-              <a:latin typeface="Consolas" panose="020B0609020204030204" pitchFamily="49" charset="0"/>
-            </a:endParaRPr>
-          </a:p>
         </p:txBody>
       </p:sp>
     </p:spTree>
     <p:extLst>
       <p:ext uri="{BB962C8B-B14F-4D97-AF65-F5344CB8AC3E}">
-        <p14:creationId xmlns:p14="http://schemas.microsoft.com/office/powerpoint/2010/main" val="398429192"/>
+        <p14:creationId xmlns:p14="http://schemas.microsoft.com/office/powerpoint/2010/main" val="2714766365"/>
       </p:ext>
     </p:extLst>
   </p:cSld>
   <p:clrMapOvr>
     <a:masterClrMapping/>
   </p:clrMapOvr>
+  <p:timing>
+    <p:tnLst>
+      <p:par>
+        <p:cTn id="1" dur="indefinite" restart="never" nodeType="tmRoot"/>
+      </p:par>
+    </p:tnLst>
+  </p:timing>
 </p:sld>
 </file>
 
@@ -7720,7 +7763,7 @@
                   <a:srgbClr val="02523F"/>
                 </a:solidFill>
               </a:rPr>
-              <a:t>HMAC</a:t>
+              <a:t>Basic</a:t>
             </a:r>
             <a:endParaRPr lang="it-IT" dirty="0">
               <a:solidFill>
@@ -7740,16 +7783,9 @@
             <p:ph idx="1"/>
           </p:nvPr>
         </p:nvSpPr>
-        <p:spPr>
-          <a:xfrm>
-            <a:off x="838199" y="1825625"/>
-            <a:ext cx="11284445" cy="4351338"/>
-          </a:xfrm>
-        </p:spPr>
+        <p:spPr/>
         <p:txBody>
-          <a:bodyPr>
-            <a:normAutofit/>
-          </a:bodyPr>
+          <a:bodyPr/>
           <a:lstStyle/>
           <a:p>
             <a:pPr marL="0" indent="0">
@@ -7777,7 +7813,20 @@
                   <a:schemeClr val="bg1"/>
                 </a:solidFill>
               </a:rPr>
-              <a:t> una stringa contente username e una versione </a:t>
+              <a:t> una stringa contente username e password separati da ‘ : ’ e codificati in base64.</a:t>
+            </a:r>
+          </a:p>
+          <a:p>
+            <a:pPr marL="0" indent="0">
+              <a:buNone/>
+            </a:pPr>
+            <a:r>
+              <a:rPr lang="it-IT" dirty="0" smtClean="0">
+                <a:solidFill>
+                  <a:schemeClr val="bg1"/>
+                </a:solidFill>
+              </a:rPr>
+              <a:t>base64(</a:t>
             </a:r>
             <a:r>
               <a:rPr lang="it-IT" dirty="0" err="1" smtClean="0">
@@ -7785,7 +7834,7 @@
                   <a:schemeClr val="bg1"/>
                 </a:solidFill>
               </a:rPr>
-              <a:t>hashed</a:t>
+              <a:t>username:password</a:t>
             </a:r>
             <a:r>
               <a:rPr lang="it-IT" dirty="0" smtClean="0">
@@ -7793,112 +7842,8 @@
                   <a:schemeClr val="bg1"/>
                 </a:solidFill>
               </a:rPr>
-              <a:t> della password separati da ‘ : ’.</a:t>
-            </a:r>
-          </a:p>
-          <a:p>
-            <a:pPr marL="0" lvl="0" indent="0">
-              <a:buNone/>
-            </a:pPr>
-            <a:r>
-              <a:rPr lang="it-IT" sz="2600" dirty="0" smtClean="0">
-                <a:solidFill>
-                  <a:schemeClr val="bg1"/>
-                </a:solidFill>
-                <a:latin typeface="Calibri (Corpo)"/>
-              </a:rPr>
-              <a:t>base64(</a:t>
-            </a:r>
-            <a:r>
-              <a:rPr lang="it-IT" altLang="it-IT" sz="2600" dirty="0" err="1">
-                <a:solidFill>
-                  <a:srgbClr val="FFFFFF"/>
-                </a:solidFill>
-                <a:latin typeface="Calibri (Corpo)"/>
-              </a:rPr>
-              <a:t>hmac</a:t>
-            </a:r>
-            <a:r>
-              <a:rPr lang="it-IT" altLang="it-IT" sz="2600" dirty="0">
-                <a:solidFill>
-                  <a:srgbClr val="FFFFFF"/>
-                </a:solidFill>
-                <a:latin typeface="Calibri (Corpo)"/>
-              </a:rPr>
-              <a:t>("sha256", </a:t>
-            </a:r>
-            <a:r>
-              <a:rPr lang="it-IT" altLang="it-IT" sz="2600" dirty="0" smtClean="0">
-                <a:solidFill>
-                  <a:srgbClr val="FFFFFF"/>
-                </a:solidFill>
-                <a:latin typeface="Calibri (Corpo)"/>
-              </a:rPr>
-              <a:t>"password", </a:t>
-            </a:r>
-            <a:r>
-              <a:rPr lang="it-IT" altLang="it-IT" sz="2600" dirty="0">
-                <a:solidFill>
-                  <a:srgbClr val="FFFFFF"/>
-                </a:solidFill>
-                <a:latin typeface="Calibri (Corpo)"/>
-              </a:rPr>
-              <a:t>"</a:t>
-            </a:r>
-            <a:r>
-              <a:rPr lang="it-IT" altLang="it-IT" sz="2600" dirty="0" smtClean="0">
-                <a:solidFill>
-                  <a:srgbClr val="FFFFFF"/>
-                </a:solidFill>
-                <a:latin typeface="Calibri (Corpo)"/>
-              </a:rPr>
-              <a:t>GET</a:t>
-            </a:r>
-            <a:r>
-              <a:rPr lang="it-IT" altLang="it-IT" sz="2600" dirty="0" smtClean="0">
-                <a:solidFill>
-                  <a:schemeClr val="bg1"/>
-                </a:solidFill>
-                <a:latin typeface="Arial Unicode MS"/>
-              </a:rPr>
-              <a:t>/</a:t>
-            </a:r>
-            <a:r>
-              <a:rPr lang="it-IT" altLang="it-IT" sz="2600" dirty="0" err="1" smtClean="0">
-                <a:solidFill>
-                  <a:schemeClr val="bg1"/>
-                </a:solidFill>
-                <a:latin typeface="Arial Unicode MS"/>
-              </a:rPr>
-              <a:t>contact</a:t>
-            </a:r>
-            <a:r>
-              <a:rPr lang="it-IT" altLang="it-IT" sz="2600" dirty="0" smtClean="0">
-                <a:solidFill>
-                  <a:schemeClr val="bg1"/>
-                </a:solidFill>
-                <a:latin typeface="Arial Unicode MS"/>
-              </a:rPr>
-              <a:t>/carlo</a:t>
-            </a:r>
-            <a:r>
-              <a:rPr lang="it-IT" altLang="it-IT" sz="2600" dirty="0" smtClean="0">
-                <a:solidFill>
-                  <a:srgbClr val="FFFFFF"/>
-                </a:solidFill>
-                <a:latin typeface="Calibri (Corpo)"/>
-              </a:rPr>
-              <a:t>"))</a:t>
-            </a:r>
-            <a:r>
-              <a:rPr lang="it-IT" altLang="it-IT" sz="2600" dirty="0" smtClean="0">
-                <a:latin typeface="Calibri (Corpo)"/>
-              </a:rPr>
-              <a:t> </a:t>
-            </a:r>
-            <a:endParaRPr lang="it-IT" altLang="it-IT" sz="2600" dirty="0">
-              <a:latin typeface="Calibri (Corpo)"/>
-            </a:endParaRPr>
+              <a:t>)</a:t>
+            </a:r>
           </a:p>
           <a:p>
             <a:pPr marL="0" indent="0">
@@ -7997,7 +7942,7 @@
               <a:buNone/>
             </a:pPr>
             <a:r>
-              <a:rPr lang="it-IT" altLang="it-IT" sz="1800" dirty="0" err="1">
+              <a:rPr lang="it-IT" altLang="it-IT" dirty="0" err="1">
                 <a:solidFill>
                   <a:srgbClr val="02523F"/>
                 </a:solidFill>
@@ -8006,7 +7951,7 @@
               <a:t>authorization</a:t>
             </a:r>
             <a:r>
-              <a:rPr lang="it-IT" altLang="it-IT" sz="1800" dirty="0">
+              <a:rPr lang="it-IT" altLang="it-IT" dirty="0">
                 <a:solidFill>
                   <a:srgbClr val="02523F"/>
                 </a:solidFill>
@@ -8015,42 +7960,24 @@
               <a:t>: </a:t>
             </a:r>
             <a:r>
-              <a:rPr lang="it-IT" altLang="it-IT" sz="1800" dirty="0" err="1" smtClean="0">
+              <a:rPr lang="it-IT" altLang="it-IT" dirty="0" err="1">
                 <a:solidFill>
                   <a:srgbClr val="02523F"/>
                 </a:solidFill>
                 <a:latin typeface="Consolas" panose="020B0609020204030204" pitchFamily="49" charset="0"/>
               </a:rPr>
-              <a:t>hmac</a:t>
-            </a:r>
-            <a:r>
-              <a:rPr lang="it-IT" altLang="it-IT" sz="1800" dirty="0">
+              <a:t>basic</a:t>
+            </a:r>
+            <a:r>
+              <a:rPr lang="it-IT" altLang="it-IT" dirty="0">
                 <a:solidFill>
                   <a:srgbClr val="02523F"/>
                 </a:solidFill>
                 <a:latin typeface="Consolas" panose="020B0609020204030204" pitchFamily="49" charset="0"/>
               </a:rPr>
-              <a:t> </a:t>
-            </a:r>
-            <a:r>
-              <a:rPr lang="it-IT" altLang="it-IT" sz="1800" dirty="0" smtClean="0">
-                <a:solidFill>
-                  <a:srgbClr val="02523F"/>
-                </a:solidFill>
-                <a:latin typeface="Consolas" panose="020B0609020204030204" pitchFamily="49" charset="0"/>
-              </a:rPr>
-              <a:t>username:</a:t>
-            </a:r>
-            <a:r>
-              <a:rPr lang="it-IT" altLang="it-IT" sz="1600" dirty="0" smtClean="0">
-                <a:solidFill>
-                  <a:srgbClr val="02523F"/>
-                </a:solidFill>
-                <a:latin typeface="Consolas" panose="020B0609020204030204" pitchFamily="49" charset="0"/>
-              </a:rPr>
-              <a:t>14b6a8983cd86afea2fdf19d121fce8e7235bb11ed774d7816ba0bc0cbfe093d</a:t>
-            </a:r>
-            <a:endParaRPr lang="it-IT" sz="1600" dirty="0">
+              <a:t> dmFzc2FsbG9jYXJsbzoxMjM0</a:t>
+            </a:r>
+            <a:endParaRPr lang="it-IT" dirty="0">
               <a:solidFill>
                 <a:srgbClr val="02523F"/>
               </a:solidFill>
@@ -8062,13 +7989,20 @@
     </p:spTree>
     <p:extLst>
       <p:ext uri="{BB962C8B-B14F-4D97-AF65-F5344CB8AC3E}">
-        <p14:creationId xmlns:p14="http://schemas.microsoft.com/office/powerpoint/2010/main" val="3138769354"/>
+        <p14:creationId xmlns:p14="http://schemas.microsoft.com/office/powerpoint/2010/main" val="398429192"/>
       </p:ext>
     </p:extLst>
   </p:cSld>
   <p:clrMapOvr>
     <a:masterClrMapping/>
   </p:clrMapOvr>
+  <p:timing>
+    <p:tnLst>
+      <p:par>
+        <p:cTn id="1" dur="indefinite" restart="never" nodeType="tmRoot"/>
+      </p:par>
+    </p:tnLst>
+  </p:timing>
 </p:sld>
 </file>
 
@@ -8126,6 +8060,419 @@
                   <a:srgbClr val="02523F"/>
                 </a:solidFill>
               </a:rPr>
+              <a:t>HMAC</a:t>
+            </a:r>
+            <a:endParaRPr lang="it-IT" dirty="0">
+              <a:solidFill>
+                <a:srgbClr val="02523F"/>
+              </a:solidFill>
+            </a:endParaRPr>
+          </a:p>
+        </p:txBody>
+      </p:sp>
+      <p:sp>
+        <p:nvSpPr>
+          <p:cNvPr id="3" name="Segnaposto contenuto 2"/>
+          <p:cNvSpPr>
+            <a:spLocks noGrp="1"/>
+          </p:cNvSpPr>
+          <p:nvPr>
+            <p:ph idx="1"/>
+          </p:nvPr>
+        </p:nvSpPr>
+        <p:spPr>
+          <a:xfrm>
+            <a:off x="838199" y="1825625"/>
+            <a:ext cx="11284445" cy="4351338"/>
+          </a:xfrm>
+        </p:spPr>
+        <p:txBody>
+          <a:bodyPr>
+            <a:normAutofit/>
+          </a:bodyPr>
+          <a:lstStyle/>
+          <a:p>
+            <a:pPr marL="0" indent="0">
+              <a:buNone/>
+            </a:pPr>
+            <a:r>
+              <a:rPr lang="it-IT" dirty="0" smtClean="0">
+                <a:solidFill>
+                  <a:schemeClr val="bg1"/>
+                </a:solidFill>
+              </a:rPr>
+              <a:t>Viene inserito nell’intestazione HTTP </a:t>
+            </a:r>
+            <a:r>
+              <a:rPr lang="it-IT" dirty="0" err="1" smtClean="0">
+                <a:solidFill>
+                  <a:schemeClr val="bg1"/>
+                </a:solidFill>
+              </a:rPr>
+              <a:t>Authorization</a:t>
+            </a:r>
+            <a:r>
+              <a:rPr lang="it-IT" dirty="0" smtClean="0">
+                <a:solidFill>
+                  <a:schemeClr val="bg1"/>
+                </a:solidFill>
+              </a:rPr>
+              <a:t> una stringa contente username e una versione </a:t>
+            </a:r>
+            <a:r>
+              <a:rPr lang="it-IT" dirty="0" err="1" smtClean="0">
+                <a:solidFill>
+                  <a:schemeClr val="bg1"/>
+                </a:solidFill>
+              </a:rPr>
+              <a:t>hashed</a:t>
+            </a:r>
+            <a:r>
+              <a:rPr lang="it-IT" dirty="0" smtClean="0">
+                <a:solidFill>
+                  <a:schemeClr val="bg1"/>
+                </a:solidFill>
+              </a:rPr>
+              <a:t> della password separati da ‘ : ’.</a:t>
+            </a:r>
+          </a:p>
+          <a:p>
+            <a:pPr marL="0" lvl="0" indent="0">
+              <a:buNone/>
+            </a:pPr>
+            <a:r>
+              <a:rPr lang="it-IT" sz="2600" dirty="0" smtClean="0">
+                <a:solidFill>
+                  <a:schemeClr val="bg1"/>
+                </a:solidFill>
+                <a:latin typeface="Calibri (Corpo)"/>
+              </a:rPr>
+              <a:t>base64(</a:t>
+            </a:r>
+            <a:r>
+              <a:rPr lang="it-IT" altLang="it-IT" sz="2600" dirty="0" err="1">
+                <a:solidFill>
+                  <a:srgbClr val="FFFFFF"/>
+                </a:solidFill>
+                <a:latin typeface="Calibri (Corpo)"/>
+              </a:rPr>
+              <a:t>hmac</a:t>
+            </a:r>
+            <a:r>
+              <a:rPr lang="it-IT" altLang="it-IT" sz="2600" dirty="0">
+                <a:solidFill>
+                  <a:srgbClr val="FFFFFF"/>
+                </a:solidFill>
+                <a:latin typeface="Calibri (Corpo)"/>
+              </a:rPr>
+              <a:t>("sha256", </a:t>
+            </a:r>
+            <a:r>
+              <a:rPr lang="it-IT" altLang="it-IT" sz="2600" dirty="0" smtClean="0">
+                <a:solidFill>
+                  <a:srgbClr val="FFFFFF"/>
+                </a:solidFill>
+                <a:latin typeface="Calibri (Corpo)"/>
+              </a:rPr>
+              <a:t>"password", </a:t>
+            </a:r>
+            <a:r>
+              <a:rPr lang="it-IT" altLang="it-IT" sz="2600" dirty="0">
+                <a:solidFill>
+                  <a:srgbClr val="FFFFFF"/>
+                </a:solidFill>
+                <a:latin typeface="Calibri (Corpo)"/>
+              </a:rPr>
+              <a:t>"</a:t>
+            </a:r>
+            <a:r>
+              <a:rPr lang="it-IT" altLang="it-IT" sz="2600" dirty="0" smtClean="0">
+                <a:solidFill>
+                  <a:srgbClr val="FFFFFF"/>
+                </a:solidFill>
+                <a:latin typeface="Calibri (Corpo)"/>
+              </a:rPr>
+              <a:t>GET</a:t>
+            </a:r>
+            <a:r>
+              <a:rPr lang="it-IT" altLang="it-IT" sz="2600" dirty="0" smtClean="0">
+                <a:solidFill>
+                  <a:schemeClr val="bg1"/>
+                </a:solidFill>
+                <a:latin typeface="Arial Unicode MS"/>
+              </a:rPr>
+              <a:t>/</a:t>
+            </a:r>
+            <a:r>
+              <a:rPr lang="it-IT" altLang="it-IT" sz="2600" dirty="0" err="1" smtClean="0">
+                <a:solidFill>
+                  <a:schemeClr val="bg1"/>
+                </a:solidFill>
+                <a:latin typeface="Arial Unicode MS"/>
+              </a:rPr>
+              <a:t>contact</a:t>
+            </a:r>
+            <a:r>
+              <a:rPr lang="it-IT" altLang="it-IT" sz="2600" dirty="0" smtClean="0">
+                <a:solidFill>
+                  <a:schemeClr val="bg1"/>
+                </a:solidFill>
+                <a:latin typeface="Arial Unicode MS"/>
+              </a:rPr>
+              <a:t>/carlo</a:t>
+            </a:r>
+            <a:r>
+              <a:rPr lang="it-IT" altLang="it-IT" sz="2600" dirty="0" smtClean="0">
+                <a:solidFill>
+                  <a:srgbClr val="FFFFFF"/>
+                </a:solidFill>
+                <a:latin typeface="Calibri (Corpo)"/>
+              </a:rPr>
+              <a:t>"))</a:t>
+            </a:r>
+            <a:r>
+              <a:rPr lang="it-IT" altLang="it-IT" sz="2600" dirty="0" smtClean="0">
+                <a:latin typeface="Calibri (Corpo)"/>
+              </a:rPr>
+              <a:t> </a:t>
+            </a:r>
+            <a:endParaRPr lang="it-IT" altLang="it-IT" sz="2600" dirty="0">
+              <a:latin typeface="Calibri (Corpo)"/>
+            </a:endParaRPr>
+          </a:p>
+          <a:p>
+            <a:pPr marL="0" indent="0">
+              <a:buNone/>
+            </a:pPr>
+            <a:endParaRPr lang="it-IT" dirty="0">
+              <a:solidFill>
+                <a:schemeClr val="bg1"/>
+              </a:solidFill>
+            </a:endParaRPr>
+          </a:p>
+          <a:p>
+            <a:pPr marL="0" lvl="0" indent="0" eaLnBrk="0" fontAlgn="base" hangingPunct="0">
+              <a:lnSpc>
+                <a:spcPct val="100000"/>
+              </a:lnSpc>
+              <a:spcBef>
+                <a:spcPct val="0"/>
+              </a:spcBef>
+              <a:spcAft>
+                <a:spcPct val="0"/>
+              </a:spcAft>
+              <a:buNone/>
+            </a:pPr>
+            <a:r>
+              <a:rPr lang="it-IT" altLang="it-IT" dirty="0" smtClean="0">
+                <a:solidFill>
+                  <a:schemeClr val="bg1"/>
+                </a:solidFill>
+                <a:latin typeface="Consolas" panose="020B0609020204030204" pitchFamily="49" charset="0"/>
+              </a:rPr>
+              <a:t>GET </a:t>
+            </a:r>
+            <a:r>
+              <a:rPr lang="it-IT" altLang="it-IT" dirty="0">
+                <a:solidFill>
+                  <a:schemeClr val="bg1"/>
+                </a:solidFill>
+                <a:latin typeface="Consolas" panose="020B0609020204030204" pitchFamily="49" charset="0"/>
+              </a:rPr>
+              <a:t>/</a:t>
+            </a:r>
+            <a:r>
+              <a:rPr lang="it-IT" altLang="it-IT" dirty="0" err="1">
+                <a:solidFill>
+                  <a:schemeClr val="bg1"/>
+                </a:solidFill>
+                <a:latin typeface="Consolas" panose="020B0609020204030204" pitchFamily="49" charset="0"/>
+              </a:rPr>
+              <a:t>contact</a:t>
+            </a:r>
+            <a:r>
+              <a:rPr lang="it-IT" altLang="it-IT" dirty="0">
+                <a:solidFill>
+                  <a:schemeClr val="bg1"/>
+                </a:solidFill>
+                <a:latin typeface="Consolas" panose="020B0609020204030204" pitchFamily="49" charset="0"/>
+              </a:rPr>
+              <a:t>/carlo HTTP/1.1 </a:t>
+            </a:r>
+          </a:p>
+          <a:p>
+            <a:pPr marL="0" lvl="0" indent="0" eaLnBrk="0" fontAlgn="base" hangingPunct="0">
+              <a:lnSpc>
+                <a:spcPct val="100000"/>
+              </a:lnSpc>
+              <a:spcBef>
+                <a:spcPct val="0"/>
+              </a:spcBef>
+              <a:spcAft>
+                <a:spcPct val="0"/>
+              </a:spcAft>
+              <a:buNone/>
+            </a:pPr>
+            <a:r>
+              <a:rPr lang="it-IT" altLang="it-IT" dirty="0">
+                <a:solidFill>
+                  <a:schemeClr val="bg1"/>
+                </a:solidFill>
+                <a:latin typeface="Consolas" panose="020B0609020204030204" pitchFamily="49" charset="0"/>
+              </a:rPr>
+              <a:t>HOST: localhost:3000 </a:t>
+            </a:r>
+          </a:p>
+          <a:p>
+            <a:pPr marL="0" indent="0" eaLnBrk="0" fontAlgn="base" hangingPunct="0">
+              <a:lnSpc>
+                <a:spcPct val="100000"/>
+              </a:lnSpc>
+              <a:spcBef>
+                <a:spcPct val="0"/>
+              </a:spcBef>
+              <a:spcAft>
+                <a:spcPct val="0"/>
+              </a:spcAft>
+              <a:buNone/>
+            </a:pPr>
+            <a:r>
+              <a:rPr lang="it-IT" altLang="it-IT" sz="1800" dirty="0" err="1">
+                <a:solidFill>
+                  <a:srgbClr val="02523F"/>
+                </a:solidFill>
+                <a:latin typeface="Consolas" panose="020B0609020204030204" pitchFamily="49" charset="0"/>
+              </a:rPr>
+              <a:t>authorization</a:t>
+            </a:r>
+            <a:r>
+              <a:rPr lang="it-IT" altLang="it-IT" sz="1800" dirty="0">
+                <a:solidFill>
+                  <a:srgbClr val="02523F"/>
+                </a:solidFill>
+                <a:latin typeface="Consolas" panose="020B0609020204030204" pitchFamily="49" charset="0"/>
+              </a:rPr>
+              <a:t>: </a:t>
+            </a:r>
+            <a:r>
+              <a:rPr lang="it-IT" altLang="it-IT" sz="1800" dirty="0" err="1" smtClean="0">
+                <a:solidFill>
+                  <a:srgbClr val="02523F"/>
+                </a:solidFill>
+                <a:latin typeface="Consolas" panose="020B0609020204030204" pitchFamily="49" charset="0"/>
+              </a:rPr>
+              <a:t>hmac</a:t>
+            </a:r>
+            <a:r>
+              <a:rPr lang="it-IT" altLang="it-IT" sz="1800" dirty="0">
+                <a:solidFill>
+                  <a:srgbClr val="02523F"/>
+                </a:solidFill>
+                <a:latin typeface="Consolas" panose="020B0609020204030204" pitchFamily="49" charset="0"/>
+              </a:rPr>
+              <a:t> </a:t>
+            </a:r>
+            <a:r>
+              <a:rPr lang="it-IT" altLang="it-IT" sz="1800" dirty="0" smtClean="0">
+                <a:solidFill>
+                  <a:srgbClr val="02523F"/>
+                </a:solidFill>
+                <a:latin typeface="Consolas" panose="020B0609020204030204" pitchFamily="49" charset="0"/>
+              </a:rPr>
+              <a:t>username:</a:t>
+            </a:r>
+            <a:r>
+              <a:rPr lang="it-IT" altLang="it-IT" sz="1600" dirty="0" smtClean="0">
+                <a:solidFill>
+                  <a:srgbClr val="02523F"/>
+                </a:solidFill>
+                <a:latin typeface="Consolas" panose="020B0609020204030204" pitchFamily="49" charset="0"/>
+              </a:rPr>
+              <a:t>14b6a8983cd86afea2fdf19d121fce8e7235bb11ed774d7816ba0bc0cbfe093d</a:t>
+            </a:r>
+            <a:endParaRPr lang="it-IT" sz="1600" dirty="0">
+              <a:solidFill>
+                <a:srgbClr val="02523F"/>
+              </a:solidFill>
+              <a:latin typeface="Consolas" panose="020B0609020204030204" pitchFamily="49" charset="0"/>
+            </a:endParaRPr>
+          </a:p>
+        </p:txBody>
+      </p:sp>
+    </p:spTree>
+    <p:extLst>
+      <p:ext uri="{BB962C8B-B14F-4D97-AF65-F5344CB8AC3E}">
+        <p14:creationId xmlns:p14="http://schemas.microsoft.com/office/powerpoint/2010/main" val="3138769354"/>
+      </p:ext>
+    </p:extLst>
+  </p:cSld>
+  <p:clrMapOvr>
+    <a:masterClrMapping/>
+  </p:clrMapOvr>
+  <p:timing>
+    <p:tnLst>
+      <p:par>
+        <p:cTn id="1" dur="indefinite" restart="never" nodeType="tmRoot"/>
+      </p:par>
+    </p:tnLst>
+  </p:timing>
+</p:sld>
+</file>
+
+<file path=ppt/slides/slide18.xml><?xml version="1.0" encoding="utf-8"?>
+<p:sld xmlns:a="http://schemas.openxmlformats.org/drawingml/2006/main" xmlns:r="http://schemas.openxmlformats.org/officeDocument/2006/relationships" xmlns:p="http://schemas.openxmlformats.org/presentationml/2006/main">
+  <p:cSld>
+    <p:spTree>
+      <p:nvGrpSpPr>
+        <p:cNvPr id="1" name=""/>
+        <p:cNvGrpSpPr/>
+        <p:nvPr/>
+      </p:nvGrpSpPr>
+      <p:grpSpPr>
+        <a:xfrm>
+          <a:off x="0" y="0"/>
+          <a:ext cx="0" cy="0"/>
+          <a:chOff x="0" y="0"/>
+          <a:chExt cx="0" cy="0"/>
+        </a:xfrm>
+      </p:grpSpPr>
+      <p:sp>
+        <p:nvSpPr>
+          <p:cNvPr id="2" name="Titolo 1"/>
+          <p:cNvSpPr>
+            <a:spLocks noGrp="1"/>
+          </p:cNvSpPr>
+          <p:nvPr>
+            <p:ph type="title"/>
+          </p:nvPr>
+        </p:nvSpPr>
+        <p:spPr/>
+        <p:txBody>
+          <a:bodyPr/>
+          <a:lstStyle/>
+          <a:p>
+            <a:r>
+              <a:rPr lang="it-IT" dirty="0" err="1" smtClean="0">
+                <a:solidFill>
+                  <a:schemeClr val="bg1"/>
+                </a:solidFill>
+              </a:rPr>
+              <a:t>Auth</a:t>
+            </a:r>
+            <a:r>
+              <a:rPr lang="it-IT" dirty="0" smtClean="0">
+                <a:solidFill>
+                  <a:schemeClr val="bg1"/>
+                </a:solidFill>
+              </a:rPr>
+              <a:t> REST con HTTP: </a:t>
+            </a:r>
+            <a:r>
+              <a:rPr lang="it-IT" dirty="0" smtClean="0">
+                <a:solidFill>
+                  <a:srgbClr val="02523F"/>
+                </a:solidFill>
+              </a:rPr>
               <a:t>API </a:t>
             </a:r>
             <a:r>
@@ -8193,6 +8540,685 @@
   <p:clrMapOvr>
     <a:masterClrMapping/>
   </p:clrMapOvr>
+  <p:timing>
+    <p:tnLst>
+      <p:par>
+        <p:cTn id="1" dur="indefinite" restart="never" nodeType="tmRoot"/>
+      </p:par>
+    </p:tnLst>
+  </p:timing>
+</p:sld>
+</file>
+
+<file path=ppt/slides/slide19.xml><?xml version="1.0" encoding="utf-8"?>
+<p:sld xmlns:a="http://schemas.openxmlformats.org/drawingml/2006/main" xmlns:r="http://schemas.openxmlformats.org/officeDocument/2006/relationships" xmlns:p="http://schemas.openxmlformats.org/presentationml/2006/main">
+  <p:cSld>
+    <p:spTree>
+      <p:nvGrpSpPr>
+        <p:cNvPr id="1" name=""/>
+        <p:cNvGrpSpPr/>
+        <p:nvPr/>
+      </p:nvGrpSpPr>
+      <p:grpSpPr>
+        <a:xfrm>
+          <a:off x="0" y="0"/>
+          <a:ext cx="0" cy="0"/>
+          <a:chOff x="0" y="0"/>
+          <a:chExt cx="0" cy="0"/>
+        </a:xfrm>
+      </p:grpSpPr>
+      <p:sp>
+        <p:nvSpPr>
+          <p:cNvPr id="4" name="Titolo 3"/>
+          <p:cNvSpPr>
+            <a:spLocks noGrp="1"/>
+          </p:cNvSpPr>
+          <p:nvPr>
+            <p:ph type="title"/>
+          </p:nvPr>
+        </p:nvSpPr>
+        <p:spPr/>
+        <p:txBody>
+          <a:bodyPr/>
+          <a:lstStyle/>
+          <a:p>
+            <a:r>
+              <a:rPr lang="it-IT" dirty="0" smtClean="0">
+                <a:solidFill>
+                  <a:schemeClr val="bg1"/>
+                </a:solidFill>
+              </a:rPr>
+              <a:t>Progetti che sfruttano delle </a:t>
+            </a:r>
+            <a:r>
+              <a:rPr lang="it-IT" dirty="0" err="1" smtClean="0">
+                <a:solidFill>
+                  <a:schemeClr val="bg1"/>
+                </a:solidFill>
+              </a:rPr>
+              <a:t>RESTful</a:t>
+            </a:r>
+            <a:r>
+              <a:rPr lang="it-IT" dirty="0" smtClean="0">
+                <a:solidFill>
+                  <a:schemeClr val="bg1"/>
+                </a:solidFill>
+              </a:rPr>
+              <a:t> API</a:t>
+            </a:r>
+            <a:endParaRPr lang="it-IT" dirty="0">
+              <a:solidFill>
+                <a:schemeClr val="bg1"/>
+              </a:solidFill>
+            </a:endParaRPr>
+          </a:p>
+        </p:txBody>
+      </p:sp>
+      <p:sp>
+        <p:nvSpPr>
+          <p:cNvPr id="5" name="Segnaposto testo 4"/>
+          <p:cNvSpPr>
+            <a:spLocks noGrp="1"/>
+          </p:cNvSpPr>
+          <p:nvPr>
+            <p:ph type="body" idx="1"/>
+          </p:nvPr>
+        </p:nvSpPr>
+        <p:spPr>
+          <a:xfrm>
+            <a:off x="839787" y="5716040"/>
+            <a:ext cx="5157787" cy="432360"/>
+          </a:xfrm>
+        </p:spPr>
+        <p:txBody>
+          <a:bodyPr/>
+          <a:lstStyle/>
+          <a:p>
+            <a:pPr algn="ctr"/>
+            <a:r>
+              <a:rPr lang="it-IT" b="0" dirty="0" err="1" smtClean="0">
+                <a:solidFill>
+                  <a:srgbClr val="02523F"/>
+                </a:solidFill>
+              </a:rPr>
+              <a:t>NodeJS</a:t>
+            </a:r>
+            <a:endParaRPr lang="it-IT" b="0" dirty="0">
+              <a:solidFill>
+                <a:srgbClr val="02523F"/>
+              </a:solidFill>
+            </a:endParaRPr>
+          </a:p>
+        </p:txBody>
+      </p:sp>
+      <p:pic>
+        <p:nvPicPr>
+          <p:cNvPr id="9" name="Segnaposto contenuto 8"/>
+          <p:cNvPicPr>
+            <a:picLocks noGrp="1" noChangeAspect="1"/>
+          </p:cNvPicPr>
+          <p:nvPr>
+            <p:ph sz="half" idx="2"/>
+          </p:nvPr>
+        </p:nvPicPr>
+        <p:blipFill>
+          <a:blip r:embed="rId2" cstate="print">
+            <a:extLst>
+              <a:ext uri="{28A0092B-C50C-407E-A947-70E740481C1C}">
+                <a14:useLocalDpi xmlns:a14="http://schemas.microsoft.com/office/drawing/2010/main" val="0"/>
+              </a:ext>
+            </a:extLst>
+          </a:blip>
+          <a:stretch>
+            <a:fillRect/>
+          </a:stretch>
+        </p:blipFill>
+        <p:spPr>
+          <a:xfrm>
+            <a:off x="839788" y="2622691"/>
+            <a:ext cx="5157787" cy="3057244"/>
+          </a:xfrm>
+        </p:spPr>
+      </p:pic>
+      <p:sp>
+        <p:nvSpPr>
+          <p:cNvPr id="7" name="Segnaposto testo 6"/>
+          <p:cNvSpPr>
+            <a:spLocks noGrp="1"/>
+          </p:cNvSpPr>
+          <p:nvPr>
+            <p:ph type="body" sz="quarter" idx="3"/>
+          </p:nvPr>
+        </p:nvSpPr>
+        <p:spPr>
+          <a:xfrm>
+            <a:off x="6172200" y="1938046"/>
+            <a:ext cx="5183188" cy="432360"/>
+          </a:xfrm>
+        </p:spPr>
+        <p:txBody>
+          <a:bodyPr>
+            <a:normAutofit lnSpcReduction="10000"/>
+          </a:bodyPr>
+          <a:lstStyle/>
+          <a:p>
+            <a:pPr algn="ctr"/>
+            <a:r>
+              <a:rPr lang="it-IT" sz="2600" b="0" dirty="0" smtClean="0">
+                <a:solidFill>
+                  <a:schemeClr val="bg1"/>
+                </a:solidFill>
+              </a:rPr>
+              <a:t>youPosition.it</a:t>
+            </a:r>
+            <a:endParaRPr lang="it-IT" sz="2600" b="0" dirty="0">
+              <a:solidFill>
+                <a:schemeClr val="bg1"/>
+              </a:solidFill>
+            </a:endParaRPr>
+          </a:p>
+        </p:txBody>
+      </p:sp>
+      <p:pic>
+        <p:nvPicPr>
+          <p:cNvPr id="10" name="Segnaposto contenuto 9"/>
+          <p:cNvPicPr>
+            <a:picLocks noGrp="1" noChangeAspect="1"/>
+          </p:cNvPicPr>
+          <p:nvPr>
+            <p:ph sz="quarter" idx="4"/>
+          </p:nvPr>
+        </p:nvPicPr>
+        <p:blipFill>
+          <a:blip r:embed="rId3" cstate="print">
+            <a:extLst>
+              <a:ext uri="{28A0092B-C50C-407E-A947-70E740481C1C}">
+                <a14:useLocalDpi xmlns:a14="http://schemas.microsoft.com/office/drawing/2010/main" val="0"/>
+              </a:ext>
+            </a:extLst>
+          </a:blip>
+          <a:stretch>
+            <a:fillRect/>
+          </a:stretch>
+        </p:blipFill>
+        <p:spPr>
+          <a:xfrm>
+            <a:off x="6172200" y="2617764"/>
+            <a:ext cx="5183188" cy="3067098"/>
+          </a:xfrm>
+        </p:spPr>
+      </p:pic>
+      <p:sp>
+        <p:nvSpPr>
+          <p:cNvPr id="11" name="Segnaposto testo 4"/>
+          <p:cNvSpPr txBox="1">
+            <a:spLocks/>
+          </p:cNvSpPr>
+          <p:nvPr/>
+        </p:nvSpPr>
+        <p:spPr>
+          <a:xfrm>
+            <a:off x="6172200" y="5716040"/>
+            <a:ext cx="5157787" cy="432360"/>
+          </a:xfrm>
+          <a:prstGeom prst="rect">
+            <a:avLst/>
+          </a:prstGeom>
+        </p:spPr>
+        <p:txBody>
+          <a:bodyPr vert="horz" lIns="91440" tIns="45720" rIns="91440" bIns="45720" rtlCol="0" anchor="b">
+            <a:normAutofit/>
+          </a:bodyPr>
+          <a:lstStyle>
+            <a:lvl1pPr marL="0" indent="0" algn="l" defTabSz="914400" rtl="0" eaLnBrk="1" latinLnBrk="0" hangingPunct="1">
+              <a:lnSpc>
+                <a:spcPct val="90000"/>
+              </a:lnSpc>
+              <a:spcBef>
+                <a:spcPts val="1000"/>
+              </a:spcBef>
+              <a:buFont typeface="Arial" panose="020B0604020202020204" pitchFamily="34" charset="0"/>
+              <a:buNone/>
+              <a:defRPr sz="2400" b="1" kern="1200">
+                <a:solidFill>
+                  <a:schemeClr val="tx1"/>
+                </a:solidFill>
+                <a:latin typeface="+mn-lt"/>
+                <a:ea typeface="+mn-ea"/>
+                <a:cs typeface="+mn-cs"/>
+              </a:defRPr>
+            </a:lvl1pPr>
+            <a:lvl2pPr marL="457200" indent="0" algn="l" defTabSz="914400" rtl="0" eaLnBrk="1" latinLnBrk="0" hangingPunct="1">
+              <a:lnSpc>
+                <a:spcPct val="90000"/>
+              </a:lnSpc>
+              <a:spcBef>
+                <a:spcPts val="500"/>
+              </a:spcBef>
+              <a:buFont typeface="Arial" panose="020B0604020202020204" pitchFamily="34" charset="0"/>
+              <a:buNone/>
+              <a:defRPr sz="2000" b="1" kern="1200">
+                <a:solidFill>
+                  <a:schemeClr val="tx1"/>
+                </a:solidFill>
+                <a:latin typeface="+mn-lt"/>
+                <a:ea typeface="+mn-ea"/>
+                <a:cs typeface="+mn-cs"/>
+              </a:defRPr>
+            </a:lvl2pPr>
+            <a:lvl3pPr marL="914400" indent="0" algn="l" defTabSz="914400" rtl="0" eaLnBrk="1" latinLnBrk="0" hangingPunct="1">
+              <a:lnSpc>
+                <a:spcPct val="90000"/>
+              </a:lnSpc>
+              <a:spcBef>
+                <a:spcPts val="500"/>
+              </a:spcBef>
+              <a:buFont typeface="Arial" panose="020B0604020202020204" pitchFamily="34" charset="0"/>
+              <a:buNone/>
+              <a:defRPr sz="1800" b="1" kern="1200">
+                <a:solidFill>
+                  <a:schemeClr val="tx1"/>
+                </a:solidFill>
+                <a:latin typeface="+mn-lt"/>
+                <a:ea typeface="+mn-ea"/>
+                <a:cs typeface="+mn-cs"/>
+              </a:defRPr>
+            </a:lvl3pPr>
+            <a:lvl4pPr marL="1371600" indent="0" algn="l" defTabSz="914400" rtl="0" eaLnBrk="1" latinLnBrk="0" hangingPunct="1">
+              <a:lnSpc>
+                <a:spcPct val="90000"/>
+              </a:lnSpc>
+              <a:spcBef>
+                <a:spcPts val="500"/>
+              </a:spcBef>
+              <a:buFont typeface="Arial" panose="020B0604020202020204" pitchFamily="34" charset="0"/>
+              <a:buNone/>
+              <a:defRPr sz="1600" b="1" kern="1200">
+                <a:solidFill>
+                  <a:schemeClr val="tx1"/>
+                </a:solidFill>
+                <a:latin typeface="+mn-lt"/>
+                <a:ea typeface="+mn-ea"/>
+                <a:cs typeface="+mn-cs"/>
+              </a:defRPr>
+            </a:lvl4pPr>
+            <a:lvl5pPr marL="1828800" indent="0" algn="l" defTabSz="914400" rtl="0" eaLnBrk="1" latinLnBrk="0" hangingPunct="1">
+              <a:lnSpc>
+                <a:spcPct val="90000"/>
+              </a:lnSpc>
+              <a:spcBef>
+                <a:spcPts val="500"/>
+              </a:spcBef>
+              <a:buFont typeface="Arial" panose="020B0604020202020204" pitchFamily="34" charset="0"/>
+              <a:buNone/>
+              <a:defRPr sz="1600" b="1" kern="1200">
+                <a:solidFill>
+                  <a:schemeClr val="tx1"/>
+                </a:solidFill>
+                <a:latin typeface="+mn-lt"/>
+                <a:ea typeface="+mn-ea"/>
+                <a:cs typeface="+mn-cs"/>
+              </a:defRPr>
+            </a:lvl5pPr>
+            <a:lvl6pPr marL="2286000" indent="0" algn="l" defTabSz="914400" rtl="0" eaLnBrk="1" latinLnBrk="0" hangingPunct="1">
+              <a:lnSpc>
+                <a:spcPct val="90000"/>
+              </a:lnSpc>
+              <a:spcBef>
+                <a:spcPts val="500"/>
+              </a:spcBef>
+              <a:buFont typeface="Arial" panose="020B0604020202020204" pitchFamily="34" charset="0"/>
+              <a:buNone/>
+              <a:defRPr sz="1600" b="1" kern="1200">
+                <a:solidFill>
+                  <a:schemeClr val="tx1"/>
+                </a:solidFill>
+                <a:latin typeface="+mn-lt"/>
+                <a:ea typeface="+mn-ea"/>
+                <a:cs typeface="+mn-cs"/>
+              </a:defRPr>
+            </a:lvl6pPr>
+            <a:lvl7pPr marL="2743200" indent="0" algn="l" defTabSz="914400" rtl="0" eaLnBrk="1" latinLnBrk="0" hangingPunct="1">
+              <a:lnSpc>
+                <a:spcPct val="90000"/>
+              </a:lnSpc>
+              <a:spcBef>
+                <a:spcPts val="500"/>
+              </a:spcBef>
+              <a:buFont typeface="Arial" panose="020B0604020202020204" pitchFamily="34" charset="0"/>
+              <a:buNone/>
+              <a:defRPr sz="1600" b="1" kern="1200">
+                <a:solidFill>
+                  <a:schemeClr val="tx1"/>
+                </a:solidFill>
+                <a:latin typeface="+mn-lt"/>
+                <a:ea typeface="+mn-ea"/>
+                <a:cs typeface="+mn-cs"/>
+              </a:defRPr>
+            </a:lvl7pPr>
+            <a:lvl8pPr marL="3200400" indent="0" algn="l" defTabSz="914400" rtl="0" eaLnBrk="1" latinLnBrk="0" hangingPunct="1">
+              <a:lnSpc>
+                <a:spcPct val="90000"/>
+              </a:lnSpc>
+              <a:spcBef>
+                <a:spcPts val="500"/>
+              </a:spcBef>
+              <a:buFont typeface="Arial" panose="020B0604020202020204" pitchFamily="34" charset="0"/>
+              <a:buNone/>
+              <a:defRPr sz="1600" b="1" kern="1200">
+                <a:solidFill>
+                  <a:schemeClr val="tx1"/>
+                </a:solidFill>
+                <a:latin typeface="+mn-lt"/>
+                <a:ea typeface="+mn-ea"/>
+                <a:cs typeface="+mn-cs"/>
+              </a:defRPr>
+            </a:lvl8pPr>
+            <a:lvl9pPr marL="3657600" indent="0" algn="l" defTabSz="914400" rtl="0" eaLnBrk="1" latinLnBrk="0" hangingPunct="1">
+              <a:lnSpc>
+                <a:spcPct val="90000"/>
+              </a:lnSpc>
+              <a:spcBef>
+                <a:spcPts val="500"/>
+              </a:spcBef>
+              <a:buFont typeface="Arial" panose="020B0604020202020204" pitchFamily="34" charset="0"/>
+              <a:buNone/>
+              <a:defRPr sz="1600" b="1" kern="1200">
+                <a:solidFill>
+                  <a:schemeClr val="tx1"/>
+                </a:solidFill>
+                <a:latin typeface="+mn-lt"/>
+                <a:ea typeface="+mn-ea"/>
+                <a:cs typeface="+mn-cs"/>
+              </a:defRPr>
+            </a:lvl9pPr>
+          </a:lstStyle>
+          <a:p>
+            <a:pPr algn="ctr"/>
+            <a:r>
+              <a:rPr lang="it-IT" b="0" dirty="0" err="1" smtClean="0">
+                <a:solidFill>
+                  <a:srgbClr val="02523F"/>
+                </a:solidFill>
+              </a:rPr>
+              <a:t>AngularJs</a:t>
+            </a:r>
+            <a:r>
+              <a:rPr lang="it-IT" b="0" dirty="0" smtClean="0">
+                <a:solidFill>
+                  <a:srgbClr val="02523F"/>
+                </a:solidFill>
+              </a:rPr>
+              <a:t> 1 + </a:t>
+            </a:r>
+            <a:r>
+              <a:rPr lang="it-IT" b="0" dirty="0" err="1" smtClean="0">
+                <a:solidFill>
+                  <a:srgbClr val="02523F"/>
+                </a:solidFill>
+              </a:rPr>
+              <a:t>Ionic</a:t>
+            </a:r>
+            <a:r>
+              <a:rPr lang="it-IT" b="0" dirty="0" smtClean="0">
+                <a:solidFill>
+                  <a:srgbClr val="02523F"/>
+                </a:solidFill>
+              </a:rPr>
+              <a:t> 1</a:t>
+            </a:r>
+            <a:endParaRPr lang="it-IT" b="0" dirty="0">
+              <a:solidFill>
+                <a:srgbClr val="02523F"/>
+              </a:solidFill>
+            </a:endParaRPr>
+          </a:p>
+        </p:txBody>
+      </p:sp>
+      <p:sp>
+        <p:nvSpPr>
+          <p:cNvPr id="12" name="Segnaposto testo 4"/>
+          <p:cNvSpPr txBox="1">
+            <a:spLocks/>
+          </p:cNvSpPr>
+          <p:nvPr/>
+        </p:nvSpPr>
+        <p:spPr>
+          <a:xfrm>
+            <a:off x="839788" y="1938046"/>
+            <a:ext cx="5157787" cy="432360"/>
+          </a:xfrm>
+          <a:prstGeom prst="rect">
+            <a:avLst/>
+          </a:prstGeom>
+        </p:spPr>
+        <p:txBody>
+          <a:bodyPr vert="horz" lIns="91440" tIns="45720" rIns="91440" bIns="45720" rtlCol="0" anchor="b">
+            <a:noAutofit/>
+          </a:bodyPr>
+          <a:lstStyle>
+            <a:lvl1pPr marL="0" indent="0" algn="l" defTabSz="914400" rtl="0" eaLnBrk="1" latinLnBrk="0" hangingPunct="1">
+              <a:lnSpc>
+                <a:spcPct val="90000"/>
+              </a:lnSpc>
+              <a:spcBef>
+                <a:spcPts val="1000"/>
+              </a:spcBef>
+              <a:buFont typeface="Arial" panose="020B0604020202020204" pitchFamily="34" charset="0"/>
+              <a:buNone/>
+              <a:defRPr sz="2400" b="1" kern="1200">
+                <a:solidFill>
+                  <a:schemeClr val="tx1"/>
+                </a:solidFill>
+                <a:latin typeface="+mn-lt"/>
+                <a:ea typeface="+mn-ea"/>
+                <a:cs typeface="+mn-cs"/>
+              </a:defRPr>
+            </a:lvl1pPr>
+            <a:lvl2pPr marL="457200" indent="0" algn="l" defTabSz="914400" rtl="0" eaLnBrk="1" latinLnBrk="0" hangingPunct="1">
+              <a:lnSpc>
+                <a:spcPct val="90000"/>
+              </a:lnSpc>
+              <a:spcBef>
+                <a:spcPts val="500"/>
+              </a:spcBef>
+              <a:buFont typeface="Arial" panose="020B0604020202020204" pitchFamily="34" charset="0"/>
+              <a:buNone/>
+              <a:defRPr sz="2000" b="1" kern="1200">
+                <a:solidFill>
+                  <a:schemeClr val="tx1"/>
+                </a:solidFill>
+                <a:latin typeface="+mn-lt"/>
+                <a:ea typeface="+mn-ea"/>
+                <a:cs typeface="+mn-cs"/>
+              </a:defRPr>
+            </a:lvl2pPr>
+            <a:lvl3pPr marL="914400" indent="0" algn="l" defTabSz="914400" rtl="0" eaLnBrk="1" latinLnBrk="0" hangingPunct="1">
+              <a:lnSpc>
+                <a:spcPct val="90000"/>
+              </a:lnSpc>
+              <a:spcBef>
+                <a:spcPts val="500"/>
+              </a:spcBef>
+              <a:buFont typeface="Arial" panose="020B0604020202020204" pitchFamily="34" charset="0"/>
+              <a:buNone/>
+              <a:defRPr sz="1800" b="1" kern="1200">
+                <a:solidFill>
+                  <a:schemeClr val="tx1"/>
+                </a:solidFill>
+                <a:latin typeface="+mn-lt"/>
+                <a:ea typeface="+mn-ea"/>
+                <a:cs typeface="+mn-cs"/>
+              </a:defRPr>
+            </a:lvl3pPr>
+            <a:lvl4pPr marL="1371600" indent="0" algn="l" defTabSz="914400" rtl="0" eaLnBrk="1" latinLnBrk="0" hangingPunct="1">
+              <a:lnSpc>
+                <a:spcPct val="90000"/>
+              </a:lnSpc>
+              <a:spcBef>
+                <a:spcPts val="500"/>
+              </a:spcBef>
+              <a:buFont typeface="Arial" panose="020B0604020202020204" pitchFamily="34" charset="0"/>
+              <a:buNone/>
+              <a:defRPr sz="1600" b="1" kern="1200">
+                <a:solidFill>
+                  <a:schemeClr val="tx1"/>
+                </a:solidFill>
+                <a:latin typeface="+mn-lt"/>
+                <a:ea typeface="+mn-ea"/>
+                <a:cs typeface="+mn-cs"/>
+              </a:defRPr>
+            </a:lvl4pPr>
+            <a:lvl5pPr marL="1828800" indent="0" algn="l" defTabSz="914400" rtl="0" eaLnBrk="1" latinLnBrk="0" hangingPunct="1">
+              <a:lnSpc>
+                <a:spcPct val="90000"/>
+              </a:lnSpc>
+              <a:spcBef>
+                <a:spcPts val="500"/>
+              </a:spcBef>
+              <a:buFont typeface="Arial" panose="020B0604020202020204" pitchFamily="34" charset="0"/>
+              <a:buNone/>
+              <a:defRPr sz="1600" b="1" kern="1200">
+                <a:solidFill>
+                  <a:schemeClr val="tx1"/>
+                </a:solidFill>
+                <a:latin typeface="+mn-lt"/>
+                <a:ea typeface="+mn-ea"/>
+                <a:cs typeface="+mn-cs"/>
+              </a:defRPr>
+            </a:lvl5pPr>
+            <a:lvl6pPr marL="2286000" indent="0" algn="l" defTabSz="914400" rtl="0" eaLnBrk="1" latinLnBrk="0" hangingPunct="1">
+              <a:lnSpc>
+                <a:spcPct val="90000"/>
+              </a:lnSpc>
+              <a:spcBef>
+                <a:spcPts val="500"/>
+              </a:spcBef>
+              <a:buFont typeface="Arial" panose="020B0604020202020204" pitchFamily="34" charset="0"/>
+              <a:buNone/>
+              <a:defRPr sz="1600" b="1" kern="1200">
+                <a:solidFill>
+                  <a:schemeClr val="tx1"/>
+                </a:solidFill>
+                <a:latin typeface="+mn-lt"/>
+                <a:ea typeface="+mn-ea"/>
+                <a:cs typeface="+mn-cs"/>
+              </a:defRPr>
+            </a:lvl6pPr>
+            <a:lvl7pPr marL="2743200" indent="0" algn="l" defTabSz="914400" rtl="0" eaLnBrk="1" latinLnBrk="0" hangingPunct="1">
+              <a:lnSpc>
+                <a:spcPct val="90000"/>
+              </a:lnSpc>
+              <a:spcBef>
+                <a:spcPts val="500"/>
+              </a:spcBef>
+              <a:buFont typeface="Arial" panose="020B0604020202020204" pitchFamily="34" charset="0"/>
+              <a:buNone/>
+              <a:defRPr sz="1600" b="1" kern="1200">
+                <a:solidFill>
+                  <a:schemeClr val="tx1"/>
+                </a:solidFill>
+                <a:latin typeface="+mn-lt"/>
+                <a:ea typeface="+mn-ea"/>
+                <a:cs typeface="+mn-cs"/>
+              </a:defRPr>
+            </a:lvl7pPr>
+            <a:lvl8pPr marL="3200400" indent="0" algn="l" defTabSz="914400" rtl="0" eaLnBrk="1" latinLnBrk="0" hangingPunct="1">
+              <a:lnSpc>
+                <a:spcPct val="90000"/>
+              </a:lnSpc>
+              <a:spcBef>
+                <a:spcPts val="500"/>
+              </a:spcBef>
+              <a:buFont typeface="Arial" panose="020B0604020202020204" pitchFamily="34" charset="0"/>
+              <a:buNone/>
+              <a:defRPr sz="1600" b="1" kern="1200">
+                <a:solidFill>
+                  <a:schemeClr val="tx1"/>
+                </a:solidFill>
+                <a:latin typeface="+mn-lt"/>
+                <a:ea typeface="+mn-ea"/>
+                <a:cs typeface="+mn-cs"/>
+              </a:defRPr>
+            </a:lvl8pPr>
+            <a:lvl9pPr marL="3657600" indent="0" algn="l" defTabSz="914400" rtl="0" eaLnBrk="1" latinLnBrk="0" hangingPunct="1">
+              <a:lnSpc>
+                <a:spcPct val="90000"/>
+              </a:lnSpc>
+              <a:spcBef>
+                <a:spcPts val="500"/>
+              </a:spcBef>
+              <a:buFont typeface="Arial" panose="020B0604020202020204" pitchFamily="34" charset="0"/>
+              <a:buNone/>
+              <a:defRPr sz="1600" b="1" kern="1200">
+                <a:solidFill>
+                  <a:schemeClr val="tx1"/>
+                </a:solidFill>
+                <a:latin typeface="+mn-lt"/>
+                <a:ea typeface="+mn-ea"/>
+                <a:cs typeface="+mn-cs"/>
+              </a:defRPr>
+            </a:lvl9pPr>
+          </a:lstStyle>
+          <a:p>
+            <a:pPr algn="ctr"/>
+            <a:r>
+              <a:rPr lang="it-IT" sz="2600" b="0" dirty="0" err="1" smtClean="0">
+                <a:solidFill>
+                  <a:schemeClr val="bg1"/>
+                </a:solidFill>
+              </a:rPr>
+              <a:t>Node</a:t>
+            </a:r>
+            <a:r>
+              <a:rPr lang="it-IT" sz="2600" b="0" dirty="0" smtClean="0">
+                <a:solidFill>
+                  <a:schemeClr val="bg1"/>
+                </a:solidFill>
+              </a:rPr>
+              <a:t> </a:t>
+            </a:r>
+            <a:r>
+              <a:rPr lang="it-IT" sz="2600" b="0" dirty="0" err="1" smtClean="0">
+                <a:solidFill>
+                  <a:schemeClr val="bg1"/>
+                </a:solidFill>
+              </a:rPr>
+              <a:t>telegram</a:t>
+            </a:r>
+            <a:r>
+              <a:rPr lang="it-IT" sz="2600" b="0" dirty="0" smtClean="0">
+                <a:solidFill>
+                  <a:schemeClr val="bg1"/>
+                </a:solidFill>
+              </a:rPr>
+              <a:t> bot api</a:t>
+            </a:r>
+            <a:endParaRPr lang="it-IT" sz="2600" b="0" dirty="0">
+              <a:solidFill>
+                <a:schemeClr val="bg1"/>
+              </a:solidFill>
+            </a:endParaRPr>
+          </a:p>
+        </p:txBody>
+      </p:sp>
+    </p:spTree>
+    <p:extLst>
+      <p:ext uri="{BB962C8B-B14F-4D97-AF65-F5344CB8AC3E}">
+        <p14:creationId xmlns:p14="http://schemas.microsoft.com/office/powerpoint/2010/main" val="1253593802"/>
+      </p:ext>
+    </p:extLst>
+  </p:cSld>
+  <p:clrMapOvr>
+    <a:masterClrMapping/>
+  </p:clrMapOvr>
+  <p:timing>
+    <p:tnLst>
+      <p:par>
+        <p:cTn id="1" dur="indefinite" restart="never" nodeType="tmRoot"/>
+      </p:par>
+    </p:tnLst>
+  </p:timing>
 </p:sld>
 </file>
 
@@ -8386,6 +9412,302 @@
     <p:extLst>
       <p:ext uri="{BB962C8B-B14F-4D97-AF65-F5344CB8AC3E}">
         <p14:creationId xmlns:p14="http://schemas.microsoft.com/office/powerpoint/2010/main" val="2556726671"/>
+      </p:ext>
+    </p:extLst>
+  </p:cSld>
+  <p:clrMapOvr>
+    <a:masterClrMapping/>
+  </p:clrMapOvr>
+  <p:timing>
+    <p:tnLst>
+      <p:par>
+        <p:cTn id="1" dur="indefinite" restart="never" nodeType="tmRoot"/>
+      </p:par>
+    </p:tnLst>
+  </p:timing>
+</p:sld>
+</file>
+
+<file path=ppt/slides/slide20.xml><?xml version="1.0" encoding="utf-8"?>
+<p:sld xmlns:a="http://schemas.openxmlformats.org/drawingml/2006/main" xmlns:r="http://schemas.openxmlformats.org/officeDocument/2006/relationships" xmlns:p="http://schemas.openxmlformats.org/presentationml/2006/main">
+  <p:cSld>
+    <p:spTree>
+      <p:nvGrpSpPr>
+        <p:cNvPr id="1" name=""/>
+        <p:cNvGrpSpPr/>
+        <p:nvPr/>
+      </p:nvGrpSpPr>
+      <p:grpSpPr>
+        <a:xfrm>
+          <a:off x="0" y="0"/>
+          <a:ext cx="0" cy="0"/>
+          <a:chOff x="0" y="0"/>
+          <a:chExt cx="0" cy="0"/>
+        </a:xfrm>
+      </p:grpSpPr>
+      <p:sp>
+        <p:nvSpPr>
+          <p:cNvPr id="9" name="Titolo 8"/>
+          <p:cNvSpPr>
+            <a:spLocks noGrp="1"/>
+          </p:cNvSpPr>
+          <p:nvPr>
+            <p:ph type="title"/>
+          </p:nvPr>
+        </p:nvSpPr>
+        <p:spPr/>
+        <p:txBody>
+          <a:bodyPr/>
+          <a:lstStyle/>
+          <a:p>
+            <a:r>
+              <a:rPr lang="it-IT" dirty="0" smtClean="0">
+                <a:solidFill>
+                  <a:schemeClr val="bg1"/>
+                </a:solidFill>
+              </a:rPr>
+              <a:t>REST: Client side, AJAX</a:t>
+            </a:r>
+            <a:endParaRPr lang="it-IT" dirty="0">
+              <a:solidFill>
+                <a:schemeClr val="bg1"/>
+              </a:solidFill>
+            </a:endParaRPr>
+          </a:p>
+        </p:txBody>
+      </p:sp>
+      <p:sp>
+        <p:nvSpPr>
+          <p:cNvPr id="10" name="Segnaposto contenuto 9"/>
+          <p:cNvSpPr>
+            <a:spLocks noGrp="1"/>
+          </p:cNvSpPr>
+          <p:nvPr>
+            <p:ph idx="1"/>
+          </p:nvPr>
+        </p:nvSpPr>
+        <p:spPr/>
+        <p:txBody>
+          <a:bodyPr>
+            <a:normAutofit/>
+          </a:bodyPr>
+          <a:lstStyle/>
+          <a:p>
+            <a:pPr marL="0" indent="0">
+              <a:buNone/>
+            </a:pPr>
+            <a:r>
+              <a:rPr lang="en-US" sz="2400" dirty="0">
+                <a:solidFill>
+                  <a:schemeClr val="bg1"/>
+                </a:solidFill>
+              </a:rPr>
+              <a:t>« </a:t>
+            </a:r>
+            <a:r>
+              <a:rPr lang="it-IT" sz="2400" i="1" dirty="0" smtClean="0">
+                <a:solidFill>
+                  <a:schemeClr val="bg1"/>
+                </a:solidFill>
+              </a:rPr>
+              <a:t>In </a:t>
+            </a:r>
+            <a:r>
+              <a:rPr lang="it-IT" sz="2400" i="1" dirty="0">
+                <a:solidFill>
+                  <a:schemeClr val="bg1"/>
+                </a:solidFill>
+              </a:rPr>
+              <a:t>informatica </a:t>
+            </a:r>
+            <a:r>
+              <a:rPr lang="it-IT" sz="2400" i="1" dirty="0">
+                <a:solidFill>
+                  <a:srgbClr val="02523F"/>
+                </a:solidFill>
+              </a:rPr>
+              <a:t>AJAX</a:t>
+            </a:r>
+            <a:r>
+              <a:rPr lang="it-IT" sz="2400" i="1" dirty="0">
+                <a:solidFill>
+                  <a:schemeClr val="bg1"/>
+                </a:solidFill>
+              </a:rPr>
+              <a:t>, acronimo di </a:t>
+            </a:r>
+            <a:r>
+              <a:rPr lang="it-IT" sz="2400" i="1" dirty="0" err="1">
+                <a:solidFill>
+                  <a:srgbClr val="02523F"/>
+                </a:solidFill>
+              </a:rPr>
+              <a:t>A</a:t>
+            </a:r>
+            <a:r>
+              <a:rPr lang="it-IT" sz="2400" i="1" dirty="0" err="1">
+                <a:solidFill>
+                  <a:schemeClr val="bg1"/>
+                </a:solidFill>
+              </a:rPr>
+              <a:t>synchronous</a:t>
+            </a:r>
+            <a:r>
+              <a:rPr lang="it-IT" sz="2400" i="1" dirty="0">
+                <a:solidFill>
+                  <a:schemeClr val="bg1"/>
+                </a:solidFill>
+              </a:rPr>
+              <a:t> </a:t>
+            </a:r>
+            <a:r>
+              <a:rPr lang="it-IT" sz="2400" i="1" dirty="0">
+                <a:solidFill>
+                  <a:srgbClr val="02523F"/>
+                </a:solidFill>
+              </a:rPr>
+              <a:t>J</a:t>
+            </a:r>
+            <a:r>
+              <a:rPr lang="it-IT" sz="2400" i="1" dirty="0">
+                <a:solidFill>
+                  <a:schemeClr val="bg1"/>
+                </a:solidFill>
+              </a:rPr>
+              <a:t>avaScript </a:t>
+            </a:r>
+            <a:r>
+              <a:rPr lang="it-IT" sz="2400" i="1" dirty="0">
+                <a:solidFill>
+                  <a:srgbClr val="02523F"/>
+                </a:solidFill>
+              </a:rPr>
+              <a:t>a</a:t>
+            </a:r>
+            <a:r>
+              <a:rPr lang="it-IT" sz="2400" i="1" dirty="0">
+                <a:solidFill>
+                  <a:schemeClr val="bg1"/>
+                </a:solidFill>
+              </a:rPr>
+              <a:t>nd </a:t>
+            </a:r>
+            <a:r>
+              <a:rPr lang="it-IT" sz="2400" i="1" dirty="0">
+                <a:solidFill>
+                  <a:srgbClr val="02523F"/>
+                </a:solidFill>
+              </a:rPr>
+              <a:t>X</a:t>
+            </a:r>
+            <a:r>
+              <a:rPr lang="it-IT" sz="2400" i="1" dirty="0">
+                <a:solidFill>
+                  <a:schemeClr val="bg1"/>
+                </a:solidFill>
+              </a:rPr>
+              <a:t>ML, è una tecnica di sviluppo software per la realizzazione di applicazioni web interattive (</a:t>
+            </a:r>
+            <a:r>
+              <a:rPr lang="it-IT" sz="2400" i="1" dirty="0" err="1">
+                <a:solidFill>
+                  <a:schemeClr val="bg1"/>
+                </a:solidFill>
+              </a:rPr>
+              <a:t>Rich</a:t>
+            </a:r>
+            <a:r>
+              <a:rPr lang="it-IT" sz="2400" i="1" dirty="0">
+                <a:solidFill>
+                  <a:schemeClr val="bg1"/>
+                </a:solidFill>
+              </a:rPr>
+              <a:t> Internet Application). Lo sviluppo di applicazioni HTML con AJAX si basa su uno scambio di dati in background fra web browser e server, che consente l'aggiornamento dinamico di una pagina web senza esplicito ricaricamento da parte dell'utente</a:t>
+            </a:r>
+            <a:r>
+              <a:rPr lang="it-IT" sz="2400" i="1" dirty="0" smtClean="0">
+                <a:solidFill>
+                  <a:schemeClr val="bg1"/>
+                </a:solidFill>
+              </a:rPr>
+              <a:t>. </a:t>
+            </a:r>
+            <a:r>
+              <a:rPr lang="it-IT" sz="2400" i="1" dirty="0">
+                <a:solidFill>
+                  <a:schemeClr val="bg1"/>
+                </a:solidFill>
+              </a:rPr>
+              <a:t>[…] AJAX è una tecnica multi-piattaforma, utilizzabile cioè su molti sistemi operativi, architetture informatiche e browser web, ed esistono numerose implementazioni open source di librerie e </a:t>
+            </a:r>
+            <a:r>
+              <a:rPr lang="it-IT" sz="2400" i="1" dirty="0" err="1" smtClean="0">
+                <a:solidFill>
+                  <a:schemeClr val="bg1"/>
+                </a:solidFill>
+              </a:rPr>
+              <a:t>framework</a:t>
+            </a:r>
+            <a:r>
+              <a:rPr lang="en-US" sz="2400" i="1" dirty="0">
+                <a:solidFill>
+                  <a:schemeClr val="bg1"/>
+                </a:solidFill>
+              </a:rPr>
+              <a:t>.  </a:t>
+            </a:r>
+            <a:r>
+              <a:rPr lang="en-US" sz="2400" dirty="0" smtClean="0">
+                <a:solidFill>
+                  <a:schemeClr val="bg1"/>
+                </a:solidFill>
+              </a:rPr>
+              <a:t>»</a:t>
+            </a:r>
+          </a:p>
+          <a:p>
+            <a:pPr marL="0" indent="0">
+              <a:buNone/>
+            </a:pPr>
+            <a:r>
+              <a:rPr lang="en-US" sz="2400" dirty="0">
+                <a:solidFill>
+                  <a:schemeClr val="bg1"/>
+                </a:solidFill>
+              </a:rPr>
+              <a:t>Wikipedia, </a:t>
+            </a:r>
+            <a:r>
+              <a:rPr lang="en-US" sz="2400" u="sng" dirty="0" smtClean="0">
+                <a:solidFill>
+                  <a:srgbClr val="02523F"/>
+                </a:solidFill>
+                <a:hlinkClick r:id="rId2"/>
+              </a:rPr>
+              <a:t>it.wikipedia.org/wiki/AJAX</a:t>
+            </a:r>
+            <a:endParaRPr lang="en-US" sz="2400" u="sng" dirty="0">
+              <a:solidFill>
+                <a:srgbClr val="02523F"/>
+              </a:solidFill>
+            </a:endParaRPr>
+          </a:p>
+          <a:p>
+            <a:pPr marL="0" indent="0">
+              <a:buNone/>
+            </a:pPr>
+            <a:endParaRPr lang="it-IT" sz="2400" i="1" dirty="0">
+              <a:solidFill>
+                <a:schemeClr val="bg1"/>
+              </a:solidFill>
+            </a:endParaRPr>
+          </a:p>
+        </p:txBody>
+      </p:sp>
+    </p:spTree>
+    <p:extLst>
+      <p:ext uri="{BB962C8B-B14F-4D97-AF65-F5344CB8AC3E}">
+        <p14:creationId xmlns:p14="http://schemas.microsoft.com/office/powerpoint/2010/main" val="3645574435"/>
       </p:ext>
     </p:extLst>
   </p:cSld>
@@ -9873,15 +11195,7 @@
                   <a:schemeClr val="bg1"/>
                 </a:solidFill>
               </a:rPr>
-              <a:t> nel contesto del protocollo HTTP che ne rispetta a pieno i principi ed è il protocollo su cui sono realizzati la maggior parte dei servizi di questo genere</a:t>
-            </a:r>
-            <a:r>
-              <a:rPr lang="it-IT" dirty="0" smtClean="0">
-                <a:solidFill>
-                  <a:schemeClr val="bg1"/>
-                </a:solidFill>
-              </a:rPr>
-              <a:t>. Es:</a:t>
+              <a:t> nel contesto del protocollo HTTP che ne rispetta a pieno i principi ed è il protocollo su cui sono realizzati la maggior parte dei servizi di questo genere. Es:</a:t>
             </a:r>
           </a:p>
           <a:p>
@@ -10148,7 +11462,7 @@
             <a:r>
               <a:rPr lang="it-IT" dirty="0" err="1" smtClean="0">
                 <a:solidFill>
-                  <a:schemeClr val="bg1"/>
+                  <a:srgbClr val="02523F"/>
                 </a:solidFill>
               </a:rPr>
               <a:t>NodeJs</a:t>
@@ -10164,14 +11478,14 @@
             <a:r>
               <a:rPr lang="it-IT" dirty="0" err="1" smtClean="0">
                 <a:solidFill>
-                  <a:schemeClr val="bg1"/>
+                  <a:srgbClr val="02523F"/>
                 </a:solidFill>
               </a:rPr>
               <a:t>ExpressJs</a:t>
             </a:r>
             <a:endParaRPr lang="it-IT" dirty="0" smtClean="0">
               <a:solidFill>
-                <a:schemeClr val="bg1"/>
+                <a:srgbClr val="02523F"/>
               </a:solidFill>
             </a:endParaRPr>
           </a:p>

--- a/REST.pptx
+++ b/REST.pptx
@@ -25,6 +25,15 @@
     <p:sldId id="273" r:id="rId19"/>
     <p:sldId id="274" r:id="rId20"/>
     <p:sldId id="275" r:id="rId21"/>
+    <p:sldId id="278" r:id="rId22"/>
+    <p:sldId id="277" r:id="rId23"/>
+    <p:sldId id="279" r:id="rId24"/>
+    <p:sldId id="280" r:id="rId25"/>
+    <p:sldId id="281" r:id="rId26"/>
+    <p:sldId id="282" r:id="rId27"/>
+    <p:sldId id="283" r:id="rId28"/>
+    <p:sldId id="284" r:id="rId29"/>
+    <p:sldId id="285" r:id="rId30"/>
   </p:sldIdLst>
   <p:sldSz cx="12192000" cy="6858000"/>
   <p:notesSz cx="6858000" cy="9144000"/>
@@ -288,7 +297,7 @@
           <a:p>
             <a:fld id="{87B37464-989D-4436-8DD6-4E2D6FEC1EC0}" type="datetimeFigureOut">
               <a:rPr lang="it-IT" smtClean="0"/>
-              <a:t>20/06/2016</a:t>
+              <a:t>03/07/2016</a:t>
             </a:fld>
             <a:endParaRPr lang="it-IT"/>
           </a:p>
@@ -458,7 +467,7 @@
           <a:p>
             <a:fld id="{87B37464-989D-4436-8DD6-4E2D6FEC1EC0}" type="datetimeFigureOut">
               <a:rPr lang="it-IT" smtClean="0"/>
-              <a:t>20/06/2016</a:t>
+              <a:t>03/07/2016</a:t>
             </a:fld>
             <a:endParaRPr lang="it-IT"/>
           </a:p>
@@ -638,7 +647,7 @@
           <a:p>
             <a:fld id="{87B37464-989D-4436-8DD6-4E2D6FEC1EC0}" type="datetimeFigureOut">
               <a:rPr lang="it-IT" smtClean="0"/>
-              <a:t>20/06/2016</a:t>
+              <a:t>03/07/2016</a:t>
             </a:fld>
             <a:endParaRPr lang="it-IT"/>
           </a:p>
@@ -808,7 +817,7 @@
           <a:p>
             <a:fld id="{87B37464-989D-4436-8DD6-4E2D6FEC1EC0}" type="datetimeFigureOut">
               <a:rPr lang="it-IT" smtClean="0"/>
-              <a:t>20/06/2016</a:t>
+              <a:t>03/07/2016</a:t>
             </a:fld>
             <a:endParaRPr lang="it-IT"/>
           </a:p>
@@ -1061,7 +1070,7 @@
           <a:p>
             <a:fld id="{87B37464-989D-4436-8DD6-4E2D6FEC1EC0}" type="datetimeFigureOut">
               <a:rPr lang="it-IT" smtClean="0"/>
-              <a:t>20/06/2016</a:t>
+              <a:t>03/07/2016</a:t>
             </a:fld>
             <a:endParaRPr lang="it-IT"/>
           </a:p>
@@ -1293,7 +1302,7 @@
           <a:p>
             <a:fld id="{87B37464-989D-4436-8DD6-4E2D6FEC1EC0}" type="datetimeFigureOut">
               <a:rPr lang="it-IT" smtClean="0"/>
-              <a:t>20/06/2016</a:t>
+              <a:t>03/07/2016</a:t>
             </a:fld>
             <a:endParaRPr lang="it-IT"/>
           </a:p>
@@ -1660,7 +1669,7 @@
           <a:p>
             <a:fld id="{87B37464-989D-4436-8DD6-4E2D6FEC1EC0}" type="datetimeFigureOut">
               <a:rPr lang="it-IT" smtClean="0"/>
-              <a:t>20/06/2016</a:t>
+              <a:t>03/07/2016</a:t>
             </a:fld>
             <a:endParaRPr lang="it-IT"/>
           </a:p>
@@ -1778,7 +1787,7 @@
           <a:p>
             <a:fld id="{87B37464-989D-4436-8DD6-4E2D6FEC1EC0}" type="datetimeFigureOut">
               <a:rPr lang="it-IT" smtClean="0"/>
-              <a:t>20/06/2016</a:t>
+              <a:t>03/07/2016</a:t>
             </a:fld>
             <a:endParaRPr lang="it-IT"/>
           </a:p>
@@ -1873,7 +1882,7 @@
           <a:p>
             <a:fld id="{87B37464-989D-4436-8DD6-4E2D6FEC1EC0}" type="datetimeFigureOut">
               <a:rPr lang="it-IT" smtClean="0"/>
-              <a:t>20/06/2016</a:t>
+              <a:t>03/07/2016</a:t>
             </a:fld>
             <a:endParaRPr lang="it-IT"/>
           </a:p>
@@ -2150,7 +2159,7 @@
           <a:p>
             <a:fld id="{87B37464-989D-4436-8DD6-4E2D6FEC1EC0}" type="datetimeFigureOut">
               <a:rPr lang="it-IT" smtClean="0"/>
-              <a:t>20/06/2016</a:t>
+              <a:t>03/07/2016</a:t>
             </a:fld>
             <a:endParaRPr lang="it-IT"/>
           </a:p>
@@ -2407,7 +2416,7 @@
           <a:p>
             <a:fld id="{87B37464-989D-4436-8DD6-4E2D6FEC1EC0}" type="datetimeFigureOut">
               <a:rPr lang="it-IT" smtClean="0"/>
-              <a:t>20/06/2016</a:t>
+              <a:t>03/07/2016</a:t>
             </a:fld>
             <a:endParaRPr lang="it-IT"/>
           </a:p>
@@ -2623,7 +2632,7 @@
           <a:p>
             <a:fld id="{87B37464-989D-4436-8DD6-4E2D6FEC1EC0}" type="datetimeFigureOut">
               <a:rPr lang="it-IT" smtClean="0"/>
-              <a:t>20/06/2016</a:t>
+              <a:t>03/07/2016</a:t>
             </a:fld>
             <a:endParaRPr lang="it-IT"/>
           </a:p>
@@ -3150,11 +3159,51 @@
                   <a:schemeClr val="bg1"/>
                 </a:solidFill>
               </a:rPr>
-              <a:t>REST con HTTP</a:t>
-            </a:r>
-            <a:endParaRPr lang="it-IT" dirty="0">
+              <a:t>REST con HTTP: </a:t>
+            </a:r>
+            <a:r>
+              <a:rPr lang="it-IT" sz="2800" dirty="0" smtClean="0">
+                <a:solidFill>
+                  <a:srgbClr val="02523F"/>
+                </a:solidFill>
+              </a:rPr>
+              <a:t>GET /</a:t>
+            </a:r>
+            <a:r>
+              <a:rPr lang="it-IT" sz="2800" dirty="0" err="1" smtClean="0">
+                <a:solidFill>
+                  <a:srgbClr val="02523F"/>
+                </a:solidFill>
+              </a:rPr>
+              <a:t>contact</a:t>
+            </a:r>
+            <a:r>
+              <a:rPr lang="it-IT" sz="2800" dirty="0" smtClean="0">
+                <a:solidFill>
+                  <a:srgbClr val="02523F"/>
+                </a:solidFill>
+              </a:rPr>
+              <a:t>/:</a:t>
+            </a:r>
+            <a:r>
+              <a:rPr lang="it-IT" sz="2800" dirty="0" err="1" smtClean="0">
+                <a:solidFill>
+                  <a:srgbClr val="02523F"/>
+                </a:solidFill>
+              </a:rPr>
+              <a:t>name</a:t>
+            </a:r>
+            <a:r>
+              <a:rPr lang="it-IT" sz="2800" dirty="0" smtClean="0">
+                <a:solidFill>
+                  <a:srgbClr val="02523F"/>
+                </a:solidFill>
+              </a:rPr>
+              <a:t> </a:t>
+            </a:r>
+            <a:endParaRPr lang="it-IT" sz="2800" dirty="0">
               <a:solidFill>
-                <a:schemeClr val="bg1"/>
+                <a:srgbClr val="02523F"/>
               </a:solidFill>
             </a:endParaRPr>
           </a:p>
@@ -3663,6 +3712,12 @@
               </a:rPr>
               <a:t>Express</a:t>
             </a:r>
+            <a:endParaRPr lang="it-IT" sz="1500" dirty="0" smtClean="0">
+              <a:solidFill>
+                <a:schemeClr val="bg1"/>
+              </a:solidFill>
+              <a:latin typeface="Consolas" panose="020B0609020204030204" pitchFamily="49" charset="0"/>
+            </a:endParaRPr>
           </a:p>
           <a:p>
             <a:pPr marL="0" indent="0" eaLnBrk="0" fontAlgn="base" hangingPunct="0">
@@ -4409,9 +4464,57 @@
                   <a:schemeClr val="bg1"/>
                 </a:solidFill>
               </a:rPr>
-              <a:t>REST con HTTP</a:t>
-            </a:r>
-            <a:endParaRPr lang="it-IT" dirty="0">
+              <a:t>REST con HTTP: </a:t>
+            </a:r>
+            <a:r>
+              <a:rPr lang="it-IT" sz="2800" dirty="0" smtClean="0">
+                <a:solidFill>
+                  <a:srgbClr val="02523F"/>
+                </a:solidFill>
+              </a:rPr>
+              <a:t>POST </a:t>
+            </a:r>
+            <a:r>
+              <a:rPr lang="it-IT" sz="2800" dirty="0">
+                <a:solidFill>
+                  <a:srgbClr val="02523F"/>
+                </a:solidFill>
+              </a:rPr>
+              <a:t>/</a:t>
+            </a:r>
+            <a:r>
+              <a:rPr lang="it-IT" sz="2800" dirty="0" err="1">
+                <a:solidFill>
+                  <a:srgbClr val="02523F"/>
+                </a:solidFill>
+              </a:rPr>
+              <a:t>contact</a:t>
+            </a:r>
+            <a:r>
+              <a:rPr lang="it-IT" sz="2800" dirty="0">
+                <a:solidFill>
+                  <a:srgbClr val="02523F"/>
+                </a:solidFill>
+              </a:rPr>
+              <a:t>/:</a:t>
+            </a:r>
+            <a:r>
+              <a:rPr lang="it-IT" sz="2800" dirty="0" err="1">
+                <a:solidFill>
+                  <a:srgbClr val="02523F"/>
+                </a:solidFill>
+              </a:rPr>
+              <a:t>name</a:t>
+            </a:r>
+            <a:r>
+              <a:rPr lang="it-IT" sz="2800" dirty="0">
+                <a:solidFill>
+                  <a:srgbClr val="02523F"/>
+                </a:solidFill>
+              </a:rPr>
+              <a:t> </a:t>
+            </a:r>
+            <a:endParaRPr lang="it-IT" sz="2800" dirty="0">
               <a:solidFill>
                 <a:schemeClr val="bg1"/>
               </a:solidFill>
@@ -5841,9 +5944,57 @@
                   <a:schemeClr val="bg1"/>
                 </a:solidFill>
               </a:rPr>
-              <a:t>REST con HTTP</a:t>
-            </a:r>
-            <a:endParaRPr lang="it-IT" dirty="0">
+              <a:t>REST con HTTP:</a:t>
+            </a:r>
+            <a:r>
+              <a:rPr lang="it-IT" dirty="0" smtClean="0">
+                <a:solidFill>
+                  <a:srgbClr val="02523F"/>
+                </a:solidFill>
+              </a:rPr>
+              <a:t> </a:t>
+            </a:r>
+            <a:r>
+              <a:rPr lang="it-IT" sz="2800" dirty="0" smtClean="0">
+                <a:solidFill>
+                  <a:srgbClr val="02523F"/>
+                </a:solidFill>
+              </a:rPr>
+              <a:t>POST /</a:t>
+            </a:r>
+            <a:r>
+              <a:rPr lang="it-IT" sz="2800" dirty="0" err="1" smtClean="0">
+                <a:solidFill>
+                  <a:srgbClr val="02523F"/>
+                </a:solidFill>
+              </a:rPr>
+              <a:t>contact</a:t>
+            </a:r>
+            <a:r>
+              <a:rPr lang="it-IT" sz="2800" dirty="0">
+                <a:solidFill>
+                  <a:srgbClr val="02523F"/>
+                </a:solidFill>
+              </a:rPr>
+              <a:t>/:</a:t>
+            </a:r>
+            <a:r>
+              <a:rPr lang="it-IT" sz="2800" dirty="0" err="1">
+                <a:solidFill>
+                  <a:srgbClr val="02523F"/>
+                </a:solidFill>
+              </a:rPr>
+              <a:t>name</a:t>
+            </a:r>
+            <a:r>
+              <a:rPr lang="it-IT" sz="2800" dirty="0">
+                <a:solidFill>
+                  <a:srgbClr val="02523F"/>
+                </a:solidFill>
+              </a:rPr>
+              <a:t> </a:t>
+            </a:r>
+            <a:endParaRPr lang="it-IT" sz="2800" dirty="0">
               <a:solidFill>
                 <a:schemeClr val="bg1"/>
               </a:solidFill>
@@ -7674,13 +7825,16 @@
                   <a:schemeClr val="bg1"/>
                 </a:solidFill>
               </a:rPr>
-              <a:t>HTTPS consiste nella comunicazione attraverso il protocollo HTTP mediante una connessione sicura, garantita dal protocollo SSL o TLS.</a:t>
-            </a:r>
-          </a:p>
-          <a:p>
-            <a:pPr marL="0" indent="0">
-              <a:buNone/>
-            </a:pPr>
+              <a:t>HTTPS </a:t>
+            </a:r>
+            <a:r>
+              <a:rPr lang="it-IT" dirty="0" smtClean="0">
+                <a:solidFill>
+                  <a:schemeClr val="bg1"/>
+                </a:solidFill>
+              </a:rPr>
+              <a:t>è il risultato dell’accoppiamento del HTTP con il protocollo SSL o TLS che garantiscono la sicurezza della comunicazione.</a:t>
+            </a:r>
             <a:endParaRPr lang="it-IT" dirty="0">
               <a:solidFill>
                 <a:schemeClr val="bg1"/>
@@ -8512,8 +8666,8 @@
         </p:blipFill>
         <p:spPr bwMode="auto">
           <a:xfrm>
-            <a:off x="838200" y="1795946"/>
-            <a:ext cx="7090250" cy="4278711"/>
+            <a:off x="908926" y="1690688"/>
+            <a:ext cx="10444874" cy="4638931"/>
           </a:xfrm>
           <a:prstGeom prst="rect">
             <a:avLst/>
@@ -8591,20 +8745,20 @@
               <a:t>Progetti che sfruttano delle </a:t>
             </a:r>
             <a:r>
-              <a:rPr lang="it-IT" dirty="0" err="1" smtClean="0">
-                <a:solidFill>
-                  <a:schemeClr val="bg1"/>
-                </a:solidFill>
-              </a:rPr>
-              <a:t>RESTful</a:t>
-            </a:r>
-            <a:r>
               <a:rPr lang="it-IT" dirty="0" smtClean="0">
                 <a:solidFill>
                   <a:schemeClr val="bg1"/>
                 </a:solidFill>
               </a:rPr>
-              <a:t> API</a:t>
+              <a:t>REST </a:t>
+            </a:r>
+            <a:r>
+              <a:rPr lang="it-IT" dirty="0" smtClean="0">
+                <a:solidFill>
+                  <a:schemeClr val="bg1"/>
+                </a:solidFill>
+              </a:rPr>
+              <a:t>API</a:t>
             </a:r>
             <a:endParaRPr lang="it-IT" dirty="0">
               <a:solidFill>
@@ -9721,6 +9875,1381 @@
       </p:par>
     </p:tnLst>
   </p:timing>
+</p:sld>
+</file>
+
+<file path=ppt/slides/slide21.xml><?xml version="1.0" encoding="utf-8"?>
+<p:sld xmlns:a="http://schemas.openxmlformats.org/drawingml/2006/main" xmlns:r="http://schemas.openxmlformats.org/officeDocument/2006/relationships" xmlns:p="http://schemas.openxmlformats.org/presentationml/2006/main">
+  <p:cSld>
+    <p:spTree>
+      <p:nvGrpSpPr>
+        <p:cNvPr id="1" name=""/>
+        <p:cNvGrpSpPr/>
+        <p:nvPr/>
+      </p:nvGrpSpPr>
+      <p:grpSpPr>
+        <a:xfrm>
+          <a:off x="0" y="0"/>
+          <a:ext cx="0" cy="0"/>
+          <a:chOff x="0" y="0"/>
+          <a:chExt cx="0" cy="0"/>
+        </a:xfrm>
+      </p:grpSpPr>
+      <p:sp>
+        <p:nvSpPr>
+          <p:cNvPr id="2" name="Titolo 1"/>
+          <p:cNvSpPr>
+            <a:spLocks noGrp="1"/>
+          </p:cNvSpPr>
+          <p:nvPr>
+            <p:ph type="title"/>
+          </p:nvPr>
+        </p:nvSpPr>
+        <p:spPr/>
+        <p:txBody>
+          <a:bodyPr/>
+          <a:lstStyle/>
+          <a:p>
+            <a:r>
+              <a:rPr lang="it-IT" dirty="0" smtClean="0">
+                <a:solidFill>
+                  <a:schemeClr val="bg1"/>
+                </a:solidFill>
+              </a:rPr>
+              <a:t>AJAX: applicazioni</a:t>
+            </a:r>
+            <a:endParaRPr lang="it-IT" dirty="0"/>
+          </a:p>
+        </p:txBody>
+      </p:sp>
+      <p:sp>
+        <p:nvSpPr>
+          <p:cNvPr id="3" name="Segnaposto contenuto 2"/>
+          <p:cNvSpPr>
+            <a:spLocks noGrp="1"/>
+          </p:cNvSpPr>
+          <p:nvPr>
+            <p:ph idx="1"/>
+          </p:nvPr>
+        </p:nvSpPr>
+        <p:spPr/>
+        <p:txBody>
+          <a:bodyPr/>
+          <a:lstStyle/>
+          <a:p>
+            <a:r>
+              <a:rPr lang="it-IT" dirty="0" smtClean="0">
+                <a:solidFill>
+                  <a:schemeClr val="bg1"/>
+                </a:solidFill>
+              </a:rPr>
+              <a:t>Caricamento asincrono del contenuto rispetto all’interfaccia grafica</a:t>
+            </a:r>
+          </a:p>
+          <a:p>
+            <a:r>
+              <a:rPr lang="it-IT" dirty="0" smtClean="0">
+                <a:solidFill>
+                  <a:schemeClr val="bg1"/>
+                </a:solidFill>
+              </a:rPr>
+              <a:t>Menù a tendina e </a:t>
+            </a:r>
+            <a:r>
+              <a:rPr lang="it-IT" dirty="0" err="1" smtClean="0">
+                <a:solidFill>
+                  <a:schemeClr val="bg1"/>
+                </a:solidFill>
+              </a:rPr>
+              <a:t>Search</a:t>
+            </a:r>
+            <a:r>
+              <a:rPr lang="it-IT" dirty="0" smtClean="0">
+                <a:solidFill>
+                  <a:schemeClr val="bg1"/>
+                </a:solidFill>
+              </a:rPr>
+              <a:t> </a:t>
+            </a:r>
+            <a:r>
+              <a:rPr lang="it-IT" dirty="0" err="1" smtClean="0">
+                <a:solidFill>
+                  <a:schemeClr val="bg1"/>
+                </a:solidFill>
+              </a:rPr>
+              <a:t>field</a:t>
+            </a:r>
+            <a:endParaRPr lang="it-IT" dirty="0" smtClean="0">
+              <a:solidFill>
+                <a:schemeClr val="bg1"/>
+              </a:solidFill>
+            </a:endParaRPr>
+          </a:p>
+          <a:p>
+            <a:r>
+              <a:rPr lang="it-IT" dirty="0" smtClean="0">
+                <a:solidFill>
+                  <a:schemeClr val="bg1"/>
+                </a:solidFill>
+              </a:rPr>
+              <a:t>Login mediante social network (</a:t>
+            </a:r>
+            <a:r>
+              <a:rPr lang="it-IT" dirty="0" err="1" smtClean="0">
+                <a:solidFill>
+                  <a:schemeClr val="bg1"/>
+                </a:solidFill>
+              </a:rPr>
+              <a:t>Facebook</a:t>
+            </a:r>
+            <a:r>
+              <a:rPr lang="it-IT" dirty="0" smtClean="0">
+                <a:solidFill>
+                  <a:schemeClr val="bg1"/>
+                </a:solidFill>
+              </a:rPr>
+              <a:t> </a:t>
+            </a:r>
+            <a:r>
+              <a:rPr lang="it-IT" dirty="0" err="1" smtClean="0">
+                <a:solidFill>
+                  <a:schemeClr val="bg1"/>
+                </a:solidFill>
+              </a:rPr>
+              <a:t>Graph</a:t>
+            </a:r>
+            <a:r>
+              <a:rPr lang="it-IT" dirty="0" smtClean="0">
+                <a:solidFill>
+                  <a:schemeClr val="bg1"/>
+                </a:solidFill>
+              </a:rPr>
+              <a:t> API)</a:t>
+            </a:r>
+            <a:endParaRPr lang="it-IT" dirty="0">
+              <a:solidFill>
+                <a:schemeClr val="bg1"/>
+              </a:solidFill>
+            </a:endParaRPr>
+          </a:p>
+        </p:txBody>
+      </p:sp>
+    </p:spTree>
+    <p:extLst>
+      <p:ext uri="{BB962C8B-B14F-4D97-AF65-F5344CB8AC3E}">
+        <p14:creationId xmlns:p14="http://schemas.microsoft.com/office/powerpoint/2010/main" val="1288488115"/>
+      </p:ext>
+    </p:extLst>
+  </p:cSld>
+  <p:clrMapOvr>
+    <a:masterClrMapping/>
+  </p:clrMapOvr>
+  <p:timing>
+    <p:tnLst>
+      <p:par>
+        <p:cTn id="1" dur="indefinite" restart="never" nodeType="tmRoot"/>
+      </p:par>
+    </p:tnLst>
+  </p:timing>
+</p:sld>
+</file>
+
+<file path=ppt/slides/slide22.xml><?xml version="1.0" encoding="utf-8"?>
+<p:sld xmlns:a="http://schemas.openxmlformats.org/drawingml/2006/main" xmlns:r="http://schemas.openxmlformats.org/officeDocument/2006/relationships" xmlns:p="http://schemas.openxmlformats.org/presentationml/2006/main">
+  <p:cSld>
+    <p:spTree>
+      <p:nvGrpSpPr>
+        <p:cNvPr id="1" name=""/>
+        <p:cNvGrpSpPr/>
+        <p:nvPr/>
+      </p:nvGrpSpPr>
+      <p:grpSpPr>
+        <a:xfrm>
+          <a:off x="0" y="0"/>
+          <a:ext cx="0" cy="0"/>
+          <a:chOff x="0" y="0"/>
+          <a:chExt cx="0" cy="0"/>
+        </a:xfrm>
+      </p:grpSpPr>
+      <p:sp>
+        <p:nvSpPr>
+          <p:cNvPr id="2" name="Titolo 1"/>
+          <p:cNvSpPr>
+            <a:spLocks noGrp="1"/>
+          </p:cNvSpPr>
+          <p:nvPr>
+            <p:ph type="title"/>
+          </p:nvPr>
+        </p:nvSpPr>
+        <p:spPr/>
+        <p:txBody>
+          <a:bodyPr/>
+          <a:lstStyle/>
+          <a:p>
+            <a:r>
+              <a:rPr lang="it-IT" dirty="0" smtClean="0">
+                <a:solidFill>
+                  <a:schemeClr val="bg1"/>
+                </a:solidFill>
+              </a:rPr>
+              <a:t>AJAX: Utilizzo</a:t>
+            </a:r>
+            <a:endParaRPr lang="it-IT" dirty="0">
+              <a:solidFill>
+                <a:schemeClr val="bg1"/>
+              </a:solidFill>
+            </a:endParaRPr>
+          </a:p>
+        </p:txBody>
+      </p:sp>
+      <p:sp>
+        <p:nvSpPr>
+          <p:cNvPr id="3" name="Segnaposto contenuto 2"/>
+          <p:cNvSpPr>
+            <a:spLocks noGrp="1"/>
+          </p:cNvSpPr>
+          <p:nvPr>
+            <p:ph idx="1"/>
+          </p:nvPr>
+        </p:nvSpPr>
+        <p:spPr/>
+        <p:txBody>
+          <a:bodyPr/>
+          <a:lstStyle/>
+          <a:p>
+            <a:r>
+              <a:rPr lang="it-IT" dirty="0" smtClean="0">
+                <a:solidFill>
+                  <a:schemeClr val="bg1"/>
+                </a:solidFill>
+              </a:rPr>
+              <a:t>Pure </a:t>
+            </a:r>
+            <a:r>
+              <a:rPr lang="it-IT" dirty="0" err="1" smtClean="0">
+                <a:solidFill>
+                  <a:schemeClr val="bg1"/>
+                </a:solidFill>
+              </a:rPr>
+              <a:t>javascript</a:t>
+            </a:r>
+            <a:endParaRPr lang="it-IT" dirty="0" smtClean="0">
+              <a:solidFill>
+                <a:schemeClr val="bg1"/>
+              </a:solidFill>
+            </a:endParaRPr>
+          </a:p>
+          <a:p>
+            <a:r>
+              <a:rPr lang="it-IT" dirty="0" err="1" smtClean="0">
+                <a:solidFill>
+                  <a:schemeClr val="bg1"/>
+                </a:solidFill>
+              </a:rPr>
+              <a:t>JQuery</a:t>
+            </a:r>
+            <a:endParaRPr lang="it-IT" dirty="0" smtClean="0">
+              <a:solidFill>
+                <a:schemeClr val="bg1"/>
+              </a:solidFill>
+            </a:endParaRPr>
+          </a:p>
+        </p:txBody>
+      </p:sp>
+    </p:spTree>
+    <p:extLst>
+      <p:ext uri="{BB962C8B-B14F-4D97-AF65-F5344CB8AC3E}">
+        <p14:creationId xmlns:p14="http://schemas.microsoft.com/office/powerpoint/2010/main" val="3755541289"/>
+      </p:ext>
+    </p:extLst>
+  </p:cSld>
+  <p:clrMapOvr>
+    <a:masterClrMapping/>
+  </p:clrMapOvr>
+  <p:timing>
+    <p:tnLst>
+      <p:par>
+        <p:cTn id="1" dur="indefinite" restart="never" nodeType="tmRoot"/>
+      </p:par>
+    </p:tnLst>
+  </p:timing>
+</p:sld>
+</file>
+
+<file path=ppt/slides/slide23.xml><?xml version="1.0" encoding="utf-8"?>
+<p:sld xmlns:a="http://schemas.openxmlformats.org/drawingml/2006/main" xmlns:r="http://schemas.openxmlformats.org/officeDocument/2006/relationships" xmlns:p="http://schemas.openxmlformats.org/presentationml/2006/main">
+  <p:cSld>
+    <p:spTree>
+      <p:nvGrpSpPr>
+        <p:cNvPr id="1" name=""/>
+        <p:cNvGrpSpPr/>
+        <p:nvPr/>
+      </p:nvGrpSpPr>
+      <p:grpSpPr>
+        <a:xfrm>
+          <a:off x="0" y="0"/>
+          <a:ext cx="0" cy="0"/>
+          <a:chOff x="0" y="0"/>
+          <a:chExt cx="0" cy="0"/>
+        </a:xfrm>
+      </p:grpSpPr>
+      <p:sp>
+        <p:nvSpPr>
+          <p:cNvPr id="2" name="Titolo 1"/>
+          <p:cNvSpPr>
+            <a:spLocks noGrp="1"/>
+          </p:cNvSpPr>
+          <p:nvPr>
+            <p:ph type="title"/>
+          </p:nvPr>
+        </p:nvSpPr>
+        <p:spPr/>
+        <p:txBody>
+          <a:bodyPr/>
+          <a:lstStyle/>
+          <a:p>
+            <a:r>
+              <a:rPr lang="it-IT" dirty="0">
+                <a:solidFill>
+                  <a:schemeClr val="bg1"/>
+                </a:solidFill>
+              </a:rPr>
+              <a:t>AJAX: </a:t>
+            </a:r>
+            <a:r>
+              <a:rPr lang="it-IT" dirty="0" smtClean="0">
+                <a:solidFill>
+                  <a:schemeClr val="bg1"/>
+                </a:solidFill>
+              </a:rPr>
+              <a:t>Pure </a:t>
+            </a:r>
+            <a:r>
+              <a:rPr lang="it-IT" dirty="0" err="1" smtClean="0">
+                <a:solidFill>
+                  <a:schemeClr val="bg1"/>
+                </a:solidFill>
+              </a:rPr>
+              <a:t>Javascript</a:t>
+            </a:r>
+            <a:endParaRPr lang="it-IT" dirty="0"/>
+          </a:p>
+        </p:txBody>
+      </p:sp>
+      <p:pic>
+        <p:nvPicPr>
+          <p:cNvPr id="5" name="Segnaposto contenuto 4"/>
+          <p:cNvPicPr>
+            <a:picLocks noGrp="1" noChangeAspect="1"/>
+          </p:cNvPicPr>
+          <p:nvPr>
+            <p:ph idx="1"/>
+          </p:nvPr>
+        </p:nvPicPr>
+        <p:blipFill>
+          <a:blip r:embed="rId2">
+            <a:extLst>
+              <a:ext uri="{28A0092B-C50C-407E-A947-70E740481C1C}">
+                <a14:useLocalDpi xmlns:a14="http://schemas.microsoft.com/office/drawing/2010/main" val="0"/>
+              </a:ext>
+            </a:extLst>
+          </a:blip>
+          <a:stretch>
+            <a:fillRect/>
+          </a:stretch>
+        </p:blipFill>
+        <p:spPr>
+          <a:xfrm>
+            <a:off x="913677" y="2238923"/>
+            <a:ext cx="10364646" cy="3524742"/>
+          </a:xfrm>
+        </p:spPr>
+      </p:pic>
+    </p:spTree>
+    <p:extLst>
+      <p:ext uri="{BB962C8B-B14F-4D97-AF65-F5344CB8AC3E}">
+        <p14:creationId xmlns:p14="http://schemas.microsoft.com/office/powerpoint/2010/main" val="1052820452"/>
+      </p:ext>
+    </p:extLst>
+  </p:cSld>
+  <p:clrMapOvr>
+    <a:masterClrMapping/>
+  </p:clrMapOvr>
+</p:sld>
+</file>
+
+<file path=ppt/slides/slide24.xml><?xml version="1.0" encoding="utf-8"?>
+<p:sld xmlns:a="http://schemas.openxmlformats.org/drawingml/2006/main" xmlns:r="http://schemas.openxmlformats.org/officeDocument/2006/relationships" xmlns:p="http://schemas.openxmlformats.org/presentationml/2006/main">
+  <p:cSld>
+    <p:spTree>
+      <p:nvGrpSpPr>
+        <p:cNvPr id="1" name=""/>
+        <p:cNvGrpSpPr/>
+        <p:nvPr/>
+      </p:nvGrpSpPr>
+      <p:grpSpPr>
+        <a:xfrm>
+          <a:off x="0" y="0"/>
+          <a:ext cx="0" cy="0"/>
+          <a:chOff x="0" y="0"/>
+          <a:chExt cx="0" cy="0"/>
+        </a:xfrm>
+      </p:grpSpPr>
+      <p:sp>
+        <p:nvSpPr>
+          <p:cNvPr id="2" name="Titolo 1"/>
+          <p:cNvSpPr>
+            <a:spLocks noGrp="1"/>
+          </p:cNvSpPr>
+          <p:nvPr>
+            <p:ph type="title"/>
+          </p:nvPr>
+        </p:nvSpPr>
+        <p:spPr/>
+        <p:txBody>
+          <a:bodyPr/>
+          <a:lstStyle/>
+          <a:p>
+            <a:r>
+              <a:rPr lang="it-IT" dirty="0">
+                <a:solidFill>
+                  <a:schemeClr val="bg1"/>
+                </a:solidFill>
+              </a:rPr>
+              <a:t>AJAX: </a:t>
+            </a:r>
+            <a:r>
+              <a:rPr lang="it-IT" dirty="0" smtClean="0">
+                <a:solidFill>
+                  <a:schemeClr val="bg1"/>
+                </a:solidFill>
+              </a:rPr>
+              <a:t>Pure </a:t>
+            </a:r>
+            <a:r>
+              <a:rPr lang="it-IT" dirty="0" err="1" smtClean="0">
+                <a:solidFill>
+                  <a:schemeClr val="bg1"/>
+                </a:solidFill>
+              </a:rPr>
+              <a:t>JQuery</a:t>
+            </a:r>
+            <a:endParaRPr lang="it-IT" dirty="0"/>
+          </a:p>
+        </p:txBody>
+      </p:sp>
+      <p:pic>
+        <p:nvPicPr>
+          <p:cNvPr id="4" name="Segnaposto contenuto 3"/>
+          <p:cNvPicPr>
+            <a:picLocks noGrp="1" noChangeAspect="1"/>
+          </p:cNvPicPr>
+          <p:nvPr>
+            <p:ph idx="1"/>
+          </p:nvPr>
+        </p:nvPicPr>
+        <p:blipFill>
+          <a:blip r:embed="rId2">
+            <a:extLst>
+              <a:ext uri="{28A0092B-C50C-407E-A947-70E740481C1C}">
+                <a14:useLocalDpi xmlns:a14="http://schemas.microsoft.com/office/drawing/2010/main" val="0"/>
+              </a:ext>
+            </a:extLst>
+          </a:blip>
+          <a:stretch>
+            <a:fillRect/>
+          </a:stretch>
+        </p:blipFill>
+        <p:spPr>
+          <a:xfrm>
+            <a:off x="918440" y="2238923"/>
+            <a:ext cx="10355120" cy="3524742"/>
+          </a:xfrm>
+        </p:spPr>
+      </p:pic>
+    </p:spTree>
+    <p:extLst>
+      <p:ext uri="{BB962C8B-B14F-4D97-AF65-F5344CB8AC3E}">
+        <p14:creationId xmlns:p14="http://schemas.microsoft.com/office/powerpoint/2010/main" val="3523638997"/>
+      </p:ext>
+    </p:extLst>
+  </p:cSld>
+  <p:clrMapOvr>
+    <a:masterClrMapping/>
+  </p:clrMapOvr>
+</p:sld>
+</file>
+
+<file path=ppt/slides/slide25.xml><?xml version="1.0" encoding="utf-8"?>
+<p:sld xmlns:a="http://schemas.openxmlformats.org/drawingml/2006/main" xmlns:r="http://schemas.openxmlformats.org/officeDocument/2006/relationships" xmlns:p="http://schemas.openxmlformats.org/presentationml/2006/main">
+  <p:cSld>
+    <p:spTree>
+      <p:nvGrpSpPr>
+        <p:cNvPr id="1" name=""/>
+        <p:cNvGrpSpPr/>
+        <p:nvPr/>
+      </p:nvGrpSpPr>
+      <p:grpSpPr>
+        <a:xfrm>
+          <a:off x="0" y="0"/>
+          <a:ext cx="0" cy="0"/>
+          <a:chOff x="0" y="0"/>
+          <a:chExt cx="0" cy="0"/>
+        </a:xfrm>
+      </p:grpSpPr>
+      <p:sp>
+        <p:nvSpPr>
+          <p:cNvPr id="2" name="Titolo 1"/>
+          <p:cNvSpPr>
+            <a:spLocks noGrp="1"/>
+          </p:cNvSpPr>
+          <p:nvPr>
+            <p:ph type="title"/>
+          </p:nvPr>
+        </p:nvSpPr>
+        <p:spPr/>
+        <p:txBody>
+          <a:bodyPr/>
+          <a:lstStyle/>
+          <a:p>
+            <a:r>
+              <a:rPr lang="it-IT" dirty="0" smtClean="0">
+                <a:solidFill>
+                  <a:schemeClr val="bg1"/>
+                </a:solidFill>
+              </a:rPr>
+              <a:t>REST &amp; AJAX: </a:t>
+            </a:r>
+            <a:r>
+              <a:rPr lang="it-IT" dirty="0" err="1" smtClean="0">
+                <a:solidFill>
+                  <a:srgbClr val="02523F"/>
+                </a:solidFill>
+              </a:rPr>
+              <a:t>Same-origin</a:t>
+            </a:r>
+            <a:r>
+              <a:rPr lang="it-IT" dirty="0" smtClean="0">
+                <a:solidFill>
+                  <a:srgbClr val="02523F"/>
+                </a:solidFill>
+              </a:rPr>
+              <a:t> </a:t>
+            </a:r>
+            <a:r>
+              <a:rPr lang="it-IT" dirty="0">
+                <a:solidFill>
+                  <a:srgbClr val="02523F"/>
+                </a:solidFill>
+              </a:rPr>
+              <a:t>policy</a:t>
+            </a:r>
+            <a:endParaRPr lang="it-IT" sz="2800" dirty="0">
+              <a:solidFill>
+                <a:schemeClr val="bg1"/>
+              </a:solidFill>
+            </a:endParaRPr>
+          </a:p>
+        </p:txBody>
+      </p:sp>
+      <p:sp>
+        <p:nvSpPr>
+          <p:cNvPr id="3" name="Segnaposto contenuto 2"/>
+          <p:cNvSpPr>
+            <a:spLocks noGrp="1"/>
+          </p:cNvSpPr>
+          <p:nvPr>
+            <p:ph idx="1"/>
+          </p:nvPr>
+        </p:nvSpPr>
+        <p:spPr/>
+        <p:txBody>
+          <a:bodyPr/>
+          <a:lstStyle/>
+          <a:p>
+            <a:pPr marL="0" indent="0">
+              <a:buNone/>
+            </a:pPr>
+            <a:r>
+              <a:rPr lang="it-IT" dirty="0" smtClean="0">
+                <a:solidFill>
+                  <a:schemeClr val="bg1"/>
+                </a:solidFill>
+              </a:rPr>
+              <a:t>Al fine di prevenire l’innesto di script pericolosi all’interno di pagine web che utilizzano risorse provenienti da domini esterni è stata definita la </a:t>
+            </a:r>
+            <a:r>
+              <a:rPr lang="it-IT" dirty="0" err="1">
+                <a:solidFill>
+                  <a:srgbClr val="02523F"/>
+                </a:solidFill>
+              </a:rPr>
+              <a:t>same-origin</a:t>
+            </a:r>
+            <a:r>
+              <a:rPr lang="it-IT" dirty="0">
+                <a:solidFill>
+                  <a:srgbClr val="02523F"/>
+                </a:solidFill>
+              </a:rPr>
+              <a:t> </a:t>
+            </a:r>
+            <a:r>
+              <a:rPr lang="it-IT" dirty="0" smtClean="0">
+                <a:solidFill>
+                  <a:srgbClr val="02523F"/>
+                </a:solidFill>
+              </a:rPr>
+              <a:t>policy</a:t>
+            </a:r>
+            <a:r>
+              <a:rPr lang="it-IT" dirty="0" smtClean="0">
+                <a:solidFill>
+                  <a:schemeClr val="bg1"/>
+                </a:solidFill>
+              </a:rPr>
+              <a:t>. Essa stabilisce che una pagina web possa accedere alle risorse di una seconda pagina web solo se entrambe appartengono alla stessa </a:t>
+            </a:r>
+            <a:r>
+              <a:rPr lang="it-IT" dirty="0" smtClean="0">
+                <a:solidFill>
+                  <a:srgbClr val="02523F"/>
+                </a:solidFill>
+              </a:rPr>
+              <a:t>origine</a:t>
+            </a:r>
+            <a:r>
+              <a:rPr lang="it-IT" dirty="0" smtClean="0">
+                <a:solidFill>
+                  <a:schemeClr val="bg1"/>
+                </a:solidFill>
+              </a:rPr>
+              <a:t>, definita da URL, Host e numero di porta</a:t>
+            </a:r>
+            <a:endParaRPr lang="it-IT" dirty="0">
+              <a:solidFill>
+                <a:schemeClr val="bg1"/>
+              </a:solidFill>
+            </a:endParaRPr>
+          </a:p>
+        </p:txBody>
+      </p:sp>
+    </p:spTree>
+    <p:extLst>
+      <p:ext uri="{BB962C8B-B14F-4D97-AF65-F5344CB8AC3E}">
+        <p14:creationId xmlns:p14="http://schemas.microsoft.com/office/powerpoint/2010/main" val="3156694567"/>
+      </p:ext>
+    </p:extLst>
+  </p:cSld>
+  <p:clrMapOvr>
+    <a:masterClrMapping/>
+  </p:clrMapOvr>
+</p:sld>
+</file>
+
+<file path=ppt/slides/slide26.xml><?xml version="1.0" encoding="utf-8"?>
+<p:sld xmlns:a="http://schemas.openxmlformats.org/drawingml/2006/main" xmlns:r="http://schemas.openxmlformats.org/officeDocument/2006/relationships" xmlns:p="http://schemas.openxmlformats.org/presentationml/2006/main">
+  <p:cSld>
+    <p:spTree>
+      <p:nvGrpSpPr>
+        <p:cNvPr id="1" name=""/>
+        <p:cNvGrpSpPr/>
+        <p:nvPr/>
+      </p:nvGrpSpPr>
+      <p:grpSpPr>
+        <a:xfrm>
+          <a:off x="0" y="0"/>
+          <a:ext cx="0" cy="0"/>
+          <a:chOff x="0" y="0"/>
+          <a:chExt cx="0" cy="0"/>
+        </a:xfrm>
+      </p:grpSpPr>
+      <p:sp>
+        <p:nvSpPr>
+          <p:cNvPr id="2" name="Titolo 1"/>
+          <p:cNvSpPr>
+            <a:spLocks noGrp="1"/>
+          </p:cNvSpPr>
+          <p:nvPr>
+            <p:ph type="title"/>
+          </p:nvPr>
+        </p:nvSpPr>
+        <p:spPr/>
+        <p:txBody>
+          <a:bodyPr/>
+          <a:lstStyle/>
+          <a:p>
+            <a:r>
+              <a:rPr lang="it-IT" dirty="0" smtClean="0">
+                <a:solidFill>
+                  <a:schemeClr val="bg1"/>
+                </a:solidFill>
+              </a:rPr>
+              <a:t>REST &amp; AJAX: CORS </a:t>
+            </a:r>
+            <a:r>
+              <a:rPr lang="it-IT" sz="2800" dirty="0" smtClean="0">
+                <a:solidFill>
+                  <a:srgbClr val="02523F"/>
+                </a:solidFill>
+              </a:rPr>
+              <a:t>C</a:t>
+            </a:r>
+            <a:r>
+              <a:rPr lang="it-IT" sz="2800" dirty="0" smtClean="0">
+                <a:solidFill>
+                  <a:schemeClr val="bg1"/>
+                </a:solidFill>
+              </a:rPr>
+              <a:t>ross </a:t>
+            </a:r>
+            <a:r>
+              <a:rPr lang="it-IT" sz="2800" dirty="0" err="1" smtClean="0">
+                <a:solidFill>
+                  <a:srgbClr val="02523F"/>
+                </a:solidFill>
+              </a:rPr>
+              <a:t>O</a:t>
+            </a:r>
+            <a:r>
+              <a:rPr lang="it-IT" sz="2800" dirty="0" err="1" smtClean="0">
+                <a:solidFill>
+                  <a:schemeClr val="bg1"/>
+                </a:solidFill>
+              </a:rPr>
+              <a:t>rigin</a:t>
+            </a:r>
+            <a:r>
+              <a:rPr lang="it-IT" sz="2800" dirty="0" smtClean="0">
+                <a:solidFill>
+                  <a:schemeClr val="bg1"/>
+                </a:solidFill>
+              </a:rPr>
+              <a:t> </a:t>
+            </a:r>
+            <a:r>
+              <a:rPr lang="it-IT" sz="2800" dirty="0" smtClean="0">
+                <a:solidFill>
+                  <a:srgbClr val="02523F"/>
+                </a:solidFill>
+              </a:rPr>
+              <a:t>R</a:t>
+            </a:r>
+            <a:r>
+              <a:rPr lang="it-IT" sz="2800" dirty="0" smtClean="0">
+                <a:solidFill>
+                  <a:schemeClr val="bg1"/>
+                </a:solidFill>
+              </a:rPr>
+              <a:t>esource </a:t>
+            </a:r>
+            <a:r>
+              <a:rPr lang="it-IT" sz="2800" dirty="0" err="1" smtClean="0">
+                <a:solidFill>
+                  <a:srgbClr val="02523F"/>
+                </a:solidFill>
+              </a:rPr>
+              <a:t>S</a:t>
+            </a:r>
+            <a:r>
+              <a:rPr lang="it-IT" sz="2800" dirty="0" err="1" smtClean="0">
+                <a:solidFill>
+                  <a:schemeClr val="bg1"/>
+                </a:solidFill>
+              </a:rPr>
+              <a:t>haring</a:t>
+            </a:r>
+            <a:endParaRPr lang="it-IT" sz="2800" dirty="0">
+              <a:solidFill>
+                <a:schemeClr val="bg1"/>
+              </a:solidFill>
+            </a:endParaRPr>
+          </a:p>
+        </p:txBody>
+      </p:sp>
+      <p:sp>
+        <p:nvSpPr>
+          <p:cNvPr id="3" name="Segnaposto contenuto 2"/>
+          <p:cNvSpPr>
+            <a:spLocks noGrp="1"/>
+          </p:cNvSpPr>
+          <p:nvPr>
+            <p:ph idx="1"/>
+          </p:nvPr>
+        </p:nvSpPr>
+        <p:spPr/>
+        <p:txBody>
+          <a:bodyPr/>
+          <a:lstStyle/>
+          <a:p>
+            <a:pPr marL="0" indent="0">
+              <a:buNone/>
+            </a:pPr>
+            <a:r>
+              <a:rPr lang="it-IT" dirty="0" smtClean="0">
+                <a:solidFill>
+                  <a:schemeClr val="bg1"/>
+                </a:solidFill>
+              </a:rPr>
+              <a:t>CORS è un meccanismo che permette l’accesso di una risorsa da un dominio diverso da quello ove essa stessa è locata. Esso prevede un processo chiamato </a:t>
+            </a:r>
+            <a:r>
+              <a:rPr lang="it-IT" dirty="0" err="1" smtClean="0">
+                <a:solidFill>
+                  <a:srgbClr val="02523F"/>
+                </a:solidFill>
+              </a:rPr>
+              <a:t>preflight</a:t>
+            </a:r>
+            <a:r>
+              <a:rPr lang="it-IT" dirty="0" smtClean="0">
+                <a:solidFill>
+                  <a:schemeClr val="bg1"/>
+                </a:solidFill>
+              </a:rPr>
+              <a:t> ove dei custom </a:t>
+            </a:r>
+            <a:r>
+              <a:rPr lang="it-IT" dirty="0" err="1" smtClean="0">
+                <a:solidFill>
+                  <a:schemeClr val="bg1"/>
+                </a:solidFill>
+              </a:rPr>
+              <a:t>headers</a:t>
+            </a:r>
+            <a:r>
+              <a:rPr lang="it-IT" dirty="0" smtClean="0">
+                <a:solidFill>
+                  <a:schemeClr val="bg1"/>
+                </a:solidFill>
+              </a:rPr>
+              <a:t> vengono scambiati tra client e server per verificare l’accessibilità della risorsa.</a:t>
+            </a:r>
+          </a:p>
+        </p:txBody>
+      </p:sp>
+    </p:spTree>
+    <p:extLst>
+      <p:ext uri="{BB962C8B-B14F-4D97-AF65-F5344CB8AC3E}">
+        <p14:creationId xmlns:p14="http://schemas.microsoft.com/office/powerpoint/2010/main" val="263927770"/>
+      </p:ext>
+    </p:extLst>
+  </p:cSld>
+  <p:clrMapOvr>
+    <a:masterClrMapping/>
+  </p:clrMapOvr>
+</p:sld>
+</file>
+
+<file path=ppt/slides/slide27.xml><?xml version="1.0" encoding="utf-8"?>
+<p:sld xmlns:a="http://schemas.openxmlformats.org/drawingml/2006/main" xmlns:r="http://schemas.openxmlformats.org/officeDocument/2006/relationships" xmlns:p="http://schemas.openxmlformats.org/presentationml/2006/main">
+  <p:cSld>
+    <p:spTree>
+      <p:nvGrpSpPr>
+        <p:cNvPr id="1" name=""/>
+        <p:cNvGrpSpPr/>
+        <p:nvPr/>
+      </p:nvGrpSpPr>
+      <p:grpSpPr>
+        <a:xfrm>
+          <a:off x="0" y="0"/>
+          <a:ext cx="0" cy="0"/>
+          <a:chOff x="0" y="0"/>
+          <a:chExt cx="0" cy="0"/>
+        </a:xfrm>
+      </p:grpSpPr>
+      <p:sp>
+        <p:nvSpPr>
+          <p:cNvPr id="2" name="Titolo 1"/>
+          <p:cNvSpPr>
+            <a:spLocks noGrp="1"/>
+          </p:cNvSpPr>
+          <p:nvPr>
+            <p:ph type="title"/>
+          </p:nvPr>
+        </p:nvSpPr>
+        <p:spPr/>
+        <p:txBody>
+          <a:bodyPr/>
+          <a:lstStyle/>
+          <a:p>
+            <a:r>
+              <a:rPr lang="it-IT" dirty="0" smtClean="0">
+                <a:solidFill>
+                  <a:schemeClr val="bg1"/>
+                </a:solidFill>
+              </a:rPr>
+              <a:t>CORS </a:t>
+            </a:r>
+            <a:r>
+              <a:rPr lang="it-IT" dirty="0" err="1">
+                <a:solidFill>
+                  <a:srgbClr val="02523F"/>
+                </a:solidFill>
+              </a:rPr>
+              <a:t>P</a:t>
+            </a:r>
+            <a:r>
+              <a:rPr lang="it-IT" dirty="0" err="1" smtClean="0">
+                <a:solidFill>
+                  <a:srgbClr val="02523F"/>
+                </a:solidFill>
+              </a:rPr>
+              <a:t>reflight</a:t>
+            </a:r>
+            <a:endParaRPr lang="it-IT" sz="2800" dirty="0">
+              <a:solidFill>
+                <a:srgbClr val="02523F"/>
+              </a:solidFill>
+            </a:endParaRPr>
+          </a:p>
+        </p:txBody>
+      </p:sp>
+      <p:pic>
+        <p:nvPicPr>
+          <p:cNvPr id="5" name="Segnaposto contenuto 4"/>
+          <p:cNvPicPr>
+            <a:picLocks noGrp="1" noChangeAspect="1"/>
+          </p:cNvPicPr>
+          <p:nvPr>
+            <p:ph idx="1"/>
+          </p:nvPr>
+        </p:nvPicPr>
+        <p:blipFill>
+          <a:blip r:embed="rId2" cstate="print">
+            <a:extLst>
+              <a:ext uri="{28A0092B-C50C-407E-A947-70E740481C1C}">
+                <a14:useLocalDpi xmlns:a14="http://schemas.microsoft.com/office/drawing/2010/main" val="0"/>
+              </a:ext>
+            </a:extLst>
+          </a:blip>
+          <a:stretch>
+            <a:fillRect/>
+          </a:stretch>
+        </p:blipFill>
+        <p:spPr>
+          <a:xfrm>
+            <a:off x="2179222" y="1825625"/>
+            <a:ext cx="7833556" cy="4351338"/>
+          </a:xfrm>
+        </p:spPr>
+      </p:pic>
+    </p:spTree>
+    <p:extLst>
+      <p:ext uri="{BB962C8B-B14F-4D97-AF65-F5344CB8AC3E}">
+        <p14:creationId xmlns:p14="http://schemas.microsoft.com/office/powerpoint/2010/main" val="4257173601"/>
+      </p:ext>
+    </p:extLst>
+  </p:cSld>
+  <p:clrMapOvr>
+    <a:masterClrMapping/>
+  </p:clrMapOvr>
+</p:sld>
+</file>
+
+<file path=ppt/slides/slide28.xml><?xml version="1.0" encoding="utf-8"?>
+<p:sld xmlns:a="http://schemas.openxmlformats.org/drawingml/2006/main" xmlns:r="http://schemas.openxmlformats.org/officeDocument/2006/relationships" xmlns:p="http://schemas.openxmlformats.org/presentationml/2006/main">
+  <p:cSld>
+    <p:spTree>
+      <p:nvGrpSpPr>
+        <p:cNvPr id="1" name=""/>
+        <p:cNvGrpSpPr/>
+        <p:nvPr/>
+      </p:nvGrpSpPr>
+      <p:grpSpPr>
+        <a:xfrm>
+          <a:off x="0" y="0"/>
+          <a:ext cx="0" cy="0"/>
+          <a:chOff x="0" y="0"/>
+          <a:chExt cx="0" cy="0"/>
+        </a:xfrm>
+      </p:grpSpPr>
+      <p:sp>
+        <p:nvSpPr>
+          <p:cNvPr id="2" name="Titolo 1"/>
+          <p:cNvSpPr>
+            <a:spLocks noGrp="1"/>
+          </p:cNvSpPr>
+          <p:nvPr>
+            <p:ph type="title"/>
+          </p:nvPr>
+        </p:nvSpPr>
+        <p:spPr/>
+        <p:txBody>
+          <a:bodyPr/>
+          <a:lstStyle/>
+          <a:p>
+            <a:r>
+              <a:rPr lang="it-IT" dirty="0" smtClean="0">
+                <a:solidFill>
+                  <a:schemeClr val="bg1"/>
+                </a:solidFill>
+              </a:rPr>
+              <a:t>CORS </a:t>
+            </a:r>
+            <a:r>
+              <a:rPr lang="it-IT" dirty="0" err="1" smtClean="0">
+                <a:solidFill>
+                  <a:srgbClr val="02523F"/>
+                </a:solidFill>
+              </a:rPr>
+              <a:t>headers</a:t>
+            </a:r>
+            <a:endParaRPr lang="it-IT" dirty="0">
+              <a:solidFill>
+                <a:schemeClr val="bg1"/>
+              </a:solidFill>
+            </a:endParaRPr>
+          </a:p>
+        </p:txBody>
+      </p:sp>
+      <p:sp>
+        <p:nvSpPr>
+          <p:cNvPr id="3" name="Segnaposto contenuto 2"/>
+          <p:cNvSpPr>
+            <a:spLocks noGrp="1"/>
+          </p:cNvSpPr>
+          <p:nvPr>
+            <p:ph idx="1"/>
+          </p:nvPr>
+        </p:nvSpPr>
+        <p:spPr/>
+        <p:txBody>
+          <a:bodyPr/>
+          <a:lstStyle/>
+          <a:p>
+            <a:r>
+              <a:rPr lang="it-IT" dirty="0" smtClean="0">
+                <a:solidFill>
+                  <a:schemeClr val="bg1"/>
+                </a:solidFill>
+              </a:rPr>
+              <a:t>Client OPTIONS </a:t>
+            </a:r>
+            <a:r>
+              <a:rPr lang="it-IT" dirty="0" err="1" smtClean="0">
+                <a:solidFill>
+                  <a:schemeClr val="bg1"/>
+                </a:solidFill>
+              </a:rPr>
+              <a:t>preflight</a:t>
+            </a:r>
+            <a:r>
+              <a:rPr lang="it-IT" dirty="0" smtClean="0">
+                <a:solidFill>
+                  <a:schemeClr val="bg1"/>
+                </a:solidFill>
+              </a:rPr>
+              <a:t> </a:t>
+            </a:r>
+            <a:r>
+              <a:rPr lang="it-IT" dirty="0" err="1" smtClean="0">
+                <a:solidFill>
+                  <a:schemeClr val="bg1"/>
+                </a:solidFill>
+              </a:rPr>
+              <a:t>request</a:t>
+            </a:r>
+            <a:r>
+              <a:rPr lang="it-IT" dirty="0" smtClean="0">
+                <a:solidFill>
+                  <a:schemeClr val="bg1"/>
+                </a:solidFill>
+              </a:rPr>
+              <a:t>:</a:t>
+            </a:r>
+          </a:p>
+          <a:p>
+            <a:pPr lvl="1"/>
+            <a:r>
+              <a:rPr lang="it-IT" dirty="0" err="1" smtClean="0">
+                <a:solidFill>
+                  <a:schemeClr val="bg1"/>
+                </a:solidFill>
+              </a:rPr>
+              <a:t>Origin</a:t>
+            </a:r>
+            <a:r>
+              <a:rPr lang="it-IT" dirty="0" smtClean="0">
+                <a:solidFill>
+                  <a:schemeClr val="bg1"/>
+                </a:solidFill>
+              </a:rPr>
+              <a:t>: http://sito.it</a:t>
+            </a:r>
+            <a:endParaRPr lang="it-IT" dirty="0">
+              <a:solidFill>
+                <a:schemeClr val="bg1"/>
+              </a:solidFill>
+            </a:endParaRPr>
+          </a:p>
+          <a:p>
+            <a:r>
+              <a:rPr lang="it-IT" dirty="0" smtClean="0">
+                <a:solidFill>
+                  <a:schemeClr val="bg1"/>
+                </a:solidFill>
+              </a:rPr>
+              <a:t>Server </a:t>
+            </a:r>
+            <a:r>
+              <a:rPr lang="it-IT" dirty="0" err="1" smtClean="0">
+                <a:solidFill>
+                  <a:schemeClr val="bg1"/>
+                </a:solidFill>
+              </a:rPr>
+              <a:t>Response</a:t>
+            </a:r>
+            <a:endParaRPr lang="it-IT" dirty="0" smtClean="0">
+              <a:solidFill>
+                <a:schemeClr val="bg1"/>
+              </a:solidFill>
+            </a:endParaRPr>
+          </a:p>
+          <a:p>
+            <a:pPr lvl="1"/>
+            <a:r>
+              <a:rPr lang="en-US" dirty="0">
+                <a:solidFill>
+                  <a:schemeClr val="bg1"/>
+                </a:solidFill>
+              </a:rPr>
+              <a:t>Access-Control-Allow-Origin:</a:t>
+            </a:r>
+            <a:r>
+              <a:rPr lang="en-US" dirty="0">
+                <a:solidFill>
+                  <a:schemeClr val="bg1"/>
+                </a:solidFill>
+              </a:rPr>
+              <a:t> </a:t>
+            </a:r>
+            <a:r>
+              <a:rPr lang="en-US" dirty="0" smtClean="0">
+                <a:solidFill>
+                  <a:schemeClr val="bg1"/>
+                </a:solidFill>
+              </a:rPr>
+              <a:t>*</a:t>
+            </a:r>
+          </a:p>
+          <a:p>
+            <a:pPr lvl="1"/>
+            <a:r>
+              <a:rPr lang="en-US" dirty="0" smtClean="0">
+                <a:solidFill>
+                  <a:schemeClr val="bg1"/>
+                </a:solidFill>
+              </a:rPr>
+              <a:t>Access-Control-Allow-Methods</a:t>
+            </a:r>
+            <a:r>
+              <a:rPr lang="en-US" dirty="0">
+                <a:solidFill>
+                  <a:schemeClr val="bg1"/>
+                </a:solidFill>
+              </a:rPr>
+              <a:t>:</a:t>
+            </a:r>
+            <a:r>
+              <a:rPr lang="en-US" dirty="0">
+                <a:solidFill>
+                  <a:schemeClr val="bg1"/>
+                </a:solidFill>
+              </a:rPr>
+              <a:t> GET, POST, PUT, </a:t>
+            </a:r>
+            <a:r>
+              <a:rPr lang="en-US" dirty="0" smtClean="0">
+                <a:solidFill>
+                  <a:schemeClr val="bg1"/>
+                </a:solidFill>
+              </a:rPr>
+              <a:t>DELETE</a:t>
+            </a:r>
+          </a:p>
+          <a:p>
+            <a:pPr lvl="1"/>
+            <a:r>
+              <a:rPr lang="en-US" dirty="0" smtClean="0">
+                <a:solidFill>
+                  <a:schemeClr val="bg1"/>
+                </a:solidFill>
+              </a:rPr>
+              <a:t>Access-Control-Allow-Headers</a:t>
+            </a:r>
+            <a:r>
+              <a:rPr lang="en-US" dirty="0">
+                <a:solidFill>
+                  <a:schemeClr val="bg1"/>
+                </a:solidFill>
+              </a:rPr>
+              <a:t>:</a:t>
+            </a:r>
+            <a:r>
+              <a:rPr lang="en-US" dirty="0">
+                <a:solidFill>
+                  <a:schemeClr val="bg1"/>
+                </a:solidFill>
+              </a:rPr>
+              <a:t> </a:t>
+            </a:r>
+            <a:r>
+              <a:rPr lang="en-US" dirty="0" smtClean="0">
+                <a:solidFill>
+                  <a:schemeClr val="bg1"/>
+                </a:solidFill>
+              </a:rPr>
+              <a:t>Origin, X-Requested-With, </a:t>
+            </a:r>
+            <a:r>
+              <a:rPr lang="en-US" dirty="0">
+                <a:solidFill>
+                  <a:schemeClr val="bg1"/>
+                </a:solidFill>
+              </a:rPr>
+              <a:t>Content-Type, Accept, Authorization</a:t>
+            </a:r>
+            <a:endParaRPr lang="it-IT" dirty="0" smtClean="0">
+              <a:solidFill>
+                <a:schemeClr val="bg1"/>
+              </a:solidFill>
+            </a:endParaRPr>
+          </a:p>
+          <a:p>
+            <a:pPr lvl="1"/>
+            <a:endParaRPr lang="it-IT" dirty="0">
+              <a:solidFill>
+                <a:schemeClr val="bg1"/>
+              </a:solidFill>
+            </a:endParaRPr>
+          </a:p>
+        </p:txBody>
+      </p:sp>
+    </p:spTree>
+    <p:extLst>
+      <p:ext uri="{BB962C8B-B14F-4D97-AF65-F5344CB8AC3E}">
+        <p14:creationId xmlns:p14="http://schemas.microsoft.com/office/powerpoint/2010/main" val="852704170"/>
+      </p:ext>
+    </p:extLst>
+  </p:cSld>
+  <p:clrMapOvr>
+    <a:masterClrMapping/>
+  </p:clrMapOvr>
+</p:sld>
+</file>
+
+<file path=ppt/slides/slide29.xml><?xml version="1.0" encoding="utf-8"?>
+<p:sld xmlns:a="http://schemas.openxmlformats.org/drawingml/2006/main" xmlns:r="http://schemas.openxmlformats.org/officeDocument/2006/relationships" xmlns:p="http://schemas.openxmlformats.org/presentationml/2006/main">
+  <p:cSld>
+    <p:spTree>
+      <p:nvGrpSpPr>
+        <p:cNvPr id="1" name=""/>
+        <p:cNvGrpSpPr/>
+        <p:nvPr/>
+      </p:nvGrpSpPr>
+      <p:grpSpPr>
+        <a:xfrm>
+          <a:off x="0" y="0"/>
+          <a:ext cx="0" cy="0"/>
+          <a:chOff x="0" y="0"/>
+          <a:chExt cx="0" cy="0"/>
+        </a:xfrm>
+      </p:grpSpPr>
+      <p:sp>
+        <p:nvSpPr>
+          <p:cNvPr id="2" name="Titolo 1"/>
+          <p:cNvSpPr>
+            <a:spLocks noGrp="1"/>
+          </p:cNvSpPr>
+          <p:nvPr>
+            <p:ph type="title"/>
+          </p:nvPr>
+        </p:nvSpPr>
+        <p:spPr/>
+        <p:txBody>
+          <a:bodyPr/>
+          <a:lstStyle/>
+          <a:p>
+            <a:r>
+              <a:rPr lang="it-IT" dirty="0" smtClean="0">
+                <a:solidFill>
+                  <a:schemeClr val="bg1"/>
+                </a:solidFill>
+              </a:rPr>
+              <a:t>CORS </a:t>
+            </a:r>
+            <a:r>
+              <a:rPr lang="it-IT" dirty="0" err="1" smtClean="0">
+                <a:solidFill>
+                  <a:srgbClr val="02523F"/>
+                </a:solidFill>
+              </a:rPr>
+              <a:t>Rest</a:t>
+            </a:r>
+            <a:r>
+              <a:rPr lang="it-IT" dirty="0">
+                <a:solidFill>
+                  <a:srgbClr val="02523F"/>
+                </a:solidFill>
+              </a:rPr>
+              <a:t> </a:t>
+            </a:r>
+            <a:r>
+              <a:rPr lang="it-IT" dirty="0" err="1">
+                <a:solidFill>
+                  <a:srgbClr val="02523F"/>
+                </a:solidFill>
+              </a:rPr>
+              <a:t>middleware</a:t>
+            </a:r>
+            <a:endParaRPr lang="it-IT" dirty="0">
+              <a:solidFill>
+                <a:schemeClr val="bg1"/>
+              </a:solidFill>
+            </a:endParaRPr>
+          </a:p>
+        </p:txBody>
+      </p:sp>
+      <p:pic>
+        <p:nvPicPr>
+          <p:cNvPr id="4" name="Segnaposto contenuto 3"/>
+          <p:cNvPicPr>
+            <a:picLocks noGrp="1" noChangeAspect="1"/>
+          </p:cNvPicPr>
+          <p:nvPr>
+            <p:ph idx="1"/>
+          </p:nvPr>
+        </p:nvPicPr>
+        <p:blipFill>
+          <a:blip r:embed="rId2">
+            <a:extLst>
+              <a:ext uri="{28A0092B-C50C-407E-A947-70E740481C1C}">
+                <a14:useLocalDpi xmlns:a14="http://schemas.microsoft.com/office/drawing/2010/main" val="0"/>
+              </a:ext>
+            </a:extLst>
+          </a:blip>
+          <a:stretch>
+            <a:fillRect/>
+          </a:stretch>
+        </p:blipFill>
+        <p:spPr>
+          <a:xfrm>
+            <a:off x="916743" y="2760653"/>
+            <a:ext cx="10358513" cy="2481281"/>
+          </a:xfrm>
+        </p:spPr>
+      </p:pic>
+    </p:spTree>
+    <p:extLst>
+      <p:ext uri="{BB962C8B-B14F-4D97-AF65-F5344CB8AC3E}">
+        <p14:creationId xmlns:p14="http://schemas.microsoft.com/office/powerpoint/2010/main" val="279476779"/>
+      </p:ext>
+    </p:extLst>
+  </p:cSld>
+  <p:clrMapOvr>
+    <a:masterClrMapping/>
+  </p:clrMapOvr>
 </p:sld>
 </file>
 

--- a/REST.pptx
+++ b/REST.pptx
@@ -3712,12 +3712,6 @@
               </a:rPr>
               <a:t>Express</a:t>
             </a:r>
-            <a:endParaRPr lang="it-IT" sz="1500" dirty="0" smtClean="0">
-              <a:solidFill>
-                <a:schemeClr val="bg1"/>
-              </a:solidFill>
-              <a:latin typeface="Consolas" panose="020B0609020204030204" pitchFamily="49" charset="0"/>
-            </a:endParaRPr>
           </a:p>
           <a:p>
             <a:pPr marL="0" indent="0" eaLnBrk="0" fontAlgn="base" hangingPunct="0">
@@ -4483,7 +4477,7 @@
               <a:t>/</a:t>
             </a:r>
             <a:r>
-              <a:rPr lang="it-IT" sz="2800" dirty="0" err="1">
+              <a:rPr lang="it-IT" sz="2800" dirty="0" err="1" smtClean="0">
                 <a:solidFill>
                   <a:srgbClr val="02523F"/>
                 </a:solidFill>
@@ -4491,23 +4485,7 @@
               <a:t>contact</a:t>
             </a:r>
             <a:r>
-              <a:rPr lang="it-IT" sz="2800" dirty="0">
-                <a:solidFill>
-                  <a:srgbClr val="02523F"/>
-                </a:solidFill>
-              </a:rPr>
-              <a:t>/:</a:t>
-            </a:r>
-            <a:r>
-              <a:rPr lang="it-IT" sz="2800" dirty="0" err="1">
-                <a:solidFill>
-                  <a:srgbClr val="02523F"/>
-                </a:solidFill>
-              </a:rPr>
-              <a:t>name</a:t>
-            </a:r>
-            <a:r>
-              <a:rPr lang="it-IT" sz="2800" dirty="0">
+              <a:rPr lang="it-IT" sz="2800" dirty="0" smtClean="0">
                 <a:solidFill>
                   <a:srgbClr val="02523F"/>
                 </a:solidFill>
@@ -4630,7 +4608,16 @@
                 </a:solidFill>
                 <a:latin typeface="Consolas" panose="020B0609020204030204" pitchFamily="49" charset="0"/>
               </a:rPr>
-              <a:t>/carlo HTTP/1.1 </a:t>
+              <a:t> </a:t>
+            </a:r>
+            <a:r>
+              <a:rPr lang="it-IT" altLang="it-IT" sz="1800" dirty="0" smtClean="0">
+                <a:solidFill>
+                  <a:schemeClr val="bg1"/>
+                </a:solidFill>
+                <a:latin typeface="Consolas" panose="020B0609020204030204" pitchFamily="49" charset="0"/>
+              </a:rPr>
+              <a:t>HTTP/1.1 </a:t>
             </a:r>
           </a:p>
           <a:p>
@@ -7825,15 +7812,7 @@
                   <a:schemeClr val="bg1"/>
                 </a:solidFill>
               </a:rPr>
-              <a:t>HTTPS </a:t>
-            </a:r>
-            <a:r>
-              <a:rPr lang="it-IT" dirty="0" smtClean="0">
-                <a:solidFill>
-                  <a:schemeClr val="bg1"/>
-                </a:solidFill>
-              </a:rPr>
-              <a:t>è il risultato dell’accoppiamento del HTTP con il protocollo SSL o TLS che garantiscono la sicurezza della comunicazione.</a:t>
+              <a:t>HTTPS è il risultato dell’accoppiamento del HTTP con il protocollo SSL o TLS che garantiscono la sicurezza della comunicazione.</a:t>
             </a:r>
             <a:endParaRPr lang="it-IT" dirty="0">
               <a:solidFill>
@@ -8742,23 +8721,7 @@
                   <a:schemeClr val="bg1"/>
                 </a:solidFill>
               </a:rPr>
-              <a:t>Progetti che sfruttano delle </a:t>
-            </a:r>
-            <a:r>
-              <a:rPr lang="it-IT" dirty="0" smtClean="0">
-                <a:solidFill>
-                  <a:schemeClr val="bg1"/>
-                </a:solidFill>
-              </a:rPr>
-              <a:t>REST </a:t>
-            </a:r>
-            <a:r>
-              <a:rPr lang="it-IT" dirty="0" smtClean="0">
-                <a:solidFill>
-                  <a:schemeClr val="bg1"/>
-                </a:solidFill>
-              </a:rPr>
-              <a:t>API</a:t>
+              <a:t>Progetti che sfruttano delle REST API</a:t>
             </a:r>
             <a:endParaRPr lang="it-IT" dirty="0">
               <a:solidFill>
@@ -10275,6 +10238,13 @@
   <p:clrMapOvr>
     <a:masterClrMapping/>
   </p:clrMapOvr>
+  <p:timing>
+    <p:tnLst>
+      <p:par>
+        <p:cTn id="1" dur="indefinite" restart="never" nodeType="tmRoot"/>
+      </p:par>
+    </p:tnLst>
+  </p:timing>
 </p:sld>
 </file>
 
@@ -10377,6 +10347,13 @@
   <p:clrMapOvr>
     <a:masterClrMapping/>
   </p:clrMapOvr>
+  <p:timing>
+    <p:tnLst>
+      <p:par>
+        <p:cTn id="1" dur="indefinite" restart="never" nodeType="tmRoot"/>
+      </p:par>
+    </p:tnLst>
+  </p:timing>
 </p:sld>
 </file>
 
@@ -10544,6 +10521,13 @@
   <p:clrMapOvr>
     <a:masterClrMapping/>
   </p:clrMapOvr>
+  <p:timing>
+    <p:tnLst>
+      <p:par>
+        <p:cTn id="1" dur="indefinite" restart="never" nodeType="tmRoot"/>
+      </p:par>
+    </p:tnLst>
+  </p:timing>
 </p:sld>
 </file>
 
@@ -10738,6 +10722,13 @@
   <p:clrMapOvr>
     <a:masterClrMapping/>
   </p:clrMapOvr>
+  <p:timing>
+    <p:tnLst>
+      <p:par>
+        <p:cTn id="1" dur="indefinite" restart="never" nodeType="tmRoot"/>
+      </p:par>
+    </p:tnLst>
+  </p:timing>
 </p:sld>
 </file>
 
@@ -10844,6 +10835,13 @@
   <p:clrMapOvr>
     <a:masterClrMapping/>
   </p:clrMapOvr>
+  <p:timing>
+    <p:tnLst>
+      <p:par>
+        <p:cTn id="1" dur="indefinite" restart="never" nodeType="tmRoot"/>
+      </p:par>
+    </p:tnLst>
+  </p:timing>
 </p:sld>
 </file>
 
@@ -11014,7 +11012,26 @@
                   <a:schemeClr val="bg1"/>
                 </a:solidFill>
               </a:rPr>
-              <a:t>Access-Control-Allow-Origin:</a:t>
+              <a:t>Access-Control-Allow-Origin: </a:t>
+            </a:r>
+            <a:r>
+              <a:rPr lang="en-US" dirty="0" smtClean="0">
+                <a:solidFill>
+                  <a:schemeClr val="bg1"/>
+                </a:solidFill>
+              </a:rPr>
+              <a:t>*</a:t>
+            </a:r>
+          </a:p>
+          <a:p>
+            <a:pPr lvl="1"/>
+            <a:r>
+              <a:rPr lang="en-US" dirty="0" smtClean="0">
+                <a:solidFill>
+                  <a:schemeClr val="bg1"/>
+                </a:solidFill>
+              </a:rPr>
+              <a:t>Access-Control-Allow-Methods</a:t>
             </a:r>
             <a:r>
               <a:rPr lang="en-US" dirty="0">
@@ -11022,7 +11039,7 @@
                   <a:schemeClr val="bg1"/>
                 </a:solidFill>
               </a:rPr>
-              <a:t> </a:t>
+              <a:t>: GET, POST, PUT, </a:t>
             </a:r>
             <a:r>
               <a:rPr lang="en-US" dirty="0" smtClean="0">
@@ -11030,7 +11047,7 @@
                   <a:schemeClr val="bg1"/>
                 </a:solidFill>
               </a:rPr>
-              <a:t>*</a:t>
+              <a:t>DELETE</a:t>
             </a:r>
           </a:p>
           <a:p>
@@ -11041,7 +11058,7 @@
                   <a:schemeClr val="bg1"/>
                 </a:solidFill>
               </a:rPr>
-              <a:t>Access-Control-Allow-Methods</a:t>
+              <a:t>Access-Control-Allow-Headers</a:t>
             </a:r>
             <a:r>
               <a:rPr lang="en-US" dirty="0">
@@ -11049,50 +11066,7 @@
                   <a:schemeClr val="bg1"/>
                 </a:solidFill>
               </a:rPr>
-              <a:t>:</a:t>
-            </a:r>
-            <a:r>
-              <a:rPr lang="en-US" dirty="0">
-                <a:solidFill>
-                  <a:schemeClr val="bg1"/>
-                </a:solidFill>
-              </a:rPr>
-              <a:t> GET, POST, PUT, </a:t>
-            </a:r>
-            <a:r>
-              <a:rPr lang="en-US" dirty="0" smtClean="0">
-                <a:solidFill>
-                  <a:schemeClr val="bg1"/>
-                </a:solidFill>
-              </a:rPr>
-              <a:t>DELETE</a:t>
-            </a:r>
-          </a:p>
-          <a:p>
-            <a:pPr lvl="1"/>
-            <a:r>
-              <a:rPr lang="en-US" dirty="0" smtClean="0">
-                <a:solidFill>
-                  <a:schemeClr val="bg1"/>
-                </a:solidFill>
-              </a:rPr>
-              <a:t>Access-Control-Allow-Headers</a:t>
-            </a:r>
-            <a:r>
-              <a:rPr lang="en-US" dirty="0">
-                <a:solidFill>
-                  <a:schemeClr val="bg1"/>
-                </a:solidFill>
-              </a:rPr>
-              <a:t>:</a:t>
-            </a:r>
-            <a:r>
-              <a:rPr lang="en-US" dirty="0">
-                <a:solidFill>
-                  <a:schemeClr val="bg1"/>
-                </a:solidFill>
-              </a:rPr>
-              <a:t> </a:t>
+              <a:t>: </a:t>
             </a:r>
             <a:r>
               <a:rPr lang="en-US" dirty="0" smtClean="0">
@@ -11136,6 +11110,13 @@
   <p:clrMapOvr>
     <a:masterClrMapping/>
   </p:clrMapOvr>
+  <p:timing>
+    <p:tnLst>
+      <p:par>
+        <p:cTn id="1" dur="indefinite" restart="never" nodeType="tmRoot"/>
+      </p:par>
+    </p:tnLst>
+  </p:timing>
 </p:sld>
 </file>
 
@@ -11250,6 +11231,13 @@
   <p:clrMapOvr>
     <a:masterClrMapping/>
   </p:clrMapOvr>
+  <p:timing>
+    <p:tnLst>
+      <p:par>
+        <p:cTn id="1" dur="indefinite" restart="never" nodeType="tmRoot"/>
+      </p:par>
+    </p:tnLst>
+  </p:timing>
 </p:sld>
 </file>
 
